--- a/Slides/10. Detecção de Colisão.pptx
+++ b/Slides/10. Detecção de Colisão.pptx
@@ -5,10 +5,10 @@
     <p:sldMasterId id="2147483780" r:id="rId1"/>
   </p:sldMasterIdLst>
   <p:notesMasterIdLst>
-    <p:notesMasterId r:id="rId20"/>
+    <p:notesMasterId r:id="rId22"/>
   </p:notesMasterIdLst>
   <p:handoutMasterIdLst>
-    <p:handoutMasterId r:id="rId21"/>
+    <p:handoutMasterId r:id="rId23"/>
   </p:handoutMasterIdLst>
   <p:sldIdLst>
     <p:sldId id="256" r:id="rId2"/>
@@ -19,16 +19,18 @@
     <p:sldId id="341" r:id="rId7"/>
     <p:sldId id="333" r:id="rId8"/>
     <p:sldId id="334" r:id="rId9"/>
-    <p:sldId id="336" r:id="rId10"/>
-    <p:sldId id="327" r:id="rId11"/>
-    <p:sldId id="331" r:id="rId12"/>
-    <p:sldId id="338" r:id="rId13"/>
-    <p:sldId id="337" r:id="rId14"/>
-    <p:sldId id="332" r:id="rId15"/>
-    <p:sldId id="339" r:id="rId16"/>
-    <p:sldId id="342" r:id="rId17"/>
-    <p:sldId id="343" r:id="rId18"/>
-    <p:sldId id="325" r:id="rId19"/>
+    <p:sldId id="335" r:id="rId10"/>
+    <p:sldId id="344" r:id="rId11"/>
+    <p:sldId id="336" r:id="rId12"/>
+    <p:sldId id="327" r:id="rId13"/>
+    <p:sldId id="331" r:id="rId14"/>
+    <p:sldId id="338" r:id="rId15"/>
+    <p:sldId id="337" r:id="rId16"/>
+    <p:sldId id="332" r:id="rId17"/>
+    <p:sldId id="339" r:id="rId18"/>
+    <p:sldId id="342" r:id="rId19"/>
+    <p:sldId id="343" r:id="rId20"/>
+    <p:sldId id="325" r:id="rId21"/>
   </p:sldIdLst>
   <p:sldSz cx="12192000" cy="6858000"/>
   <p:notesSz cx="6858000" cy="9144000"/>
@@ -152,14 +154,1598 @@
 <file path=ppt/revisionInfo.xml><?xml version="1.0" encoding="utf-8"?>
 <p1510:revInfo xmlns:a="http://schemas.openxmlformats.org/drawingml/2006/main" xmlns:r="http://schemas.openxmlformats.org/officeDocument/2006/relationships" xmlns:p1510="http://schemas.microsoft.com/office/powerpoint/2015/10/main">
   <p1510:revLst>
-    <p1510:client id="{2DF3116F-66BB-4296-A4E8-7A2D1CB39660}" v="137" dt="2019-06-04T23:57:47.832"/>
-    <p1510:client id="{91EDFD78-132A-4071-A74D-3AEBFCD2AC07}" v="1" dt="2019-06-05T17:31:38.893"/>
+    <p1510:client id="{F02A8769-13FB-4EC9-A32C-E030E68C60F2}" v="41" dt="2021-08-21T01:14:10.579"/>
   </p1510:revLst>
 </p1510:revInfo>
 </file>
 
 <file path=ppt/changesInfos/changesInfo1.xml><?xml version="1.0" encoding="utf-8"?>
 <pc:chgInfo xmlns:a="http://schemas.openxmlformats.org/drawingml/2006/main" xmlns:r="http://schemas.openxmlformats.org/officeDocument/2006/relationships" xmlns:ac="http://schemas.microsoft.com/office/drawing/2013/main/command" xmlns:pc="http://schemas.microsoft.com/office/powerpoint/2013/main/command">
+  <pc:docChgLst>
+    <pc:chgData name="Judson Santiago" userId="ebb108da2f256286" providerId="LiveId" clId="{F02A8769-13FB-4EC9-A32C-E030E68C60F2}"/>
+    <pc:docChg chg="undo custSel addSld modSld modMainMaster">
+      <pc:chgData name="Judson Santiago" userId="ebb108da2f256286" providerId="LiveId" clId="{F02A8769-13FB-4EC9-A32C-E030E68C60F2}" dt="2021-08-21T03:28:28.786" v="845" actId="21"/>
+      <pc:docMkLst>
+        <pc:docMk/>
+      </pc:docMkLst>
+      <pc:sldChg chg="modSp mod">
+        <pc:chgData name="Judson Santiago" userId="ebb108da2f256286" providerId="LiveId" clId="{F02A8769-13FB-4EC9-A32C-E030E68C60F2}" dt="2021-08-20T23:46:56.649" v="26" actId="20577"/>
+        <pc:sldMkLst>
+          <pc:docMk/>
+          <pc:sldMk cId="0" sldId="256"/>
+        </pc:sldMkLst>
+        <pc:spChg chg="mod">
+          <ac:chgData name="Judson Santiago" userId="ebb108da2f256286" providerId="LiveId" clId="{F02A8769-13FB-4EC9-A32C-E030E68C60F2}" dt="2021-08-20T23:46:56.649" v="26" actId="20577"/>
+          <ac:spMkLst>
+            <pc:docMk/>
+            <pc:sldMk cId="0" sldId="256"/>
+            <ac:spMk id="2" creationId="{00000000-0000-0000-0000-000000000000}"/>
+          </ac:spMkLst>
+        </pc:spChg>
+        <pc:spChg chg="mod">
+          <ac:chgData name="Judson Santiago" userId="ebb108da2f256286" providerId="LiveId" clId="{F02A8769-13FB-4EC9-A32C-E030E68C60F2}" dt="2021-08-20T23:46:46.216" v="12" actId="403"/>
+          <ac:spMkLst>
+            <pc:docMk/>
+            <pc:sldMk cId="0" sldId="256"/>
+            <ac:spMk id="3" creationId="{00000000-0000-0000-0000-000000000000}"/>
+          </ac:spMkLst>
+        </pc:spChg>
+      </pc:sldChg>
+      <pc:sldChg chg="modSp mod modNotesTx">
+        <pc:chgData name="Judson Santiago" userId="ebb108da2f256286" providerId="LiveId" clId="{F02A8769-13FB-4EC9-A32C-E030E68C60F2}" dt="2021-08-20T23:51:58.065" v="51" actId="1035"/>
+        <pc:sldMkLst>
+          <pc:docMk/>
+          <pc:sldMk cId="460992010" sldId="266"/>
+        </pc:sldMkLst>
+        <pc:spChg chg="mod">
+          <ac:chgData name="Judson Santiago" userId="ebb108da2f256286" providerId="LiveId" clId="{F02A8769-13FB-4EC9-A32C-E030E68C60F2}" dt="2021-08-20T23:51:38.558" v="48" actId="948"/>
+          <ac:spMkLst>
+            <pc:docMk/>
+            <pc:sldMk cId="460992010" sldId="266"/>
+            <ac:spMk id="3" creationId="{00000000-0000-0000-0000-000000000000}"/>
+          </ac:spMkLst>
+        </pc:spChg>
+        <pc:spChg chg="mod">
+          <ac:chgData name="Judson Santiago" userId="ebb108da2f256286" providerId="LiveId" clId="{F02A8769-13FB-4EC9-A32C-E030E68C60F2}" dt="2021-08-20T23:51:58.065" v="51" actId="1035"/>
+          <ac:spMkLst>
+            <pc:docMk/>
+            <pc:sldMk cId="460992010" sldId="266"/>
+            <ac:spMk id="4" creationId="{9E7A0F67-82FE-418A-BBE2-19A28FE3D22A}"/>
+          </ac:spMkLst>
+        </pc:spChg>
+      </pc:sldChg>
+      <pc:sldChg chg="modSp mod">
+        <pc:chgData name="Judson Santiago" userId="ebb108da2f256286" providerId="LiveId" clId="{F02A8769-13FB-4EC9-A32C-E030E68C60F2}" dt="2021-08-21T03:27:49.594" v="844" actId="948"/>
+        <pc:sldMkLst>
+          <pc:docMk/>
+          <pc:sldMk cId="904695914" sldId="325"/>
+        </pc:sldMkLst>
+        <pc:spChg chg="mod">
+          <ac:chgData name="Judson Santiago" userId="ebb108da2f256286" providerId="LiveId" clId="{F02A8769-13FB-4EC9-A32C-E030E68C60F2}" dt="2021-08-21T03:27:49.594" v="844" actId="948"/>
+          <ac:spMkLst>
+            <pc:docMk/>
+            <pc:sldMk cId="904695914" sldId="325"/>
+            <ac:spMk id="2" creationId="{00000000-0000-0000-0000-000000000000}"/>
+          </ac:spMkLst>
+        </pc:spChg>
+      </pc:sldChg>
+      <pc:sldChg chg="modSp mod">
+        <pc:chgData name="Judson Santiago" userId="ebb108da2f256286" providerId="LiveId" clId="{F02A8769-13FB-4EC9-A32C-E030E68C60F2}" dt="2021-08-21T00:16:10.883" v="97" actId="207"/>
+        <pc:sldMkLst>
+          <pc:docMk/>
+          <pc:sldMk cId="1109265082" sldId="326"/>
+        </pc:sldMkLst>
+        <pc:spChg chg="mod">
+          <ac:chgData name="Judson Santiago" userId="ebb108da2f256286" providerId="LiveId" clId="{F02A8769-13FB-4EC9-A32C-E030E68C60F2}" dt="2021-08-21T00:16:10.883" v="97" actId="207"/>
+          <ac:spMkLst>
+            <pc:docMk/>
+            <pc:sldMk cId="1109265082" sldId="326"/>
+            <ac:spMk id="2" creationId="{00000000-0000-0000-0000-000000000000}"/>
+          </ac:spMkLst>
+        </pc:spChg>
+        <pc:spChg chg="mod">
+          <ac:chgData name="Judson Santiago" userId="ebb108da2f256286" providerId="LiveId" clId="{F02A8769-13FB-4EC9-A32C-E030E68C60F2}" dt="2021-08-21T00:15:18.434" v="91" actId="1076"/>
+          <ac:spMkLst>
+            <pc:docMk/>
+            <pc:sldMk cId="1109265082" sldId="326"/>
+            <ac:spMk id="4" creationId="{8FAB3EE9-E99D-402D-8BDE-6CD55F1B16DD}"/>
+          </ac:spMkLst>
+        </pc:spChg>
+        <pc:spChg chg="mod">
+          <ac:chgData name="Judson Santiago" userId="ebb108da2f256286" providerId="LiveId" clId="{F02A8769-13FB-4EC9-A32C-E030E68C60F2}" dt="2021-08-21T00:11:00.562" v="66" actId="12789"/>
+          <ac:spMkLst>
+            <pc:docMk/>
+            <pc:sldMk cId="1109265082" sldId="326"/>
+            <ac:spMk id="29" creationId="{00000000-0000-0000-0000-000000000000}"/>
+          </ac:spMkLst>
+        </pc:spChg>
+        <pc:spChg chg="mod">
+          <ac:chgData name="Judson Santiago" userId="ebb108da2f256286" providerId="LiveId" clId="{F02A8769-13FB-4EC9-A32C-E030E68C60F2}" dt="2021-08-21T00:11:00.562" v="66" actId="12789"/>
+          <ac:spMkLst>
+            <pc:docMk/>
+            <pc:sldMk cId="1109265082" sldId="326"/>
+            <ac:spMk id="30" creationId="{00000000-0000-0000-0000-000000000000}"/>
+          </ac:spMkLst>
+        </pc:spChg>
+        <pc:spChg chg="mod">
+          <ac:chgData name="Judson Santiago" userId="ebb108da2f256286" providerId="LiveId" clId="{F02A8769-13FB-4EC9-A32C-E030E68C60F2}" dt="2021-08-21T00:11:00.562" v="66" actId="12789"/>
+          <ac:spMkLst>
+            <pc:docMk/>
+            <pc:sldMk cId="1109265082" sldId="326"/>
+            <ac:spMk id="31" creationId="{00000000-0000-0000-0000-000000000000}"/>
+          </ac:spMkLst>
+        </pc:spChg>
+        <pc:spChg chg="mod">
+          <ac:chgData name="Judson Santiago" userId="ebb108da2f256286" providerId="LiveId" clId="{F02A8769-13FB-4EC9-A32C-E030E68C60F2}" dt="2021-08-21T00:11:00.562" v="66" actId="12789"/>
+          <ac:spMkLst>
+            <pc:docMk/>
+            <pc:sldMk cId="1109265082" sldId="326"/>
+            <ac:spMk id="32" creationId="{00000000-0000-0000-0000-000000000000}"/>
+          </ac:spMkLst>
+        </pc:spChg>
+        <pc:spChg chg="mod">
+          <ac:chgData name="Judson Santiago" userId="ebb108da2f256286" providerId="LiveId" clId="{F02A8769-13FB-4EC9-A32C-E030E68C60F2}" dt="2021-08-21T00:12:26.539" v="74" actId="1076"/>
+          <ac:spMkLst>
+            <pc:docMk/>
+            <pc:sldMk cId="1109265082" sldId="326"/>
+            <ac:spMk id="39" creationId="{00000000-0000-0000-0000-000000000000}"/>
+          </ac:spMkLst>
+        </pc:spChg>
+        <pc:cxnChg chg="mod">
+          <ac:chgData name="Judson Santiago" userId="ebb108da2f256286" providerId="LiveId" clId="{F02A8769-13FB-4EC9-A32C-E030E68C60F2}" dt="2021-08-21T00:11:00.562" v="66" actId="12789"/>
+          <ac:cxnSpMkLst>
+            <pc:docMk/>
+            <pc:sldMk cId="1109265082" sldId="326"/>
+            <ac:cxnSpMk id="23" creationId="{00000000-0000-0000-0000-000000000000}"/>
+          </ac:cxnSpMkLst>
+        </pc:cxnChg>
+        <pc:cxnChg chg="mod">
+          <ac:chgData name="Judson Santiago" userId="ebb108da2f256286" providerId="LiveId" clId="{F02A8769-13FB-4EC9-A32C-E030E68C60F2}" dt="2021-08-21T00:11:00.562" v="66" actId="12789"/>
+          <ac:cxnSpMkLst>
+            <pc:docMk/>
+            <pc:sldMk cId="1109265082" sldId="326"/>
+            <ac:cxnSpMk id="28" creationId="{00000000-0000-0000-0000-000000000000}"/>
+          </ac:cxnSpMkLst>
+        </pc:cxnChg>
+      </pc:sldChg>
+      <pc:sldChg chg="modSp mod">
+        <pc:chgData name="Judson Santiago" userId="ebb108da2f256286" providerId="LiveId" clId="{F02A8769-13FB-4EC9-A32C-E030E68C60F2}" dt="2021-08-21T02:03:57.941" v="787" actId="207"/>
+        <pc:sldMkLst>
+          <pc:docMk/>
+          <pc:sldMk cId="1248988640" sldId="327"/>
+        </pc:sldMkLst>
+        <pc:spChg chg="mod">
+          <ac:chgData name="Judson Santiago" userId="ebb108da2f256286" providerId="LiveId" clId="{F02A8769-13FB-4EC9-A32C-E030E68C60F2}" dt="2021-08-21T02:03:57.941" v="787" actId="207"/>
+          <ac:spMkLst>
+            <pc:docMk/>
+            <pc:sldMk cId="1248988640" sldId="327"/>
+            <ac:spMk id="2" creationId="{00000000-0000-0000-0000-000000000000}"/>
+          </ac:spMkLst>
+        </pc:spChg>
+        <pc:spChg chg="mod">
+          <ac:chgData name="Judson Santiago" userId="ebb108da2f256286" providerId="LiveId" clId="{F02A8769-13FB-4EC9-A32C-E030E68C60F2}" dt="2021-08-21T02:02:37.936" v="786" actId="1076"/>
+          <ac:spMkLst>
+            <pc:docMk/>
+            <pc:sldMk cId="1248988640" sldId="327"/>
+            <ac:spMk id="46" creationId="{AFE5C298-514F-4757-B537-78A15E7BAD6B}"/>
+          </ac:spMkLst>
+        </pc:spChg>
+      </pc:sldChg>
+      <pc:sldChg chg="modSp mod">
+        <pc:chgData name="Judson Santiago" userId="ebb108da2f256286" providerId="LiveId" clId="{F02A8769-13FB-4EC9-A32C-E030E68C60F2}" dt="2021-08-21T00:07:43.340" v="63" actId="6549"/>
+        <pc:sldMkLst>
+          <pc:docMk/>
+          <pc:sldMk cId="2420297589" sldId="328"/>
+        </pc:sldMkLst>
+        <pc:spChg chg="mod">
+          <ac:chgData name="Judson Santiago" userId="ebb108da2f256286" providerId="LiveId" clId="{F02A8769-13FB-4EC9-A32C-E030E68C60F2}" dt="2021-08-21T00:07:43.340" v="63" actId="6549"/>
+          <ac:spMkLst>
+            <pc:docMk/>
+            <pc:sldMk cId="2420297589" sldId="328"/>
+            <ac:spMk id="2" creationId="{00000000-0000-0000-0000-000000000000}"/>
+          </ac:spMkLst>
+        </pc:spChg>
+      </pc:sldChg>
+      <pc:sldChg chg="modSp mod">
+        <pc:chgData name="Judson Santiago" userId="ebb108da2f256286" providerId="LiveId" clId="{F02A8769-13FB-4EC9-A32C-E030E68C60F2}" dt="2021-08-21T03:15:52.407" v="801" actId="1582"/>
+        <pc:sldMkLst>
+          <pc:docMk/>
+          <pc:sldMk cId="688013266" sldId="331"/>
+        </pc:sldMkLst>
+        <pc:spChg chg="mod">
+          <ac:chgData name="Judson Santiago" userId="ebb108da2f256286" providerId="LiveId" clId="{F02A8769-13FB-4EC9-A32C-E030E68C60F2}" dt="2021-08-21T02:04:51.293" v="792" actId="20577"/>
+          <ac:spMkLst>
+            <pc:docMk/>
+            <pc:sldMk cId="688013266" sldId="331"/>
+            <ac:spMk id="2" creationId="{00000000-0000-0000-0000-000000000000}"/>
+          </ac:spMkLst>
+        </pc:spChg>
+        <pc:spChg chg="mod">
+          <ac:chgData name="Judson Santiago" userId="ebb108da2f256286" providerId="LiveId" clId="{F02A8769-13FB-4EC9-A32C-E030E68C60F2}" dt="2021-08-21T02:04:38.795" v="790" actId="1076"/>
+          <ac:spMkLst>
+            <pc:docMk/>
+            <pc:sldMk cId="688013266" sldId="331"/>
+            <ac:spMk id="65" creationId="{00000000-0000-0000-0000-000000000000}"/>
+          </ac:spMkLst>
+        </pc:spChg>
+        <pc:cxnChg chg="mod">
+          <ac:chgData name="Judson Santiago" userId="ebb108da2f256286" providerId="LiveId" clId="{F02A8769-13FB-4EC9-A32C-E030E68C60F2}" dt="2021-08-21T03:15:52.407" v="801" actId="1582"/>
+          <ac:cxnSpMkLst>
+            <pc:docMk/>
+            <pc:sldMk cId="688013266" sldId="331"/>
+            <ac:cxnSpMk id="10" creationId="{00000000-0000-0000-0000-000000000000}"/>
+          </ac:cxnSpMkLst>
+        </pc:cxnChg>
+      </pc:sldChg>
+      <pc:sldChg chg="modSp mod">
+        <pc:chgData name="Judson Santiago" userId="ebb108da2f256286" providerId="LiveId" clId="{F02A8769-13FB-4EC9-A32C-E030E68C60F2}" dt="2021-08-21T03:17:21.507" v="805" actId="20577"/>
+        <pc:sldMkLst>
+          <pc:docMk/>
+          <pc:sldMk cId="4139913307" sldId="332"/>
+        </pc:sldMkLst>
+        <pc:spChg chg="mod">
+          <ac:chgData name="Judson Santiago" userId="ebb108da2f256286" providerId="LiveId" clId="{F02A8769-13FB-4EC9-A32C-E030E68C60F2}" dt="2021-08-21T03:17:21.507" v="805" actId="20577"/>
+          <ac:spMkLst>
+            <pc:docMk/>
+            <pc:sldMk cId="4139913307" sldId="332"/>
+            <ac:spMk id="2" creationId="{00000000-0000-0000-0000-000000000000}"/>
+          </ac:spMkLst>
+        </pc:spChg>
+      </pc:sldChg>
+      <pc:sldChg chg="addSp delSp modSp mod">
+        <pc:chgData name="Judson Santiago" userId="ebb108da2f256286" providerId="LiveId" clId="{F02A8769-13FB-4EC9-A32C-E030E68C60F2}" dt="2021-08-21T01:13:45.712" v="773" actId="164"/>
+        <pc:sldMkLst>
+          <pc:docMk/>
+          <pc:sldMk cId="1525901002" sldId="333"/>
+        </pc:sldMkLst>
+        <pc:spChg chg="mod">
+          <ac:chgData name="Judson Santiago" userId="ebb108da2f256286" providerId="LiveId" clId="{F02A8769-13FB-4EC9-A32C-E030E68C60F2}" dt="2021-08-21T00:17:48.043" v="101" actId="6549"/>
+          <ac:spMkLst>
+            <pc:docMk/>
+            <pc:sldMk cId="1525901002" sldId="333"/>
+            <ac:spMk id="2" creationId="{00000000-0000-0000-0000-000000000000}"/>
+          </ac:spMkLst>
+        </pc:spChg>
+        <pc:spChg chg="mod">
+          <ac:chgData name="Judson Santiago" userId="ebb108da2f256286" providerId="LiveId" clId="{F02A8769-13FB-4EC9-A32C-E030E68C60F2}" dt="2021-08-21T01:13:41.462" v="772" actId="164"/>
+          <ac:spMkLst>
+            <pc:docMk/>
+            <pc:sldMk cId="1525901002" sldId="333"/>
+            <ac:spMk id="4" creationId="{00000000-0000-0000-0000-000000000000}"/>
+          </ac:spMkLst>
+        </pc:spChg>
+        <pc:spChg chg="mod">
+          <ac:chgData name="Judson Santiago" userId="ebb108da2f256286" providerId="LiveId" clId="{F02A8769-13FB-4EC9-A32C-E030E68C60F2}" dt="2021-08-21T01:13:41.462" v="772" actId="164"/>
+          <ac:spMkLst>
+            <pc:docMk/>
+            <pc:sldMk cId="1525901002" sldId="333"/>
+            <ac:spMk id="5" creationId="{00000000-0000-0000-0000-000000000000}"/>
+          </ac:spMkLst>
+        </pc:spChg>
+        <pc:spChg chg="del mod topLvl">
+          <ac:chgData name="Judson Santiago" userId="ebb108da2f256286" providerId="LiveId" clId="{F02A8769-13FB-4EC9-A32C-E030E68C60F2}" dt="2021-08-21T01:12:54.661" v="763" actId="478"/>
+          <ac:spMkLst>
+            <pc:docMk/>
+            <pc:sldMk cId="1525901002" sldId="333"/>
+            <ac:spMk id="7" creationId="{00000000-0000-0000-0000-000000000000}"/>
+          </ac:spMkLst>
+        </pc:spChg>
+        <pc:spChg chg="del mod topLvl">
+          <ac:chgData name="Judson Santiago" userId="ebb108da2f256286" providerId="LiveId" clId="{F02A8769-13FB-4EC9-A32C-E030E68C60F2}" dt="2021-08-21T01:12:52.568" v="762" actId="478"/>
+          <ac:spMkLst>
+            <pc:docMk/>
+            <pc:sldMk cId="1525901002" sldId="333"/>
+            <ac:spMk id="8" creationId="{00000000-0000-0000-0000-000000000000}"/>
+          </ac:spMkLst>
+        </pc:spChg>
+        <pc:spChg chg="mod">
+          <ac:chgData name="Judson Santiago" userId="ebb108da2f256286" providerId="LiveId" clId="{F02A8769-13FB-4EC9-A32C-E030E68C60F2}" dt="2021-08-21T01:13:41.462" v="772" actId="164"/>
+          <ac:spMkLst>
+            <pc:docMk/>
+            <pc:sldMk cId="1525901002" sldId="333"/>
+            <ac:spMk id="9" creationId="{00000000-0000-0000-0000-000000000000}"/>
+          </ac:spMkLst>
+        </pc:spChg>
+        <pc:spChg chg="mod">
+          <ac:chgData name="Judson Santiago" userId="ebb108da2f256286" providerId="LiveId" clId="{F02A8769-13FB-4EC9-A32C-E030E68C60F2}" dt="2021-08-21T01:13:45.712" v="773" actId="164"/>
+          <ac:spMkLst>
+            <pc:docMk/>
+            <pc:sldMk cId="1525901002" sldId="333"/>
+            <ac:spMk id="10" creationId="{00000000-0000-0000-0000-000000000000}"/>
+          </ac:spMkLst>
+        </pc:spChg>
+        <pc:spChg chg="mod">
+          <ac:chgData name="Judson Santiago" userId="ebb108da2f256286" providerId="LiveId" clId="{F02A8769-13FB-4EC9-A32C-E030E68C60F2}" dt="2021-08-21T01:13:05.077" v="766"/>
+          <ac:spMkLst>
+            <pc:docMk/>
+            <pc:sldMk cId="1525901002" sldId="333"/>
+            <ac:spMk id="13" creationId="{FEB393BB-4A28-4EA9-85DE-72C16A9D2042}"/>
+          </ac:spMkLst>
+        </pc:spChg>
+        <pc:spChg chg="mod">
+          <ac:chgData name="Judson Santiago" userId="ebb108da2f256286" providerId="LiveId" clId="{F02A8769-13FB-4EC9-A32C-E030E68C60F2}" dt="2021-08-21T01:13:05.077" v="766"/>
+          <ac:spMkLst>
+            <pc:docMk/>
+            <pc:sldMk cId="1525901002" sldId="333"/>
+            <ac:spMk id="14" creationId="{C3CB3B53-954B-4A24-A086-E04A86D8314C}"/>
+          </ac:spMkLst>
+        </pc:spChg>
+        <pc:spChg chg="del mod">
+          <ac:chgData name="Judson Santiago" userId="ebb108da2f256286" providerId="LiveId" clId="{F02A8769-13FB-4EC9-A32C-E030E68C60F2}" dt="2021-08-21T01:13:08.477" v="767" actId="478"/>
+          <ac:spMkLst>
+            <pc:docMk/>
+            <pc:sldMk cId="1525901002" sldId="333"/>
+            <ac:spMk id="15" creationId="{B8100732-6D43-4B58-85DF-191251AF448C}"/>
+          </ac:spMkLst>
+        </pc:spChg>
+        <pc:grpChg chg="add del mod">
+          <ac:chgData name="Judson Santiago" userId="ebb108da2f256286" providerId="LiveId" clId="{F02A8769-13FB-4EC9-A32C-E030E68C60F2}" dt="2021-08-21T01:12:52.568" v="762" actId="478"/>
+          <ac:grpSpMkLst>
+            <pc:docMk/>
+            <pc:sldMk cId="1525901002" sldId="333"/>
+            <ac:grpSpMk id="6" creationId="{48A2F09B-33CC-4705-9641-186852B5AF18}"/>
+          </ac:grpSpMkLst>
+        </pc:grpChg>
+        <pc:grpChg chg="add mod">
+          <ac:chgData name="Judson Santiago" userId="ebb108da2f256286" providerId="LiveId" clId="{F02A8769-13FB-4EC9-A32C-E030E68C60F2}" dt="2021-08-21T01:13:45.712" v="773" actId="164"/>
+          <ac:grpSpMkLst>
+            <pc:docMk/>
+            <pc:sldMk cId="1525901002" sldId="333"/>
+            <ac:grpSpMk id="12" creationId="{CE1836F4-9B62-4C82-92DE-9ACD96B7D42F}"/>
+          </ac:grpSpMkLst>
+        </pc:grpChg>
+        <pc:grpChg chg="add mod">
+          <ac:chgData name="Judson Santiago" userId="ebb108da2f256286" providerId="LiveId" clId="{F02A8769-13FB-4EC9-A32C-E030E68C60F2}" dt="2021-08-21T01:13:41.462" v="772" actId="164"/>
+          <ac:grpSpMkLst>
+            <pc:docMk/>
+            <pc:sldMk cId="1525901002" sldId="333"/>
+            <ac:grpSpMk id="16" creationId="{935F7ACB-64B8-4487-922F-8888B641B582}"/>
+          </ac:grpSpMkLst>
+        </pc:grpChg>
+        <pc:grpChg chg="add mod">
+          <ac:chgData name="Judson Santiago" userId="ebb108da2f256286" providerId="LiveId" clId="{F02A8769-13FB-4EC9-A32C-E030E68C60F2}" dt="2021-08-21T01:13:45.712" v="773" actId="164"/>
+          <ac:grpSpMkLst>
+            <pc:docMk/>
+            <pc:sldMk cId="1525901002" sldId="333"/>
+            <ac:grpSpMk id="17" creationId="{525B3B3A-B5C9-449E-9265-3359B8FA743D}"/>
+          </ac:grpSpMkLst>
+        </pc:grpChg>
+        <pc:cxnChg chg="add del mod">
+          <ac:chgData name="Judson Santiago" userId="ebb108da2f256286" providerId="LiveId" clId="{F02A8769-13FB-4EC9-A32C-E030E68C60F2}" dt="2021-08-21T01:12:57.733" v="765" actId="478"/>
+          <ac:cxnSpMkLst>
+            <pc:docMk/>
+            <pc:sldMk cId="1525901002" sldId="333"/>
+            <ac:cxnSpMk id="11" creationId="{ACA7934E-472E-4816-B77F-DC510746BE5E}"/>
+          </ac:cxnSpMkLst>
+        </pc:cxnChg>
+      </pc:sldChg>
+      <pc:sldChg chg="modSp mod">
+        <pc:chgData name="Judson Santiago" userId="ebb108da2f256286" providerId="LiveId" clId="{F02A8769-13FB-4EC9-A32C-E030E68C60F2}" dt="2021-08-21T00:24:10.129" v="164" actId="14100"/>
+        <pc:sldMkLst>
+          <pc:docMk/>
+          <pc:sldMk cId="3055251702" sldId="334"/>
+        </pc:sldMkLst>
+        <pc:spChg chg="mod">
+          <ac:chgData name="Judson Santiago" userId="ebb108da2f256286" providerId="LiveId" clId="{F02A8769-13FB-4EC9-A32C-E030E68C60F2}" dt="2021-08-21T00:22:17.142" v="156" actId="20577"/>
+          <ac:spMkLst>
+            <pc:docMk/>
+            <pc:sldMk cId="3055251702" sldId="334"/>
+            <ac:spMk id="2" creationId="{00000000-0000-0000-0000-000000000000}"/>
+          </ac:spMkLst>
+        </pc:spChg>
+        <pc:spChg chg="mod">
+          <ac:chgData name="Judson Santiago" userId="ebb108da2f256286" providerId="LiveId" clId="{F02A8769-13FB-4EC9-A32C-E030E68C60F2}" dt="2021-08-21T00:24:01.183" v="162" actId="14100"/>
+          <ac:spMkLst>
+            <pc:docMk/>
+            <pc:sldMk cId="3055251702" sldId="334"/>
+            <ac:spMk id="4" creationId="{00000000-0000-0000-0000-000000000000}"/>
+          </ac:spMkLst>
+        </pc:spChg>
+        <pc:spChg chg="mod">
+          <ac:chgData name="Judson Santiago" userId="ebb108da2f256286" providerId="LiveId" clId="{F02A8769-13FB-4EC9-A32C-E030E68C60F2}" dt="2021-08-21T00:23:22.236" v="158" actId="1035"/>
+          <ac:spMkLst>
+            <pc:docMk/>
+            <pc:sldMk cId="3055251702" sldId="334"/>
+            <ac:spMk id="21" creationId="{00000000-0000-0000-0000-000000000000}"/>
+          </ac:spMkLst>
+        </pc:spChg>
+        <pc:spChg chg="mod">
+          <ac:chgData name="Judson Santiago" userId="ebb108da2f256286" providerId="LiveId" clId="{F02A8769-13FB-4EC9-A32C-E030E68C60F2}" dt="2021-08-21T00:23:25.361" v="161" actId="1038"/>
+          <ac:spMkLst>
+            <pc:docMk/>
+            <pc:sldMk cId="3055251702" sldId="334"/>
+            <ac:spMk id="23" creationId="{00000000-0000-0000-0000-000000000000}"/>
+          </ac:spMkLst>
+        </pc:spChg>
+        <pc:grpChg chg="mod">
+          <ac:chgData name="Judson Santiago" userId="ebb108da2f256286" providerId="LiveId" clId="{F02A8769-13FB-4EC9-A32C-E030E68C60F2}" dt="2021-08-21T00:21:30.595" v="135" actId="1037"/>
+          <ac:grpSpMkLst>
+            <pc:docMk/>
+            <pc:sldMk cId="3055251702" sldId="334"/>
+            <ac:grpSpMk id="9" creationId="{40103702-3335-4BD6-ADA5-F734A075680E}"/>
+          </ac:grpSpMkLst>
+        </pc:grpChg>
+        <pc:cxnChg chg="mod">
+          <ac:chgData name="Judson Santiago" userId="ebb108da2f256286" providerId="LiveId" clId="{F02A8769-13FB-4EC9-A32C-E030E68C60F2}" dt="2021-08-21T00:24:01.183" v="162" actId="14100"/>
+          <ac:cxnSpMkLst>
+            <pc:docMk/>
+            <pc:sldMk cId="3055251702" sldId="334"/>
+            <ac:cxnSpMk id="6" creationId="{00000000-0000-0000-0000-000000000000}"/>
+          </ac:cxnSpMkLst>
+        </pc:cxnChg>
+        <pc:cxnChg chg="mod">
+          <ac:chgData name="Judson Santiago" userId="ebb108da2f256286" providerId="LiveId" clId="{F02A8769-13FB-4EC9-A32C-E030E68C60F2}" dt="2021-08-21T00:24:01.183" v="162" actId="14100"/>
+          <ac:cxnSpMkLst>
+            <pc:docMk/>
+            <pc:sldMk cId="3055251702" sldId="334"/>
+            <ac:cxnSpMk id="8" creationId="{00000000-0000-0000-0000-000000000000}"/>
+          </ac:cxnSpMkLst>
+        </pc:cxnChg>
+        <pc:cxnChg chg="mod">
+          <ac:chgData name="Judson Santiago" userId="ebb108da2f256286" providerId="LiveId" clId="{F02A8769-13FB-4EC9-A32C-E030E68C60F2}" dt="2021-08-21T00:24:06.738" v="163" actId="14100"/>
+          <ac:cxnSpMkLst>
+            <pc:docMk/>
+            <pc:sldMk cId="3055251702" sldId="334"/>
+            <ac:cxnSpMk id="17" creationId="{00000000-0000-0000-0000-000000000000}"/>
+          </ac:cxnSpMkLst>
+        </pc:cxnChg>
+        <pc:cxnChg chg="mod">
+          <ac:chgData name="Judson Santiago" userId="ebb108da2f256286" providerId="LiveId" clId="{F02A8769-13FB-4EC9-A32C-E030E68C60F2}" dt="2021-08-21T00:24:10.129" v="164" actId="14100"/>
+          <ac:cxnSpMkLst>
+            <pc:docMk/>
+            <pc:sldMk cId="3055251702" sldId="334"/>
+            <ac:cxnSpMk id="18" creationId="{00000000-0000-0000-0000-000000000000}"/>
+          </ac:cxnSpMkLst>
+        </pc:cxnChg>
+      </pc:sldChg>
+      <pc:sldChg chg="addSp delSp modSp add mod">
+        <pc:chgData name="Judson Santiago" userId="ebb108da2f256286" providerId="LiveId" clId="{F02A8769-13FB-4EC9-A32C-E030E68C60F2}" dt="2021-08-21T00:33:34.418" v="219" actId="948"/>
+        <pc:sldMkLst>
+          <pc:docMk/>
+          <pc:sldMk cId="1619046900" sldId="335"/>
+        </pc:sldMkLst>
+        <pc:spChg chg="mod">
+          <ac:chgData name="Judson Santiago" userId="ebb108da2f256286" providerId="LiveId" clId="{F02A8769-13FB-4EC9-A32C-E030E68C60F2}" dt="2021-08-21T00:33:34.418" v="219" actId="948"/>
+          <ac:spMkLst>
+            <pc:docMk/>
+            <pc:sldMk cId="1619046900" sldId="335"/>
+            <ac:spMk id="2" creationId="{00000000-0000-0000-0000-000000000000}"/>
+          </ac:spMkLst>
+        </pc:spChg>
+        <pc:spChg chg="del">
+          <ac:chgData name="Judson Santiago" userId="ebb108da2f256286" providerId="LiveId" clId="{F02A8769-13FB-4EC9-A32C-E030E68C60F2}" dt="2021-08-21T00:30:20.754" v="192" actId="478"/>
+          <ac:spMkLst>
+            <pc:docMk/>
+            <pc:sldMk cId="1619046900" sldId="335"/>
+            <ac:spMk id="4" creationId="{00000000-0000-0000-0000-000000000000}"/>
+          </ac:spMkLst>
+        </pc:spChg>
+        <pc:spChg chg="del">
+          <ac:chgData name="Judson Santiago" userId="ebb108da2f256286" providerId="LiveId" clId="{F02A8769-13FB-4EC9-A32C-E030E68C60F2}" dt="2021-08-21T00:30:20.754" v="192" actId="478"/>
+          <ac:spMkLst>
+            <pc:docMk/>
+            <pc:sldMk cId="1619046900" sldId="335"/>
+            <ac:spMk id="5" creationId="{00000000-0000-0000-0000-000000000000}"/>
+          </ac:spMkLst>
+        </pc:spChg>
+        <pc:spChg chg="del">
+          <ac:chgData name="Judson Santiago" userId="ebb108da2f256286" providerId="LiveId" clId="{F02A8769-13FB-4EC9-A32C-E030E68C60F2}" dt="2021-08-21T00:30:20.754" v="192" actId="478"/>
+          <ac:spMkLst>
+            <pc:docMk/>
+            <pc:sldMk cId="1619046900" sldId="335"/>
+            <ac:spMk id="8" creationId="{00000000-0000-0000-0000-000000000000}"/>
+          </ac:spMkLst>
+        </pc:spChg>
+        <pc:spChg chg="del">
+          <ac:chgData name="Judson Santiago" userId="ebb108da2f256286" providerId="LiveId" clId="{F02A8769-13FB-4EC9-A32C-E030E68C60F2}" dt="2021-08-21T00:30:20.754" v="192" actId="478"/>
+          <ac:spMkLst>
+            <pc:docMk/>
+            <pc:sldMk cId="1619046900" sldId="335"/>
+            <ac:spMk id="10" creationId="{00000000-0000-0000-0000-000000000000}"/>
+          </ac:spMkLst>
+        </pc:spChg>
+        <pc:spChg chg="del">
+          <ac:chgData name="Judson Santiago" userId="ebb108da2f256286" providerId="LiveId" clId="{F02A8769-13FB-4EC9-A32C-E030E68C60F2}" dt="2021-08-21T00:30:24.099" v="193" actId="478"/>
+          <ac:spMkLst>
+            <pc:docMk/>
+            <pc:sldMk cId="1619046900" sldId="335"/>
+            <ac:spMk id="17" creationId="{00000000-0000-0000-0000-000000000000}"/>
+          </ac:spMkLst>
+        </pc:spChg>
+        <pc:spChg chg="del">
+          <ac:chgData name="Judson Santiago" userId="ebb108da2f256286" providerId="LiveId" clId="{F02A8769-13FB-4EC9-A32C-E030E68C60F2}" dt="2021-08-21T00:30:24.099" v="193" actId="478"/>
+          <ac:spMkLst>
+            <pc:docMk/>
+            <pc:sldMk cId="1619046900" sldId="335"/>
+            <ac:spMk id="18" creationId="{00000000-0000-0000-0000-000000000000}"/>
+          </ac:spMkLst>
+        </pc:spChg>
+        <pc:spChg chg="del">
+          <ac:chgData name="Judson Santiago" userId="ebb108da2f256286" providerId="LiveId" clId="{F02A8769-13FB-4EC9-A32C-E030E68C60F2}" dt="2021-08-21T00:30:30.411" v="194" actId="478"/>
+          <ac:spMkLst>
+            <pc:docMk/>
+            <pc:sldMk cId="1619046900" sldId="335"/>
+            <ac:spMk id="19" creationId="{00000000-0000-0000-0000-000000000000}"/>
+          </ac:spMkLst>
+        </pc:spChg>
+        <pc:spChg chg="mod topLvl">
+          <ac:chgData name="Judson Santiago" userId="ebb108da2f256286" providerId="LiveId" clId="{F02A8769-13FB-4EC9-A32C-E030E68C60F2}" dt="2021-08-21T00:32:27.882" v="210" actId="164"/>
+          <ac:spMkLst>
+            <pc:docMk/>
+            <pc:sldMk cId="1619046900" sldId="335"/>
+            <ac:spMk id="23" creationId="{CA7A4ED4-036F-441B-A9E5-D2B0A42F1ADB}"/>
+          </ac:spMkLst>
+        </pc:spChg>
+        <pc:spChg chg="mod topLvl">
+          <ac:chgData name="Judson Santiago" userId="ebb108da2f256286" providerId="LiveId" clId="{F02A8769-13FB-4EC9-A32C-E030E68C60F2}" dt="2021-08-21T00:32:27.882" v="210" actId="164"/>
+          <ac:spMkLst>
+            <pc:docMk/>
+            <pc:sldMk cId="1619046900" sldId="335"/>
+            <ac:spMk id="25" creationId="{5476591D-DABA-46F8-818D-F908ED132300}"/>
+          </ac:spMkLst>
+        </pc:spChg>
+        <pc:spChg chg="mod topLvl">
+          <ac:chgData name="Judson Santiago" userId="ebb108da2f256286" providerId="LiveId" clId="{F02A8769-13FB-4EC9-A32C-E030E68C60F2}" dt="2021-08-21T00:32:27.882" v="210" actId="164"/>
+          <ac:spMkLst>
+            <pc:docMk/>
+            <pc:sldMk cId="1619046900" sldId="335"/>
+            <ac:spMk id="26" creationId="{DBB897EA-597C-458F-8CCB-058A9BDED18C}"/>
+          </ac:spMkLst>
+        </pc:spChg>
+        <pc:spChg chg="mod topLvl">
+          <ac:chgData name="Judson Santiago" userId="ebb108da2f256286" providerId="LiveId" clId="{F02A8769-13FB-4EC9-A32C-E030E68C60F2}" dt="2021-08-21T00:32:27.882" v="210" actId="164"/>
+          <ac:spMkLst>
+            <pc:docMk/>
+            <pc:sldMk cId="1619046900" sldId="335"/>
+            <ac:spMk id="27" creationId="{10FE7330-450F-40B9-BF12-E3813129E74A}"/>
+          </ac:spMkLst>
+        </pc:spChg>
+        <pc:spChg chg="mod topLvl">
+          <ac:chgData name="Judson Santiago" userId="ebb108da2f256286" providerId="LiveId" clId="{F02A8769-13FB-4EC9-A32C-E030E68C60F2}" dt="2021-08-21T00:32:27.882" v="210" actId="164"/>
+          <ac:spMkLst>
+            <pc:docMk/>
+            <pc:sldMk cId="1619046900" sldId="335"/>
+            <ac:spMk id="31" creationId="{9A08DF98-726B-4043-A2E1-B449C4F0892F}"/>
+          </ac:spMkLst>
+        </pc:spChg>
+        <pc:spChg chg="del">
+          <ac:chgData name="Judson Santiago" userId="ebb108da2f256286" providerId="LiveId" clId="{F02A8769-13FB-4EC9-A32C-E030E68C60F2}" dt="2021-08-21T00:30:30.411" v="194" actId="478"/>
+          <ac:spMkLst>
+            <pc:docMk/>
+            <pc:sldMk cId="1619046900" sldId="335"/>
+            <ac:spMk id="39" creationId="{00000000-0000-0000-0000-000000000000}"/>
+          </ac:spMkLst>
+        </pc:spChg>
+        <pc:spChg chg="del">
+          <ac:chgData name="Judson Santiago" userId="ebb108da2f256286" providerId="LiveId" clId="{F02A8769-13FB-4EC9-A32C-E030E68C60F2}" dt="2021-08-21T00:30:37.397" v="197" actId="478"/>
+          <ac:spMkLst>
+            <pc:docMk/>
+            <pc:sldMk cId="1619046900" sldId="335"/>
+            <ac:spMk id="43" creationId="{00000000-0000-0000-0000-000000000000}"/>
+          </ac:spMkLst>
+        </pc:spChg>
+        <pc:grpChg chg="add mod">
+          <ac:chgData name="Judson Santiago" userId="ebb108da2f256286" providerId="LiveId" clId="{F02A8769-13FB-4EC9-A32C-E030E68C60F2}" dt="2021-08-21T00:33:19.694" v="217" actId="1076"/>
+          <ac:grpSpMkLst>
+            <pc:docMk/>
+            <pc:sldMk cId="1619046900" sldId="335"/>
+            <ac:grpSpMk id="13" creationId="{7514A947-4666-47BA-8C95-6FCA69393A7B}"/>
+          </ac:grpSpMkLst>
+        </pc:grpChg>
+        <pc:grpChg chg="add del mod">
+          <ac:chgData name="Judson Santiago" userId="ebb108da2f256286" providerId="LiveId" clId="{F02A8769-13FB-4EC9-A32C-E030E68C60F2}" dt="2021-08-21T00:32:18.878" v="209" actId="165"/>
+          <ac:grpSpMkLst>
+            <pc:docMk/>
+            <pc:sldMk cId="1619046900" sldId="335"/>
+            <ac:grpSpMk id="20" creationId="{142608C6-412C-42B0-B0DA-D952436D348C}"/>
+          </ac:grpSpMkLst>
+        </pc:grpChg>
+        <pc:cxnChg chg="del mod">
+          <ac:chgData name="Judson Santiago" userId="ebb108da2f256286" providerId="LiveId" clId="{F02A8769-13FB-4EC9-A32C-E030E68C60F2}" dt="2021-08-21T00:30:20.754" v="192" actId="478"/>
+          <ac:cxnSpMkLst>
+            <pc:docMk/>
+            <pc:sldMk cId="1619046900" sldId="335"/>
+            <ac:cxnSpMk id="7" creationId="{00000000-0000-0000-0000-000000000000}"/>
+          </ac:cxnSpMkLst>
+        </pc:cxnChg>
+        <pc:cxnChg chg="del mod">
+          <ac:chgData name="Judson Santiago" userId="ebb108da2f256286" providerId="LiveId" clId="{F02A8769-13FB-4EC9-A32C-E030E68C60F2}" dt="2021-08-21T00:30:20.754" v="192" actId="478"/>
+          <ac:cxnSpMkLst>
+            <pc:docMk/>
+            <pc:sldMk cId="1619046900" sldId="335"/>
+            <ac:cxnSpMk id="9" creationId="{00000000-0000-0000-0000-000000000000}"/>
+          </ac:cxnSpMkLst>
+        </pc:cxnChg>
+        <pc:cxnChg chg="mod topLvl">
+          <ac:chgData name="Judson Santiago" userId="ebb108da2f256286" providerId="LiveId" clId="{F02A8769-13FB-4EC9-A32C-E030E68C60F2}" dt="2021-08-21T00:32:27.882" v="210" actId="164"/>
+          <ac:cxnSpMkLst>
+            <pc:docMk/>
+            <pc:sldMk cId="1619046900" sldId="335"/>
+            <ac:cxnSpMk id="21" creationId="{C9EEFD2B-439B-4F84-8490-C7B7B855BD51}"/>
+          </ac:cxnSpMkLst>
+        </pc:cxnChg>
+        <pc:cxnChg chg="mod topLvl">
+          <ac:chgData name="Judson Santiago" userId="ebb108da2f256286" providerId="LiveId" clId="{F02A8769-13FB-4EC9-A32C-E030E68C60F2}" dt="2021-08-21T00:32:27.882" v="210" actId="164"/>
+          <ac:cxnSpMkLst>
+            <pc:docMk/>
+            <pc:sldMk cId="1619046900" sldId="335"/>
+            <ac:cxnSpMk id="22" creationId="{63B7409D-270D-4CAA-81C5-7C16554FBD7D}"/>
+          </ac:cxnSpMkLst>
+        </pc:cxnChg>
+        <pc:cxnChg chg="del mod">
+          <ac:chgData name="Judson Santiago" userId="ebb108da2f256286" providerId="LiveId" clId="{F02A8769-13FB-4EC9-A32C-E030E68C60F2}" dt="2021-08-21T00:30:30.411" v="194" actId="478"/>
+          <ac:cxnSpMkLst>
+            <pc:docMk/>
+            <pc:sldMk cId="1619046900" sldId="335"/>
+            <ac:cxnSpMk id="24" creationId="{00000000-0000-0000-0000-000000000000}"/>
+          </ac:cxnSpMkLst>
+        </pc:cxnChg>
+        <pc:cxnChg chg="del mod">
+          <ac:chgData name="Judson Santiago" userId="ebb108da2f256286" providerId="LiveId" clId="{F02A8769-13FB-4EC9-A32C-E030E68C60F2}" dt="2021-08-21T00:30:30.411" v="194" actId="478"/>
+          <ac:cxnSpMkLst>
+            <pc:docMk/>
+            <pc:sldMk cId="1619046900" sldId="335"/>
+            <ac:cxnSpMk id="28" creationId="{00000000-0000-0000-0000-000000000000}"/>
+          </ac:cxnSpMkLst>
+        </pc:cxnChg>
+        <pc:cxnChg chg="mod topLvl">
+          <ac:chgData name="Judson Santiago" userId="ebb108da2f256286" providerId="LiveId" clId="{F02A8769-13FB-4EC9-A32C-E030E68C60F2}" dt="2021-08-21T00:32:27.882" v="210" actId="164"/>
+          <ac:cxnSpMkLst>
+            <pc:docMk/>
+            <pc:sldMk cId="1619046900" sldId="335"/>
+            <ac:cxnSpMk id="29" creationId="{FBEE37B6-7B12-474A-A503-4A2844B3210F}"/>
+          </ac:cxnSpMkLst>
+        </pc:cxnChg>
+        <pc:cxnChg chg="mod topLvl">
+          <ac:chgData name="Judson Santiago" userId="ebb108da2f256286" providerId="LiveId" clId="{F02A8769-13FB-4EC9-A32C-E030E68C60F2}" dt="2021-08-21T00:32:27.882" v="210" actId="164"/>
+          <ac:cxnSpMkLst>
+            <pc:docMk/>
+            <pc:sldMk cId="1619046900" sldId="335"/>
+            <ac:cxnSpMk id="30" creationId="{5319889E-7776-4EB7-A908-5AAE367BF6A1}"/>
+          </ac:cxnSpMkLst>
+        </pc:cxnChg>
+        <pc:cxnChg chg="mod">
+          <ac:chgData name="Judson Santiago" userId="ebb108da2f256286" providerId="LiveId" clId="{F02A8769-13FB-4EC9-A32C-E030E68C60F2}" dt="2021-08-21T00:32:27.882" v="210" actId="164"/>
+          <ac:cxnSpMkLst>
+            <pc:docMk/>
+            <pc:sldMk cId="1619046900" sldId="335"/>
+            <ac:cxnSpMk id="42" creationId="{00000000-0000-0000-0000-000000000000}"/>
+          </ac:cxnSpMkLst>
+        </pc:cxnChg>
+      </pc:sldChg>
+      <pc:sldChg chg="addSp delSp modSp mod">
+        <pc:chgData name="Judson Santiago" userId="ebb108da2f256286" providerId="LiveId" clId="{F02A8769-13FB-4EC9-A32C-E030E68C60F2}" dt="2021-08-21T01:14:18.204" v="778" actId="1076"/>
+        <pc:sldMkLst>
+          <pc:docMk/>
+          <pc:sldMk cId="4012501003" sldId="336"/>
+        </pc:sldMkLst>
+        <pc:spChg chg="mod">
+          <ac:chgData name="Judson Santiago" userId="ebb108da2f256286" providerId="LiveId" clId="{F02A8769-13FB-4EC9-A32C-E030E68C60F2}" dt="2021-08-21T01:12:30.158" v="761" actId="948"/>
+          <ac:spMkLst>
+            <pc:docMk/>
+            <pc:sldMk cId="4012501003" sldId="336"/>
+            <ac:spMk id="2" creationId="{00000000-0000-0000-0000-000000000000}"/>
+          </ac:spMkLst>
+        </pc:spChg>
+        <pc:spChg chg="mod topLvl">
+          <ac:chgData name="Judson Santiago" userId="ebb108da2f256286" providerId="LiveId" clId="{F02A8769-13FB-4EC9-A32C-E030E68C60F2}" dt="2021-08-21T01:14:10.579" v="775" actId="164"/>
+          <ac:spMkLst>
+            <pc:docMk/>
+            <pc:sldMk cId="4012501003" sldId="336"/>
+            <ac:spMk id="11" creationId="{00000000-0000-0000-0000-000000000000}"/>
+          </ac:spMkLst>
+        </pc:spChg>
+        <pc:spChg chg="mod topLvl">
+          <ac:chgData name="Judson Santiago" userId="ebb108da2f256286" providerId="LiveId" clId="{F02A8769-13FB-4EC9-A32C-E030E68C60F2}" dt="2021-08-21T01:14:10.579" v="775" actId="164"/>
+          <ac:spMkLst>
+            <pc:docMk/>
+            <pc:sldMk cId="4012501003" sldId="336"/>
+            <ac:spMk id="12" creationId="{00000000-0000-0000-0000-000000000000}"/>
+          </ac:spMkLst>
+        </pc:spChg>
+        <pc:spChg chg="mod topLvl">
+          <ac:chgData name="Judson Santiago" userId="ebb108da2f256286" providerId="LiveId" clId="{F02A8769-13FB-4EC9-A32C-E030E68C60F2}" dt="2021-08-21T01:14:18.204" v="778" actId="1076"/>
+          <ac:spMkLst>
+            <pc:docMk/>
+            <pc:sldMk cId="4012501003" sldId="336"/>
+            <ac:spMk id="13" creationId="{00000000-0000-0000-0000-000000000000}"/>
+          </ac:spMkLst>
+        </pc:spChg>
+        <pc:grpChg chg="del">
+          <ac:chgData name="Judson Santiago" userId="ebb108da2f256286" providerId="LiveId" clId="{F02A8769-13FB-4EC9-A32C-E030E68C60F2}" dt="2021-08-21T01:14:06.024" v="774" actId="165"/>
+          <ac:grpSpMkLst>
+            <pc:docMk/>
+            <pc:sldMk cId="4012501003" sldId="336"/>
+            <ac:grpSpMk id="14" creationId="{8A2673FD-D7CE-4946-9265-84D4AA2A6F7F}"/>
+          </ac:grpSpMkLst>
+        </pc:grpChg>
+        <pc:grpChg chg="add mod">
+          <ac:chgData name="Judson Santiago" userId="ebb108da2f256286" providerId="LiveId" clId="{F02A8769-13FB-4EC9-A32C-E030E68C60F2}" dt="2021-08-21T01:14:15.486" v="777" actId="1076"/>
+          <ac:grpSpMkLst>
+            <pc:docMk/>
+            <pc:sldMk cId="4012501003" sldId="336"/>
+            <ac:grpSpMk id="15" creationId="{DA7E0EAD-53A3-425A-8E30-B20529346B59}"/>
+          </ac:grpSpMkLst>
+        </pc:grpChg>
+      </pc:sldChg>
+      <pc:sldChg chg="modSp mod">
+        <pc:chgData name="Judson Santiago" userId="ebb108da2f256286" providerId="LiveId" clId="{F02A8769-13FB-4EC9-A32C-E030E68C60F2}" dt="2021-08-21T03:16:23.137" v="803" actId="20577"/>
+        <pc:sldMkLst>
+          <pc:docMk/>
+          <pc:sldMk cId="4251694275" sldId="337"/>
+        </pc:sldMkLst>
+        <pc:spChg chg="mod">
+          <ac:chgData name="Judson Santiago" userId="ebb108da2f256286" providerId="LiveId" clId="{F02A8769-13FB-4EC9-A32C-E030E68C60F2}" dt="2021-08-21T03:16:23.137" v="803" actId="20577"/>
+          <ac:spMkLst>
+            <pc:docMk/>
+            <pc:sldMk cId="4251694275" sldId="337"/>
+            <ac:spMk id="2" creationId="{00000000-0000-0000-0000-000000000000}"/>
+          </ac:spMkLst>
+        </pc:spChg>
+        <pc:cxnChg chg="mod">
+          <ac:chgData name="Judson Santiago" userId="ebb108da2f256286" providerId="LiveId" clId="{F02A8769-13FB-4EC9-A32C-E030E68C60F2}" dt="2021-08-21T03:16:08.667" v="802" actId="1582"/>
+          <ac:cxnSpMkLst>
+            <pc:docMk/>
+            <pc:sldMk cId="4251694275" sldId="337"/>
+            <ac:cxnSpMk id="9" creationId="{00000000-0000-0000-0000-000000000000}"/>
+          </ac:cxnSpMkLst>
+        </pc:cxnChg>
+        <pc:cxnChg chg="mod">
+          <ac:chgData name="Judson Santiago" userId="ebb108da2f256286" providerId="LiveId" clId="{F02A8769-13FB-4EC9-A32C-E030E68C60F2}" dt="2021-08-21T03:16:08.667" v="802" actId="1582"/>
+          <ac:cxnSpMkLst>
+            <pc:docMk/>
+            <pc:sldMk cId="4251694275" sldId="337"/>
+            <ac:cxnSpMk id="10" creationId="{00000000-0000-0000-0000-000000000000}"/>
+          </ac:cxnSpMkLst>
+        </pc:cxnChg>
+      </pc:sldChg>
+      <pc:sldChg chg="modSp mod">
+        <pc:chgData name="Judson Santiago" userId="ebb108da2f256286" providerId="LiveId" clId="{F02A8769-13FB-4EC9-A32C-E030E68C60F2}" dt="2021-08-21T03:13:15.256" v="797" actId="692"/>
+        <pc:sldMkLst>
+          <pc:docMk/>
+          <pc:sldMk cId="4220507151" sldId="338"/>
+        </pc:sldMkLst>
+        <pc:spChg chg="mod">
+          <ac:chgData name="Judson Santiago" userId="ebb108da2f256286" providerId="LiveId" clId="{F02A8769-13FB-4EC9-A32C-E030E68C60F2}" dt="2021-08-21T03:12:20.354" v="794" actId="20577"/>
+          <ac:spMkLst>
+            <pc:docMk/>
+            <pc:sldMk cId="4220507151" sldId="338"/>
+            <ac:spMk id="2" creationId="{00000000-0000-0000-0000-000000000000}"/>
+          </ac:spMkLst>
+        </pc:spChg>
+        <pc:cxnChg chg="mod">
+          <ac:chgData name="Judson Santiago" userId="ebb108da2f256286" providerId="LiveId" clId="{F02A8769-13FB-4EC9-A32C-E030E68C60F2}" dt="2021-08-21T03:13:07.595" v="796" actId="692"/>
+          <ac:cxnSpMkLst>
+            <pc:docMk/>
+            <pc:sldMk cId="4220507151" sldId="338"/>
+            <ac:cxnSpMk id="17" creationId="{00000000-0000-0000-0000-000000000000}"/>
+          </ac:cxnSpMkLst>
+        </pc:cxnChg>
+        <pc:cxnChg chg="mod">
+          <ac:chgData name="Judson Santiago" userId="ebb108da2f256286" providerId="LiveId" clId="{F02A8769-13FB-4EC9-A32C-E030E68C60F2}" dt="2021-08-21T03:13:15.256" v="797" actId="692"/>
+          <ac:cxnSpMkLst>
+            <pc:docMk/>
+            <pc:sldMk cId="4220507151" sldId="338"/>
+            <ac:cxnSpMk id="27" creationId="{00000000-0000-0000-0000-000000000000}"/>
+          </ac:cxnSpMkLst>
+        </pc:cxnChg>
+      </pc:sldChg>
+      <pc:sldChg chg="modSp mod">
+        <pc:chgData name="Judson Santiago" userId="ebb108da2f256286" providerId="LiveId" clId="{F02A8769-13FB-4EC9-A32C-E030E68C60F2}" dt="2021-08-21T03:19:24.717" v="808" actId="20577"/>
+        <pc:sldMkLst>
+          <pc:docMk/>
+          <pc:sldMk cId="958028173" sldId="339"/>
+        </pc:sldMkLst>
+        <pc:spChg chg="mod">
+          <ac:chgData name="Judson Santiago" userId="ebb108da2f256286" providerId="LiveId" clId="{F02A8769-13FB-4EC9-A32C-E030E68C60F2}" dt="2021-08-21T03:19:24.717" v="808" actId="20577"/>
+          <ac:spMkLst>
+            <pc:docMk/>
+            <pc:sldMk cId="958028173" sldId="339"/>
+            <ac:spMk id="2" creationId="{00000000-0000-0000-0000-000000000000}"/>
+          </ac:spMkLst>
+        </pc:spChg>
+      </pc:sldChg>
+      <pc:sldChg chg="modSp mod">
+        <pc:chgData name="Judson Santiago" userId="ebb108da2f256286" providerId="LiveId" clId="{F02A8769-13FB-4EC9-A32C-E030E68C60F2}" dt="2021-08-20T23:50:07.031" v="42" actId="20577"/>
+        <pc:sldMkLst>
+          <pc:docMk/>
+          <pc:sldMk cId="1373478287" sldId="340"/>
+        </pc:sldMkLst>
+        <pc:spChg chg="mod">
+          <ac:chgData name="Judson Santiago" userId="ebb108da2f256286" providerId="LiveId" clId="{F02A8769-13FB-4EC9-A32C-E030E68C60F2}" dt="2021-08-20T23:50:07.031" v="42" actId="20577"/>
+          <ac:spMkLst>
+            <pc:docMk/>
+            <pc:sldMk cId="1373478287" sldId="340"/>
+            <ac:spMk id="3" creationId="{00000000-0000-0000-0000-000000000000}"/>
+          </ac:spMkLst>
+        </pc:spChg>
+      </pc:sldChg>
+      <pc:sldChg chg="modSp mod">
+        <pc:chgData name="Judson Santiago" userId="ebb108da2f256286" providerId="LiveId" clId="{F02A8769-13FB-4EC9-A32C-E030E68C60F2}" dt="2021-08-21T00:16:49.390" v="99" actId="1076"/>
+        <pc:sldMkLst>
+          <pc:docMk/>
+          <pc:sldMk cId="3438548152" sldId="341"/>
+        </pc:sldMkLst>
+        <pc:spChg chg="mod">
+          <ac:chgData name="Judson Santiago" userId="ebb108da2f256286" providerId="LiveId" clId="{F02A8769-13FB-4EC9-A32C-E030E68C60F2}" dt="2021-08-21T00:16:19.510" v="98" actId="207"/>
+          <ac:spMkLst>
+            <pc:docMk/>
+            <pc:sldMk cId="3438548152" sldId="341"/>
+            <ac:spMk id="2" creationId="{00000000-0000-0000-0000-000000000000}"/>
+          </ac:spMkLst>
+        </pc:spChg>
+        <pc:spChg chg="mod">
+          <ac:chgData name="Judson Santiago" userId="ebb108da2f256286" providerId="LiveId" clId="{F02A8769-13FB-4EC9-A32C-E030E68C60F2}" dt="2021-08-21T00:16:49.390" v="99" actId="1076"/>
+          <ac:spMkLst>
+            <pc:docMk/>
+            <pc:sldMk cId="3438548152" sldId="341"/>
+            <ac:spMk id="46" creationId="{562AB51D-C955-488E-8264-4315527AD846}"/>
+          </ac:spMkLst>
+        </pc:spChg>
+        <pc:grpChg chg="mod">
+          <ac:chgData name="Judson Santiago" userId="ebb108da2f256286" providerId="LiveId" clId="{F02A8769-13FB-4EC9-A32C-E030E68C60F2}" dt="2021-08-21T00:16:49.390" v="99" actId="1076"/>
+          <ac:grpSpMkLst>
+            <pc:docMk/>
+            <pc:sldMk cId="3438548152" sldId="341"/>
+            <ac:grpSpMk id="16" creationId="{BD2F596F-7D6B-4E5F-8960-2A4A965C81CF}"/>
+          </ac:grpSpMkLst>
+        </pc:grpChg>
+      </pc:sldChg>
+      <pc:sldChg chg="modSp mod">
+        <pc:chgData name="Judson Santiago" userId="ebb108da2f256286" providerId="LiveId" clId="{F02A8769-13FB-4EC9-A32C-E030E68C60F2}" dt="2021-08-21T03:23:43.568" v="837" actId="20577"/>
+        <pc:sldMkLst>
+          <pc:docMk/>
+          <pc:sldMk cId="218401361" sldId="342"/>
+        </pc:sldMkLst>
+        <pc:spChg chg="mod">
+          <ac:chgData name="Judson Santiago" userId="ebb108da2f256286" providerId="LiveId" clId="{F02A8769-13FB-4EC9-A32C-E030E68C60F2}" dt="2021-08-21T03:22:24.210" v="816" actId="948"/>
+          <ac:spMkLst>
+            <pc:docMk/>
+            <pc:sldMk cId="218401361" sldId="342"/>
+            <ac:spMk id="2" creationId="{F97A0B09-8B51-49A4-BBB2-B2B6280A0CA2}"/>
+          </ac:spMkLst>
+        </pc:spChg>
+        <pc:spChg chg="mod">
+          <ac:chgData name="Judson Santiago" userId="ebb108da2f256286" providerId="LiveId" clId="{F02A8769-13FB-4EC9-A32C-E030E68C60F2}" dt="2021-08-21T03:23:43.568" v="837" actId="20577"/>
+          <ac:spMkLst>
+            <pc:docMk/>
+            <pc:sldMk cId="218401361" sldId="342"/>
+            <ac:spMk id="3" creationId="{5682E506-5B9A-4C71-8C5B-7AD0FF03AC22}"/>
+          </ac:spMkLst>
+        </pc:spChg>
+        <pc:spChg chg="mod">
+          <ac:chgData name="Judson Santiago" userId="ebb108da2f256286" providerId="LiveId" clId="{F02A8769-13FB-4EC9-A32C-E030E68C60F2}" dt="2021-08-21T03:22:09.351" v="815" actId="403"/>
+          <ac:spMkLst>
+            <pc:docMk/>
+            <pc:sldMk cId="218401361" sldId="342"/>
+            <ac:spMk id="10" creationId="{5F5FCA30-1F95-400E-BBFE-403B1884DFB3}"/>
+          </ac:spMkLst>
+        </pc:spChg>
+        <pc:spChg chg="mod">
+          <ac:chgData name="Judson Santiago" userId="ebb108da2f256286" providerId="LiveId" clId="{F02A8769-13FB-4EC9-A32C-E030E68C60F2}" dt="2021-08-21T03:22:09.351" v="815" actId="403"/>
+          <ac:spMkLst>
+            <pc:docMk/>
+            <pc:sldMk cId="218401361" sldId="342"/>
+            <ac:spMk id="11" creationId="{EE7F939F-048E-4195-9195-122769AEAEF3}"/>
+          </ac:spMkLst>
+        </pc:spChg>
+        <pc:spChg chg="mod">
+          <ac:chgData name="Judson Santiago" userId="ebb108da2f256286" providerId="LiveId" clId="{F02A8769-13FB-4EC9-A32C-E030E68C60F2}" dt="2021-08-21T03:22:09.351" v="815" actId="403"/>
+          <ac:spMkLst>
+            <pc:docMk/>
+            <pc:sldMk cId="218401361" sldId="342"/>
+            <ac:spMk id="12" creationId="{B80F1E47-EAA0-4DCB-A3BF-B1EF06806810}"/>
+          </ac:spMkLst>
+        </pc:spChg>
+        <pc:spChg chg="mod">
+          <ac:chgData name="Judson Santiago" userId="ebb108da2f256286" providerId="LiveId" clId="{F02A8769-13FB-4EC9-A32C-E030E68C60F2}" dt="2021-08-21T03:22:09.351" v="815" actId="403"/>
+          <ac:spMkLst>
+            <pc:docMk/>
+            <pc:sldMk cId="218401361" sldId="342"/>
+            <ac:spMk id="14" creationId="{F3DBF41A-E53D-4621-9105-C7A48248028F}"/>
+          </ac:spMkLst>
+        </pc:spChg>
+        <pc:spChg chg="mod">
+          <ac:chgData name="Judson Santiago" userId="ebb108da2f256286" providerId="LiveId" clId="{F02A8769-13FB-4EC9-A32C-E030E68C60F2}" dt="2021-08-21T03:22:09.351" v="815" actId="403"/>
+          <ac:spMkLst>
+            <pc:docMk/>
+            <pc:sldMk cId="218401361" sldId="342"/>
+            <ac:spMk id="15" creationId="{EF494854-7658-43C6-84AF-793AA2E7EF65}"/>
+          </ac:spMkLst>
+        </pc:spChg>
+        <pc:spChg chg="mod">
+          <ac:chgData name="Judson Santiago" userId="ebb108da2f256286" providerId="LiveId" clId="{F02A8769-13FB-4EC9-A32C-E030E68C60F2}" dt="2021-08-21T03:22:09.351" v="815" actId="403"/>
+          <ac:spMkLst>
+            <pc:docMk/>
+            <pc:sldMk cId="218401361" sldId="342"/>
+            <ac:spMk id="16" creationId="{76F54173-BE97-4E7C-8A83-54054C859E0E}"/>
+          </ac:spMkLst>
+        </pc:spChg>
+        <pc:spChg chg="mod">
+          <ac:chgData name="Judson Santiago" userId="ebb108da2f256286" providerId="LiveId" clId="{F02A8769-13FB-4EC9-A32C-E030E68C60F2}" dt="2021-08-21T03:22:09.351" v="815" actId="403"/>
+          <ac:spMkLst>
+            <pc:docMk/>
+            <pc:sldMk cId="218401361" sldId="342"/>
+            <ac:spMk id="18" creationId="{F9D9B319-86F9-4FCF-BDC9-5337E1245932}"/>
+          </ac:spMkLst>
+        </pc:spChg>
+        <pc:spChg chg="mod">
+          <ac:chgData name="Judson Santiago" userId="ebb108da2f256286" providerId="LiveId" clId="{F02A8769-13FB-4EC9-A32C-E030E68C60F2}" dt="2021-08-21T03:22:09.351" v="815" actId="403"/>
+          <ac:spMkLst>
+            <pc:docMk/>
+            <pc:sldMk cId="218401361" sldId="342"/>
+            <ac:spMk id="19" creationId="{F861FEA3-F3E2-4BF1-9B94-CC37C10BA789}"/>
+          </ac:spMkLst>
+        </pc:spChg>
+        <pc:spChg chg="mod">
+          <ac:chgData name="Judson Santiago" userId="ebb108da2f256286" providerId="LiveId" clId="{F02A8769-13FB-4EC9-A32C-E030E68C60F2}" dt="2021-08-21T03:22:09.351" v="815" actId="403"/>
+          <ac:spMkLst>
+            <pc:docMk/>
+            <pc:sldMk cId="218401361" sldId="342"/>
+            <ac:spMk id="20" creationId="{61844FAE-74F9-4E5C-BF4F-FAB63A738CBB}"/>
+          </ac:spMkLst>
+        </pc:spChg>
+        <pc:spChg chg="mod">
+          <ac:chgData name="Judson Santiago" userId="ebb108da2f256286" providerId="LiveId" clId="{F02A8769-13FB-4EC9-A32C-E030E68C60F2}" dt="2021-08-21T03:22:09.351" v="815" actId="403"/>
+          <ac:spMkLst>
+            <pc:docMk/>
+            <pc:sldMk cId="218401361" sldId="342"/>
+            <ac:spMk id="26" creationId="{2FC9B2D9-CE6E-4C1F-8C96-DFB74FD35924}"/>
+          </ac:spMkLst>
+        </pc:spChg>
+        <pc:spChg chg="mod">
+          <ac:chgData name="Judson Santiago" userId="ebb108da2f256286" providerId="LiveId" clId="{F02A8769-13FB-4EC9-A32C-E030E68C60F2}" dt="2021-08-21T03:22:09.351" v="815" actId="403"/>
+          <ac:spMkLst>
+            <pc:docMk/>
+            <pc:sldMk cId="218401361" sldId="342"/>
+            <ac:spMk id="27" creationId="{1CBB1854-407A-4256-9E98-0E903B6C2B70}"/>
+          </ac:spMkLst>
+        </pc:spChg>
+        <pc:spChg chg="mod">
+          <ac:chgData name="Judson Santiago" userId="ebb108da2f256286" providerId="LiveId" clId="{F02A8769-13FB-4EC9-A32C-E030E68C60F2}" dt="2021-08-21T03:22:09.351" v="815" actId="403"/>
+          <ac:spMkLst>
+            <pc:docMk/>
+            <pc:sldMk cId="218401361" sldId="342"/>
+            <ac:spMk id="28" creationId="{6950C96F-1738-4A6D-B8FC-B1C7EB28286A}"/>
+          </ac:spMkLst>
+        </pc:spChg>
+        <pc:grpChg chg="mod">
+          <ac:chgData name="Judson Santiago" userId="ebb108da2f256286" providerId="LiveId" clId="{F02A8769-13FB-4EC9-A32C-E030E68C60F2}" dt="2021-08-21T03:22:02.601" v="810" actId="14100"/>
+          <ac:grpSpMkLst>
+            <pc:docMk/>
+            <pc:sldMk cId="218401361" sldId="342"/>
+            <ac:grpSpMk id="45" creationId="{15E59837-7BEE-48BD-AEA2-F07AC3ED6E3C}"/>
+          </ac:grpSpMkLst>
+        </pc:grpChg>
+      </pc:sldChg>
+      <pc:sldChg chg="modSp mod">
+        <pc:chgData name="Judson Santiago" userId="ebb108da2f256286" providerId="LiveId" clId="{F02A8769-13FB-4EC9-A32C-E030E68C60F2}" dt="2021-08-21T03:23:46.959" v="838" actId="20577"/>
+        <pc:sldMkLst>
+          <pc:docMk/>
+          <pc:sldMk cId="2120411485" sldId="343"/>
+        </pc:sldMkLst>
+        <pc:spChg chg="mod">
+          <ac:chgData name="Judson Santiago" userId="ebb108da2f256286" providerId="LiveId" clId="{F02A8769-13FB-4EC9-A32C-E030E68C60F2}" dt="2021-08-21T03:23:46.959" v="838" actId="20577"/>
+          <ac:spMkLst>
+            <pc:docMk/>
+            <pc:sldMk cId="2120411485" sldId="343"/>
+            <ac:spMk id="3" creationId="{01EA5AB0-DD77-4EC5-AD3E-12C2188C765A}"/>
+          </ac:spMkLst>
+        </pc:spChg>
+      </pc:sldChg>
+      <pc:sldChg chg="addSp delSp modSp add mod">
+        <pc:chgData name="Judson Santiago" userId="ebb108da2f256286" providerId="LiveId" clId="{F02A8769-13FB-4EC9-A32C-E030E68C60F2}" dt="2021-08-21T01:11:26.581" v="760" actId="207"/>
+        <pc:sldMkLst>
+          <pc:docMk/>
+          <pc:sldMk cId="3153582145" sldId="344"/>
+        </pc:sldMkLst>
+        <pc:spChg chg="mod">
+          <ac:chgData name="Judson Santiago" userId="ebb108da2f256286" providerId="LiveId" clId="{F02A8769-13FB-4EC9-A32C-E030E68C60F2}" dt="2021-08-21T01:11:26.581" v="760" actId="207"/>
+          <ac:spMkLst>
+            <pc:docMk/>
+            <pc:sldMk cId="3153582145" sldId="344"/>
+            <ac:spMk id="2" creationId="{00000000-0000-0000-0000-000000000000}"/>
+          </ac:spMkLst>
+        </pc:spChg>
+        <pc:spChg chg="mod">
+          <ac:chgData name="Judson Santiago" userId="ebb108da2f256286" providerId="LiveId" clId="{F02A8769-13FB-4EC9-A32C-E030E68C60F2}" dt="2021-08-21T00:26:13.436" v="189" actId="20577"/>
+          <ac:spMkLst>
+            <pc:docMk/>
+            <pc:sldMk cId="3153582145" sldId="344"/>
+            <ac:spMk id="3" creationId="{00000000-0000-0000-0000-000000000000}"/>
+          </ac:spMkLst>
+        </pc:spChg>
+        <pc:spChg chg="add mod">
+          <ac:chgData name="Judson Santiago" userId="ebb108da2f256286" providerId="LiveId" clId="{F02A8769-13FB-4EC9-A32C-E030E68C60F2}" dt="2021-08-21T00:58:57.218" v="609" actId="164"/>
+          <ac:spMkLst>
+            <pc:docMk/>
+            <pc:sldMk cId="3153582145" sldId="344"/>
+            <ac:spMk id="16" creationId="{BB0D1858-8187-48CE-9D0F-D31803568606}"/>
+          </ac:spMkLst>
+        </pc:spChg>
+        <pc:spChg chg="add mod">
+          <ac:chgData name="Judson Santiago" userId="ebb108da2f256286" providerId="LiveId" clId="{F02A8769-13FB-4EC9-A32C-E030E68C60F2}" dt="2021-08-21T00:58:57.218" v="609" actId="164"/>
+          <ac:spMkLst>
+            <pc:docMk/>
+            <pc:sldMk cId="3153582145" sldId="344"/>
+            <ac:spMk id="26" creationId="{A6EE30B8-9392-4EDC-A6FD-66C7A0A67DEF}"/>
+          </ac:spMkLst>
+        </pc:spChg>
+        <pc:spChg chg="add mod">
+          <ac:chgData name="Judson Santiago" userId="ebb108da2f256286" providerId="LiveId" clId="{F02A8769-13FB-4EC9-A32C-E030E68C60F2}" dt="2021-08-21T01:08:11.053" v="739" actId="408"/>
+          <ac:spMkLst>
+            <pc:docMk/>
+            <pc:sldMk cId="3153582145" sldId="344"/>
+            <ac:spMk id="33" creationId="{CA952FBD-BD6D-4088-9C6F-2E90D29ABCA1}"/>
+          </ac:spMkLst>
+        </pc:spChg>
+        <pc:spChg chg="add del mod">
+          <ac:chgData name="Judson Santiago" userId="ebb108da2f256286" providerId="LiveId" clId="{F02A8769-13FB-4EC9-A32C-E030E68C60F2}" dt="2021-08-21T00:55:36.702" v="588" actId="478"/>
+          <ac:spMkLst>
+            <pc:docMk/>
+            <pc:sldMk cId="3153582145" sldId="344"/>
+            <ac:spMk id="35" creationId="{D10DEE1E-0D3F-410F-B6DC-DA5BBCD3EE23}"/>
+          </ac:spMkLst>
+        </pc:spChg>
+        <pc:spChg chg="add del mod">
+          <ac:chgData name="Judson Santiago" userId="ebb108da2f256286" providerId="LiveId" clId="{F02A8769-13FB-4EC9-A32C-E030E68C60F2}" dt="2021-08-21T01:05:58.614" v="724" actId="478"/>
+          <ac:spMkLst>
+            <pc:docMk/>
+            <pc:sldMk cId="3153582145" sldId="344"/>
+            <ac:spMk id="43" creationId="{199593F3-9F6C-4C25-8394-B2651BEB4959}"/>
+          </ac:spMkLst>
+        </pc:spChg>
+        <pc:spChg chg="add mod">
+          <ac:chgData name="Judson Santiago" userId="ebb108da2f256286" providerId="LiveId" clId="{F02A8769-13FB-4EC9-A32C-E030E68C60F2}" dt="2021-08-21T01:08:11.053" v="739" actId="408"/>
+          <ac:spMkLst>
+            <pc:docMk/>
+            <pc:sldMk cId="3153582145" sldId="344"/>
+            <ac:spMk id="44" creationId="{C184097A-E469-448B-89D2-53FDEFEEF2DE}"/>
+          </ac:spMkLst>
+        </pc:spChg>
+        <pc:spChg chg="add mod">
+          <ac:chgData name="Judson Santiago" userId="ebb108da2f256286" providerId="LiveId" clId="{F02A8769-13FB-4EC9-A32C-E030E68C60F2}" dt="2021-08-21T01:08:11.053" v="739" actId="408"/>
+          <ac:spMkLst>
+            <pc:docMk/>
+            <pc:sldMk cId="3153582145" sldId="344"/>
+            <ac:spMk id="45" creationId="{1585C929-DB8A-479F-B58C-680C11B06C42}"/>
+          </ac:spMkLst>
+        </pc:spChg>
+        <pc:spChg chg="add mod">
+          <ac:chgData name="Judson Santiago" userId="ebb108da2f256286" providerId="LiveId" clId="{F02A8769-13FB-4EC9-A32C-E030E68C60F2}" dt="2021-08-21T01:08:11.053" v="739" actId="408"/>
+          <ac:spMkLst>
+            <pc:docMk/>
+            <pc:sldMk cId="3153582145" sldId="344"/>
+            <ac:spMk id="46" creationId="{147BE0FA-73EA-4E26-827E-577B2E658A11}"/>
+          </ac:spMkLst>
+        </pc:spChg>
+        <pc:spChg chg="add mod">
+          <ac:chgData name="Judson Santiago" userId="ebb108da2f256286" providerId="LiveId" clId="{F02A8769-13FB-4EC9-A32C-E030E68C60F2}" dt="2021-08-21T01:07:49.214" v="738" actId="1076"/>
+          <ac:spMkLst>
+            <pc:docMk/>
+            <pc:sldMk cId="3153582145" sldId="344"/>
+            <ac:spMk id="47" creationId="{92E6956C-A167-433D-BE63-3BE1FDF2E915}"/>
+          </ac:spMkLst>
+        </pc:spChg>
+        <pc:spChg chg="add mod">
+          <ac:chgData name="Judson Santiago" userId="ebb108da2f256286" providerId="LiveId" clId="{F02A8769-13FB-4EC9-A32C-E030E68C60F2}" dt="2021-08-21T00:58:57.218" v="609" actId="164"/>
+          <ac:spMkLst>
+            <pc:docMk/>
+            <pc:sldMk cId="3153582145" sldId="344"/>
+            <ac:spMk id="48" creationId="{37274D4B-6A56-49BE-AA18-EBD5DE89C25D}"/>
+          </ac:spMkLst>
+        </pc:spChg>
+        <pc:spChg chg="add mod ord">
+          <ac:chgData name="Judson Santiago" userId="ebb108da2f256286" providerId="LiveId" clId="{F02A8769-13FB-4EC9-A32C-E030E68C60F2}" dt="2021-08-21T00:58:57.218" v="609" actId="164"/>
+          <ac:spMkLst>
+            <pc:docMk/>
+            <pc:sldMk cId="3153582145" sldId="344"/>
+            <ac:spMk id="49" creationId="{D85421ED-A7C0-48E2-8E25-50FB7F8FEAFD}"/>
+          </ac:spMkLst>
+        </pc:spChg>
+        <pc:spChg chg="add del mod">
+          <ac:chgData name="Judson Santiago" userId="ebb108da2f256286" providerId="LiveId" clId="{F02A8769-13FB-4EC9-A32C-E030E68C60F2}" dt="2021-08-21T01:01:25.597" v="651" actId="1076"/>
+          <ac:spMkLst>
+            <pc:docMk/>
+            <pc:sldMk cId="3153582145" sldId="344"/>
+            <ac:spMk id="51" creationId="{ABA3518B-062B-427F-8742-460033AC27BA}"/>
+          </ac:spMkLst>
+        </pc:spChg>
+        <pc:spChg chg="mod topLvl">
+          <ac:chgData name="Judson Santiago" userId="ebb108da2f256286" providerId="LiveId" clId="{F02A8769-13FB-4EC9-A32C-E030E68C60F2}" dt="2021-08-21T01:06:43.387" v="730" actId="164"/>
+          <ac:spMkLst>
+            <pc:docMk/>
+            <pc:sldMk cId="3153582145" sldId="344"/>
+            <ac:spMk id="53" creationId="{F56F668A-4E94-4532-8824-5860E2595513}"/>
+          </ac:spMkLst>
+        </pc:spChg>
+        <pc:spChg chg="mod topLvl">
+          <ac:chgData name="Judson Santiago" userId="ebb108da2f256286" providerId="LiveId" clId="{F02A8769-13FB-4EC9-A32C-E030E68C60F2}" dt="2021-08-21T01:06:43.387" v="730" actId="164"/>
+          <ac:spMkLst>
+            <pc:docMk/>
+            <pc:sldMk cId="3153582145" sldId="344"/>
+            <ac:spMk id="54" creationId="{6C308FAE-EBE8-4E7F-A733-6AFFB9271062}"/>
+          </ac:spMkLst>
+        </pc:spChg>
+        <pc:spChg chg="mod topLvl">
+          <ac:chgData name="Judson Santiago" userId="ebb108da2f256286" providerId="LiveId" clId="{F02A8769-13FB-4EC9-A32C-E030E68C60F2}" dt="2021-08-21T01:06:43.387" v="730" actId="164"/>
+          <ac:spMkLst>
+            <pc:docMk/>
+            <pc:sldMk cId="3153582145" sldId="344"/>
+            <ac:spMk id="55" creationId="{854CAD74-9312-4BAF-8760-A478619158C7}"/>
+          </ac:spMkLst>
+        </pc:spChg>
+        <pc:spChg chg="del mod">
+          <ac:chgData name="Judson Santiago" userId="ebb108da2f256286" providerId="LiveId" clId="{F02A8769-13FB-4EC9-A32C-E030E68C60F2}" dt="2021-08-21T01:01:07.140" v="647" actId="478"/>
+          <ac:spMkLst>
+            <pc:docMk/>
+            <pc:sldMk cId="3153582145" sldId="344"/>
+            <ac:spMk id="56" creationId="{B97029A7-3F13-43AE-842A-541F69B7E253}"/>
+          </ac:spMkLst>
+        </pc:spChg>
+        <pc:spChg chg="del mod">
+          <ac:chgData name="Judson Santiago" userId="ebb108da2f256286" providerId="LiveId" clId="{F02A8769-13FB-4EC9-A32C-E030E68C60F2}" dt="2021-08-21T01:00:48.739" v="643" actId="478"/>
+          <ac:spMkLst>
+            <pc:docMk/>
+            <pc:sldMk cId="3153582145" sldId="344"/>
+            <ac:spMk id="58" creationId="{1315BC65-9CF7-4CB5-986C-D8616D4CEC38}"/>
+          </ac:spMkLst>
+        </pc:spChg>
+        <pc:spChg chg="del mod">
+          <ac:chgData name="Judson Santiago" userId="ebb108da2f256286" providerId="LiveId" clId="{F02A8769-13FB-4EC9-A32C-E030E68C60F2}" dt="2021-08-21T01:00:48.739" v="643" actId="478"/>
+          <ac:spMkLst>
+            <pc:docMk/>
+            <pc:sldMk cId="3153582145" sldId="344"/>
+            <ac:spMk id="59" creationId="{43BCEEFE-3A7A-4170-94D2-C70693B7E65C}"/>
+          </ac:spMkLst>
+        </pc:spChg>
+        <pc:spChg chg="del mod">
+          <ac:chgData name="Judson Santiago" userId="ebb108da2f256286" providerId="LiveId" clId="{F02A8769-13FB-4EC9-A32C-E030E68C60F2}" dt="2021-08-21T01:00:48.739" v="643" actId="478"/>
+          <ac:spMkLst>
+            <pc:docMk/>
+            <pc:sldMk cId="3153582145" sldId="344"/>
+            <ac:spMk id="60" creationId="{8FBEEADB-B1E2-4DE4-8DB8-3FD88D24AE46}"/>
+          </ac:spMkLst>
+        </pc:spChg>
+        <pc:spChg chg="del mod">
+          <ac:chgData name="Judson Santiago" userId="ebb108da2f256286" providerId="LiveId" clId="{F02A8769-13FB-4EC9-A32C-E030E68C60F2}" dt="2021-08-21T01:00:48.739" v="643" actId="478"/>
+          <ac:spMkLst>
+            <pc:docMk/>
+            <pc:sldMk cId="3153582145" sldId="344"/>
+            <ac:spMk id="61" creationId="{927DCDE6-D360-4B60-B358-05BE9E291FD0}"/>
+          </ac:spMkLst>
+        </pc:spChg>
+        <pc:spChg chg="del mod">
+          <ac:chgData name="Judson Santiago" userId="ebb108da2f256286" providerId="LiveId" clId="{F02A8769-13FB-4EC9-A32C-E030E68C60F2}" dt="2021-08-21T01:00:48.739" v="643" actId="478"/>
+          <ac:spMkLst>
+            <pc:docMk/>
+            <pc:sldMk cId="3153582145" sldId="344"/>
+            <ac:spMk id="62" creationId="{AFF62A22-7539-4D13-A26E-7616714A9938}"/>
+          </ac:spMkLst>
+        </pc:spChg>
+        <pc:spChg chg="mod topLvl">
+          <ac:chgData name="Judson Santiago" userId="ebb108da2f256286" providerId="LiveId" clId="{F02A8769-13FB-4EC9-A32C-E030E68C60F2}" dt="2021-08-21T01:06:43.387" v="730" actId="164"/>
+          <ac:spMkLst>
+            <pc:docMk/>
+            <pc:sldMk cId="3153582145" sldId="344"/>
+            <ac:spMk id="63" creationId="{B4E4E960-F5D8-4E09-B1CE-4C01C90303D3}"/>
+          </ac:spMkLst>
+        </pc:spChg>
+        <pc:spChg chg="del mod">
+          <ac:chgData name="Judson Santiago" userId="ebb108da2f256286" providerId="LiveId" clId="{F02A8769-13FB-4EC9-A32C-E030E68C60F2}" dt="2021-08-21T01:01:41.094" v="655" actId="478"/>
+          <ac:spMkLst>
+            <pc:docMk/>
+            <pc:sldMk cId="3153582145" sldId="344"/>
+            <ac:spMk id="66" creationId="{BD53C5A7-AA01-4F11-BF15-CAE8EC0AAB9F}"/>
+          </ac:spMkLst>
+        </pc:spChg>
+        <pc:spChg chg="mod ord topLvl">
+          <ac:chgData name="Judson Santiago" userId="ebb108da2f256286" providerId="LiveId" clId="{F02A8769-13FB-4EC9-A32C-E030E68C60F2}" dt="2021-08-21T01:06:35.975" v="729" actId="164"/>
+          <ac:spMkLst>
+            <pc:docMk/>
+            <pc:sldMk cId="3153582145" sldId="344"/>
+            <ac:spMk id="67" creationId="{B9685F08-5EC9-4E17-AC92-900B75E395BE}"/>
+          </ac:spMkLst>
+        </pc:spChg>
+        <pc:spChg chg="mod topLvl">
+          <ac:chgData name="Judson Santiago" userId="ebb108da2f256286" providerId="LiveId" clId="{F02A8769-13FB-4EC9-A32C-E030E68C60F2}" dt="2021-08-21T01:06:35.975" v="729" actId="164"/>
+          <ac:spMkLst>
+            <pc:docMk/>
+            <pc:sldMk cId="3153582145" sldId="344"/>
+            <ac:spMk id="68" creationId="{3AE4722C-262C-4ED3-866E-935BB95AF758}"/>
+          </ac:spMkLst>
+        </pc:spChg>
+        <pc:spChg chg="mod topLvl">
+          <ac:chgData name="Judson Santiago" userId="ebb108da2f256286" providerId="LiveId" clId="{F02A8769-13FB-4EC9-A32C-E030E68C60F2}" dt="2021-08-21T01:09:59.130" v="753" actId="408"/>
+          <ac:spMkLst>
+            <pc:docMk/>
+            <pc:sldMk cId="3153582145" sldId="344"/>
+            <ac:spMk id="69" creationId="{B5481D30-C302-4D9C-BC7C-A701CC4914C5}"/>
+          </ac:spMkLst>
+        </pc:spChg>
+        <pc:spChg chg="del mod">
+          <ac:chgData name="Judson Santiago" userId="ebb108da2f256286" providerId="LiveId" clId="{F02A8769-13FB-4EC9-A32C-E030E68C60F2}" dt="2021-08-21T01:01:45.200" v="656" actId="478"/>
+          <ac:spMkLst>
+            <pc:docMk/>
+            <pc:sldMk cId="3153582145" sldId="344"/>
+            <ac:spMk id="71" creationId="{22CA298B-3599-4376-A838-3AB75FD4BB1A}"/>
+          </ac:spMkLst>
+        </pc:spChg>
+        <pc:spChg chg="add mod">
+          <ac:chgData name="Judson Santiago" userId="ebb108da2f256286" providerId="LiveId" clId="{F02A8769-13FB-4EC9-A32C-E030E68C60F2}" dt="2021-08-21T01:06:43.387" v="730" actId="164"/>
+          <ac:spMkLst>
+            <pc:docMk/>
+            <pc:sldMk cId="3153582145" sldId="344"/>
+            <ac:spMk id="73" creationId="{2CEC0219-7786-4A54-9E81-40977D92C6E1}"/>
+          </ac:spMkLst>
+        </pc:spChg>
+        <pc:spChg chg="add mod">
+          <ac:chgData name="Judson Santiago" userId="ebb108da2f256286" providerId="LiveId" clId="{F02A8769-13FB-4EC9-A32C-E030E68C60F2}" dt="2021-08-21T01:06:35.975" v="729" actId="164"/>
+          <ac:spMkLst>
+            <pc:docMk/>
+            <pc:sldMk cId="3153582145" sldId="344"/>
+            <ac:spMk id="74" creationId="{DBF7249F-F2ED-43AC-8B6C-0ABE3F017936}"/>
+          </ac:spMkLst>
+        </pc:spChg>
+        <pc:spChg chg="add mod ord">
+          <ac:chgData name="Judson Santiago" userId="ebb108da2f256286" providerId="LiveId" clId="{F02A8769-13FB-4EC9-A32C-E030E68C60F2}" dt="2021-08-21T01:06:35.975" v="729" actId="164"/>
+          <ac:spMkLst>
+            <pc:docMk/>
+            <pc:sldMk cId="3153582145" sldId="344"/>
+            <ac:spMk id="76" creationId="{E396B47F-C033-4224-8BFE-A847BA62AABB}"/>
+          </ac:spMkLst>
+        </pc:spChg>
+        <pc:grpChg chg="del">
+          <ac:chgData name="Judson Santiago" userId="ebb108da2f256286" providerId="LiveId" clId="{F02A8769-13FB-4EC9-A32C-E030E68C60F2}" dt="2021-08-21T00:35:49.420" v="314" actId="478"/>
+          <ac:grpSpMkLst>
+            <pc:docMk/>
+            <pc:sldMk cId="3153582145" sldId="344"/>
+            <ac:grpSpMk id="9" creationId="{40103702-3335-4BD6-ADA5-F734A075680E}"/>
+          </ac:grpSpMkLst>
+        </pc:grpChg>
+        <pc:grpChg chg="add mod">
+          <ac:chgData name="Judson Santiago" userId="ebb108da2f256286" providerId="LiveId" clId="{F02A8769-13FB-4EC9-A32C-E030E68C60F2}" dt="2021-08-21T01:01:25.597" v="651" actId="1076"/>
+          <ac:grpSpMkLst>
+            <pc:docMk/>
+            <pc:sldMk cId="3153582145" sldId="344"/>
+            <ac:grpSpMk id="50" creationId="{F5062BBA-4693-447E-96AC-B5D5AFD348D8}"/>
+          </ac:grpSpMkLst>
+        </pc:grpChg>
+        <pc:grpChg chg="add del mod">
+          <ac:chgData name="Judson Santiago" userId="ebb108da2f256286" providerId="LiveId" clId="{F02A8769-13FB-4EC9-A32C-E030E68C60F2}" dt="2021-08-21T01:02:10.615" v="668" actId="165"/>
+          <ac:grpSpMkLst>
+            <pc:docMk/>
+            <pc:sldMk cId="3153582145" sldId="344"/>
+            <ac:grpSpMk id="52" creationId="{EF450E6B-5562-4E16-AA24-17F60C1DB9F3}"/>
+          </ac:grpSpMkLst>
+        </pc:grpChg>
+        <pc:grpChg chg="add del mod">
+          <ac:chgData name="Judson Santiago" userId="ebb108da2f256286" providerId="LiveId" clId="{F02A8769-13FB-4EC9-A32C-E030E68C60F2}" dt="2021-08-21T01:06:30.413" v="728" actId="165"/>
+          <ac:grpSpMkLst>
+            <pc:docMk/>
+            <pc:sldMk cId="3153582145" sldId="344"/>
+            <ac:grpSpMk id="65" creationId="{E67BC2CB-E689-47A0-8F3A-2163A55336C3}"/>
+          </ac:grpSpMkLst>
+        </pc:grpChg>
+        <pc:grpChg chg="add mod">
+          <ac:chgData name="Judson Santiago" userId="ebb108da2f256286" providerId="LiveId" clId="{F02A8769-13FB-4EC9-A32C-E030E68C60F2}" dt="2021-08-21T01:07:13.184" v="735" actId="1076"/>
+          <ac:grpSpMkLst>
+            <pc:docMk/>
+            <pc:sldMk cId="3153582145" sldId="344"/>
+            <ac:grpSpMk id="78" creationId="{4DEA9BA5-9986-4F46-8B64-831EE6FC0A85}"/>
+          </ac:grpSpMkLst>
+        </pc:grpChg>
+        <pc:grpChg chg="add mod">
+          <ac:chgData name="Judson Santiago" userId="ebb108da2f256286" providerId="LiveId" clId="{F02A8769-13FB-4EC9-A32C-E030E68C60F2}" dt="2021-08-21T01:07:10.542" v="734" actId="1076"/>
+          <ac:grpSpMkLst>
+            <pc:docMk/>
+            <pc:sldMk cId="3153582145" sldId="344"/>
+            <ac:grpSpMk id="79" creationId="{51326258-2493-4FFD-8F37-C2AC5F0F8333}"/>
+          </ac:grpSpMkLst>
+        </pc:grpChg>
+        <pc:cxnChg chg="mod">
+          <ac:chgData name="Judson Santiago" userId="ebb108da2f256286" providerId="LiveId" clId="{F02A8769-13FB-4EC9-A32C-E030E68C60F2}" dt="2021-08-21T00:35:49.420" v="314" actId="478"/>
+          <ac:cxnSpMkLst>
+            <pc:docMk/>
+            <pc:sldMk cId="3153582145" sldId="344"/>
+            <ac:cxnSpMk id="6" creationId="{00000000-0000-0000-0000-000000000000}"/>
+          </ac:cxnSpMkLst>
+        </pc:cxnChg>
+        <pc:cxnChg chg="mod">
+          <ac:chgData name="Judson Santiago" userId="ebb108da2f256286" providerId="LiveId" clId="{F02A8769-13FB-4EC9-A32C-E030E68C60F2}" dt="2021-08-21T00:35:49.420" v="314" actId="478"/>
+          <ac:cxnSpMkLst>
+            <pc:docMk/>
+            <pc:sldMk cId="3153582145" sldId="344"/>
+            <ac:cxnSpMk id="8" creationId="{00000000-0000-0000-0000-000000000000}"/>
+          </ac:cxnSpMkLst>
+        </pc:cxnChg>
+        <pc:cxnChg chg="add mod ord">
+          <ac:chgData name="Judson Santiago" userId="ebb108da2f256286" providerId="LiveId" clId="{F02A8769-13FB-4EC9-A32C-E030E68C60F2}" dt="2021-08-21T00:58:57.218" v="609" actId="164"/>
+          <ac:cxnSpMkLst>
+            <pc:docMk/>
+            <pc:sldMk cId="3153582145" sldId="344"/>
+            <ac:cxnSpMk id="27" creationId="{0E87733C-E670-4F90-9BCE-BDD61D27814C}"/>
+          </ac:cxnSpMkLst>
+        </pc:cxnChg>
+        <pc:cxnChg chg="add mod ord">
+          <ac:chgData name="Judson Santiago" userId="ebb108da2f256286" providerId="LiveId" clId="{F02A8769-13FB-4EC9-A32C-E030E68C60F2}" dt="2021-08-21T01:10:22.810" v="754" actId="693"/>
+          <ac:cxnSpMkLst>
+            <pc:docMk/>
+            <pc:sldMk cId="3153582145" sldId="344"/>
+            <ac:cxnSpMk id="29" creationId="{89924EC8-46AF-4A92-A467-20FC16678D21}"/>
+          </ac:cxnSpMkLst>
+        </pc:cxnChg>
+        <pc:cxnChg chg="add del mod">
+          <ac:chgData name="Judson Santiago" userId="ebb108da2f256286" providerId="LiveId" clId="{F02A8769-13FB-4EC9-A32C-E030E68C60F2}" dt="2021-08-21T00:55:34.966" v="587" actId="478"/>
+          <ac:cxnSpMkLst>
+            <pc:docMk/>
+            <pc:sldMk cId="3153582145" sldId="344"/>
+            <ac:cxnSpMk id="36" creationId="{E4B294FD-59C5-42AA-8B3A-0E527590403D}"/>
+          </ac:cxnSpMkLst>
+        </pc:cxnChg>
+        <pc:cxnChg chg="del mod">
+          <ac:chgData name="Judson Santiago" userId="ebb108da2f256286" providerId="LiveId" clId="{F02A8769-13FB-4EC9-A32C-E030E68C60F2}" dt="2021-08-21T01:01:07.140" v="647" actId="478"/>
+          <ac:cxnSpMkLst>
+            <pc:docMk/>
+            <pc:sldMk cId="3153582145" sldId="344"/>
+            <ac:cxnSpMk id="57" creationId="{AC1ED8CF-2483-4BA7-9B52-D7ED4507D34D}"/>
+          </ac:cxnSpMkLst>
+        </pc:cxnChg>
+        <pc:cxnChg chg="mod topLvl">
+          <ac:chgData name="Judson Santiago" userId="ebb108da2f256286" providerId="LiveId" clId="{F02A8769-13FB-4EC9-A32C-E030E68C60F2}" dt="2021-08-21T01:06:43.387" v="730" actId="164"/>
+          <ac:cxnSpMkLst>
+            <pc:docMk/>
+            <pc:sldMk cId="3153582145" sldId="344"/>
+            <ac:cxnSpMk id="64" creationId="{333A7620-F150-42E6-BCBE-10C56B742914}"/>
+          </ac:cxnSpMkLst>
+        </pc:cxnChg>
+        <pc:cxnChg chg="mod topLvl">
+          <ac:chgData name="Judson Santiago" userId="ebb108da2f256286" providerId="LiveId" clId="{F02A8769-13FB-4EC9-A32C-E030E68C60F2}" dt="2021-08-21T01:10:46.342" v="757" actId="1076"/>
+          <ac:cxnSpMkLst>
+            <pc:docMk/>
+            <pc:sldMk cId="3153582145" sldId="344"/>
+            <ac:cxnSpMk id="70" creationId="{8789574A-8628-4596-B05A-2490B6156056}"/>
+          </ac:cxnSpMkLst>
+        </pc:cxnChg>
+        <pc:cxnChg chg="del mod">
+          <ac:chgData name="Judson Santiago" userId="ebb108da2f256286" providerId="LiveId" clId="{F02A8769-13FB-4EC9-A32C-E030E68C60F2}" dt="2021-08-21T01:01:37.978" v="654" actId="478"/>
+          <ac:cxnSpMkLst>
+            <pc:docMk/>
+            <pc:sldMk cId="3153582145" sldId="344"/>
+            <ac:cxnSpMk id="72" creationId="{931E6A3E-7FCD-4E1E-8C22-EA1C43BCDBBA}"/>
+          </ac:cxnSpMkLst>
+        </pc:cxnChg>
+        <pc:cxnChg chg="add mod ord">
+          <ac:chgData name="Judson Santiago" userId="ebb108da2f256286" providerId="LiveId" clId="{F02A8769-13FB-4EC9-A32C-E030E68C60F2}" dt="2021-08-21T01:10:33.246" v="756" actId="166"/>
+          <ac:cxnSpMkLst>
+            <pc:docMk/>
+            <pc:sldMk cId="3153582145" sldId="344"/>
+            <ac:cxnSpMk id="80" creationId="{BA84959D-BD25-48BD-B22E-127961B9E636}"/>
+          </ac:cxnSpMkLst>
+        </pc:cxnChg>
+      </pc:sldChg>
+      <pc:sldMasterChg chg="addSp delSp modSp mod modSldLayout">
+        <pc:chgData name="Judson Santiago" userId="ebb108da2f256286" providerId="LiveId" clId="{F02A8769-13FB-4EC9-A32C-E030E68C60F2}" dt="2021-08-21T03:28:28.786" v="845" actId="21"/>
+        <pc:sldMasterMkLst>
+          <pc:docMk/>
+          <pc:sldMasterMk cId="0" sldId="2147483780"/>
+        </pc:sldMasterMkLst>
+        <pc:spChg chg="del">
+          <ac:chgData name="Judson Santiago" userId="ebb108da2f256286" providerId="LiveId" clId="{F02A8769-13FB-4EC9-A32C-E030E68C60F2}" dt="2021-08-20T23:46:06.736" v="1" actId="478"/>
+          <ac:spMkLst>
+            <pc:docMk/>
+            <pc:sldMasterMk cId="0" sldId="2147483780"/>
+            <ac:spMk id="12" creationId="{00000000-0000-0000-0000-000000000000}"/>
+          </ac:spMkLst>
+        </pc:spChg>
+        <pc:spChg chg="del">
+          <ac:chgData name="Judson Santiago" userId="ebb108da2f256286" providerId="LiveId" clId="{F02A8769-13FB-4EC9-A32C-E030E68C60F2}" dt="2021-08-20T23:46:06.736" v="1" actId="478"/>
+          <ac:spMkLst>
+            <pc:docMk/>
+            <pc:sldMasterMk cId="0" sldId="2147483780"/>
+            <ac:spMk id="13" creationId="{00000000-0000-0000-0000-000000000000}"/>
+          </ac:spMkLst>
+        </pc:spChg>
+        <pc:spChg chg="del">
+          <ac:chgData name="Judson Santiago" userId="ebb108da2f256286" providerId="LiveId" clId="{F02A8769-13FB-4EC9-A32C-E030E68C60F2}" dt="2021-08-20T23:46:06.736" v="1" actId="478"/>
+          <ac:spMkLst>
+            <pc:docMk/>
+            <pc:sldMasterMk cId="0" sldId="2147483780"/>
+            <ac:spMk id="14" creationId="{00000000-0000-0000-0000-000000000000}"/>
+          </ac:spMkLst>
+        </pc:spChg>
+        <pc:spChg chg="mod">
+          <ac:chgData name="Judson Santiago" userId="ebb108da2f256286" providerId="LiveId" clId="{F02A8769-13FB-4EC9-A32C-E030E68C60F2}" dt="2021-08-18T23:46:31.178" v="0"/>
+          <ac:spMkLst>
+            <pc:docMk/>
+            <pc:sldMasterMk cId="0" sldId="2147483780"/>
+            <ac:spMk id="16" creationId="{5C738D65-49BF-4425-910D-DE236745B813}"/>
+          </ac:spMkLst>
+        </pc:spChg>
+        <pc:spChg chg="add mod ord">
+          <ac:chgData name="Judson Santiago" userId="ebb108da2f256286" providerId="LiveId" clId="{F02A8769-13FB-4EC9-A32C-E030E68C60F2}" dt="2021-08-20T23:46:11.582" v="3" actId="167"/>
+          <ac:spMkLst>
+            <pc:docMk/>
+            <pc:sldMasterMk cId="0" sldId="2147483780"/>
+            <ac:spMk id="17" creationId="{5ADC4908-63D1-45BC-8713-1778752AE8F1}"/>
+          </ac:spMkLst>
+        </pc:spChg>
+        <pc:spChg chg="mod">
+          <ac:chgData name="Judson Santiago" userId="ebb108da2f256286" providerId="LiveId" clId="{F02A8769-13FB-4EC9-A32C-E030E68C60F2}" dt="2021-08-20T23:46:08.861" v="2"/>
+          <ac:spMkLst>
+            <pc:docMk/>
+            <pc:sldMasterMk cId="0" sldId="2147483780"/>
+            <ac:spMk id="20" creationId="{CC47529C-154F-4F08-8BF1-335035480499}"/>
+          </ac:spMkLst>
+        </pc:spChg>
+        <pc:spChg chg="mod">
+          <ac:chgData name="Judson Santiago" userId="ebb108da2f256286" providerId="LiveId" clId="{F02A8769-13FB-4EC9-A32C-E030E68C60F2}" dt="2021-08-20T23:46:08.861" v="2"/>
+          <ac:spMkLst>
+            <pc:docMk/>
+            <pc:sldMasterMk cId="0" sldId="2147483780"/>
+            <ac:spMk id="21" creationId="{78AAF604-230E-41B4-983A-CB5A5486F231}"/>
+          </ac:spMkLst>
+        </pc:spChg>
+        <pc:spChg chg="mod">
+          <ac:chgData name="Judson Santiago" userId="ebb108da2f256286" providerId="LiveId" clId="{F02A8769-13FB-4EC9-A32C-E030E68C60F2}" dt="2021-08-20T23:46:08.861" v="2"/>
+          <ac:spMkLst>
+            <pc:docMk/>
+            <pc:sldMasterMk cId="0" sldId="2147483780"/>
+            <ac:spMk id="23" creationId="{C9732CE7-BD7B-4335-87EE-5E01C24040D2}"/>
+          </ac:spMkLst>
+        </pc:spChg>
+        <pc:grpChg chg="add del mod">
+          <ac:chgData name="Judson Santiago" userId="ebb108da2f256286" providerId="LiveId" clId="{F02A8769-13FB-4EC9-A32C-E030E68C60F2}" dt="2021-08-21T03:28:28.786" v="845" actId="21"/>
+          <ac:grpSpMkLst>
+            <pc:docMk/>
+            <pc:sldMasterMk cId="0" sldId="2147483780"/>
+            <ac:grpSpMk id="11" creationId="{75A9B0A1-6FFE-4B39-AA63-880EBCDD60E7}"/>
+          </ac:grpSpMkLst>
+        </pc:grpChg>
+        <pc:grpChg chg="add mod ord">
+          <ac:chgData name="Judson Santiago" userId="ebb108da2f256286" providerId="LiveId" clId="{F02A8769-13FB-4EC9-A32C-E030E68C60F2}" dt="2021-08-20T23:46:11.582" v="3" actId="167"/>
+          <ac:grpSpMkLst>
+            <pc:docMk/>
+            <pc:sldMasterMk cId="0" sldId="2147483780"/>
+            <ac:grpSpMk id="19" creationId="{CA604FBE-7298-4E07-A4CE-D2485310FB4F}"/>
+          </ac:grpSpMkLst>
+        </pc:grpChg>
+        <pc:picChg chg="mod">
+          <ac:chgData name="Judson Santiago" userId="ebb108da2f256286" providerId="LiveId" clId="{F02A8769-13FB-4EC9-A32C-E030E68C60F2}" dt="2021-08-18T23:46:31.178" v="0"/>
+          <ac:picMkLst>
+            <pc:docMk/>
+            <pc:sldMasterMk cId="0" sldId="2147483780"/>
+            <ac:picMk id="15" creationId="{2E80E19B-FFA9-442A-883E-4F1D608953B8}"/>
+          </ac:picMkLst>
+        </pc:picChg>
+        <pc:sldLayoutChg chg="addSp delSp modSp mod">
+          <pc:chgData name="Judson Santiago" userId="ebb108da2f256286" providerId="LiveId" clId="{F02A8769-13FB-4EC9-A32C-E030E68C60F2}" dt="2021-08-20T23:46:36.364" v="9" actId="167"/>
+          <pc:sldLayoutMkLst>
+            <pc:docMk/>
+            <pc:sldMasterMk cId="0" sldId="2147483780"/>
+            <pc:sldLayoutMk cId="0" sldId="2147483781"/>
+          </pc:sldLayoutMkLst>
+          <pc:spChg chg="mod">
+            <ac:chgData name="Judson Santiago" userId="ebb108da2f256286" providerId="LiveId" clId="{F02A8769-13FB-4EC9-A32C-E030E68C60F2}" dt="2021-08-20T23:46:33.358" v="8"/>
+            <ac:spMkLst>
+              <pc:docMk/>
+              <pc:sldMasterMk cId="0" sldId="2147483780"/>
+              <pc:sldLayoutMk cId="0" sldId="2147483781"/>
+              <ac:spMk id="13" creationId="{23385ADF-ABE2-49B5-99BE-2496F49553FD}"/>
+            </ac:spMkLst>
+          </pc:spChg>
+          <pc:spChg chg="mod">
+            <ac:chgData name="Judson Santiago" userId="ebb108da2f256286" providerId="LiveId" clId="{F02A8769-13FB-4EC9-A32C-E030E68C60F2}" dt="2021-08-20T23:46:33.358" v="8"/>
+            <ac:spMkLst>
+              <pc:docMk/>
+              <pc:sldMasterMk cId="0" sldId="2147483780"/>
+              <pc:sldLayoutMk cId="0" sldId="2147483781"/>
+              <ac:spMk id="14" creationId="{3BCD55FB-788C-436F-BA3A-A124F129C18B}"/>
+            </ac:spMkLst>
+          </pc:spChg>
+          <pc:spChg chg="mod">
+            <ac:chgData name="Judson Santiago" userId="ebb108da2f256286" providerId="LiveId" clId="{F02A8769-13FB-4EC9-A32C-E030E68C60F2}" dt="2021-08-20T23:46:33.358" v="8"/>
+            <ac:spMkLst>
+              <pc:docMk/>
+              <pc:sldMasterMk cId="0" sldId="2147483780"/>
+              <pc:sldLayoutMk cId="0" sldId="2147483781"/>
+              <ac:spMk id="15" creationId="{5897997F-4BAC-407F-83E5-5262E9A19346}"/>
+            </ac:spMkLst>
+          </pc:spChg>
+          <pc:spChg chg="mod">
+            <ac:chgData name="Judson Santiago" userId="ebb108da2f256286" providerId="LiveId" clId="{F02A8769-13FB-4EC9-A32C-E030E68C60F2}" dt="2021-08-20T23:46:33.358" v="8"/>
+            <ac:spMkLst>
+              <pc:docMk/>
+              <pc:sldMasterMk cId="0" sldId="2147483780"/>
+              <pc:sldLayoutMk cId="0" sldId="2147483781"/>
+              <ac:spMk id="16" creationId="{34E90D50-F98A-4EBA-A43A-4BA8F114A7D0}"/>
+            </ac:spMkLst>
+          </pc:spChg>
+          <pc:spChg chg="del">
+            <ac:chgData name="Judson Santiago" userId="ebb108da2f256286" providerId="LiveId" clId="{F02A8769-13FB-4EC9-A32C-E030E68C60F2}" dt="2021-08-20T23:46:29.026" v="6" actId="478"/>
+            <ac:spMkLst>
+              <pc:docMk/>
+              <pc:sldMasterMk cId="0" sldId="2147483780"/>
+              <pc:sldLayoutMk cId="0" sldId="2147483781"/>
+              <ac:spMk id="18" creationId="{DFCEFD9B-7407-42E1-81F0-6ACD93566591}"/>
+            </ac:spMkLst>
+          </pc:spChg>
+          <pc:spChg chg="mod">
+            <ac:chgData name="Judson Santiago" userId="ebb108da2f256286" providerId="LiveId" clId="{F02A8769-13FB-4EC9-A32C-E030E68C60F2}" dt="2021-08-20T23:46:33.358" v="8"/>
+            <ac:spMkLst>
+              <pc:docMk/>
+              <pc:sldMasterMk cId="0" sldId="2147483780"/>
+              <pc:sldLayoutMk cId="0" sldId="2147483781"/>
+              <ac:spMk id="19" creationId="{F0E2F6FD-6FBD-4242-AF4F-03B2D6063611}"/>
+            </ac:spMkLst>
+          </pc:spChg>
+          <pc:spChg chg="mod">
+            <ac:chgData name="Judson Santiago" userId="ebb108da2f256286" providerId="LiveId" clId="{F02A8769-13FB-4EC9-A32C-E030E68C60F2}" dt="2021-08-20T23:46:33.358" v="8"/>
+            <ac:spMkLst>
+              <pc:docMk/>
+              <pc:sldMasterMk cId="0" sldId="2147483780"/>
+              <pc:sldLayoutMk cId="0" sldId="2147483781"/>
+              <ac:spMk id="20" creationId="{A1A7F74E-0148-4447-A52D-A29716C2AE1F}"/>
+            </ac:spMkLst>
+          </pc:spChg>
+          <pc:spChg chg="del">
+            <ac:chgData name="Judson Santiago" userId="ebb108da2f256286" providerId="LiveId" clId="{F02A8769-13FB-4EC9-A32C-E030E68C60F2}" dt="2021-08-20T23:46:28.022" v="5" actId="478"/>
+            <ac:spMkLst>
+              <pc:docMk/>
+              <pc:sldMasterMk cId="0" sldId="2147483780"/>
+              <pc:sldLayoutMk cId="0" sldId="2147483781"/>
+              <ac:spMk id="21" creationId="{4ADB2778-A6D2-4DE9-8C25-DACA125A74C0}"/>
+            </ac:spMkLst>
+          </pc:spChg>
+          <pc:spChg chg="del">
+            <ac:chgData name="Judson Santiago" userId="ebb108da2f256286" providerId="LiveId" clId="{F02A8769-13FB-4EC9-A32C-E030E68C60F2}" dt="2021-08-20T23:46:31.167" v="7" actId="478"/>
+            <ac:spMkLst>
+              <pc:docMk/>
+              <pc:sldMasterMk cId="0" sldId="2147483780"/>
+              <pc:sldLayoutMk cId="0" sldId="2147483781"/>
+              <ac:spMk id="22" creationId="{63B4AAC0-2956-4AB7-BF9B-AC28D94ACABC}"/>
+            </ac:spMkLst>
+          </pc:spChg>
+          <pc:spChg chg="del">
+            <ac:chgData name="Judson Santiago" userId="ebb108da2f256286" providerId="LiveId" clId="{F02A8769-13FB-4EC9-A32C-E030E68C60F2}" dt="2021-08-20T23:46:25.866" v="4" actId="478"/>
+            <ac:spMkLst>
+              <pc:docMk/>
+              <pc:sldMasterMk cId="0" sldId="2147483780"/>
+              <pc:sldLayoutMk cId="0" sldId="2147483781"/>
+              <ac:spMk id="23" creationId="{E9C17A1F-684D-4CBD-AD7E-0AAE0AA63068}"/>
+            </ac:spMkLst>
+          </pc:spChg>
+          <pc:spChg chg="add mod ord">
+            <ac:chgData name="Judson Santiago" userId="ebb108da2f256286" providerId="LiveId" clId="{F02A8769-13FB-4EC9-A32C-E030E68C60F2}" dt="2021-08-20T23:46:36.364" v="9" actId="167"/>
+            <ac:spMkLst>
+              <pc:docMk/>
+              <pc:sldMasterMk cId="0" sldId="2147483780"/>
+              <pc:sldLayoutMk cId="0" sldId="2147483781"/>
+              <ac:spMk id="26" creationId="{E94A4E18-C79F-4447-AF65-E626B38B2491}"/>
+            </ac:spMkLst>
+          </pc:spChg>
+          <pc:grpChg chg="add mod ord">
+            <ac:chgData name="Judson Santiago" userId="ebb108da2f256286" providerId="LiveId" clId="{F02A8769-13FB-4EC9-A32C-E030E68C60F2}" dt="2021-08-20T23:46:36.364" v="9" actId="167"/>
+            <ac:grpSpMkLst>
+              <pc:docMk/>
+              <pc:sldMasterMk cId="0" sldId="2147483780"/>
+              <pc:sldLayoutMk cId="0" sldId="2147483781"/>
+              <ac:grpSpMk id="10" creationId="{C1011A8D-F2A6-46D9-8D8F-30560F07B555}"/>
+            </ac:grpSpMkLst>
+          </pc:grpChg>
+          <pc:grpChg chg="add mod ord">
+            <ac:chgData name="Judson Santiago" userId="ebb108da2f256286" providerId="LiveId" clId="{F02A8769-13FB-4EC9-A32C-E030E68C60F2}" dt="2021-08-20T23:46:36.364" v="9" actId="167"/>
+            <ac:grpSpMkLst>
+              <pc:docMk/>
+              <pc:sldMasterMk cId="0" sldId="2147483780"/>
+              <pc:sldLayoutMk cId="0" sldId="2147483781"/>
+              <ac:grpSpMk id="17" creationId="{DC7390AE-F977-4386-B554-BBE8DA25EDE9}"/>
+            </ac:grpSpMkLst>
+          </pc:grpChg>
+        </pc:sldLayoutChg>
+      </pc:sldMasterChg>
+    </pc:docChg>
+  </pc:docChgLst>
   <pc:docChgLst>
     <pc:chgData name="Judson Santiago" userId="ebb108da2f256286" providerId="LiveId" clId="{2DF3116F-66BB-4296-A4E8-7A2D1CB39660}"/>
     <pc:docChg chg="undo custSel addSld delSld modSld sldOrd modMainMaster">
@@ -3275,7 +4861,7 @@
           <a:p>
             <a:fld id="{4EE124E1-33A7-455C-8CC3-2478ADA7C92A}" type="datetimeFigureOut">
               <a:rPr lang="pt-BR" smtClean="0"/>
-              <a:t>05/06/2019</a:t>
+              <a:t>20/08/2021</a:t>
             </a:fld>
             <a:endParaRPr lang="pt-BR"/>
           </a:p>
@@ -3441,7 +5027,7 @@
             <a:fld id="{4C457FC9-8E1D-4A40-BFF1-0E630693B1AB}" type="datetimeFigureOut">
               <a:rPr lang="pt-BR" smtClean="0"/>
               <a:pPr/>
-              <a:t>05/06/2019</a:t>
+              <a:t>20/08/2021</a:t>
             </a:fld>
             <a:endParaRPr lang="pt-BR"/>
           </a:p>
@@ -3760,14 +5346,6 @@
           <a:bodyPr/>
           <a:lstStyle/>
           <a:p>
-            <a:r>
-              <a:rPr lang="pt-BR" dirty="0"/>
-              <a:t>A detecção</a:t>
-            </a:r>
-            <a:r>
-              <a:rPr lang="pt-BR" baseline="0" dirty="0"/>
-              <a:t> de colisão e a resolução de colisão juntas fornecem o conceito de solidez aos objetos de um jogo.</a:t>
-            </a:r>
             <a:endParaRPr lang="pt-BR" dirty="0"/>
           </a:p>
         </p:txBody>
@@ -3853,6 +5431,59 @@
           <a:bodyPr/>
           <a:lstStyle/>
           <a:p>
+            <a:pPr marL="0" marR="0" lvl="0" indent="0" algn="l" defTabSz="914400" rtl="0" eaLnBrk="1" fontAlgn="auto" latinLnBrk="0" hangingPunct="1">
+              <a:lnSpc>
+                <a:spcPct val="100000"/>
+              </a:lnSpc>
+              <a:spcBef>
+                <a:spcPts val="0"/>
+              </a:spcBef>
+              <a:spcAft>
+                <a:spcPts val="0"/>
+              </a:spcAft>
+              <a:buClrTx/>
+              <a:buSzTx/>
+              <a:buFontTx/>
+              <a:buNone/>
+              <a:tabLst/>
+              <a:defRPr/>
+            </a:pPr>
+            <a:r>
+              <a:rPr lang="pt-BR" sz="1200" dirty="0">
+                <a:solidFill>
+                  <a:schemeClr val="bg1"/>
+                </a:solidFill>
+              </a:rPr>
+              <a:t>» Mostrar tratamento da colisão no projeto </a:t>
+            </a:r>
+            <a:r>
+              <a:rPr lang="pt-BR" sz="1200" b="1" dirty="0" err="1">
+                <a:solidFill>
+                  <a:schemeClr val="bg1"/>
+                </a:solidFill>
+              </a:rPr>
+              <a:t>Collision</a:t>
+            </a:r>
+            <a:r>
+              <a:rPr lang="pt-BR" sz="1200" dirty="0">
+                <a:solidFill>
+                  <a:schemeClr val="bg1"/>
+                </a:solidFill>
+              </a:rPr>
+              <a:t> do material de </a:t>
+            </a:r>
+            <a:r>
+              <a:rPr lang="pt-BR" sz="1200">
+                <a:solidFill>
+                  <a:schemeClr val="bg1"/>
+                </a:solidFill>
+              </a:rPr>
+              <a:t>apoio</a:t>
+            </a:r>
+            <a:r>
+              <a:rPr lang="pt-BR"/>
+              <a:t>. </a:t>
+            </a:r>
             <a:endParaRPr lang="pt-BR" dirty="0"/>
           </a:p>
         </p:txBody>
@@ -3875,7 +5506,92 @@
             <a:fld id="{EF334A8D-C5BE-432D-90D0-92D67DD437AB}" type="slidenum">
               <a:rPr lang="pt-BR" smtClean="0"/>
               <a:pPr/>
-              <a:t>18</a:t>
+              <a:t>19</a:t>
+            </a:fld>
+            <a:endParaRPr lang="pt-BR"/>
+          </a:p>
+        </p:txBody>
+      </p:sp>
+    </p:spTree>
+    <p:extLst>
+      <p:ext uri="{BB962C8B-B14F-4D97-AF65-F5344CB8AC3E}">
+        <p14:creationId xmlns:p14="http://schemas.microsoft.com/office/powerpoint/2010/main" val="847016882"/>
+      </p:ext>
+    </p:extLst>
+  </p:cSld>
+  <p:clrMapOvr>
+    <a:masterClrMapping/>
+  </p:clrMapOvr>
+</p:notes>
+</file>
+
+<file path=ppt/notesSlides/notesSlide11.xml><?xml version="1.0" encoding="utf-8"?>
+<p:notes xmlns:a="http://schemas.openxmlformats.org/drawingml/2006/main" xmlns:r="http://schemas.openxmlformats.org/officeDocument/2006/relationships" xmlns:p="http://schemas.openxmlformats.org/presentationml/2006/main">
+  <p:cSld>
+    <p:spTree>
+      <p:nvGrpSpPr>
+        <p:cNvPr id="1" name=""/>
+        <p:cNvGrpSpPr/>
+        <p:nvPr/>
+      </p:nvGrpSpPr>
+      <p:grpSpPr>
+        <a:xfrm>
+          <a:off x="0" y="0"/>
+          <a:ext cx="0" cy="0"/>
+          <a:chOff x="0" y="0"/>
+          <a:chExt cx="0" cy="0"/>
+        </a:xfrm>
+      </p:grpSpPr>
+      <p:sp>
+        <p:nvSpPr>
+          <p:cNvPr id="2" name="Espaço Reservado para Imagem de Slide 1"/>
+          <p:cNvSpPr>
+            <a:spLocks noGrp="1" noRot="1" noChangeAspect="1"/>
+          </p:cNvSpPr>
+          <p:nvPr>
+            <p:ph type="sldImg"/>
+          </p:nvPr>
+        </p:nvSpPr>
+        <p:spPr/>
+      </p:sp>
+      <p:sp>
+        <p:nvSpPr>
+          <p:cNvPr id="3" name="Espaço Reservado para Anotações 2"/>
+          <p:cNvSpPr>
+            <a:spLocks noGrp="1"/>
+          </p:cNvSpPr>
+          <p:nvPr>
+            <p:ph type="body" idx="1"/>
+          </p:nvPr>
+        </p:nvSpPr>
+        <p:spPr/>
+        <p:txBody>
+          <a:bodyPr/>
+          <a:lstStyle/>
+          <a:p>
+            <a:endParaRPr lang="pt-BR" dirty="0"/>
+          </a:p>
+        </p:txBody>
+      </p:sp>
+      <p:sp>
+        <p:nvSpPr>
+          <p:cNvPr id="4" name="Espaço Reservado para Número de Slide 3"/>
+          <p:cNvSpPr>
+            <a:spLocks noGrp="1"/>
+          </p:cNvSpPr>
+          <p:nvPr>
+            <p:ph type="sldNum" sz="quarter" idx="5"/>
+          </p:nvPr>
+        </p:nvSpPr>
+        <p:spPr/>
+        <p:txBody>
+          <a:bodyPr/>
+          <a:lstStyle/>
+          <a:p>
+            <a:fld id="{EF334A8D-C5BE-432D-90D0-92D67DD437AB}" type="slidenum">
+              <a:rPr lang="pt-BR" smtClean="0"/>
+              <a:pPr/>
+              <a:t>20</a:t>
             </a:fld>
             <a:endParaRPr lang="pt-BR"/>
           </a:p>
@@ -4104,163 +5820,6 @@
             <p:ph type="sldImg"/>
           </p:nvPr>
         </p:nvSpPr>
-        <p:spPr>
-          <a:xfrm>
-            <a:off x="381000" y="685800"/>
-            <a:ext cx="6096000" cy="3429000"/>
-          </a:xfrm>
-        </p:spPr>
-      </p:sp>
-      <p:sp>
-        <p:nvSpPr>
-          <p:cNvPr id="3" name="Espaço Reservado para Anotações 2"/>
-          <p:cNvSpPr>
-            <a:spLocks noGrp="1"/>
-          </p:cNvSpPr>
-          <p:nvPr>
-            <p:ph type="body" idx="1"/>
-          </p:nvPr>
-        </p:nvSpPr>
-        <p:spPr/>
-        <p:txBody>
-          <a:bodyPr/>
-          <a:lstStyle/>
-          <a:p>
-            <a:r>
-              <a:rPr lang="pt-BR" dirty="0"/>
-              <a:t>Exemplificar partições nos jogos: </a:t>
-            </a:r>
-            <a:r>
-              <a:rPr lang="pt-BR" dirty="0" err="1"/>
-              <a:t>galaga</a:t>
-            </a:r>
-            <a:r>
-              <a:rPr lang="pt-BR" dirty="0"/>
-              <a:t>, </a:t>
-            </a:r>
-            <a:r>
-              <a:rPr lang="pt-BR" dirty="0" err="1"/>
-              <a:t>frogger</a:t>
-            </a:r>
-            <a:r>
-              <a:rPr lang="pt-BR" dirty="0"/>
-              <a:t>, </a:t>
-            </a:r>
-            <a:r>
-              <a:rPr lang="pt-BR" dirty="0" err="1"/>
-              <a:t>breakout</a:t>
-            </a:r>
-            <a:r>
-              <a:rPr lang="pt-BR" dirty="0"/>
-              <a:t>, </a:t>
-            </a:r>
-            <a:r>
-              <a:rPr lang="pt-BR" dirty="0" err="1"/>
-              <a:t>pacman</a:t>
-            </a:r>
-            <a:endParaRPr lang="pt-BR" dirty="0"/>
-          </a:p>
-          <a:p>
-            <a:r>
-              <a:rPr lang="pt-BR" dirty="0"/>
-              <a:t>Complexidade:</a:t>
-            </a:r>
-            <a:r>
-              <a:rPr lang="pt-BR" baseline="0" dirty="0"/>
-              <a:t> </a:t>
-            </a:r>
-            <a:r>
-              <a:rPr lang="pt-BR" dirty="0"/>
-              <a:t>T(</a:t>
-            </a:r>
-            <a:r>
-              <a:rPr lang="pt-BR" dirty="0" err="1"/>
-              <a:t>m,e</a:t>
-            </a:r>
-            <a:r>
-              <a:rPr lang="pt-BR" dirty="0"/>
-              <a:t>) =me+(m</a:t>
-            </a:r>
-            <a:r>
-              <a:rPr lang="pt-BR" baseline="30000" dirty="0"/>
-              <a:t>2</a:t>
-            </a:r>
-            <a:r>
-              <a:rPr lang="pt-BR" dirty="0"/>
-              <a:t>-m)/2, onde m=objetos em movimento,</a:t>
-            </a:r>
-            <a:r>
-              <a:rPr lang="pt-BR" baseline="0" dirty="0"/>
-              <a:t> e = objetos estáticos</a:t>
-            </a:r>
-            <a:endParaRPr lang="pt-BR" dirty="0"/>
-          </a:p>
-        </p:txBody>
-      </p:sp>
-      <p:sp>
-        <p:nvSpPr>
-          <p:cNvPr id="4" name="Espaço Reservado para Número de Slide 3"/>
-          <p:cNvSpPr>
-            <a:spLocks noGrp="1"/>
-          </p:cNvSpPr>
-          <p:nvPr>
-            <p:ph type="sldNum" sz="quarter" idx="10"/>
-          </p:nvPr>
-        </p:nvSpPr>
-        <p:spPr/>
-        <p:txBody>
-          <a:bodyPr/>
-          <a:lstStyle/>
-          <a:p>
-            <a:fld id="{EF334A8D-C5BE-432D-90D0-92D67DD437AB}" type="slidenum">
-              <a:rPr lang="pt-BR" smtClean="0"/>
-              <a:pPr/>
-              <a:t>9</a:t>
-            </a:fld>
-            <a:endParaRPr lang="pt-BR"/>
-          </a:p>
-        </p:txBody>
-      </p:sp>
-    </p:spTree>
-    <p:extLst>
-      <p:ext uri="{BB962C8B-B14F-4D97-AF65-F5344CB8AC3E}">
-        <p14:creationId xmlns:p14="http://schemas.microsoft.com/office/powerpoint/2010/main" val="1068084789"/>
-      </p:ext>
-    </p:extLst>
-  </p:cSld>
-  <p:clrMapOvr>
-    <a:masterClrMapping/>
-  </p:clrMapOvr>
-</p:notes>
-</file>
-
-<file path=ppt/notesSlides/notesSlide5.xml><?xml version="1.0" encoding="utf-8"?>
-<p:notes xmlns:a="http://schemas.openxmlformats.org/drawingml/2006/main" xmlns:r="http://schemas.openxmlformats.org/officeDocument/2006/relationships" xmlns:p="http://schemas.openxmlformats.org/presentationml/2006/main">
-  <p:cSld>
-    <p:spTree>
-      <p:nvGrpSpPr>
-        <p:cNvPr id="1" name=""/>
-        <p:cNvGrpSpPr/>
-        <p:nvPr/>
-      </p:nvGrpSpPr>
-      <p:grpSpPr>
-        <a:xfrm>
-          <a:off x="0" y="0"/>
-          <a:ext cx="0" cy="0"/>
-          <a:chOff x="0" y="0"/>
-          <a:chExt cx="0" cy="0"/>
-        </a:xfrm>
-      </p:grpSpPr>
-      <p:sp>
-        <p:nvSpPr>
-          <p:cNvPr id="2" name="Espaço Reservado para Imagem de Slide 1"/>
-          <p:cNvSpPr>
-            <a:spLocks noGrp="1" noRot="1" noChangeAspect="1"/>
-          </p:cNvSpPr>
-          <p:nvPr>
-            <p:ph type="sldImg"/>
-          </p:nvPr>
-        </p:nvSpPr>
         <p:spPr/>
       </p:sp>
       <p:sp>
@@ -4278,10 +5837,7 @@
           <a:bodyPr/>
           <a:lstStyle/>
           <a:p>
-            <a:r>
-              <a:rPr lang="pt-BR" dirty="0"/>
-              <a:t>Iniciaremos apenas com estas geometrias. Futuramente introduziremos a possibilidade de usar polígonos.</a:t>
-            </a:r>
+            <a:endParaRPr lang="pt-BR" dirty="0"/>
           </a:p>
         </p:txBody>
       </p:sp>
@@ -4312,7 +5868,7 @@
     </p:spTree>
     <p:extLst>
       <p:ext uri="{BB962C8B-B14F-4D97-AF65-F5344CB8AC3E}">
-        <p14:creationId xmlns:p14="http://schemas.microsoft.com/office/powerpoint/2010/main" val="71164213"/>
+        <p14:creationId xmlns:p14="http://schemas.microsoft.com/office/powerpoint/2010/main" val="3147221094"/>
       </p:ext>
     </p:extLst>
   </p:cSld>
@@ -4322,7 +5878,7 @@
 </p:notes>
 </file>
 
-<file path=ppt/notesSlides/notesSlide6.xml><?xml version="1.0" encoding="utf-8"?>
+<file path=ppt/notesSlides/notesSlide5.xml><?xml version="1.0" encoding="utf-8"?>
 <p:notes xmlns:a="http://schemas.openxmlformats.org/drawingml/2006/main" xmlns:r="http://schemas.openxmlformats.org/officeDocument/2006/relationships" xmlns:p="http://schemas.openxmlformats.org/presentationml/2006/main">
   <p:cSld>
     <p:spTree>
@@ -4371,7 +5927,74 @@
           <a:bodyPr/>
           <a:lstStyle/>
           <a:p>
-            <a:endParaRPr lang="pt-BR" noProof="0" dirty="0"/>
+            <a:r>
+              <a:rPr lang="pt-BR" dirty="0"/>
+              <a:t>Exemplificar partições nos jogos: </a:t>
+            </a:r>
+            <a:r>
+              <a:rPr lang="pt-BR" dirty="0" err="1"/>
+              <a:t>galaga</a:t>
+            </a:r>
+            <a:r>
+              <a:rPr lang="pt-BR" dirty="0"/>
+              <a:t>, </a:t>
+            </a:r>
+            <a:r>
+              <a:rPr lang="pt-BR" dirty="0" err="1"/>
+              <a:t>frogger</a:t>
+            </a:r>
+            <a:r>
+              <a:rPr lang="pt-BR" dirty="0"/>
+              <a:t>, </a:t>
+            </a:r>
+            <a:r>
+              <a:rPr lang="pt-BR" dirty="0" err="1"/>
+              <a:t>breakout</a:t>
+            </a:r>
+            <a:r>
+              <a:rPr lang="pt-BR" dirty="0"/>
+              <a:t>, </a:t>
+            </a:r>
+            <a:r>
+              <a:rPr lang="pt-BR" dirty="0" err="1"/>
+              <a:t>pacman</a:t>
+            </a:r>
+            <a:endParaRPr lang="pt-BR" dirty="0"/>
+          </a:p>
+          <a:p>
+            <a:r>
+              <a:rPr lang="pt-BR" dirty="0"/>
+              <a:t>Complexidade:</a:t>
+            </a:r>
+            <a:r>
+              <a:rPr lang="pt-BR" baseline="0" dirty="0"/>
+              <a:t> </a:t>
+            </a:r>
+            <a:r>
+              <a:rPr lang="pt-BR" dirty="0"/>
+              <a:t>T(</a:t>
+            </a:r>
+            <a:r>
+              <a:rPr lang="pt-BR" dirty="0" err="1"/>
+              <a:t>m,e</a:t>
+            </a:r>
+            <a:r>
+              <a:rPr lang="pt-BR" dirty="0"/>
+              <a:t>) =me+(m</a:t>
+            </a:r>
+            <a:r>
+              <a:rPr lang="pt-BR" baseline="30000" dirty="0"/>
+              <a:t>2</a:t>
+            </a:r>
+            <a:r>
+              <a:rPr lang="pt-BR" dirty="0"/>
+              <a:t>-m)/2, onde m=objetos em movimento,</a:t>
+            </a:r>
+            <a:r>
+              <a:rPr lang="pt-BR" baseline="0" dirty="0"/>
+              <a:t> e = objetos estáticos</a:t>
+            </a:r>
+            <a:endParaRPr lang="pt-BR" dirty="0"/>
           </a:p>
         </p:txBody>
       </p:sp>
@@ -4393,7 +6016,7 @@
             <a:fld id="{EF334A8D-C5BE-432D-90D0-92D67DD437AB}" type="slidenum">
               <a:rPr lang="pt-BR" smtClean="0"/>
               <a:pPr/>
-              <a:t>12</a:t>
+              <a:t>11</a:t>
             </a:fld>
             <a:endParaRPr lang="pt-BR"/>
           </a:p>
@@ -4402,7 +6025,95 @@
     </p:spTree>
     <p:extLst>
       <p:ext uri="{BB962C8B-B14F-4D97-AF65-F5344CB8AC3E}">
-        <p14:creationId xmlns:p14="http://schemas.microsoft.com/office/powerpoint/2010/main" val="3791607696"/>
+        <p14:creationId xmlns:p14="http://schemas.microsoft.com/office/powerpoint/2010/main" val="1068084789"/>
+      </p:ext>
+    </p:extLst>
+  </p:cSld>
+  <p:clrMapOvr>
+    <a:masterClrMapping/>
+  </p:clrMapOvr>
+</p:notes>
+</file>
+
+<file path=ppt/notesSlides/notesSlide6.xml><?xml version="1.0" encoding="utf-8"?>
+<p:notes xmlns:a="http://schemas.openxmlformats.org/drawingml/2006/main" xmlns:r="http://schemas.openxmlformats.org/officeDocument/2006/relationships" xmlns:p="http://schemas.openxmlformats.org/presentationml/2006/main">
+  <p:cSld>
+    <p:spTree>
+      <p:nvGrpSpPr>
+        <p:cNvPr id="1" name=""/>
+        <p:cNvGrpSpPr/>
+        <p:nvPr/>
+      </p:nvGrpSpPr>
+      <p:grpSpPr>
+        <a:xfrm>
+          <a:off x="0" y="0"/>
+          <a:ext cx="0" cy="0"/>
+          <a:chOff x="0" y="0"/>
+          <a:chExt cx="0" cy="0"/>
+        </a:xfrm>
+      </p:grpSpPr>
+      <p:sp>
+        <p:nvSpPr>
+          <p:cNvPr id="2" name="Espaço Reservado para Imagem de Slide 1"/>
+          <p:cNvSpPr>
+            <a:spLocks noGrp="1" noRot="1" noChangeAspect="1"/>
+          </p:cNvSpPr>
+          <p:nvPr>
+            <p:ph type="sldImg"/>
+          </p:nvPr>
+        </p:nvSpPr>
+        <p:spPr/>
+      </p:sp>
+      <p:sp>
+        <p:nvSpPr>
+          <p:cNvPr id="3" name="Espaço Reservado para Anotações 2"/>
+          <p:cNvSpPr>
+            <a:spLocks noGrp="1"/>
+          </p:cNvSpPr>
+          <p:nvPr>
+            <p:ph type="body" idx="1"/>
+          </p:nvPr>
+        </p:nvSpPr>
+        <p:spPr/>
+        <p:txBody>
+          <a:bodyPr/>
+          <a:lstStyle/>
+          <a:p>
+            <a:r>
+              <a:rPr lang="pt-BR" dirty="0"/>
+              <a:t>Iniciaremos apenas com estas geometrias. Futuramente introduziremos a possibilidade de usar polígonos.</a:t>
+            </a:r>
+          </a:p>
+        </p:txBody>
+      </p:sp>
+      <p:sp>
+        <p:nvSpPr>
+          <p:cNvPr id="4" name="Espaço Reservado para Número de Slide 3"/>
+          <p:cNvSpPr>
+            <a:spLocks noGrp="1"/>
+          </p:cNvSpPr>
+          <p:nvPr>
+            <p:ph type="sldNum" sz="quarter" idx="5"/>
+          </p:nvPr>
+        </p:nvSpPr>
+        <p:spPr/>
+        <p:txBody>
+          <a:bodyPr/>
+          <a:lstStyle/>
+          <a:p>
+            <a:fld id="{EF334A8D-C5BE-432D-90D0-92D67DD437AB}" type="slidenum">
+              <a:rPr lang="pt-BR" smtClean="0"/>
+              <a:pPr/>
+              <a:t>12</a:t>
+            </a:fld>
+            <a:endParaRPr lang="pt-BR"/>
+          </a:p>
+        </p:txBody>
+      </p:sp>
+    </p:spTree>
+    <p:extLst>
+      <p:ext uri="{BB962C8B-B14F-4D97-AF65-F5344CB8AC3E}">
+        <p14:creationId xmlns:p14="http://schemas.microsoft.com/office/powerpoint/2010/main" val="71164213"/>
       </p:ext>
     </p:extLst>
   </p:cSld>
@@ -4461,26 +6172,6 @@
           <a:bodyPr/>
           <a:lstStyle/>
           <a:p>
-            <a:r>
-              <a:rPr lang="pt-BR" noProof="0" dirty="0"/>
-              <a:t>Colisão</a:t>
-            </a:r>
-            <a:r>
-              <a:rPr lang="pt-BR" baseline="0" noProof="0" dirty="0"/>
-              <a:t> = </a:t>
-            </a:r>
-            <a:r>
-              <a:rPr lang="pt-BR" noProof="0" dirty="0" err="1"/>
-              <a:t>OverlapX</a:t>
-            </a:r>
-            <a:r>
-              <a:rPr lang="pt-BR" baseline="0" noProof="0" dirty="0"/>
-              <a:t> &amp;&amp; </a:t>
-            </a:r>
-            <a:r>
-              <a:rPr lang="pt-BR" baseline="0" noProof="0" dirty="0" err="1"/>
-              <a:t>OverlapY</a:t>
-            </a:r>
             <a:endParaRPr lang="pt-BR" noProof="0" dirty="0"/>
           </a:p>
         </p:txBody>
@@ -4573,16 +6264,25 @@
           <a:p>
             <a:r>
               <a:rPr lang="pt-BR" noProof="0" dirty="0"/>
-              <a:t>O tratamento acima não detecta todos</a:t>
+              <a:t>Colisão</a:t>
             </a:r>
             <a:r>
               <a:rPr lang="pt-BR" baseline="0" noProof="0" dirty="0"/>
-              <a:t> os casos, é preciso expandir a quantidade de testes para um tratamento completo</a:t>
-            </a:r>
-            <a:r>
-              <a:rPr lang="pt-BR" noProof="0" dirty="0"/>
-              <a:t>.</a:t>
-            </a:r>
+              <a:t> = </a:t>
+            </a:r>
+            <a:r>
+              <a:rPr lang="pt-BR" noProof="0" dirty="0" err="1"/>
+              <a:t>OverlapX</a:t>
+            </a:r>
+            <a:r>
+              <a:rPr lang="pt-BR" baseline="0" noProof="0" dirty="0"/>
+              <a:t> &amp;&amp; </a:t>
+            </a:r>
+            <a:r>
+              <a:rPr lang="pt-BR" baseline="0" noProof="0" dirty="0" err="1"/>
+              <a:t>OverlapY</a:t>
+            </a:r>
+            <a:endParaRPr lang="pt-BR" noProof="0" dirty="0"/>
           </a:p>
         </p:txBody>
       </p:sp>
@@ -4604,7 +6304,7 @@
             <a:fld id="{EF334A8D-C5BE-432D-90D0-92D67DD437AB}" type="slidenum">
               <a:rPr lang="pt-BR" smtClean="0"/>
               <a:pPr/>
-              <a:t>15</a:t>
+              <a:t>16</a:t>
             </a:fld>
             <a:endParaRPr lang="pt-BR"/>
           </a:p>
@@ -4650,7 +6350,12 @@
             <p:ph type="sldImg"/>
           </p:nvPr>
         </p:nvSpPr>
-        <p:spPr/>
+        <p:spPr>
+          <a:xfrm>
+            <a:off x="381000" y="685800"/>
+            <a:ext cx="6096000" cy="3429000"/>
+          </a:xfrm>
+        </p:spPr>
       </p:sp>
       <p:sp>
         <p:nvSpPr>
@@ -4667,60 +6372,18 @@
           <a:bodyPr/>
           <a:lstStyle/>
           <a:p>
-            <a:pPr marL="0" marR="0" lvl="0" indent="0" algn="l" defTabSz="914400" rtl="0" eaLnBrk="1" fontAlgn="auto" latinLnBrk="0" hangingPunct="1">
-              <a:lnSpc>
-                <a:spcPct val="100000"/>
-              </a:lnSpc>
-              <a:spcBef>
-                <a:spcPts val="0"/>
-              </a:spcBef>
-              <a:spcAft>
-                <a:spcPts val="0"/>
-              </a:spcAft>
-              <a:buClrTx/>
-              <a:buSzTx/>
-              <a:buFontTx/>
-              <a:buNone/>
-              <a:tabLst/>
-              <a:defRPr/>
-            </a:pPr>
-            <a:r>
-              <a:rPr lang="pt-BR" sz="1200" dirty="0">
-                <a:solidFill>
-                  <a:schemeClr val="bg1"/>
-                </a:solidFill>
-              </a:rPr>
-              <a:t>» Mostrar tratamento da colisão no projeto </a:t>
-            </a:r>
-            <a:r>
-              <a:rPr lang="pt-BR" sz="1200" b="1" dirty="0" err="1">
-                <a:solidFill>
-                  <a:schemeClr val="bg1"/>
-                </a:solidFill>
-              </a:rPr>
-              <a:t>Collision</a:t>
-            </a:r>
-            <a:r>
-              <a:rPr lang="pt-BR" sz="1200" dirty="0">
-                <a:solidFill>
-                  <a:schemeClr val="bg1"/>
-                </a:solidFill>
-              </a:rPr>
-              <a:t> do material de </a:t>
-            </a:r>
-            <a:r>
-              <a:rPr lang="pt-BR" sz="1200">
-                <a:solidFill>
-                  <a:schemeClr val="bg1"/>
-                </a:solidFill>
-              </a:rPr>
-              <a:t>apoio</a:t>
-            </a:r>
-            <a:r>
-              <a:rPr lang="pt-BR"/>
-              <a:t>. </a:t>
-            </a:r>
-            <a:endParaRPr lang="pt-BR" dirty="0"/>
+            <a:r>
+              <a:rPr lang="pt-BR" noProof="0" dirty="0"/>
+              <a:t>O tratamento acima não detecta todos</a:t>
+            </a:r>
+            <a:r>
+              <a:rPr lang="pt-BR" baseline="0" noProof="0" dirty="0"/>
+              <a:t> os casos, é preciso expandir a quantidade de testes para um tratamento completo</a:t>
+            </a:r>
+            <a:r>
+              <a:rPr lang="pt-BR" noProof="0" dirty="0"/>
+              <a:t>.</a:t>
+            </a:r>
           </a:p>
         </p:txBody>
       </p:sp>
@@ -4731,7 +6394,7 @@
             <a:spLocks noGrp="1"/>
           </p:cNvSpPr>
           <p:nvPr>
-            <p:ph type="sldNum" sz="quarter" idx="5"/>
+            <p:ph type="sldNum" sz="quarter" idx="10"/>
           </p:nvPr>
         </p:nvSpPr>
         <p:spPr/>
@@ -4751,7 +6414,7 @@
     </p:spTree>
     <p:extLst>
       <p:ext uri="{BB962C8B-B14F-4D97-AF65-F5344CB8AC3E}">
-        <p14:creationId xmlns:p14="http://schemas.microsoft.com/office/powerpoint/2010/main" val="847016882"/>
+        <p14:creationId xmlns:p14="http://schemas.microsoft.com/office/powerpoint/2010/main" val="3791607696"/>
       </p:ext>
     </p:extLst>
   </p:cSld>
@@ -4778,6 +6441,646 @@
           <a:chExt cx="0" cy="0"/>
         </a:xfrm>
       </p:grpSpPr>
+      <p:grpSp>
+        <p:nvGrpSpPr>
+          <p:cNvPr id="10" name="Agrupar 9">
+            <a:extLst>
+              <a:ext uri="{FF2B5EF4-FFF2-40B4-BE49-F238E27FC236}">
+                <a16:creationId xmlns:a16="http://schemas.microsoft.com/office/drawing/2014/main" id="{C1011A8D-F2A6-46D9-8D8F-30560F07B555}"/>
+              </a:ext>
+            </a:extLst>
+          </p:cNvPr>
+          <p:cNvGrpSpPr/>
+          <p:nvPr userDrawn="1"/>
+        </p:nvGrpSpPr>
+        <p:grpSpPr>
+          <a:xfrm>
+            <a:off x="-2" y="5142592"/>
+            <a:ext cx="12192002" cy="1728726"/>
+            <a:chOff x="-2" y="5142592"/>
+            <a:chExt cx="12192002" cy="1728726"/>
+          </a:xfrm>
+        </p:grpSpPr>
+        <p:sp>
+          <p:nvSpPr>
+            <p:cNvPr id="13" name="Triângulo retângulo 13">
+              <a:extLst>
+                <a:ext uri="{FF2B5EF4-FFF2-40B4-BE49-F238E27FC236}">
+                  <a16:creationId xmlns:a16="http://schemas.microsoft.com/office/drawing/2014/main" id="{23385ADF-ABE2-49B5-99BE-2496F49553FD}"/>
+                </a:ext>
+              </a:extLst>
+            </p:cNvPr>
+            <p:cNvSpPr>
+              <a:spLocks/>
+            </p:cNvSpPr>
+            <p:nvPr userDrawn="1"/>
+          </p:nvSpPr>
+          <p:spPr bwMode="auto">
+            <a:xfrm>
+              <a:off x="-2" y="5142592"/>
+              <a:ext cx="9192346" cy="1715408"/>
+            </a:xfrm>
+            <a:prstGeom prst="rtTriangle">
+              <a:avLst/>
+            </a:prstGeom>
+            <a:blipFill>
+              <a:blip r:embed="rId2">
+                <a:alphaModFix amt="50000"/>
+              </a:blip>
+              <a:tile tx="0" ty="0" sx="50000" sy="50000" flip="none" algn="t"/>
+            </a:blipFill>
+            <a:ln w="12700" cap="rnd" cmpd="thickThin" algn="ctr">
+              <a:noFill/>
+              <a:prstDash val="solid"/>
+            </a:ln>
+            <a:effectLst>
+              <a:fillOverlay blend="mult">
+                <a:gradFill flip="none" rotWithShape="1">
+                  <a:gsLst>
+                    <a:gs pos="0">
+                      <a:schemeClr val="accent1">
+                        <a:shade val="20000"/>
+                        <a:satMod val="176000"/>
+                        <a:alpha val="100000"/>
+                      </a:schemeClr>
+                    </a:gs>
+                    <a:gs pos="18000">
+                      <a:schemeClr val="accent1">
+                        <a:shade val="48000"/>
+                        <a:satMod val="153000"/>
+                        <a:alpha val="100000"/>
+                      </a:schemeClr>
+                    </a:gs>
+                    <a:gs pos="43000">
+                      <a:schemeClr val="accent1">
+                        <a:tint val="86000"/>
+                        <a:satMod val="149000"/>
+                        <a:alpha val="100000"/>
+                      </a:schemeClr>
+                    </a:gs>
+                    <a:gs pos="45000">
+                      <a:schemeClr val="accent1">
+                        <a:tint val="85000"/>
+                        <a:satMod val="150000"/>
+                        <a:alpha val="100000"/>
+                      </a:schemeClr>
+                    </a:gs>
+                    <a:gs pos="50000">
+                      <a:schemeClr val="accent1">
+                        <a:tint val="86000"/>
+                        <a:satMod val="149000"/>
+                        <a:alpha val="100000"/>
+                      </a:schemeClr>
+                    </a:gs>
+                    <a:gs pos="79000">
+                      <a:schemeClr val="accent1">
+                        <a:shade val="53000"/>
+                        <a:satMod val="150000"/>
+                        <a:alpha val="100000"/>
+                      </a:schemeClr>
+                    </a:gs>
+                    <a:gs pos="100000">
+                      <a:schemeClr val="accent1">
+                        <a:shade val="25000"/>
+                        <a:satMod val="170000"/>
+                        <a:alpha val="100000"/>
+                      </a:schemeClr>
+                    </a:gs>
+                  </a:gsLst>
+                  <a:lin ang="450000" scaled="1"/>
+                  <a:tileRect/>
+                </a:gradFill>
+              </a:fillOverlay>
+            </a:effectLst>
+          </p:spPr>
+          <p:style>
+            <a:lnRef idx="3">
+              <a:schemeClr val="lt1"/>
+            </a:lnRef>
+            <a:fillRef idx="1">
+              <a:schemeClr val="accent1"/>
+            </a:fillRef>
+            <a:effectRef idx="1">
+              <a:schemeClr val="accent1"/>
+            </a:effectRef>
+            <a:fontRef idx="minor">
+              <a:schemeClr val="lt1"/>
+            </a:fontRef>
+          </p:style>
+          <p:txBody>
+            <a:bodyPr vert="horz" wrap="square" lIns="91440" tIns="45720" rIns="91440" bIns="45720" anchor="ctr" compatLnSpc="1"/>
+            <a:lstStyle/>
+            <a:p>
+              <a:pPr algn="ctr" eaLnBrk="1" latinLnBrk="0" hangingPunct="1"/>
+              <a:endParaRPr kumimoji="0" lang="en-US" sz="1800" dirty="0"/>
+            </a:p>
+          </p:txBody>
+        </p:sp>
+        <p:sp>
+          <p:nvSpPr>
+            <p:cNvPr id="14" name="Forma livre 12">
+              <a:extLst>
+                <a:ext uri="{FF2B5EF4-FFF2-40B4-BE49-F238E27FC236}">
+                  <a16:creationId xmlns:a16="http://schemas.microsoft.com/office/drawing/2014/main" id="{3BCD55FB-788C-436F-BA3A-A124F129C18B}"/>
+                </a:ext>
+              </a:extLst>
+            </p:cNvPr>
+            <p:cNvSpPr>
+              <a:spLocks/>
+            </p:cNvSpPr>
+            <p:nvPr userDrawn="1"/>
+          </p:nvSpPr>
+          <p:spPr bwMode="auto">
+            <a:xfrm>
+              <a:off x="-2" y="5186981"/>
+              <a:ext cx="12192002" cy="1671020"/>
+            </a:xfrm>
+            <a:custGeom>
+              <a:avLst>
+                <a:gd name="A1" fmla="val 0"/>
+                <a:gd name="A2" fmla="val 0"/>
+                <a:gd name="A3" fmla="val 0"/>
+                <a:gd name="A4" fmla="val 0"/>
+                <a:gd name="A5" fmla="val 0"/>
+                <a:gd name="A6" fmla="val 0"/>
+                <a:gd name="A7" fmla="val 0"/>
+                <a:gd name="A8" fmla="val 0"/>
+              </a:avLst>
+              <a:gdLst/>
+              <a:ahLst/>
+              <a:cxnLst>
+                <a:cxn ang="0">
+                  <a:pos x="0" y="0"/>
+                </a:cxn>
+                <a:cxn ang="0">
+                  <a:pos x="5760" y="0"/>
+                </a:cxn>
+                <a:cxn ang="0">
+                  <a:pos x="5760" y="528"/>
+                </a:cxn>
+                <a:cxn ang="0">
+                  <a:pos x="48" y="0"/>
+                </a:cxn>
+              </a:cxnLst>
+              <a:rect l="0" t="0" r="0" b="0"/>
+              <a:pathLst>
+                <a:path w="7485" h="337">
+                  <a:moveTo>
+                    <a:pt x="0" y="2"/>
+                  </a:moveTo>
+                  <a:lnTo>
+                    <a:pt x="7485" y="337"/>
+                  </a:lnTo>
+                  <a:lnTo>
+                    <a:pt x="5558" y="337"/>
+                  </a:lnTo>
+                  <a:lnTo>
+                    <a:pt x="1" y="0"/>
+                  </a:lnTo>
+                </a:path>
+              </a:pathLst>
+            </a:custGeom>
+            <a:solidFill>
+              <a:schemeClr val="accent1">
+                <a:tint val="65000"/>
+                <a:satMod val="115000"/>
+                <a:alpha val="40000"/>
+              </a:schemeClr>
+            </a:solidFill>
+            <a:ln w="9525" cap="flat" cmpd="sng" algn="ctr">
+              <a:noFill/>
+              <a:prstDash val="solid"/>
+              <a:round/>
+              <a:headEnd type="none" w="med" len="med"/>
+              <a:tailEnd type="none" w="med" len="med"/>
+            </a:ln>
+            <a:effectLst/>
+          </p:spPr>
+          <p:txBody>
+            <a:bodyPr vert="horz" wrap="square" lIns="91440" tIns="45720" rIns="91440" bIns="45720" anchor="t" compatLnSpc="1"/>
+            <a:lstStyle/>
+            <a:p>
+              <a:endParaRPr kumimoji="0" lang="en-US" sz="1800"/>
+            </a:p>
+          </p:txBody>
+        </p:sp>
+        <p:sp>
+          <p:nvSpPr>
+            <p:cNvPr id="15" name="TextBox 20">
+              <a:extLst>
+                <a:ext uri="{FF2B5EF4-FFF2-40B4-BE49-F238E27FC236}">
+                  <a16:creationId xmlns:a16="http://schemas.microsoft.com/office/drawing/2014/main" id="{5897997F-4BAC-407F-83E5-5262E9A19346}"/>
+                </a:ext>
+              </a:extLst>
+            </p:cNvPr>
+            <p:cNvSpPr txBox="1"/>
+            <p:nvPr userDrawn="1"/>
+          </p:nvSpPr>
+          <p:spPr>
+            <a:xfrm>
+              <a:off x="983432" y="6274667"/>
+              <a:ext cx="2877344" cy="369332"/>
+            </a:xfrm>
+            <a:prstGeom prst="rect">
+              <a:avLst/>
+            </a:prstGeom>
+            <a:noFill/>
+          </p:spPr>
+          <p:txBody>
+            <a:bodyPr wrap="square" rtlCol="0">
+              <a:spAutoFit/>
+            </a:bodyPr>
+            <a:lstStyle/>
+            <a:p>
+              <a:pPr algn="r"/>
+              <a:r>
+                <a:rPr lang="pt-BR" sz="1800" b="1" dirty="0">
+                  <a:solidFill>
+                    <a:schemeClr val="tx1"/>
+                  </a:solidFill>
+                </a:rPr>
+                <a:t>Judson</a:t>
+              </a:r>
+              <a:r>
+                <a:rPr lang="pt-BR" sz="1800" b="1" baseline="0" dirty="0">
+                  <a:solidFill>
+                    <a:schemeClr val="tx1"/>
+                  </a:solidFill>
+                </a:rPr>
+                <a:t> Santos Santiago</a:t>
+              </a:r>
+              <a:endParaRPr lang="pt-BR" sz="1800" b="1" dirty="0">
+                <a:solidFill>
+                  <a:schemeClr val="tx1"/>
+                </a:solidFill>
+              </a:endParaRPr>
+            </a:p>
+          </p:txBody>
+        </p:sp>
+        <p:sp>
+          <p:nvSpPr>
+            <p:cNvPr id="16" name="Forma livre 11">
+              <a:extLst>
+                <a:ext uri="{FF2B5EF4-FFF2-40B4-BE49-F238E27FC236}">
+                  <a16:creationId xmlns:a16="http://schemas.microsoft.com/office/drawing/2014/main" id="{34E90D50-F98A-4EBA-A43A-4BA8F114A7D0}"/>
+                </a:ext>
+              </a:extLst>
+            </p:cNvPr>
+            <p:cNvSpPr>
+              <a:spLocks/>
+            </p:cNvSpPr>
+            <p:nvPr userDrawn="1"/>
+          </p:nvSpPr>
+          <p:spPr bwMode="auto">
+            <a:xfrm>
+              <a:off x="-2" y="5142592"/>
+              <a:ext cx="9408370" cy="1728726"/>
+            </a:xfrm>
+            <a:custGeom>
+              <a:avLst>
+                <a:gd name="A1" fmla="val 0"/>
+                <a:gd name="A2" fmla="val 0"/>
+                <a:gd name="A3" fmla="val 0"/>
+                <a:gd name="A4" fmla="val 0"/>
+                <a:gd name="A5" fmla="val 0"/>
+                <a:gd name="A6" fmla="val 0"/>
+                <a:gd name="A7" fmla="val 0"/>
+                <a:gd name="A8" fmla="val 0"/>
+              </a:avLst>
+              <a:gdLst/>
+              <a:ahLst/>
+              <a:cxnLst>
+                <a:cxn ang="0">
+                  <a:pos x="0" y="0"/>
+                </a:cxn>
+                <a:cxn ang="0">
+                  <a:pos x="5760" y="0"/>
+                </a:cxn>
+                <a:cxn ang="0">
+                  <a:pos x="5760" y="528"/>
+                </a:cxn>
+                <a:cxn ang="0">
+                  <a:pos x="48" y="0"/>
+                </a:cxn>
+              </a:cxnLst>
+              <a:rect l="0" t="0" r="0" b="0"/>
+              <a:pathLst>
+                <a:path w="5591" h="588">
+                  <a:moveTo>
+                    <a:pt x="0" y="0"/>
+                  </a:moveTo>
+                  <a:lnTo>
+                    <a:pt x="5591" y="585"/>
+                  </a:lnTo>
+                  <a:lnTo>
+                    <a:pt x="4415" y="588"/>
+                  </a:lnTo>
+                  <a:lnTo>
+                    <a:pt x="12" y="4"/>
+                  </a:lnTo>
+                </a:path>
+              </a:pathLst>
+            </a:custGeom>
+            <a:solidFill>
+              <a:srgbClr val="000000">
+                <a:alpha val="100000"/>
+              </a:srgbClr>
+            </a:solidFill>
+            <a:ln w="9525" cap="flat" cmpd="sng" algn="ctr">
+              <a:noFill/>
+              <a:prstDash val="solid"/>
+              <a:round/>
+              <a:headEnd type="none" w="med" len="med"/>
+              <a:tailEnd type="none" w="med" len="med"/>
+            </a:ln>
+            <a:effectLst/>
+          </p:spPr>
+          <p:txBody>
+            <a:bodyPr vert="horz" wrap="square" lIns="91440" tIns="45720" rIns="91440" bIns="45720" anchor="t" compatLnSpc="1"/>
+            <a:lstStyle/>
+            <a:p>
+              <a:endParaRPr kumimoji="0" lang="en-US" sz="1800"/>
+            </a:p>
+          </p:txBody>
+        </p:sp>
+      </p:grpSp>
+      <p:grpSp>
+        <p:nvGrpSpPr>
+          <p:cNvPr id="17" name="Agrupar 16">
+            <a:extLst>
+              <a:ext uri="{FF2B5EF4-FFF2-40B4-BE49-F238E27FC236}">
+                <a16:creationId xmlns:a16="http://schemas.microsoft.com/office/drawing/2014/main" id="{DC7390AE-F977-4386-B554-BBE8DA25EDE9}"/>
+              </a:ext>
+            </a:extLst>
+          </p:cNvPr>
+          <p:cNvGrpSpPr/>
+          <p:nvPr userDrawn="1"/>
+        </p:nvGrpSpPr>
+        <p:grpSpPr>
+          <a:xfrm>
+            <a:off x="-2" y="-5"/>
+            <a:ext cx="12192002" cy="892457"/>
+            <a:chOff x="-2" y="-5"/>
+            <a:chExt cx="12192002" cy="892457"/>
+          </a:xfrm>
+        </p:grpSpPr>
+        <p:sp>
+          <p:nvSpPr>
+            <p:cNvPr id="19" name="Triângulo retângulo 13">
+              <a:extLst>
+                <a:ext uri="{FF2B5EF4-FFF2-40B4-BE49-F238E27FC236}">
+                  <a16:creationId xmlns:a16="http://schemas.microsoft.com/office/drawing/2014/main" id="{F0E2F6FD-6FBD-4242-AF4F-03B2D6063611}"/>
+                </a:ext>
+              </a:extLst>
+            </p:cNvPr>
+            <p:cNvSpPr>
+              <a:spLocks/>
+            </p:cNvSpPr>
+            <p:nvPr userDrawn="1"/>
+          </p:nvSpPr>
+          <p:spPr bwMode="auto">
+            <a:xfrm rot="10800000" flipH="1">
+              <a:off x="0" y="-5"/>
+              <a:ext cx="6600056" cy="836713"/>
+            </a:xfrm>
+            <a:prstGeom prst="rtTriangle">
+              <a:avLst/>
+            </a:prstGeom>
+            <a:blipFill>
+              <a:blip r:embed="rId2">
+                <a:alphaModFix amt="50000"/>
+              </a:blip>
+              <a:tile tx="0" ty="0" sx="50000" sy="50000" flip="none" algn="t"/>
+            </a:blipFill>
+            <a:ln w="12700" cap="rnd" cmpd="thickThin" algn="ctr">
+              <a:noFill/>
+              <a:prstDash val="solid"/>
+            </a:ln>
+            <a:effectLst>
+              <a:fillOverlay blend="mult">
+                <a:gradFill flip="none" rotWithShape="1">
+                  <a:gsLst>
+                    <a:gs pos="0">
+                      <a:schemeClr val="accent1">
+                        <a:shade val="20000"/>
+                        <a:satMod val="176000"/>
+                        <a:alpha val="100000"/>
+                      </a:schemeClr>
+                    </a:gs>
+                    <a:gs pos="18000">
+                      <a:schemeClr val="accent1">
+                        <a:shade val="48000"/>
+                        <a:satMod val="153000"/>
+                        <a:alpha val="100000"/>
+                      </a:schemeClr>
+                    </a:gs>
+                    <a:gs pos="43000">
+                      <a:schemeClr val="accent1">
+                        <a:tint val="86000"/>
+                        <a:satMod val="149000"/>
+                        <a:alpha val="100000"/>
+                      </a:schemeClr>
+                    </a:gs>
+                    <a:gs pos="45000">
+                      <a:schemeClr val="accent1">
+                        <a:tint val="85000"/>
+                        <a:satMod val="150000"/>
+                        <a:alpha val="100000"/>
+                      </a:schemeClr>
+                    </a:gs>
+                    <a:gs pos="50000">
+                      <a:schemeClr val="accent1">
+                        <a:tint val="86000"/>
+                        <a:satMod val="149000"/>
+                        <a:alpha val="100000"/>
+                      </a:schemeClr>
+                    </a:gs>
+                    <a:gs pos="79000">
+                      <a:schemeClr val="accent1">
+                        <a:shade val="53000"/>
+                        <a:satMod val="150000"/>
+                        <a:alpha val="100000"/>
+                      </a:schemeClr>
+                    </a:gs>
+                    <a:gs pos="100000">
+                      <a:schemeClr val="accent1">
+                        <a:shade val="25000"/>
+                        <a:satMod val="170000"/>
+                        <a:alpha val="100000"/>
+                      </a:schemeClr>
+                    </a:gs>
+                  </a:gsLst>
+                  <a:lin ang="450000" scaled="1"/>
+                  <a:tileRect/>
+                </a:gradFill>
+              </a:fillOverlay>
+            </a:effectLst>
+          </p:spPr>
+          <p:style>
+            <a:lnRef idx="3">
+              <a:schemeClr val="lt1"/>
+            </a:lnRef>
+            <a:fillRef idx="1">
+              <a:schemeClr val="accent1"/>
+            </a:fillRef>
+            <a:effectRef idx="1">
+              <a:schemeClr val="accent1"/>
+            </a:effectRef>
+            <a:fontRef idx="minor">
+              <a:schemeClr val="lt1"/>
+            </a:fontRef>
+          </p:style>
+          <p:txBody>
+            <a:bodyPr vert="horz" wrap="square" lIns="91440" tIns="45720" rIns="91440" bIns="45720" anchor="ctr" compatLnSpc="1"/>
+            <a:lstStyle/>
+            <a:p>
+              <a:pPr algn="ctr" eaLnBrk="1" latinLnBrk="0" hangingPunct="1"/>
+              <a:endParaRPr kumimoji="0" lang="en-US" sz="1800"/>
+            </a:p>
+          </p:txBody>
+        </p:sp>
+        <p:sp>
+          <p:nvSpPr>
+            <p:cNvPr id="20" name="Forma livre 12">
+              <a:extLst>
+                <a:ext uri="{FF2B5EF4-FFF2-40B4-BE49-F238E27FC236}">
+                  <a16:creationId xmlns:a16="http://schemas.microsoft.com/office/drawing/2014/main" id="{A1A7F74E-0148-4447-A52D-A29716C2AE1F}"/>
+                </a:ext>
+              </a:extLst>
+            </p:cNvPr>
+            <p:cNvSpPr>
+              <a:spLocks/>
+            </p:cNvSpPr>
+            <p:nvPr userDrawn="1"/>
+          </p:nvSpPr>
+          <p:spPr bwMode="auto">
+            <a:xfrm flipV="1">
+              <a:off x="-2" y="0"/>
+              <a:ext cx="12192002" cy="892452"/>
+            </a:xfrm>
+            <a:custGeom>
+              <a:avLst>
+                <a:gd name="A1" fmla="val 0"/>
+                <a:gd name="A2" fmla="val 0"/>
+                <a:gd name="A3" fmla="val 0"/>
+                <a:gd name="A4" fmla="val 0"/>
+                <a:gd name="A5" fmla="val 0"/>
+                <a:gd name="A6" fmla="val 0"/>
+                <a:gd name="A7" fmla="val 0"/>
+                <a:gd name="A8" fmla="val 0"/>
+              </a:avLst>
+              <a:gdLst/>
+              <a:ahLst/>
+              <a:cxnLst>
+                <a:cxn ang="0">
+                  <a:pos x="0" y="0"/>
+                </a:cxn>
+                <a:cxn ang="0">
+                  <a:pos x="5760" y="0"/>
+                </a:cxn>
+                <a:cxn ang="0">
+                  <a:pos x="5760" y="528"/>
+                </a:cxn>
+                <a:cxn ang="0">
+                  <a:pos x="48" y="0"/>
+                </a:cxn>
+              </a:cxnLst>
+              <a:rect l="0" t="0" r="0" b="0"/>
+              <a:pathLst>
+                <a:path w="7485" h="337">
+                  <a:moveTo>
+                    <a:pt x="0" y="2"/>
+                  </a:moveTo>
+                  <a:lnTo>
+                    <a:pt x="7485" y="337"/>
+                  </a:lnTo>
+                  <a:lnTo>
+                    <a:pt x="5558" y="337"/>
+                  </a:lnTo>
+                  <a:lnTo>
+                    <a:pt x="1" y="0"/>
+                  </a:lnTo>
+                </a:path>
+              </a:pathLst>
+            </a:custGeom>
+            <a:solidFill>
+              <a:schemeClr val="accent1">
+                <a:tint val="65000"/>
+                <a:satMod val="115000"/>
+                <a:alpha val="40000"/>
+              </a:schemeClr>
+            </a:solidFill>
+            <a:ln w="9525" cap="flat" cmpd="sng" algn="ctr">
+              <a:noFill/>
+              <a:prstDash val="solid"/>
+              <a:round/>
+              <a:headEnd type="none" w="med" len="med"/>
+              <a:tailEnd type="none" w="med" len="med"/>
+            </a:ln>
+            <a:effectLst/>
+          </p:spPr>
+          <p:txBody>
+            <a:bodyPr vert="horz" wrap="square" lIns="91440" tIns="45720" rIns="91440" bIns="45720" anchor="t" compatLnSpc="1"/>
+            <a:lstStyle/>
+            <a:p>
+              <a:endParaRPr kumimoji="0" lang="en-US" sz="1800"/>
+            </a:p>
+          </p:txBody>
+        </p:sp>
+      </p:grpSp>
+      <p:sp>
+        <p:nvSpPr>
+          <p:cNvPr id="26" name="TextBox 20">
+            <a:extLst>
+              <a:ext uri="{FF2B5EF4-FFF2-40B4-BE49-F238E27FC236}">
+                <a16:creationId xmlns:a16="http://schemas.microsoft.com/office/drawing/2014/main" id="{E94A4E18-C79F-4447-AF65-E626B38B2491}"/>
+              </a:ext>
+            </a:extLst>
+          </p:cNvPr>
+          <p:cNvSpPr txBox="1"/>
+          <p:nvPr userDrawn="1"/>
+        </p:nvSpPr>
+        <p:spPr>
+          <a:xfrm>
+            <a:off x="983432" y="6274667"/>
+            <a:ext cx="2877344" cy="369332"/>
+          </a:xfrm>
+          <a:prstGeom prst="rect">
+            <a:avLst/>
+          </a:prstGeom>
+          <a:noFill/>
+        </p:spPr>
+        <p:txBody>
+          <a:bodyPr wrap="square" rtlCol="0">
+            <a:spAutoFit/>
+          </a:bodyPr>
+          <a:lstStyle/>
+          <a:p>
+            <a:pPr algn="r"/>
+            <a:r>
+              <a:rPr lang="pt-BR" sz="1800" dirty="0">
+                <a:solidFill>
+                  <a:schemeClr val="tx1"/>
+                </a:solidFill>
+              </a:rPr>
+              <a:t>Judson</a:t>
+            </a:r>
+            <a:r>
+              <a:rPr lang="pt-BR" sz="1800" baseline="0" dirty="0">
+                <a:solidFill>
+                  <a:schemeClr val="tx1"/>
+                </a:solidFill>
+              </a:rPr>
+              <a:t> Santos Santiago</a:t>
+            </a:r>
+            <a:endParaRPr lang="pt-BR" sz="1800" dirty="0">
+              <a:solidFill>
+                <a:schemeClr val="tx1"/>
+              </a:solidFill>
+            </a:endParaRPr>
+          </a:p>
+        </p:txBody>
+      </p:sp>
       <p:sp>
         <p:nvSpPr>
           <p:cNvPr id="11" name="Triângulo retângulo 9">
@@ -4900,348 +7203,6 @@
       </p:sp>
       <p:sp>
         <p:nvSpPr>
-          <p:cNvPr id="18" name="Forma livre 12">
-            <a:extLst>
-              <a:ext uri="{FF2B5EF4-FFF2-40B4-BE49-F238E27FC236}">
-                <a16:creationId xmlns:a16="http://schemas.microsoft.com/office/drawing/2014/main" id="{DFCEFD9B-7407-42E1-81F0-6ACD93566591}"/>
-              </a:ext>
-            </a:extLst>
-          </p:cNvPr>
-          <p:cNvSpPr>
-            <a:spLocks/>
-          </p:cNvSpPr>
-          <p:nvPr userDrawn="1"/>
-        </p:nvSpPr>
-        <p:spPr bwMode="auto">
-          <a:xfrm>
-            <a:off x="-2" y="5186981"/>
-            <a:ext cx="12192002" cy="1671020"/>
-          </a:xfrm>
-          <a:custGeom>
-            <a:avLst>
-              <a:gd name="A1" fmla="val 0"/>
-              <a:gd name="A2" fmla="val 0"/>
-              <a:gd name="A3" fmla="val 0"/>
-              <a:gd name="A4" fmla="val 0"/>
-              <a:gd name="A5" fmla="val 0"/>
-              <a:gd name="A6" fmla="val 0"/>
-              <a:gd name="A7" fmla="val 0"/>
-              <a:gd name="A8" fmla="val 0"/>
-            </a:avLst>
-            <a:gdLst/>
-            <a:ahLst/>
-            <a:cxnLst>
-              <a:cxn ang="0">
-                <a:pos x="0" y="0"/>
-              </a:cxn>
-              <a:cxn ang="0">
-                <a:pos x="5760" y="0"/>
-              </a:cxn>
-              <a:cxn ang="0">
-                <a:pos x="5760" y="528"/>
-              </a:cxn>
-              <a:cxn ang="0">
-                <a:pos x="48" y="0"/>
-              </a:cxn>
-            </a:cxnLst>
-            <a:rect l="0" t="0" r="0" b="0"/>
-            <a:pathLst>
-              <a:path w="7485" h="337">
-                <a:moveTo>
-                  <a:pt x="0" y="2"/>
-                </a:moveTo>
-                <a:lnTo>
-                  <a:pt x="7485" y="337"/>
-                </a:lnTo>
-                <a:lnTo>
-                  <a:pt x="5558" y="337"/>
-                </a:lnTo>
-                <a:lnTo>
-                  <a:pt x="1" y="0"/>
-                </a:lnTo>
-              </a:path>
-            </a:pathLst>
-          </a:custGeom>
-          <a:solidFill>
-            <a:schemeClr val="accent1">
-              <a:tint val="65000"/>
-              <a:satMod val="115000"/>
-              <a:alpha val="40000"/>
-            </a:schemeClr>
-          </a:solidFill>
-          <a:ln w="9525" cap="flat" cmpd="sng" algn="ctr">
-            <a:noFill/>
-            <a:prstDash val="solid"/>
-            <a:round/>
-            <a:headEnd type="none" w="med" len="med"/>
-            <a:tailEnd type="none" w="med" len="med"/>
-          </a:ln>
-          <a:effectLst/>
-        </p:spPr>
-        <p:txBody>
-          <a:bodyPr vert="horz" wrap="square" lIns="91440" tIns="45720" rIns="91440" bIns="45720" anchor="t" compatLnSpc="1"/>
-          <a:lstStyle/>
-          <a:p>
-            <a:endParaRPr kumimoji="0" lang="en-US" sz="1800"/>
-          </a:p>
-        </p:txBody>
-      </p:sp>
-      <p:sp>
-        <p:nvSpPr>
-          <p:cNvPr id="21" name="Triângulo retângulo 13">
-            <a:extLst>
-              <a:ext uri="{FF2B5EF4-FFF2-40B4-BE49-F238E27FC236}">
-                <a16:creationId xmlns:a16="http://schemas.microsoft.com/office/drawing/2014/main" id="{4ADB2778-A6D2-4DE9-8C25-DACA125A74C0}"/>
-              </a:ext>
-            </a:extLst>
-          </p:cNvPr>
-          <p:cNvSpPr>
-            <a:spLocks/>
-          </p:cNvSpPr>
-          <p:nvPr userDrawn="1"/>
-        </p:nvSpPr>
-        <p:spPr bwMode="auto">
-          <a:xfrm>
-            <a:off x="-2" y="5142592"/>
-            <a:ext cx="9192346" cy="1715408"/>
-          </a:xfrm>
-          <a:prstGeom prst="rtTriangle">
-            <a:avLst/>
-          </a:prstGeom>
-          <a:blipFill>
-            <a:blip r:embed="rId2">
-              <a:alphaModFix amt="50000"/>
-            </a:blip>
-            <a:tile tx="0" ty="0" sx="50000" sy="50000" flip="none" algn="t"/>
-          </a:blipFill>
-          <a:ln w="12700" cap="rnd" cmpd="thickThin" algn="ctr">
-            <a:noFill/>
-            <a:prstDash val="solid"/>
-          </a:ln>
-          <a:effectLst>
-            <a:fillOverlay blend="mult">
-              <a:gradFill flip="none" rotWithShape="1">
-                <a:gsLst>
-                  <a:gs pos="0">
-                    <a:schemeClr val="accent1">
-                      <a:shade val="20000"/>
-                      <a:satMod val="176000"/>
-                      <a:alpha val="100000"/>
-                    </a:schemeClr>
-                  </a:gs>
-                  <a:gs pos="18000">
-                    <a:schemeClr val="accent1">
-                      <a:shade val="48000"/>
-                      <a:satMod val="153000"/>
-                      <a:alpha val="100000"/>
-                    </a:schemeClr>
-                  </a:gs>
-                  <a:gs pos="43000">
-                    <a:schemeClr val="accent1">
-                      <a:tint val="86000"/>
-                      <a:satMod val="149000"/>
-                      <a:alpha val="100000"/>
-                    </a:schemeClr>
-                  </a:gs>
-                  <a:gs pos="45000">
-                    <a:schemeClr val="accent1">
-                      <a:tint val="85000"/>
-                      <a:satMod val="150000"/>
-                      <a:alpha val="100000"/>
-                    </a:schemeClr>
-                  </a:gs>
-                  <a:gs pos="50000">
-                    <a:schemeClr val="accent1">
-                      <a:tint val="86000"/>
-                      <a:satMod val="149000"/>
-                      <a:alpha val="100000"/>
-                    </a:schemeClr>
-                  </a:gs>
-                  <a:gs pos="79000">
-                    <a:schemeClr val="accent1">
-                      <a:shade val="53000"/>
-                      <a:satMod val="150000"/>
-                      <a:alpha val="100000"/>
-                    </a:schemeClr>
-                  </a:gs>
-                  <a:gs pos="100000">
-                    <a:schemeClr val="accent1">
-                      <a:shade val="25000"/>
-                      <a:satMod val="170000"/>
-                      <a:alpha val="100000"/>
-                    </a:schemeClr>
-                  </a:gs>
-                </a:gsLst>
-                <a:lin ang="450000" scaled="1"/>
-                <a:tileRect/>
-              </a:gradFill>
-            </a:fillOverlay>
-          </a:effectLst>
-        </p:spPr>
-        <p:style>
-          <a:lnRef idx="3">
-            <a:schemeClr val="lt1"/>
-          </a:lnRef>
-          <a:fillRef idx="1">
-            <a:schemeClr val="accent1"/>
-          </a:fillRef>
-          <a:effectRef idx="1">
-            <a:schemeClr val="accent1"/>
-          </a:effectRef>
-          <a:fontRef idx="minor">
-            <a:schemeClr val="lt1"/>
-          </a:fontRef>
-        </p:style>
-        <p:txBody>
-          <a:bodyPr vert="horz" wrap="square" lIns="91440" tIns="45720" rIns="91440" bIns="45720" anchor="ctr" compatLnSpc="1"/>
-          <a:lstStyle/>
-          <a:p>
-            <a:pPr algn="ctr" eaLnBrk="1" latinLnBrk="0" hangingPunct="1"/>
-            <a:endParaRPr kumimoji="0" lang="en-US" sz="1800" dirty="0"/>
-          </a:p>
-        </p:txBody>
-      </p:sp>
-      <p:sp>
-        <p:nvSpPr>
-          <p:cNvPr id="22" name="TextBox 20">
-            <a:extLst>
-              <a:ext uri="{FF2B5EF4-FFF2-40B4-BE49-F238E27FC236}">
-                <a16:creationId xmlns:a16="http://schemas.microsoft.com/office/drawing/2014/main" id="{63B4AAC0-2956-4AB7-BF9B-AC28D94ACABC}"/>
-              </a:ext>
-            </a:extLst>
-          </p:cNvPr>
-          <p:cNvSpPr txBox="1"/>
-          <p:nvPr userDrawn="1"/>
-        </p:nvSpPr>
-        <p:spPr>
-          <a:xfrm>
-            <a:off x="983432" y="6274667"/>
-            <a:ext cx="2877344" cy="369332"/>
-          </a:xfrm>
-          <a:prstGeom prst="rect">
-            <a:avLst/>
-          </a:prstGeom>
-          <a:noFill/>
-        </p:spPr>
-        <p:txBody>
-          <a:bodyPr wrap="square" rtlCol="0">
-            <a:spAutoFit/>
-          </a:bodyPr>
-          <a:lstStyle/>
-          <a:p>
-            <a:pPr algn="r"/>
-            <a:r>
-              <a:rPr lang="pt-BR" sz="1800" dirty="0">
-                <a:solidFill>
-                  <a:schemeClr val="tx1"/>
-                </a:solidFill>
-              </a:rPr>
-              <a:t>Judson</a:t>
-            </a:r>
-            <a:r>
-              <a:rPr lang="pt-BR" sz="1800" baseline="0" dirty="0">
-                <a:solidFill>
-                  <a:schemeClr val="tx1"/>
-                </a:solidFill>
-              </a:rPr>
-              <a:t> Santos Santiago</a:t>
-            </a:r>
-            <a:endParaRPr lang="pt-BR" sz="1800" dirty="0">
-              <a:solidFill>
-                <a:schemeClr val="tx1"/>
-              </a:solidFill>
-            </a:endParaRPr>
-          </a:p>
-        </p:txBody>
-      </p:sp>
-      <p:sp>
-        <p:nvSpPr>
-          <p:cNvPr id="23" name="Forma livre 11">
-            <a:extLst>
-              <a:ext uri="{FF2B5EF4-FFF2-40B4-BE49-F238E27FC236}">
-                <a16:creationId xmlns:a16="http://schemas.microsoft.com/office/drawing/2014/main" id="{E9C17A1F-684D-4CBD-AD7E-0AAE0AA63068}"/>
-              </a:ext>
-            </a:extLst>
-          </p:cNvPr>
-          <p:cNvSpPr>
-            <a:spLocks/>
-          </p:cNvSpPr>
-          <p:nvPr userDrawn="1"/>
-        </p:nvSpPr>
-        <p:spPr bwMode="auto">
-          <a:xfrm>
-            <a:off x="-2" y="5142592"/>
-            <a:ext cx="9408370" cy="1728726"/>
-          </a:xfrm>
-          <a:custGeom>
-            <a:avLst>
-              <a:gd name="A1" fmla="val 0"/>
-              <a:gd name="A2" fmla="val 0"/>
-              <a:gd name="A3" fmla="val 0"/>
-              <a:gd name="A4" fmla="val 0"/>
-              <a:gd name="A5" fmla="val 0"/>
-              <a:gd name="A6" fmla="val 0"/>
-              <a:gd name="A7" fmla="val 0"/>
-              <a:gd name="A8" fmla="val 0"/>
-            </a:avLst>
-            <a:gdLst/>
-            <a:ahLst/>
-            <a:cxnLst>
-              <a:cxn ang="0">
-                <a:pos x="0" y="0"/>
-              </a:cxn>
-              <a:cxn ang="0">
-                <a:pos x="5760" y="0"/>
-              </a:cxn>
-              <a:cxn ang="0">
-                <a:pos x="5760" y="528"/>
-              </a:cxn>
-              <a:cxn ang="0">
-                <a:pos x="48" y="0"/>
-              </a:cxn>
-            </a:cxnLst>
-            <a:rect l="0" t="0" r="0" b="0"/>
-            <a:pathLst>
-              <a:path w="5591" h="588">
-                <a:moveTo>
-                  <a:pt x="0" y="0"/>
-                </a:moveTo>
-                <a:lnTo>
-                  <a:pt x="5591" y="585"/>
-                </a:lnTo>
-                <a:lnTo>
-                  <a:pt x="4415" y="588"/>
-                </a:lnTo>
-                <a:lnTo>
-                  <a:pt x="12" y="4"/>
-                </a:lnTo>
-              </a:path>
-            </a:pathLst>
-          </a:custGeom>
-          <a:solidFill>
-            <a:srgbClr val="000000">
-              <a:alpha val="100000"/>
-            </a:srgbClr>
-          </a:solidFill>
-          <a:ln w="9525" cap="flat" cmpd="sng" algn="ctr">
-            <a:noFill/>
-            <a:prstDash val="solid"/>
-            <a:round/>
-            <a:headEnd type="none" w="med" len="med"/>
-            <a:tailEnd type="none" w="med" len="med"/>
-          </a:ln>
-          <a:effectLst/>
-        </p:spPr>
-        <p:txBody>
-          <a:bodyPr vert="horz" wrap="square" lIns="91440" tIns="45720" rIns="91440" bIns="45720" anchor="t" compatLnSpc="1"/>
-          <a:lstStyle/>
-          <a:p>
-            <a:endParaRPr kumimoji="0" lang="en-US" sz="1800"/>
-          </a:p>
-        </p:txBody>
-      </p:sp>
-      <p:sp>
-        <p:nvSpPr>
           <p:cNvPr id="24" name="Título 8">
             <a:extLst>
               <a:ext uri="{FF2B5EF4-FFF2-40B4-BE49-F238E27FC236}">
@@ -5495,7 +7456,7 @@
             <a:fld id="{B41ABA4E-CD72-497B-97AA-7213B3980F60}" type="datetimeFigureOut">
               <a:rPr lang="en-US" smtClean="0"/>
               <a:pPr/>
-              <a:t>6/5/2019</a:t>
+              <a:t>8/20/2021</a:t>
             </a:fld>
             <a:endParaRPr lang="en-US" dirty="0"/>
           </a:p>
@@ -5672,7 +7633,7 @@
             <a:fld id="{B41ABA4E-CD72-497B-97AA-7213B3980F60}" type="datetimeFigureOut">
               <a:rPr lang="en-US" smtClean="0"/>
               <a:pPr/>
-              <a:t>6/5/2019</a:t>
+              <a:t>8/20/2021</a:t>
             </a:fld>
             <a:endParaRPr lang="en-US" dirty="0"/>
           </a:p>
@@ -5868,7 +7829,7 @@
             <a:fld id="{B41ABA4E-CD72-497B-97AA-7213B3980F60}" type="datetimeFigureOut">
               <a:rPr lang="en-US" smtClean="0"/>
               <a:pPr/>
-              <a:t>6/5/2019</a:t>
+              <a:t>8/20/2021</a:t>
             </a:fld>
             <a:endParaRPr lang="en-US" dirty="0"/>
           </a:p>
@@ -6129,7 +8090,7 @@
             <a:fld id="{B41ABA4E-CD72-497B-97AA-7213B3980F60}" type="datetimeFigureOut">
               <a:rPr lang="en-US" smtClean="0"/>
               <a:pPr/>
-              <a:t>6/5/2019</a:t>
+              <a:t>8/20/2021</a:t>
             </a:fld>
             <a:endParaRPr lang="en-US" dirty="0"/>
           </a:p>
@@ -6530,7 +8491,7 @@
             <a:fld id="{B41ABA4E-CD72-497B-97AA-7213B3980F60}" type="datetimeFigureOut">
               <a:rPr lang="en-US" smtClean="0"/>
               <a:pPr/>
-              <a:t>6/5/2019</a:t>
+              <a:t>8/20/2021</a:t>
             </a:fld>
             <a:endParaRPr lang="en-US" dirty="0"/>
           </a:p>
@@ -6970,7 +8931,7 @@
             <a:fld id="{B41ABA4E-CD72-497B-97AA-7213B3980F60}" type="datetimeFigureOut">
               <a:rPr lang="en-US" smtClean="0"/>
               <a:pPr/>
-              <a:t>6/5/2019</a:t>
+              <a:t>8/20/2021</a:t>
             </a:fld>
             <a:endParaRPr lang="en-US" dirty="0"/>
           </a:p>
@@ -7067,7 +9028,7 @@
             <a:fld id="{B41ABA4E-CD72-497B-97AA-7213B3980F60}" type="datetimeFigureOut">
               <a:rPr lang="en-US" smtClean="0"/>
               <a:pPr/>
-              <a:t>6/5/2019</a:t>
+              <a:t>8/20/2021</a:t>
             </a:fld>
             <a:endParaRPr lang="en-US" dirty="0"/>
           </a:p>
@@ -7182,7 +9143,7 @@
             <a:fld id="{B41ABA4E-CD72-497B-97AA-7213B3980F60}" type="datetimeFigureOut">
               <a:rPr lang="en-US" smtClean="0"/>
               <a:pPr/>
-              <a:t>6/5/2019</a:t>
+              <a:t>8/20/2021</a:t>
             </a:fld>
             <a:endParaRPr lang="en-US" dirty="0"/>
           </a:p>
@@ -7452,7 +9413,7 @@
             <a:fld id="{B41ABA4E-CD72-497B-97AA-7213B3980F60}" type="datetimeFigureOut">
               <a:rPr lang="en-US" smtClean="0"/>
               <a:pPr/>
-              <a:t>6/5/2019</a:t>
+              <a:t>8/20/2021</a:t>
             </a:fld>
             <a:endParaRPr lang="en-US" dirty="0"/>
           </a:p>
@@ -7655,7 +9616,7 @@
             <a:fld id="{B41ABA4E-CD72-497B-97AA-7213B3980F60}" type="datetimeFigureOut">
               <a:rPr lang="en-US" smtClean="0"/>
               <a:pPr/>
-              <a:t>6/5/2019</a:t>
+              <a:t>8/20/2021</a:t>
             </a:fld>
             <a:endParaRPr lang="en-US" dirty="0"/>
           </a:p>
@@ -8290,178 +10251,22 @@
       </p:grpSpPr>
       <p:sp>
         <p:nvSpPr>
-          <p:cNvPr id="13" name="Forma livre 12"/>
+          <p:cNvPr id="17" name="Triângulo retângulo 13">
+            <a:extLst>
+              <a:ext uri="{FF2B5EF4-FFF2-40B4-BE49-F238E27FC236}">
+                <a16:creationId xmlns:a16="http://schemas.microsoft.com/office/drawing/2014/main" id="{5ADC4908-63D1-45BC-8713-1778752AE8F1}"/>
+              </a:ext>
+            </a:extLst>
+          </p:cNvPr>
           <p:cNvSpPr>
             <a:spLocks/>
           </p:cNvSpPr>
-          <p:nvPr/>
+          <p:nvPr userDrawn="1"/>
         </p:nvSpPr>
         <p:spPr bwMode="auto">
-          <a:xfrm>
-            <a:off x="665698" y="6405474"/>
-            <a:ext cx="4086153" cy="460538"/>
-          </a:xfrm>
-          <a:custGeom>
-            <a:avLst>
-              <a:gd name="A1" fmla="val 0"/>
-              <a:gd name="A2" fmla="val 0"/>
-              <a:gd name="A3" fmla="val 0"/>
-              <a:gd name="A4" fmla="val 0"/>
-              <a:gd name="A5" fmla="val 0"/>
-              <a:gd name="A6" fmla="val 0"/>
-              <a:gd name="A7" fmla="val 0"/>
-              <a:gd name="A8" fmla="val 0"/>
-            </a:avLst>
-            <a:gdLst/>
-            <a:ahLst/>
-            <a:cxnLst>
-              <a:cxn ang="0">
-                <a:pos x="0" y="0"/>
-              </a:cxn>
-              <a:cxn ang="0">
-                <a:pos x="5760" y="0"/>
-              </a:cxn>
-              <a:cxn ang="0">
-                <a:pos x="5760" y="528"/>
-              </a:cxn>
-              <a:cxn ang="0">
-                <a:pos x="48" y="0"/>
-              </a:cxn>
-            </a:cxnLst>
-            <a:rect l="0" t="0" r="0" b="0"/>
-            <a:pathLst>
-              <a:path w="7485" h="337">
-                <a:moveTo>
-                  <a:pt x="0" y="2"/>
-                </a:moveTo>
-                <a:lnTo>
-                  <a:pt x="7485" y="337"/>
-                </a:lnTo>
-                <a:lnTo>
-                  <a:pt x="5558" y="337"/>
-                </a:lnTo>
-                <a:lnTo>
-                  <a:pt x="1" y="0"/>
-                </a:lnTo>
-              </a:path>
-            </a:pathLst>
-          </a:custGeom>
-          <a:solidFill>
-            <a:schemeClr val="accent1">
-              <a:tint val="65000"/>
-              <a:satMod val="115000"/>
-              <a:alpha val="40000"/>
-            </a:schemeClr>
-          </a:solidFill>
-          <a:ln w="9525" cap="flat" cmpd="sng" algn="ctr">
-            <a:noFill/>
-            <a:prstDash val="solid"/>
-            <a:round/>
-            <a:headEnd type="none" w="med" len="med"/>
-            <a:tailEnd type="none" w="med" len="med"/>
-          </a:ln>
-          <a:effectLst/>
-        </p:spPr>
-        <p:txBody>
-          <a:bodyPr vert="horz" wrap="square" lIns="91440" tIns="45720" rIns="91440" bIns="45720" anchor="t" compatLnSpc="1"/>
-          <a:lstStyle/>
-          <a:p>
-            <a:endParaRPr kumimoji="0" lang="en-US" sz="1800"/>
-          </a:p>
-        </p:txBody>
-      </p:sp>
-      <p:sp>
-        <p:nvSpPr>
-          <p:cNvPr id="12" name="Forma livre 11"/>
-          <p:cNvSpPr>
-            <a:spLocks/>
-          </p:cNvSpPr>
-          <p:nvPr/>
-        </p:nvSpPr>
-        <p:spPr bwMode="auto">
-          <a:xfrm>
-            <a:off x="647624" y="6418660"/>
-            <a:ext cx="3052195" cy="447352"/>
-          </a:xfrm>
-          <a:custGeom>
-            <a:avLst>
-              <a:gd name="A1" fmla="val 0"/>
-              <a:gd name="A2" fmla="val 0"/>
-              <a:gd name="A3" fmla="val 0"/>
-              <a:gd name="A4" fmla="val 0"/>
-              <a:gd name="A5" fmla="val 0"/>
-              <a:gd name="A6" fmla="val 0"/>
-              <a:gd name="A7" fmla="val 0"/>
-              <a:gd name="A8" fmla="val 0"/>
-            </a:avLst>
-            <a:gdLst/>
-            <a:ahLst/>
-            <a:cxnLst>
-              <a:cxn ang="0">
-                <a:pos x="0" y="0"/>
-              </a:cxn>
-              <a:cxn ang="0">
-                <a:pos x="5760" y="0"/>
-              </a:cxn>
-              <a:cxn ang="0">
-                <a:pos x="5760" y="528"/>
-              </a:cxn>
-              <a:cxn ang="0">
-                <a:pos x="48" y="0"/>
-              </a:cxn>
-            </a:cxnLst>
-            <a:rect l="0" t="0" r="0" b="0"/>
-            <a:pathLst>
-              <a:path w="5591" h="588">
-                <a:moveTo>
-                  <a:pt x="0" y="0"/>
-                </a:moveTo>
-                <a:lnTo>
-                  <a:pt x="5591" y="585"/>
-                </a:lnTo>
-                <a:lnTo>
-                  <a:pt x="4415" y="588"/>
-                </a:lnTo>
-                <a:lnTo>
-                  <a:pt x="12" y="4"/>
-                </a:lnTo>
-              </a:path>
-            </a:pathLst>
-          </a:custGeom>
-          <a:solidFill>
-            <a:srgbClr val="000000">
-              <a:alpha val="100000"/>
-            </a:srgbClr>
-          </a:solidFill>
-          <a:ln w="9525" cap="flat" cmpd="sng" algn="ctr">
-            <a:noFill/>
-            <a:prstDash val="solid"/>
-            <a:round/>
-            <a:headEnd type="none" w="med" len="med"/>
-            <a:tailEnd type="none" w="med" len="med"/>
-          </a:ln>
-          <a:effectLst/>
-        </p:spPr>
-        <p:txBody>
-          <a:bodyPr vert="horz" wrap="square" lIns="91440" tIns="45720" rIns="91440" bIns="45720" anchor="t" compatLnSpc="1"/>
-          <a:lstStyle/>
-          <a:p>
-            <a:endParaRPr kumimoji="0" lang="en-US" sz="1800"/>
-          </a:p>
-        </p:txBody>
-      </p:sp>
-      <p:sp>
-        <p:nvSpPr>
-          <p:cNvPr id="14" name="Triângulo retângulo 13"/>
-          <p:cNvSpPr>
-            <a:spLocks/>
-          </p:cNvSpPr>
-          <p:nvPr/>
-        </p:nvSpPr>
-        <p:spPr bwMode="auto">
-          <a:xfrm>
-            <a:off x="-8056" y="6331687"/>
-            <a:ext cx="2813891" cy="540434"/>
+          <a:xfrm rot="10800000">
+            <a:off x="6600056" y="-2"/>
+            <a:ext cx="5600000" cy="836713"/>
           </a:xfrm>
           <a:prstGeom prst="rtTriangle">
             <a:avLst/>
@@ -8559,6 +10364,316 @@
           </a:p>
         </p:txBody>
       </p:sp>
+      <p:grpSp>
+        <p:nvGrpSpPr>
+          <p:cNvPr id="19" name="Agrupar 18">
+            <a:extLst>
+              <a:ext uri="{FF2B5EF4-FFF2-40B4-BE49-F238E27FC236}">
+                <a16:creationId xmlns:a16="http://schemas.microsoft.com/office/drawing/2014/main" id="{CA604FBE-7298-4E07-A4CE-D2485310FB4F}"/>
+              </a:ext>
+            </a:extLst>
+          </p:cNvPr>
+          <p:cNvGrpSpPr/>
+          <p:nvPr userDrawn="1"/>
+        </p:nvGrpSpPr>
+        <p:grpSpPr>
+          <a:xfrm>
+            <a:off x="0" y="6007292"/>
+            <a:ext cx="5591944" cy="850708"/>
+            <a:chOff x="0" y="6317566"/>
+            <a:chExt cx="4759907" cy="540434"/>
+          </a:xfrm>
+        </p:grpSpPr>
+        <p:sp>
+          <p:nvSpPr>
+            <p:cNvPr id="20" name="Forma livre 12">
+              <a:extLst>
+                <a:ext uri="{FF2B5EF4-FFF2-40B4-BE49-F238E27FC236}">
+                  <a16:creationId xmlns:a16="http://schemas.microsoft.com/office/drawing/2014/main" id="{CC47529C-154F-4F08-8BF1-335035480499}"/>
+                </a:ext>
+              </a:extLst>
+            </p:cNvPr>
+            <p:cNvSpPr>
+              <a:spLocks/>
+            </p:cNvSpPr>
+            <p:nvPr/>
+          </p:nvSpPr>
+          <p:spPr bwMode="auto">
+            <a:xfrm>
+              <a:off x="673754" y="6391353"/>
+              <a:ext cx="4086153" cy="460538"/>
+            </a:xfrm>
+            <a:custGeom>
+              <a:avLst>
+                <a:gd name="A1" fmla="val 0"/>
+                <a:gd name="A2" fmla="val 0"/>
+                <a:gd name="A3" fmla="val 0"/>
+                <a:gd name="A4" fmla="val 0"/>
+                <a:gd name="A5" fmla="val 0"/>
+                <a:gd name="A6" fmla="val 0"/>
+                <a:gd name="A7" fmla="val 0"/>
+                <a:gd name="A8" fmla="val 0"/>
+              </a:avLst>
+              <a:gdLst/>
+              <a:ahLst/>
+              <a:cxnLst>
+                <a:cxn ang="0">
+                  <a:pos x="0" y="0"/>
+                </a:cxn>
+                <a:cxn ang="0">
+                  <a:pos x="5760" y="0"/>
+                </a:cxn>
+                <a:cxn ang="0">
+                  <a:pos x="5760" y="528"/>
+                </a:cxn>
+                <a:cxn ang="0">
+                  <a:pos x="48" y="0"/>
+                </a:cxn>
+              </a:cxnLst>
+              <a:rect l="0" t="0" r="0" b="0"/>
+              <a:pathLst>
+                <a:path w="7485" h="337">
+                  <a:moveTo>
+                    <a:pt x="0" y="2"/>
+                  </a:moveTo>
+                  <a:lnTo>
+                    <a:pt x="7485" y="337"/>
+                  </a:lnTo>
+                  <a:lnTo>
+                    <a:pt x="5558" y="337"/>
+                  </a:lnTo>
+                  <a:lnTo>
+                    <a:pt x="1" y="0"/>
+                  </a:lnTo>
+                </a:path>
+              </a:pathLst>
+            </a:custGeom>
+            <a:solidFill>
+              <a:schemeClr val="accent1">
+                <a:tint val="65000"/>
+                <a:satMod val="115000"/>
+                <a:alpha val="40000"/>
+              </a:schemeClr>
+            </a:solidFill>
+            <a:ln w="9525" cap="flat" cmpd="sng" algn="ctr">
+              <a:noFill/>
+              <a:prstDash val="solid"/>
+              <a:round/>
+              <a:headEnd type="none" w="med" len="med"/>
+              <a:tailEnd type="none" w="med" len="med"/>
+            </a:ln>
+            <a:effectLst/>
+          </p:spPr>
+          <p:txBody>
+            <a:bodyPr vert="horz" wrap="square" lIns="91440" tIns="45720" rIns="91440" bIns="45720" anchor="t" compatLnSpc="1"/>
+            <a:lstStyle/>
+            <a:p>
+              <a:endParaRPr kumimoji="0" lang="en-US" sz="1800"/>
+            </a:p>
+          </p:txBody>
+        </p:sp>
+        <p:sp>
+          <p:nvSpPr>
+            <p:cNvPr id="21" name="Forma livre 11">
+              <a:extLst>
+                <a:ext uri="{FF2B5EF4-FFF2-40B4-BE49-F238E27FC236}">
+                  <a16:creationId xmlns:a16="http://schemas.microsoft.com/office/drawing/2014/main" id="{78AAF604-230E-41B4-983A-CB5A5486F231}"/>
+                </a:ext>
+              </a:extLst>
+            </p:cNvPr>
+            <p:cNvSpPr>
+              <a:spLocks/>
+            </p:cNvSpPr>
+            <p:nvPr/>
+          </p:nvSpPr>
+          <p:spPr bwMode="auto">
+            <a:xfrm>
+              <a:off x="655680" y="6404539"/>
+              <a:ext cx="3052195" cy="447352"/>
+            </a:xfrm>
+            <a:custGeom>
+              <a:avLst>
+                <a:gd name="A1" fmla="val 0"/>
+                <a:gd name="A2" fmla="val 0"/>
+                <a:gd name="A3" fmla="val 0"/>
+                <a:gd name="A4" fmla="val 0"/>
+                <a:gd name="A5" fmla="val 0"/>
+                <a:gd name="A6" fmla="val 0"/>
+                <a:gd name="A7" fmla="val 0"/>
+                <a:gd name="A8" fmla="val 0"/>
+              </a:avLst>
+              <a:gdLst/>
+              <a:ahLst/>
+              <a:cxnLst>
+                <a:cxn ang="0">
+                  <a:pos x="0" y="0"/>
+                </a:cxn>
+                <a:cxn ang="0">
+                  <a:pos x="5760" y="0"/>
+                </a:cxn>
+                <a:cxn ang="0">
+                  <a:pos x="5760" y="528"/>
+                </a:cxn>
+                <a:cxn ang="0">
+                  <a:pos x="48" y="0"/>
+                </a:cxn>
+              </a:cxnLst>
+              <a:rect l="0" t="0" r="0" b="0"/>
+              <a:pathLst>
+                <a:path w="5591" h="588">
+                  <a:moveTo>
+                    <a:pt x="0" y="0"/>
+                  </a:moveTo>
+                  <a:lnTo>
+                    <a:pt x="5591" y="585"/>
+                  </a:lnTo>
+                  <a:lnTo>
+                    <a:pt x="4415" y="588"/>
+                  </a:lnTo>
+                  <a:lnTo>
+                    <a:pt x="12" y="4"/>
+                  </a:lnTo>
+                </a:path>
+              </a:pathLst>
+            </a:custGeom>
+            <a:solidFill>
+              <a:srgbClr val="000000">
+                <a:alpha val="100000"/>
+              </a:srgbClr>
+            </a:solidFill>
+            <a:ln w="9525" cap="flat" cmpd="sng" algn="ctr">
+              <a:noFill/>
+              <a:prstDash val="solid"/>
+              <a:round/>
+              <a:headEnd type="none" w="med" len="med"/>
+              <a:tailEnd type="none" w="med" len="med"/>
+            </a:ln>
+            <a:effectLst/>
+          </p:spPr>
+          <p:txBody>
+            <a:bodyPr vert="horz" wrap="square" lIns="91440" tIns="45720" rIns="91440" bIns="45720" anchor="t" compatLnSpc="1"/>
+            <a:lstStyle/>
+            <a:p>
+              <a:endParaRPr kumimoji="0" lang="en-US" sz="1800"/>
+            </a:p>
+          </p:txBody>
+        </p:sp>
+        <p:sp>
+          <p:nvSpPr>
+            <p:cNvPr id="23" name="Triângulo retângulo 13">
+              <a:extLst>
+                <a:ext uri="{FF2B5EF4-FFF2-40B4-BE49-F238E27FC236}">
+                  <a16:creationId xmlns:a16="http://schemas.microsoft.com/office/drawing/2014/main" id="{C9732CE7-BD7B-4335-87EE-5E01C24040D2}"/>
+                </a:ext>
+              </a:extLst>
+            </p:cNvPr>
+            <p:cNvSpPr>
+              <a:spLocks/>
+            </p:cNvSpPr>
+            <p:nvPr/>
+          </p:nvSpPr>
+          <p:spPr bwMode="auto">
+            <a:xfrm>
+              <a:off x="0" y="6317566"/>
+              <a:ext cx="2813891" cy="540434"/>
+            </a:xfrm>
+            <a:prstGeom prst="rtTriangle">
+              <a:avLst/>
+            </a:prstGeom>
+            <a:blipFill>
+              <a:blip r:embed="rId13">
+                <a:alphaModFix amt="50000"/>
+              </a:blip>
+              <a:tile tx="0" ty="0" sx="50000" sy="50000" flip="none" algn="t"/>
+            </a:blipFill>
+            <a:ln w="12700" cap="rnd" cmpd="thickThin" algn="ctr">
+              <a:noFill/>
+              <a:prstDash val="solid"/>
+            </a:ln>
+            <a:effectLst>
+              <a:fillOverlay blend="mult">
+                <a:gradFill flip="none" rotWithShape="1">
+                  <a:gsLst>
+                    <a:gs pos="0">
+                      <a:schemeClr val="accent1">
+                        <a:shade val="20000"/>
+                        <a:satMod val="176000"/>
+                        <a:alpha val="100000"/>
+                      </a:schemeClr>
+                    </a:gs>
+                    <a:gs pos="18000">
+                      <a:schemeClr val="accent1">
+                        <a:shade val="48000"/>
+                        <a:satMod val="153000"/>
+                        <a:alpha val="100000"/>
+                      </a:schemeClr>
+                    </a:gs>
+                    <a:gs pos="43000">
+                      <a:schemeClr val="accent1">
+                        <a:tint val="86000"/>
+                        <a:satMod val="149000"/>
+                        <a:alpha val="100000"/>
+                      </a:schemeClr>
+                    </a:gs>
+                    <a:gs pos="45000">
+                      <a:schemeClr val="accent1">
+                        <a:tint val="85000"/>
+                        <a:satMod val="150000"/>
+                        <a:alpha val="100000"/>
+                      </a:schemeClr>
+                    </a:gs>
+                    <a:gs pos="50000">
+                      <a:schemeClr val="accent1">
+                        <a:tint val="86000"/>
+                        <a:satMod val="149000"/>
+                        <a:alpha val="100000"/>
+                      </a:schemeClr>
+                    </a:gs>
+                    <a:gs pos="79000">
+                      <a:schemeClr val="accent1">
+                        <a:shade val="53000"/>
+                        <a:satMod val="150000"/>
+                        <a:alpha val="100000"/>
+                      </a:schemeClr>
+                    </a:gs>
+                    <a:gs pos="100000">
+                      <a:schemeClr val="accent1">
+                        <a:shade val="25000"/>
+                        <a:satMod val="170000"/>
+                        <a:alpha val="100000"/>
+                      </a:schemeClr>
+                    </a:gs>
+                  </a:gsLst>
+                  <a:lin ang="450000" scaled="1"/>
+                  <a:tileRect/>
+                </a:gradFill>
+              </a:fillOverlay>
+            </a:effectLst>
+          </p:spPr>
+          <p:style>
+            <a:lnRef idx="3">
+              <a:schemeClr val="lt1"/>
+            </a:lnRef>
+            <a:fillRef idx="1">
+              <a:schemeClr val="accent1"/>
+            </a:fillRef>
+            <a:effectRef idx="1">
+              <a:schemeClr val="accent1"/>
+            </a:effectRef>
+            <a:fontRef idx="minor">
+              <a:schemeClr val="lt1"/>
+            </a:fontRef>
+          </p:style>
+          <p:txBody>
+            <a:bodyPr vert="horz" wrap="square" lIns="91440" tIns="45720" rIns="91440" bIns="45720" anchor="ctr" compatLnSpc="1"/>
+            <a:lstStyle/>
+            <a:p>
+              <a:pPr algn="ctr" eaLnBrk="1" latinLnBrk="0" hangingPunct="1"/>
+              <a:endParaRPr kumimoji="0" lang="en-US" sz="1800"/>
+            </a:p>
+          </p:txBody>
+        </p:sp>
+      </p:grpSp>
       <p:sp>
         <p:nvSpPr>
           <p:cNvPr id="9" name="Espaço Reservado para Título 8"/>
@@ -8696,7 +10811,7 @@
             <a:fld id="{B41ABA4E-CD72-497B-97AA-7213B3980F60}" type="datetimeFigureOut">
               <a:rPr lang="en-US" smtClean="0"/>
               <a:pPr/>
-              <a:t>6/5/2019</a:t>
+              <a:t>8/20/2021</a:t>
             </a:fld>
             <a:endParaRPr lang="en-US" dirty="0"/>
           </a:p>
@@ -9121,11 +11236,13 @@
           </a:xfrm>
         </p:spPr>
         <p:txBody>
-          <a:bodyPr/>
+          <a:bodyPr>
+            <a:normAutofit/>
+          </a:bodyPr>
           <a:lstStyle/>
           <a:p>
             <a:r>
-              <a:rPr lang="pt-BR" dirty="0"/>
+              <a:rPr lang="pt-BR" sz="6600" dirty="0"/>
               <a:t>Detecção de Colisão</a:t>
             </a:r>
           </a:p>
@@ -9148,21 +11265,23 @@
           </a:xfrm>
         </p:spPr>
         <p:txBody>
-          <a:bodyPr lIns="36000" rIns="36000"/>
+          <a:bodyPr lIns="36000" rIns="36000">
+            <a:normAutofit/>
+          </a:bodyPr>
           <a:lstStyle/>
           <a:p>
             <a:pPr marL="109728" indent="0">
               <a:buNone/>
             </a:pPr>
             <a:r>
-              <a:rPr lang="pt-BR" dirty="0">
+              <a:rPr lang="pt-BR" sz="3600" dirty="0">
                 <a:solidFill>
                   <a:schemeClr val="accent1">
                     <a:lumMod val="50000"/>
                   </a:schemeClr>
                 </a:solidFill>
               </a:rPr>
-              <a:t>Desenvolvimento de Jogos</a:t>
+              <a:t>Programação de Jogos</a:t>
             </a:r>
           </a:p>
         </p:txBody>
@@ -9205,7 +11324,7 @@
         <p:spPr>
           <a:xfrm>
             <a:off x="609600" y="1481328"/>
-            <a:ext cx="10972800" cy="4900000"/>
+            <a:ext cx="10972800" cy="5260040"/>
           </a:xfrm>
         </p:spPr>
         <p:txBody>
@@ -9214,9 +11333,14 @@
           </a:bodyPr>
           <a:lstStyle/>
           <a:p>
+            <a:pPr>
+              <a:spcAft>
+                <a:spcPts val="1200"/>
+              </a:spcAft>
+            </a:pPr>
             <a:r>
               <a:rPr lang="pt-BR" dirty="0"/>
-              <a:t>O</a:t>
+              <a:t>Se o método de </a:t>
             </a:r>
             <a:r>
               <a:rPr lang="pt-BR" dirty="0">
@@ -9226,36 +11350,2250 @@
                   </a:schemeClr>
                 </a:solidFill>
               </a:rPr>
-              <a:t> teste de sobreposição</a:t>
+              <a:t>sobreposição</a:t>
             </a:r>
             <a:r>
               <a:rPr lang="pt-BR" dirty="0"/>
-              <a:t> é o método de colisão mais fácil de implementar e o mais utilizado em jogos 2D</a:t>
-            </a:r>
-          </a:p>
-          <a:p>
-            <a:pPr lvl="1"/>
-            <a:endParaRPr lang="pt-BR" dirty="0"/>
-          </a:p>
-          <a:p>
-            <a:pPr lvl="1"/>
-            <a:r>
-              <a:rPr lang="pt-BR" dirty="0"/>
-              <a:t>Requer a implementação de </a:t>
+              <a:t> for utilizado</a:t>
             </a:r>
             <a:br>
               <a:rPr lang="pt-BR" dirty="0"/>
             </a:br>
             <a:r>
               <a:rPr lang="pt-BR" dirty="0"/>
-              <a:t>testes de sobreposição entre </a:t>
+              <a:t>é necessário </a:t>
+            </a:r>
+            <a:r>
+              <a:rPr lang="pt-BR" dirty="0">
+                <a:solidFill>
+                  <a:schemeClr val="accent1">
+                    <a:lumMod val="75000"/>
+                  </a:schemeClr>
+                </a:solidFill>
+              </a:rPr>
+              <a:t>reposicionar os objetos</a:t>
+            </a:r>
+          </a:p>
+          <a:p>
+            <a:pPr lvl="1"/>
+            <a:r>
+              <a:rPr lang="pt-BR" dirty="0"/>
+              <a:t>Os objetos podem entrar em um </a:t>
+            </a:r>
+            <a:r>
+              <a:rPr lang="pt-BR" dirty="0">
+                <a:solidFill>
+                  <a:schemeClr val="accent1">
+                    <a:lumMod val="75000"/>
+                  </a:schemeClr>
+                </a:solidFill>
+              </a:rPr>
+              <a:t>loop de colisão</a:t>
+            </a:r>
+            <a:r>
+              <a:rPr lang="pt-BR" dirty="0"/>
+              <a:t>, dependendo:</a:t>
+            </a:r>
+          </a:p>
+          <a:p>
+            <a:pPr lvl="2"/>
+            <a:r>
+              <a:rPr lang="pt-BR" dirty="0"/>
+              <a:t>Da frequência de atualização</a:t>
+            </a:r>
+          </a:p>
+          <a:p>
+            <a:pPr lvl="2"/>
+            <a:r>
+              <a:rPr lang="pt-BR" dirty="0"/>
+              <a:t>Velocidade dos objetos</a:t>
+            </a:r>
+          </a:p>
+          <a:p>
+            <a:pPr lvl="2"/>
+            <a:endParaRPr lang="pt-BR" dirty="0"/>
+          </a:p>
+        </p:txBody>
+      </p:sp>
+      <p:sp>
+        <p:nvSpPr>
+          <p:cNvPr id="3" name="Título 2"/>
+          <p:cNvSpPr>
+            <a:spLocks noGrp="1"/>
+          </p:cNvSpPr>
+          <p:nvPr>
+            <p:ph type="title"/>
+          </p:nvPr>
+        </p:nvSpPr>
+        <p:spPr/>
+        <p:txBody>
+          <a:bodyPr/>
+          <a:lstStyle/>
+          <a:p>
+            <a:r>
+              <a:rPr lang="pt-BR" dirty="0"/>
+              <a:t>Resolução da Colisão</a:t>
+            </a:r>
+          </a:p>
+        </p:txBody>
+      </p:sp>
+      <p:grpSp>
+        <p:nvGrpSpPr>
+          <p:cNvPr id="50" name="Agrupar 49">
+            <a:extLst>
+              <a:ext uri="{FF2B5EF4-FFF2-40B4-BE49-F238E27FC236}">
+                <a16:creationId xmlns:a16="http://schemas.microsoft.com/office/drawing/2014/main" id="{F5062BBA-4693-447E-96AC-B5D5AFD348D8}"/>
+              </a:ext>
+            </a:extLst>
+          </p:cNvPr>
+          <p:cNvGrpSpPr/>
+          <p:nvPr/>
+        </p:nvGrpSpPr>
+        <p:grpSpPr>
+          <a:xfrm>
+            <a:off x="1625921" y="3645024"/>
+            <a:ext cx="3575889" cy="1834474"/>
+            <a:chOff x="5616455" y="3307141"/>
+            <a:chExt cx="3575889" cy="1834474"/>
+          </a:xfrm>
+        </p:grpSpPr>
+        <p:sp>
+          <p:nvSpPr>
+            <p:cNvPr id="49" name="Retângulo 48">
+              <a:extLst>
+                <a:ext uri="{FF2B5EF4-FFF2-40B4-BE49-F238E27FC236}">
+                  <a16:creationId xmlns:a16="http://schemas.microsoft.com/office/drawing/2014/main" id="{D85421ED-A7C0-48E2-8E25-50FB7F8FEAFD}"/>
+                </a:ext>
+              </a:extLst>
+            </p:cNvPr>
+            <p:cNvSpPr/>
+            <p:nvPr/>
+          </p:nvSpPr>
+          <p:spPr>
+            <a:xfrm>
+              <a:off x="8400256" y="3864339"/>
+              <a:ext cx="288032" cy="288032"/>
+            </a:xfrm>
+            <a:prstGeom prst="rect">
+              <a:avLst/>
+            </a:prstGeom>
+            <a:solidFill>
+              <a:schemeClr val="accent1">
+                <a:lumMod val="50000"/>
+              </a:schemeClr>
+            </a:solidFill>
+            <a:ln>
+              <a:solidFill>
+                <a:schemeClr val="accent1"/>
+              </a:solidFill>
+            </a:ln>
+          </p:spPr>
+          <p:style>
+            <a:lnRef idx="1">
+              <a:schemeClr val="accent1"/>
+            </a:lnRef>
+            <a:fillRef idx="2">
+              <a:schemeClr val="accent1"/>
+            </a:fillRef>
+            <a:effectRef idx="1">
+              <a:schemeClr val="accent1"/>
+            </a:effectRef>
+            <a:fontRef idx="minor">
+              <a:schemeClr val="dk1"/>
+            </a:fontRef>
+          </p:style>
+          <p:txBody>
+            <a:bodyPr rtlCol="0" anchor="ctr"/>
+            <a:lstStyle/>
+            <a:p>
+              <a:pPr algn="ctr"/>
+              <a:endParaRPr lang="pt-BR"/>
+            </a:p>
+          </p:txBody>
+        </p:sp>
+        <p:sp>
+          <p:nvSpPr>
+            <p:cNvPr id="16" name="Retângulo 15">
+              <a:extLst>
+                <a:ext uri="{FF2B5EF4-FFF2-40B4-BE49-F238E27FC236}">
+                  <a16:creationId xmlns:a16="http://schemas.microsoft.com/office/drawing/2014/main" id="{BB0D1858-8187-48CE-9D0F-D31803568606}"/>
+                </a:ext>
+              </a:extLst>
+            </p:cNvPr>
+            <p:cNvSpPr/>
+            <p:nvPr/>
+          </p:nvSpPr>
+          <p:spPr>
+            <a:xfrm>
+              <a:off x="6096000" y="4565551"/>
+              <a:ext cx="2232248" cy="576064"/>
+            </a:xfrm>
+            <a:prstGeom prst="rect">
+              <a:avLst/>
+            </a:prstGeom>
+            <a:solidFill>
+              <a:schemeClr val="accent1">
+                <a:lumMod val="50000"/>
+              </a:schemeClr>
+            </a:solidFill>
+            <a:ln>
+              <a:solidFill>
+                <a:schemeClr val="accent1"/>
+              </a:solidFill>
+            </a:ln>
+          </p:spPr>
+          <p:style>
+            <a:lnRef idx="1">
+              <a:schemeClr val="accent1"/>
+            </a:lnRef>
+            <a:fillRef idx="2">
+              <a:schemeClr val="accent1"/>
+            </a:fillRef>
+            <a:effectRef idx="1">
+              <a:schemeClr val="accent1"/>
+            </a:effectRef>
+            <a:fontRef idx="minor">
+              <a:schemeClr val="dk1"/>
+            </a:fontRef>
+          </p:style>
+          <p:txBody>
+            <a:bodyPr rtlCol="0" anchor="ctr"/>
+            <a:lstStyle/>
+            <a:p>
+              <a:pPr algn="ctr"/>
+              <a:endParaRPr lang="pt-BR"/>
+            </a:p>
+          </p:txBody>
+        </p:sp>
+        <p:sp>
+          <p:nvSpPr>
+            <p:cNvPr id="26" name="Retângulo 25">
+              <a:extLst>
+                <a:ext uri="{FF2B5EF4-FFF2-40B4-BE49-F238E27FC236}">
+                  <a16:creationId xmlns:a16="http://schemas.microsoft.com/office/drawing/2014/main" id="{A6EE30B8-9392-4EDC-A6FD-66C7A0A67DEF}"/>
+                </a:ext>
+              </a:extLst>
+            </p:cNvPr>
+            <p:cNvSpPr/>
+            <p:nvPr/>
+          </p:nvSpPr>
+          <p:spPr>
+            <a:xfrm>
+              <a:off x="7896200" y="4421535"/>
+              <a:ext cx="288032" cy="288032"/>
+            </a:xfrm>
+            <a:prstGeom prst="rect">
+              <a:avLst/>
+            </a:prstGeom>
+            <a:solidFill>
+              <a:schemeClr val="accent1">
+                <a:lumMod val="50000"/>
+              </a:schemeClr>
+            </a:solidFill>
+            <a:ln>
+              <a:solidFill>
+                <a:schemeClr val="accent1"/>
+              </a:solidFill>
+            </a:ln>
+          </p:spPr>
+          <p:style>
+            <a:lnRef idx="1">
+              <a:schemeClr val="accent1"/>
+            </a:lnRef>
+            <a:fillRef idx="2">
+              <a:schemeClr val="accent1"/>
+            </a:fillRef>
+            <a:effectRef idx="1">
+              <a:schemeClr val="accent1"/>
+            </a:effectRef>
+            <a:fontRef idx="minor">
+              <a:schemeClr val="dk1"/>
+            </a:fontRef>
+          </p:style>
+          <p:txBody>
+            <a:bodyPr rtlCol="0" anchor="ctr"/>
+            <a:lstStyle/>
+            <a:p>
+              <a:pPr algn="ctr"/>
+              <a:endParaRPr lang="pt-BR"/>
+            </a:p>
+          </p:txBody>
+        </p:sp>
+        <p:sp>
+          <p:nvSpPr>
+            <p:cNvPr id="33" name="Retângulo 32">
+              <a:extLst>
+                <a:ext uri="{FF2B5EF4-FFF2-40B4-BE49-F238E27FC236}">
+                  <a16:creationId xmlns:a16="http://schemas.microsoft.com/office/drawing/2014/main" id="{CA952FBD-BD6D-4088-9C6F-2E90D29ABCA1}"/>
+                </a:ext>
+              </a:extLst>
+            </p:cNvPr>
+            <p:cNvSpPr/>
+            <p:nvPr/>
+          </p:nvSpPr>
+          <p:spPr>
+            <a:xfrm>
+              <a:off x="7440251" y="4301638"/>
+              <a:ext cx="288032" cy="288032"/>
+            </a:xfrm>
+            <a:prstGeom prst="rect">
+              <a:avLst/>
+            </a:prstGeom>
+            <a:solidFill>
+              <a:schemeClr val="accent1">
+                <a:lumMod val="50000"/>
+              </a:schemeClr>
+            </a:solidFill>
+            <a:ln>
+              <a:solidFill>
+                <a:schemeClr val="accent1"/>
+              </a:solidFill>
+            </a:ln>
+          </p:spPr>
+          <p:style>
+            <a:lnRef idx="1">
+              <a:schemeClr val="accent1"/>
+            </a:lnRef>
+            <a:fillRef idx="2">
+              <a:schemeClr val="accent1"/>
+            </a:fillRef>
+            <a:effectRef idx="1">
+              <a:schemeClr val="accent1"/>
+            </a:effectRef>
+            <a:fontRef idx="minor">
+              <a:schemeClr val="dk1"/>
+            </a:fontRef>
+          </p:style>
+          <p:txBody>
+            <a:bodyPr rtlCol="0" anchor="ctr"/>
+            <a:lstStyle/>
+            <a:p>
+              <a:pPr algn="ctr"/>
+              <a:endParaRPr lang="pt-BR"/>
+            </a:p>
+          </p:txBody>
+        </p:sp>
+        <p:cxnSp>
+          <p:nvCxnSpPr>
+            <p:cNvPr id="29" name="Conector de seta reta 23">
+              <a:extLst>
+                <a:ext uri="{FF2B5EF4-FFF2-40B4-BE49-F238E27FC236}">
+                  <a16:creationId xmlns:a16="http://schemas.microsoft.com/office/drawing/2014/main" id="{89924EC8-46AF-4A92-A467-20FC16678D21}"/>
+                </a:ext>
+              </a:extLst>
+            </p:cNvPr>
+            <p:cNvCxnSpPr>
+              <a:cxnSpLocks/>
+            </p:cNvCxnSpPr>
+            <p:nvPr/>
+          </p:nvCxnSpPr>
+          <p:spPr>
+            <a:xfrm flipH="1" flipV="1">
+              <a:off x="7072990" y="4237948"/>
+              <a:ext cx="967230" cy="327606"/>
+            </a:xfrm>
+            <a:prstGeom prst="straightConnector1">
+              <a:avLst/>
+            </a:prstGeom>
+            <a:ln w="19050">
+              <a:solidFill>
+                <a:schemeClr val="bg1">
+                  <a:lumMod val="75000"/>
+                </a:schemeClr>
+              </a:solidFill>
+              <a:prstDash val="solid"/>
+              <a:tailEnd type="arrow"/>
+            </a:ln>
+          </p:spPr>
+          <p:style>
+            <a:lnRef idx="1">
+              <a:schemeClr val="accent1"/>
+            </a:lnRef>
+            <a:fillRef idx="0">
+              <a:schemeClr val="accent1"/>
+            </a:fillRef>
+            <a:effectRef idx="0">
+              <a:schemeClr val="accent1"/>
+            </a:effectRef>
+            <a:fontRef idx="minor">
+              <a:schemeClr val="tx1"/>
+            </a:fontRef>
+          </p:style>
+        </p:cxnSp>
+        <p:sp>
+          <p:nvSpPr>
+            <p:cNvPr id="44" name="Retângulo 43">
+              <a:extLst>
+                <a:ext uri="{FF2B5EF4-FFF2-40B4-BE49-F238E27FC236}">
+                  <a16:creationId xmlns:a16="http://schemas.microsoft.com/office/drawing/2014/main" id="{C184097A-E469-448B-89D2-53FDEFEEF2DE}"/>
+                </a:ext>
+              </a:extLst>
+            </p:cNvPr>
+            <p:cNvSpPr/>
+            <p:nvPr/>
+          </p:nvSpPr>
+          <p:spPr>
+            <a:xfrm>
+              <a:off x="6984302" y="4413314"/>
+              <a:ext cx="288032" cy="288032"/>
+            </a:xfrm>
+            <a:prstGeom prst="rect">
+              <a:avLst/>
+            </a:prstGeom>
+            <a:solidFill>
+              <a:schemeClr val="accent1">
+                <a:lumMod val="50000"/>
+              </a:schemeClr>
+            </a:solidFill>
+            <a:ln>
+              <a:solidFill>
+                <a:schemeClr val="accent1"/>
+              </a:solidFill>
+            </a:ln>
+          </p:spPr>
+          <p:style>
+            <a:lnRef idx="1">
+              <a:schemeClr val="accent1"/>
+            </a:lnRef>
+            <a:fillRef idx="2">
+              <a:schemeClr val="accent1"/>
+            </a:fillRef>
+            <a:effectRef idx="1">
+              <a:schemeClr val="accent1"/>
+            </a:effectRef>
+            <a:fontRef idx="minor">
+              <a:schemeClr val="dk1"/>
+            </a:fontRef>
+          </p:style>
+          <p:txBody>
+            <a:bodyPr rtlCol="0" anchor="ctr"/>
+            <a:lstStyle/>
+            <a:p>
+              <a:pPr algn="ctr"/>
+              <a:endParaRPr lang="pt-BR"/>
+            </a:p>
+          </p:txBody>
+        </p:sp>
+        <p:sp>
+          <p:nvSpPr>
+            <p:cNvPr id="45" name="Retângulo 44">
+              <a:extLst>
+                <a:ext uri="{FF2B5EF4-FFF2-40B4-BE49-F238E27FC236}">
+                  <a16:creationId xmlns:a16="http://schemas.microsoft.com/office/drawing/2014/main" id="{1585C929-DB8A-479F-B58C-680C11B06C42}"/>
+                </a:ext>
+              </a:extLst>
+            </p:cNvPr>
+            <p:cNvSpPr/>
+            <p:nvPr/>
+          </p:nvSpPr>
+          <p:spPr>
+            <a:xfrm>
+              <a:off x="6528353" y="4305581"/>
+              <a:ext cx="288032" cy="288032"/>
+            </a:xfrm>
+            <a:prstGeom prst="rect">
+              <a:avLst/>
+            </a:prstGeom>
+            <a:solidFill>
+              <a:schemeClr val="accent1">
+                <a:lumMod val="50000"/>
+              </a:schemeClr>
+            </a:solidFill>
+            <a:ln>
+              <a:solidFill>
+                <a:schemeClr val="accent1"/>
+              </a:solidFill>
+            </a:ln>
+          </p:spPr>
+          <p:style>
+            <a:lnRef idx="1">
+              <a:schemeClr val="accent1"/>
+            </a:lnRef>
+            <a:fillRef idx="2">
+              <a:schemeClr val="accent1"/>
+            </a:fillRef>
+            <a:effectRef idx="1">
+              <a:schemeClr val="accent1"/>
+            </a:effectRef>
+            <a:fontRef idx="minor">
+              <a:schemeClr val="dk1"/>
+            </a:fontRef>
+          </p:style>
+          <p:txBody>
+            <a:bodyPr rtlCol="0" anchor="ctr"/>
+            <a:lstStyle/>
+            <a:p>
+              <a:pPr algn="ctr"/>
+              <a:endParaRPr lang="pt-BR"/>
+            </a:p>
+          </p:txBody>
+        </p:sp>
+        <p:sp>
+          <p:nvSpPr>
+            <p:cNvPr id="46" name="Retângulo 45">
+              <a:extLst>
+                <a:ext uri="{FF2B5EF4-FFF2-40B4-BE49-F238E27FC236}">
+                  <a16:creationId xmlns:a16="http://schemas.microsoft.com/office/drawing/2014/main" id="{147BE0FA-73EA-4E26-827E-577B2E658A11}"/>
+                </a:ext>
+              </a:extLst>
+            </p:cNvPr>
+            <p:cNvSpPr/>
+            <p:nvPr/>
+          </p:nvSpPr>
+          <p:spPr>
+            <a:xfrm>
+              <a:off x="6072404" y="4501861"/>
+              <a:ext cx="288032" cy="288032"/>
+            </a:xfrm>
+            <a:prstGeom prst="rect">
+              <a:avLst/>
+            </a:prstGeom>
+            <a:solidFill>
+              <a:schemeClr val="accent1">
+                <a:lumMod val="50000"/>
+              </a:schemeClr>
+            </a:solidFill>
+            <a:ln>
+              <a:solidFill>
+                <a:schemeClr val="accent1"/>
+              </a:solidFill>
+            </a:ln>
+          </p:spPr>
+          <p:style>
+            <a:lnRef idx="1">
+              <a:schemeClr val="accent1"/>
+            </a:lnRef>
+            <a:fillRef idx="2">
+              <a:schemeClr val="accent1"/>
+            </a:fillRef>
+            <a:effectRef idx="1">
+              <a:schemeClr val="accent1"/>
+            </a:effectRef>
+            <a:fontRef idx="minor">
+              <a:schemeClr val="dk1"/>
+            </a:fontRef>
+          </p:style>
+          <p:txBody>
+            <a:bodyPr rtlCol="0" anchor="ctr"/>
+            <a:lstStyle/>
+            <a:p>
+              <a:pPr algn="ctr"/>
+              <a:endParaRPr lang="pt-BR"/>
+            </a:p>
+          </p:txBody>
+        </p:sp>
+        <p:sp>
+          <p:nvSpPr>
+            <p:cNvPr id="47" name="Retângulo 46">
+              <a:extLst>
+                <a:ext uri="{FF2B5EF4-FFF2-40B4-BE49-F238E27FC236}">
+                  <a16:creationId xmlns:a16="http://schemas.microsoft.com/office/drawing/2014/main" id="{92E6956C-A167-433D-BE63-3BE1FDF2E915}"/>
+                </a:ext>
+              </a:extLst>
+            </p:cNvPr>
+            <p:cNvSpPr/>
+            <p:nvPr/>
+          </p:nvSpPr>
+          <p:spPr>
+            <a:xfrm>
+              <a:off x="5616455" y="4285309"/>
+              <a:ext cx="288032" cy="288032"/>
+            </a:xfrm>
+            <a:prstGeom prst="rect">
+              <a:avLst/>
+            </a:prstGeom>
+            <a:solidFill>
+              <a:schemeClr val="accent1">
+                <a:lumMod val="50000"/>
+              </a:schemeClr>
+            </a:solidFill>
+            <a:ln>
+              <a:solidFill>
+                <a:schemeClr val="accent1"/>
+              </a:solidFill>
+            </a:ln>
+          </p:spPr>
+          <p:style>
+            <a:lnRef idx="1">
+              <a:schemeClr val="accent1"/>
+            </a:lnRef>
+            <a:fillRef idx="2">
+              <a:schemeClr val="accent1"/>
+            </a:fillRef>
+            <a:effectRef idx="1">
+              <a:schemeClr val="accent1"/>
+            </a:effectRef>
+            <a:fontRef idx="minor">
+              <a:schemeClr val="dk1"/>
+            </a:fontRef>
+          </p:style>
+          <p:txBody>
+            <a:bodyPr rtlCol="0" anchor="ctr"/>
+            <a:lstStyle/>
+            <a:p>
+              <a:pPr algn="ctr"/>
+              <a:endParaRPr lang="pt-BR"/>
+            </a:p>
+          </p:txBody>
+        </p:sp>
+        <p:sp>
+          <p:nvSpPr>
+            <p:cNvPr id="48" name="Retângulo 47">
+              <a:extLst>
+                <a:ext uri="{FF2B5EF4-FFF2-40B4-BE49-F238E27FC236}">
+                  <a16:creationId xmlns:a16="http://schemas.microsoft.com/office/drawing/2014/main" id="{37274D4B-6A56-49BE-AA18-EBD5DE89C25D}"/>
+                </a:ext>
+              </a:extLst>
+            </p:cNvPr>
+            <p:cNvSpPr/>
+            <p:nvPr/>
+          </p:nvSpPr>
+          <p:spPr>
+            <a:xfrm>
+              <a:off x="8904312" y="3307141"/>
+              <a:ext cx="288032" cy="288032"/>
+            </a:xfrm>
+            <a:prstGeom prst="rect">
+              <a:avLst/>
+            </a:prstGeom>
+            <a:solidFill>
+              <a:schemeClr val="accent1">
+                <a:lumMod val="50000"/>
+              </a:schemeClr>
+            </a:solidFill>
+            <a:ln>
+              <a:solidFill>
+                <a:schemeClr val="accent1"/>
+              </a:solidFill>
+            </a:ln>
+          </p:spPr>
+          <p:style>
+            <a:lnRef idx="1">
+              <a:schemeClr val="accent1"/>
+            </a:lnRef>
+            <a:fillRef idx="2">
+              <a:schemeClr val="accent1"/>
+            </a:fillRef>
+            <a:effectRef idx="1">
+              <a:schemeClr val="accent1"/>
+            </a:effectRef>
+            <a:fontRef idx="minor">
+              <a:schemeClr val="dk1"/>
+            </a:fontRef>
+          </p:style>
+          <p:txBody>
+            <a:bodyPr rtlCol="0" anchor="ctr"/>
+            <a:lstStyle/>
+            <a:p>
+              <a:pPr algn="ctr"/>
+              <a:endParaRPr lang="pt-BR"/>
+            </a:p>
+          </p:txBody>
+        </p:sp>
+        <p:cxnSp>
+          <p:nvCxnSpPr>
+            <p:cNvPr id="27" name="Conector de seta reta 8">
+              <a:extLst>
+                <a:ext uri="{FF2B5EF4-FFF2-40B4-BE49-F238E27FC236}">
+                  <a16:creationId xmlns:a16="http://schemas.microsoft.com/office/drawing/2014/main" id="{0E87733C-E670-4F90-9BCE-BDD61D27814C}"/>
+                </a:ext>
+              </a:extLst>
+            </p:cNvPr>
+            <p:cNvCxnSpPr>
+              <a:cxnSpLocks/>
+            </p:cNvCxnSpPr>
+            <p:nvPr/>
+          </p:nvCxnSpPr>
+          <p:spPr>
+            <a:xfrm flipH="1">
+              <a:off x="8040216" y="3451159"/>
+              <a:ext cx="1008112" cy="1114392"/>
+            </a:xfrm>
+            <a:prstGeom prst="straightConnector1">
+              <a:avLst/>
+            </a:prstGeom>
+            <a:ln w="19050">
+              <a:solidFill>
+                <a:schemeClr val="bg1">
+                  <a:lumMod val="75000"/>
+                </a:schemeClr>
+              </a:solidFill>
+              <a:tailEnd type="arrow"/>
+            </a:ln>
+          </p:spPr>
+          <p:style>
+            <a:lnRef idx="1">
+              <a:schemeClr val="accent1"/>
+            </a:lnRef>
+            <a:fillRef idx="0">
+              <a:schemeClr val="accent1"/>
+            </a:fillRef>
+            <a:effectRef idx="0">
+              <a:schemeClr val="accent1"/>
+            </a:effectRef>
+            <a:fontRef idx="minor">
+              <a:schemeClr val="tx1"/>
+            </a:fontRef>
+          </p:style>
+        </p:cxnSp>
+      </p:grpSp>
+      <p:sp>
+        <p:nvSpPr>
+          <p:cNvPr id="51" name="CaixaDeTexto 50">
+            <a:extLst>
+              <a:ext uri="{FF2B5EF4-FFF2-40B4-BE49-F238E27FC236}">
+                <a16:creationId xmlns:a16="http://schemas.microsoft.com/office/drawing/2014/main" id="{ABA3518B-062B-427F-8742-460033AC27BA}"/>
+              </a:ext>
+            </a:extLst>
+          </p:cNvPr>
+          <p:cNvSpPr txBox="1"/>
+          <p:nvPr/>
+        </p:nvSpPr>
+        <p:spPr>
+          <a:xfrm>
+            <a:off x="2377255" y="5631215"/>
+            <a:ext cx="1938351" cy="369332"/>
+          </a:xfrm>
+          <a:prstGeom prst="rect">
+            <a:avLst/>
+          </a:prstGeom>
+          <a:noFill/>
+        </p:spPr>
+        <p:txBody>
+          <a:bodyPr wrap="none" rtlCol="0">
+            <a:spAutoFit/>
+          </a:bodyPr>
+          <a:lstStyle/>
+          <a:p>
+            <a:r>
+              <a:rPr lang="pt-BR" dirty="0">
+                <a:solidFill>
+                  <a:schemeClr val="bg1">
+                    <a:lumMod val="85000"/>
+                  </a:schemeClr>
+                </a:solidFill>
+              </a:rPr>
+              <a:t>Loop de colisão</a:t>
+            </a:r>
+          </a:p>
+        </p:txBody>
+      </p:sp>
+      <p:grpSp>
+        <p:nvGrpSpPr>
+          <p:cNvPr id="79" name="Agrupar 78">
+            <a:extLst>
+              <a:ext uri="{FF2B5EF4-FFF2-40B4-BE49-F238E27FC236}">
+                <a16:creationId xmlns:a16="http://schemas.microsoft.com/office/drawing/2014/main" id="{51326258-2493-4FFD-8F37-C2AC5F0F8333}"/>
+              </a:ext>
+            </a:extLst>
+          </p:cNvPr>
+          <p:cNvGrpSpPr/>
+          <p:nvPr/>
+        </p:nvGrpSpPr>
+        <p:grpSpPr>
+          <a:xfrm>
+            <a:off x="7670981" y="3921978"/>
+            <a:ext cx="3096344" cy="2332294"/>
+            <a:chOff x="5546886" y="3961095"/>
+            <a:chExt cx="3096344" cy="2332294"/>
+          </a:xfrm>
+        </p:grpSpPr>
+        <p:sp>
+          <p:nvSpPr>
+            <p:cNvPr id="53" name="Retângulo 52">
+              <a:extLst>
+                <a:ext uri="{FF2B5EF4-FFF2-40B4-BE49-F238E27FC236}">
+                  <a16:creationId xmlns:a16="http://schemas.microsoft.com/office/drawing/2014/main" id="{F56F668A-4E94-4532-8824-5860E2595513}"/>
+                </a:ext>
+              </a:extLst>
+            </p:cNvPr>
+            <p:cNvSpPr/>
+            <p:nvPr/>
+          </p:nvSpPr>
+          <p:spPr>
+            <a:xfrm>
+              <a:off x="7851142" y="4518293"/>
+              <a:ext cx="288032" cy="288032"/>
+            </a:xfrm>
+            <a:prstGeom prst="rect">
+              <a:avLst/>
+            </a:prstGeom>
+            <a:solidFill>
+              <a:schemeClr val="accent1">
+                <a:lumMod val="50000"/>
+              </a:schemeClr>
+            </a:solidFill>
+            <a:ln>
+              <a:solidFill>
+                <a:schemeClr val="accent1"/>
+              </a:solidFill>
+            </a:ln>
+          </p:spPr>
+          <p:style>
+            <a:lnRef idx="1">
+              <a:schemeClr val="accent1"/>
+            </a:lnRef>
+            <a:fillRef idx="2">
+              <a:schemeClr val="accent1"/>
+            </a:fillRef>
+            <a:effectRef idx="1">
+              <a:schemeClr val="accent1"/>
+            </a:effectRef>
+            <a:fontRef idx="minor">
+              <a:schemeClr val="dk1"/>
+            </a:fontRef>
+          </p:style>
+          <p:txBody>
+            <a:bodyPr rtlCol="0" anchor="ctr"/>
+            <a:lstStyle/>
+            <a:p>
+              <a:pPr algn="ctr"/>
+              <a:endParaRPr lang="pt-BR"/>
+            </a:p>
+          </p:txBody>
+        </p:sp>
+        <p:sp>
+          <p:nvSpPr>
+            <p:cNvPr id="54" name="Retângulo 53">
+              <a:extLst>
+                <a:ext uri="{FF2B5EF4-FFF2-40B4-BE49-F238E27FC236}">
+                  <a16:creationId xmlns:a16="http://schemas.microsoft.com/office/drawing/2014/main" id="{6C308FAE-EBE8-4E7F-A733-6AFFB9271062}"/>
+                </a:ext>
+              </a:extLst>
+            </p:cNvPr>
+            <p:cNvSpPr/>
+            <p:nvPr/>
+          </p:nvSpPr>
+          <p:spPr>
+            <a:xfrm>
+              <a:off x="5546886" y="5219505"/>
+              <a:ext cx="2232248" cy="576064"/>
+            </a:xfrm>
+            <a:prstGeom prst="rect">
+              <a:avLst/>
+            </a:prstGeom>
+            <a:solidFill>
+              <a:schemeClr val="accent1">
+                <a:lumMod val="50000"/>
+              </a:schemeClr>
+            </a:solidFill>
+            <a:ln>
+              <a:solidFill>
+                <a:schemeClr val="accent1"/>
+              </a:solidFill>
+            </a:ln>
+          </p:spPr>
+          <p:style>
+            <a:lnRef idx="1">
+              <a:schemeClr val="accent1"/>
+            </a:lnRef>
+            <a:fillRef idx="2">
+              <a:schemeClr val="accent1"/>
+            </a:fillRef>
+            <a:effectRef idx="1">
+              <a:schemeClr val="accent1"/>
+            </a:effectRef>
+            <a:fontRef idx="minor">
+              <a:schemeClr val="dk1"/>
+            </a:fontRef>
+          </p:style>
+          <p:txBody>
+            <a:bodyPr rtlCol="0" anchor="ctr"/>
+            <a:lstStyle/>
+            <a:p>
+              <a:pPr algn="ctr"/>
+              <a:endParaRPr lang="pt-BR"/>
+            </a:p>
+          </p:txBody>
+        </p:sp>
+        <p:sp>
+          <p:nvSpPr>
+            <p:cNvPr id="55" name="Retângulo 54">
+              <a:extLst>
+                <a:ext uri="{FF2B5EF4-FFF2-40B4-BE49-F238E27FC236}">
+                  <a16:creationId xmlns:a16="http://schemas.microsoft.com/office/drawing/2014/main" id="{854CAD74-9312-4BAF-8760-A478619158C7}"/>
+                </a:ext>
+              </a:extLst>
+            </p:cNvPr>
+            <p:cNvSpPr/>
+            <p:nvPr/>
+          </p:nvSpPr>
+          <p:spPr>
+            <a:xfrm>
+              <a:off x="7347086" y="5075489"/>
+              <a:ext cx="288032" cy="288032"/>
+            </a:xfrm>
+            <a:prstGeom prst="rect">
+              <a:avLst/>
+            </a:prstGeom>
+            <a:solidFill>
+              <a:schemeClr val="accent1">
+                <a:lumMod val="50000"/>
+              </a:schemeClr>
+            </a:solidFill>
+            <a:ln>
+              <a:solidFill>
+                <a:schemeClr val="accent1"/>
+              </a:solidFill>
+            </a:ln>
+          </p:spPr>
+          <p:style>
+            <a:lnRef idx="1">
+              <a:schemeClr val="accent1"/>
+            </a:lnRef>
+            <a:fillRef idx="2">
+              <a:schemeClr val="accent1"/>
+            </a:fillRef>
+            <a:effectRef idx="1">
+              <a:schemeClr val="accent1"/>
+            </a:effectRef>
+            <a:fontRef idx="minor">
+              <a:schemeClr val="dk1"/>
+            </a:fontRef>
+          </p:style>
+          <p:txBody>
+            <a:bodyPr rtlCol="0" anchor="ctr"/>
+            <a:lstStyle/>
+            <a:p>
+              <a:pPr algn="ctr"/>
+              <a:endParaRPr lang="pt-BR"/>
+            </a:p>
+          </p:txBody>
+        </p:sp>
+        <p:sp>
+          <p:nvSpPr>
+            <p:cNvPr id="63" name="Retângulo 62">
+              <a:extLst>
+                <a:ext uri="{FF2B5EF4-FFF2-40B4-BE49-F238E27FC236}">
+                  <a16:creationId xmlns:a16="http://schemas.microsoft.com/office/drawing/2014/main" id="{B4E4E960-F5D8-4E09-B1CE-4C01C90303D3}"/>
+                </a:ext>
+              </a:extLst>
+            </p:cNvPr>
+            <p:cNvSpPr/>
+            <p:nvPr/>
+          </p:nvSpPr>
+          <p:spPr>
+            <a:xfrm>
+              <a:off x="8355198" y="3961095"/>
+              <a:ext cx="288032" cy="288032"/>
+            </a:xfrm>
+            <a:prstGeom prst="rect">
+              <a:avLst/>
+            </a:prstGeom>
+            <a:solidFill>
+              <a:schemeClr val="accent1">
+                <a:lumMod val="50000"/>
+              </a:schemeClr>
+            </a:solidFill>
+            <a:ln>
+              <a:solidFill>
+                <a:schemeClr val="accent1"/>
+              </a:solidFill>
+            </a:ln>
+          </p:spPr>
+          <p:style>
+            <a:lnRef idx="1">
+              <a:schemeClr val="accent1"/>
+            </a:lnRef>
+            <a:fillRef idx="2">
+              <a:schemeClr val="accent1"/>
+            </a:fillRef>
+            <a:effectRef idx="1">
+              <a:schemeClr val="accent1"/>
+            </a:effectRef>
+            <a:fontRef idx="minor">
+              <a:schemeClr val="dk1"/>
+            </a:fontRef>
+          </p:style>
+          <p:txBody>
+            <a:bodyPr rtlCol="0" anchor="ctr"/>
+            <a:lstStyle/>
+            <a:p>
+              <a:pPr algn="ctr"/>
+              <a:endParaRPr lang="pt-BR"/>
+            </a:p>
+          </p:txBody>
+        </p:sp>
+        <p:cxnSp>
+          <p:nvCxnSpPr>
+            <p:cNvPr id="64" name="Conector de seta reta 8">
+              <a:extLst>
+                <a:ext uri="{FF2B5EF4-FFF2-40B4-BE49-F238E27FC236}">
+                  <a16:creationId xmlns:a16="http://schemas.microsoft.com/office/drawing/2014/main" id="{333A7620-F150-42E6-BCBE-10C56B742914}"/>
+                </a:ext>
+              </a:extLst>
+            </p:cNvPr>
+            <p:cNvCxnSpPr>
+              <a:cxnSpLocks/>
+            </p:cNvCxnSpPr>
+            <p:nvPr/>
+          </p:nvCxnSpPr>
+          <p:spPr>
+            <a:xfrm flipH="1">
+              <a:off x="7491102" y="4105113"/>
+              <a:ext cx="1008112" cy="1114392"/>
+            </a:xfrm>
+            <a:prstGeom prst="straightConnector1">
+              <a:avLst/>
+            </a:prstGeom>
+            <a:ln w="19050">
+              <a:solidFill>
+                <a:schemeClr val="bg1">
+                  <a:lumMod val="75000"/>
+                </a:schemeClr>
+              </a:solidFill>
+              <a:tailEnd type="arrow"/>
+            </a:ln>
+          </p:spPr>
+          <p:style>
+            <a:lnRef idx="1">
+              <a:schemeClr val="accent1"/>
+            </a:lnRef>
+            <a:fillRef idx="0">
+              <a:schemeClr val="accent1"/>
+            </a:fillRef>
+            <a:effectRef idx="0">
+              <a:schemeClr val="accent1"/>
+            </a:effectRef>
+            <a:fontRef idx="minor">
+              <a:schemeClr val="tx1"/>
+            </a:fontRef>
+          </p:style>
+        </p:cxnSp>
+        <p:sp>
+          <p:nvSpPr>
+            <p:cNvPr id="73" name="CaixaDeTexto 72">
+              <a:extLst>
+                <a:ext uri="{FF2B5EF4-FFF2-40B4-BE49-F238E27FC236}">
+                  <a16:creationId xmlns:a16="http://schemas.microsoft.com/office/drawing/2014/main" id="{2CEC0219-7786-4A54-9E81-40977D92C6E1}"/>
+                </a:ext>
+              </a:extLst>
+            </p:cNvPr>
+            <p:cNvSpPr txBox="1"/>
+            <p:nvPr/>
+          </p:nvSpPr>
+          <p:spPr>
+            <a:xfrm>
+              <a:off x="6059319" y="5924057"/>
+              <a:ext cx="1207382" cy="369332"/>
+            </a:xfrm>
+            <a:prstGeom prst="rect">
+              <a:avLst/>
+            </a:prstGeom>
+            <a:noFill/>
+          </p:spPr>
+          <p:txBody>
+            <a:bodyPr wrap="none" rtlCol="0">
+              <a:spAutoFit/>
+            </a:bodyPr>
+            <a:lstStyle/>
+            <a:p>
+              <a:r>
+                <a:rPr lang="pt-BR" dirty="0">
+                  <a:solidFill>
+                    <a:schemeClr val="bg1">
+                      <a:lumMod val="85000"/>
+                    </a:schemeClr>
+                  </a:solidFill>
+                </a:rPr>
+                <a:t>Detecção</a:t>
+              </a:r>
+            </a:p>
+          </p:txBody>
+        </p:sp>
+      </p:grpSp>
+      <p:grpSp>
+        <p:nvGrpSpPr>
+          <p:cNvPr id="78" name="Agrupar 77">
+            <a:extLst>
+              <a:ext uri="{FF2B5EF4-FFF2-40B4-BE49-F238E27FC236}">
+                <a16:creationId xmlns:a16="http://schemas.microsoft.com/office/drawing/2014/main" id="{4DEA9BA5-9986-4F46-8B64-831EE6FC0A85}"/>
+              </a:ext>
+            </a:extLst>
+          </p:cNvPr>
+          <p:cNvGrpSpPr/>
+          <p:nvPr/>
+        </p:nvGrpSpPr>
+        <p:grpSpPr>
+          <a:xfrm>
+            <a:off x="6189163" y="3175608"/>
+            <a:ext cx="2232248" cy="1695981"/>
+            <a:chOff x="8270032" y="4597408"/>
+            <a:chExt cx="2232248" cy="1695981"/>
+          </a:xfrm>
+        </p:grpSpPr>
+        <p:sp>
+          <p:nvSpPr>
+            <p:cNvPr id="76" name="Retângulo 75">
+              <a:extLst>
+                <a:ext uri="{FF2B5EF4-FFF2-40B4-BE49-F238E27FC236}">
+                  <a16:creationId xmlns:a16="http://schemas.microsoft.com/office/drawing/2014/main" id="{E396B47F-C033-4224-8BFE-A847BA62AABB}"/>
+                </a:ext>
+              </a:extLst>
+            </p:cNvPr>
+            <p:cNvSpPr/>
+            <p:nvPr/>
+          </p:nvSpPr>
+          <p:spPr>
+            <a:xfrm>
+              <a:off x="9127365" y="4597408"/>
+              <a:ext cx="288032" cy="288032"/>
+            </a:xfrm>
+            <a:prstGeom prst="rect">
+              <a:avLst/>
+            </a:prstGeom>
+            <a:solidFill>
+              <a:schemeClr val="accent1">
+                <a:lumMod val="50000"/>
+              </a:schemeClr>
+            </a:solidFill>
+            <a:ln>
+              <a:solidFill>
+                <a:schemeClr val="accent1"/>
+              </a:solidFill>
+            </a:ln>
+          </p:spPr>
+          <p:style>
+            <a:lnRef idx="1">
+              <a:schemeClr val="accent1"/>
+            </a:lnRef>
+            <a:fillRef idx="2">
+              <a:schemeClr val="accent1"/>
+            </a:fillRef>
+            <a:effectRef idx="1">
+              <a:schemeClr val="accent1"/>
+            </a:effectRef>
+            <a:fontRef idx="minor">
+              <a:schemeClr val="dk1"/>
+            </a:fontRef>
+          </p:style>
+          <p:txBody>
+            <a:bodyPr rtlCol="0" anchor="ctr"/>
+            <a:lstStyle/>
+            <a:p>
+              <a:pPr algn="ctr"/>
+              <a:endParaRPr lang="pt-BR" dirty="0"/>
+            </a:p>
+          </p:txBody>
+        </p:sp>
+        <p:sp>
+          <p:nvSpPr>
+            <p:cNvPr id="68" name="Retângulo 67">
+              <a:extLst>
+                <a:ext uri="{FF2B5EF4-FFF2-40B4-BE49-F238E27FC236}">
+                  <a16:creationId xmlns:a16="http://schemas.microsoft.com/office/drawing/2014/main" id="{3AE4722C-262C-4ED3-866E-935BB95AF758}"/>
+                </a:ext>
+              </a:extLst>
+            </p:cNvPr>
+            <p:cNvSpPr/>
+            <p:nvPr/>
+          </p:nvSpPr>
+          <p:spPr>
+            <a:xfrm>
+              <a:off x="10043548" y="4924599"/>
+              <a:ext cx="288032" cy="288032"/>
+            </a:xfrm>
+            <a:prstGeom prst="rect">
+              <a:avLst/>
+            </a:prstGeom>
+            <a:solidFill>
+              <a:schemeClr val="accent1">
+                <a:lumMod val="50000"/>
+              </a:schemeClr>
+            </a:solidFill>
+            <a:ln>
+              <a:solidFill>
+                <a:schemeClr val="accent1"/>
+              </a:solidFill>
+            </a:ln>
+          </p:spPr>
+          <p:style>
+            <a:lnRef idx="1">
+              <a:schemeClr val="accent1"/>
+            </a:lnRef>
+            <a:fillRef idx="2">
+              <a:schemeClr val="accent1"/>
+            </a:fillRef>
+            <a:effectRef idx="1">
+              <a:schemeClr val="accent1"/>
+            </a:effectRef>
+            <a:fontRef idx="minor">
+              <a:schemeClr val="dk1"/>
+            </a:fontRef>
+          </p:style>
+          <p:txBody>
+            <a:bodyPr rtlCol="0" anchor="ctr"/>
+            <a:lstStyle/>
+            <a:p>
+              <a:pPr algn="ctr"/>
+              <a:endParaRPr lang="pt-BR"/>
+            </a:p>
+          </p:txBody>
+        </p:sp>
+        <p:sp>
+          <p:nvSpPr>
+            <p:cNvPr id="69" name="Retângulo 68">
+              <a:extLst>
+                <a:ext uri="{FF2B5EF4-FFF2-40B4-BE49-F238E27FC236}">
+                  <a16:creationId xmlns:a16="http://schemas.microsoft.com/office/drawing/2014/main" id="{B5481D30-C302-4D9C-BC7C-A701CC4914C5}"/>
+                </a:ext>
+              </a:extLst>
+            </p:cNvPr>
+            <p:cNvSpPr/>
+            <p:nvPr/>
+          </p:nvSpPr>
+          <p:spPr>
+            <a:xfrm>
+              <a:off x="9585456" y="4751197"/>
+              <a:ext cx="288032" cy="288032"/>
+            </a:xfrm>
+            <a:prstGeom prst="rect">
+              <a:avLst/>
+            </a:prstGeom>
+            <a:solidFill>
+              <a:schemeClr val="accent1">
+                <a:lumMod val="50000"/>
+              </a:schemeClr>
+            </a:solidFill>
+            <a:ln>
+              <a:solidFill>
+                <a:schemeClr val="accent1"/>
+              </a:solidFill>
+            </a:ln>
+          </p:spPr>
+          <p:style>
+            <a:lnRef idx="1">
+              <a:schemeClr val="accent1"/>
+            </a:lnRef>
+            <a:fillRef idx="2">
+              <a:schemeClr val="accent1"/>
+            </a:fillRef>
+            <a:effectRef idx="1">
+              <a:schemeClr val="accent1"/>
+            </a:effectRef>
+            <a:fontRef idx="minor">
+              <a:schemeClr val="dk1"/>
+            </a:fontRef>
+          </p:style>
+          <p:txBody>
+            <a:bodyPr rtlCol="0" anchor="ctr"/>
+            <a:lstStyle/>
+            <a:p>
+              <a:pPr algn="ctr"/>
+              <a:endParaRPr lang="pt-BR" dirty="0"/>
+            </a:p>
+          </p:txBody>
+        </p:sp>
+        <p:cxnSp>
+          <p:nvCxnSpPr>
+            <p:cNvPr id="70" name="Conector de seta reta 23">
+              <a:extLst>
+                <a:ext uri="{FF2B5EF4-FFF2-40B4-BE49-F238E27FC236}">
+                  <a16:creationId xmlns:a16="http://schemas.microsoft.com/office/drawing/2014/main" id="{8789574A-8628-4596-B05A-2490B6156056}"/>
+                </a:ext>
+              </a:extLst>
+            </p:cNvPr>
+            <p:cNvCxnSpPr>
+              <a:cxnSpLocks/>
+            </p:cNvCxnSpPr>
+            <p:nvPr/>
+          </p:nvCxnSpPr>
+          <p:spPr>
+            <a:xfrm flipH="1" flipV="1">
+              <a:off x="9244256" y="4741424"/>
+              <a:ext cx="916187" cy="344221"/>
+            </a:xfrm>
+            <a:prstGeom prst="straightConnector1">
+              <a:avLst/>
+            </a:prstGeom>
+            <a:ln w="19050">
+              <a:solidFill>
+                <a:schemeClr val="bg1">
+                  <a:lumMod val="75000"/>
+                </a:schemeClr>
+              </a:solidFill>
+              <a:prstDash val="solid"/>
+              <a:tailEnd type="arrow"/>
+            </a:ln>
+          </p:spPr>
+          <p:style>
+            <a:lnRef idx="1">
+              <a:schemeClr val="accent1"/>
+            </a:lnRef>
+            <a:fillRef idx="0">
+              <a:schemeClr val="accent1"/>
+            </a:fillRef>
+            <a:effectRef idx="0">
+              <a:schemeClr val="accent1"/>
+            </a:effectRef>
+            <a:fontRef idx="minor">
+              <a:schemeClr val="tx1"/>
+            </a:fontRef>
+          </p:style>
+        </p:cxnSp>
+        <p:sp>
+          <p:nvSpPr>
+            <p:cNvPr id="67" name="Retângulo 66">
+              <a:extLst>
+                <a:ext uri="{FF2B5EF4-FFF2-40B4-BE49-F238E27FC236}">
+                  <a16:creationId xmlns:a16="http://schemas.microsoft.com/office/drawing/2014/main" id="{B9685F08-5EC9-4E17-AC92-900B75E395BE}"/>
+                </a:ext>
+              </a:extLst>
+            </p:cNvPr>
+            <p:cNvSpPr/>
+            <p:nvPr/>
+          </p:nvSpPr>
+          <p:spPr>
+            <a:xfrm>
+              <a:off x="8270032" y="5219505"/>
+              <a:ext cx="2232248" cy="576064"/>
+            </a:xfrm>
+            <a:prstGeom prst="rect">
+              <a:avLst/>
+            </a:prstGeom>
+            <a:solidFill>
+              <a:schemeClr val="accent1">
+                <a:lumMod val="50000"/>
+              </a:schemeClr>
+            </a:solidFill>
+            <a:ln>
+              <a:solidFill>
+                <a:schemeClr val="accent1"/>
+              </a:solidFill>
+            </a:ln>
+          </p:spPr>
+          <p:style>
+            <a:lnRef idx="1">
+              <a:schemeClr val="accent1"/>
+            </a:lnRef>
+            <a:fillRef idx="2">
+              <a:schemeClr val="accent1"/>
+            </a:fillRef>
+            <a:effectRef idx="1">
+              <a:schemeClr val="accent1"/>
+            </a:effectRef>
+            <a:fontRef idx="minor">
+              <a:schemeClr val="dk1"/>
+            </a:fontRef>
+          </p:style>
+          <p:txBody>
+            <a:bodyPr rtlCol="0" anchor="ctr"/>
+            <a:lstStyle/>
+            <a:p>
+              <a:pPr algn="ctr"/>
+              <a:endParaRPr lang="pt-BR"/>
+            </a:p>
+          </p:txBody>
+        </p:sp>
+        <p:sp>
+          <p:nvSpPr>
+            <p:cNvPr id="74" name="CaixaDeTexto 73">
+              <a:extLst>
+                <a:ext uri="{FF2B5EF4-FFF2-40B4-BE49-F238E27FC236}">
+                  <a16:creationId xmlns:a16="http://schemas.microsoft.com/office/drawing/2014/main" id="{DBF7249F-F2ED-43AC-8B6C-0ABE3F017936}"/>
+                </a:ext>
+              </a:extLst>
+            </p:cNvPr>
+            <p:cNvSpPr txBox="1"/>
+            <p:nvPr/>
+          </p:nvSpPr>
+          <p:spPr>
+            <a:xfrm>
+              <a:off x="8728764" y="5924057"/>
+              <a:ext cx="1314784" cy="369332"/>
+            </a:xfrm>
+            <a:prstGeom prst="rect">
+              <a:avLst/>
+            </a:prstGeom>
+            <a:noFill/>
+          </p:spPr>
+          <p:txBody>
+            <a:bodyPr wrap="none" rtlCol="0">
+              <a:spAutoFit/>
+            </a:bodyPr>
+            <a:lstStyle/>
+            <a:p>
+              <a:r>
+                <a:rPr lang="pt-BR" dirty="0">
+                  <a:solidFill>
+                    <a:schemeClr val="bg1">
+                      <a:lumMod val="85000"/>
+                    </a:schemeClr>
+                  </a:solidFill>
+                </a:rPr>
+                <a:t>Resolução</a:t>
+              </a:r>
+            </a:p>
+          </p:txBody>
+        </p:sp>
+      </p:grpSp>
+      <p:cxnSp>
+        <p:nvCxnSpPr>
+          <p:cNvPr id="80" name="Conector de seta reta 8">
+            <a:extLst>
+              <a:ext uri="{FF2B5EF4-FFF2-40B4-BE49-F238E27FC236}">
+                <a16:creationId xmlns:a16="http://schemas.microsoft.com/office/drawing/2014/main" id="{BA84959D-BD25-48BD-B22E-127961B9E636}"/>
+              </a:ext>
+            </a:extLst>
+          </p:cNvPr>
+          <p:cNvCxnSpPr>
+            <a:cxnSpLocks/>
+          </p:cNvCxnSpPr>
+          <p:nvPr/>
+        </p:nvCxnSpPr>
+        <p:spPr>
+          <a:xfrm flipH="1">
+            <a:off x="8100962" y="3302050"/>
+            <a:ext cx="296506" cy="370899"/>
+          </a:xfrm>
+          <a:prstGeom prst="straightConnector1">
+            <a:avLst/>
+          </a:prstGeom>
+          <a:ln w="19050">
+            <a:solidFill>
+              <a:schemeClr val="bg1">
+                <a:lumMod val="75000"/>
+              </a:schemeClr>
+            </a:solidFill>
+            <a:tailEnd type="arrow"/>
+          </a:ln>
+        </p:spPr>
+        <p:style>
+          <a:lnRef idx="1">
+            <a:schemeClr val="accent1"/>
+          </a:lnRef>
+          <a:fillRef idx="0">
+            <a:schemeClr val="accent1"/>
+          </a:fillRef>
+          <a:effectRef idx="0">
+            <a:schemeClr val="accent1"/>
+          </a:effectRef>
+          <a:fontRef idx="minor">
+            <a:schemeClr val="tx1"/>
+          </a:fontRef>
+        </p:style>
+      </p:cxnSp>
+    </p:spTree>
+    <p:extLst>
+      <p:ext uri="{BB962C8B-B14F-4D97-AF65-F5344CB8AC3E}">
+        <p14:creationId xmlns:p14="http://schemas.microsoft.com/office/powerpoint/2010/main" val="3153582145"/>
+      </p:ext>
+    </p:extLst>
+  </p:cSld>
+  <p:clrMapOvr>
+    <a:masterClrMapping/>
+  </p:clrMapOvr>
+</p:sld>
+</file>
+
+<file path=ppt/slides/slide11.xml><?xml version="1.0" encoding="utf-8"?>
+<p:sld xmlns:a="http://schemas.openxmlformats.org/drawingml/2006/main" xmlns:r="http://schemas.openxmlformats.org/officeDocument/2006/relationships" xmlns:p="http://schemas.openxmlformats.org/presentationml/2006/main">
+  <p:cSld>
+    <p:spTree>
+      <p:nvGrpSpPr>
+        <p:cNvPr id="1" name=""/>
+        <p:cNvGrpSpPr/>
+        <p:nvPr/>
+      </p:nvGrpSpPr>
+      <p:grpSpPr>
+        <a:xfrm>
+          <a:off x="0" y="0"/>
+          <a:ext cx="0" cy="0"/>
+          <a:chOff x="0" y="0"/>
+          <a:chExt cx="0" cy="0"/>
+        </a:xfrm>
+      </p:grpSpPr>
+      <p:sp>
+        <p:nvSpPr>
+          <p:cNvPr id="2" name="Espaço Reservado para Conteúdo 1"/>
+          <p:cNvSpPr>
+            <a:spLocks noGrp="1"/>
+          </p:cNvSpPr>
+          <p:nvPr>
+            <p:ph idx="1"/>
+          </p:nvPr>
+        </p:nvSpPr>
+        <p:spPr/>
+        <p:txBody>
+          <a:bodyPr>
+            <a:normAutofit/>
+          </a:bodyPr>
+          <a:lstStyle/>
+          <a:p>
+            <a:pPr>
+              <a:spcAft>
+                <a:spcPts val="1200"/>
+              </a:spcAft>
+            </a:pPr>
+            <a:r>
+              <a:rPr lang="pt-BR" dirty="0"/>
+              <a:t>Na disciplina utilizaremos um sistema de colisão:</a:t>
+            </a:r>
+          </a:p>
+          <a:p>
+            <a:pPr lvl="1"/>
+            <a:r>
+              <a:rPr lang="pt-BR" dirty="0"/>
+              <a:t>Baseado no </a:t>
+            </a:r>
+            <a:r>
+              <a:rPr lang="pt-BR" dirty="0">
+                <a:solidFill>
+                  <a:schemeClr val="accent1">
+                    <a:lumMod val="75000"/>
+                  </a:schemeClr>
+                </a:solidFill>
+              </a:rPr>
+              <a:t>teste de sobreposição</a:t>
+            </a:r>
+          </a:p>
+          <a:p>
+            <a:pPr lvl="1"/>
+            <a:r>
+              <a:rPr lang="pt-BR" dirty="0"/>
+              <a:t>Usando uma </a:t>
+            </a:r>
+            <a:r>
+              <a:rPr lang="pt-BR" dirty="0" err="1">
+                <a:solidFill>
+                  <a:schemeClr val="accent1">
+                    <a:lumMod val="75000"/>
+                  </a:schemeClr>
+                </a:solidFill>
+              </a:rPr>
+              <a:t>bounding</a:t>
+            </a:r>
+            <a:r>
+              <a:rPr lang="pt-BR" dirty="0">
+                <a:solidFill>
+                  <a:schemeClr val="accent1">
+                    <a:lumMod val="75000"/>
+                  </a:schemeClr>
+                </a:solidFill>
+              </a:rPr>
+              <a:t> box</a:t>
+            </a:r>
+            <a:r>
+              <a:rPr lang="pt-BR" dirty="0"/>
+              <a:t> para cada objeto</a:t>
+            </a:r>
+          </a:p>
+          <a:p>
+            <a:pPr lvl="1"/>
+            <a:r>
+              <a:rPr lang="pt-BR" dirty="0"/>
+              <a:t>Particionando o espaço em dois grupos:</a:t>
+            </a:r>
+          </a:p>
+          <a:p>
+            <a:pPr lvl="2"/>
+            <a:r>
+              <a:rPr lang="pt-BR" dirty="0">
+                <a:solidFill>
+                  <a:schemeClr val="accent1">
+                    <a:lumMod val="75000"/>
+                  </a:schemeClr>
+                </a:solidFill>
+              </a:rPr>
+              <a:t>Objetos em movimento</a:t>
+            </a:r>
+            <a:r>
+              <a:rPr lang="pt-BR" dirty="0"/>
+              <a:t>: podem colidir com </a:t>
             </a:r>
             <a:br>
               <a:rPr lang="pt-BR" dirty="0"/>
             </a:br>
             <a:r>
               <a:rPr lang="pt-BR" dirty="0"/>
-              <a:t>as geometrias suportadas:</a:t>
+              <a:t>objetos estáticos ou outros objetos em </a:t>
+            </a:r>
+            <a:br>
+              <a:rPr lang="pt-BR" dirty="0"/>
+            </a:br>
+            <a:r>
+              <a:rPr lang="pt-BR" dirty="0"/>
+              <a:t>movimento</a:t>
+            </a:r>
+          </a:p>
+          <a:p>
+            <a:pPr lvl="2"/>
+            <a:r>
+              <a:rPr lang="pt-BR" dirty="0">
+                <a:solidFill>
+                  <a:schemeClr val="accent1">
+                    <a:lumMod val="75000"/>
+                  </a:schemeClr>
+                </a:solidFill>
+              </a:rPr>
+              <a:t>Objetos estáticos</a:t>
+            </a:r>
+            <a:r>
+              <a:rPr lang="pt-BR" dirty="0"/>
+              <a:t>: objetos que não colidem </a:t>
+            </a:r>
+            <a:br>
+              <a:rPr lang="pt-BR" dirty="0"/>
+            </a:br>
+            <a:r>
+              <a:rPr lang="pt-BR" dirty="0"/>
+              <a:t>entre si, podendo colidir apenas com objetos</a:t>
+            </a:r>
+            <a:br>
+              <a:rPr lang="pt-BR" dirty="0"/>
+            </a:br>
+            <a:r>
+              <a:rPr lang="pt-BR" dirty="0"/>
+              <a:t>em movimento</a:t>
+            </a:r>
+          </a:p>
+          <a:p>
+            <a:pPr lvl="1"/>
+            <a:r>
+              <a:rPr lang="pt-BR" dirty="0"/>
+              <a:t>Complexidade O(m</a:t>
+            </a:r>
+            <a:r>
+              <a:rPr lang="pt-BR" baseline="30000" dirty="0"/>
+              <a:t>2</a:t>
+            </a:r>
+            <a:r>
+              <a:rPr lang="pt-BR" dirty="0"/>
+              <a:t>)</a:t>
+            </a:r>
+          </a:p>
+        </p:txBody>
+      </p:sp>
+      <p:sp>
+        <p:nvSpPr>
+          <p:cNvPr id="3" name="Título 2"/>
+          <p:cNvSpPr>
+            <a:spLocks noGrp="1"/>
+          </p:cNvSpPr>
+          <p:nvPr>
+            <p:ph type="title"/>
+          </p:nvPr>
+        </p:nvSpPr>
+        <p:spPr/>
+        <p:txBody>
+          <a:bodyPr/>
+          <a:lstStyle/>
+          <a:p>
+            <a:r>
+              <a:rPr lang="pt-BR" dirty="0"/>
+              <a:t>Sistema de Colisão</a:t>
+            </a:r>
+          </a:p>
+        </p:txBody>
+      </p:sp>
+      <p:grpSp>
+        <p:nvGrpSpPr>
+          <p:cNvPr id="10" name="Agrupar 9">
+            <a:extLst>
+              <a:ext uri="{FF2B5EF4-FFF2-40B4-BE49-F238E27FC236}">
+                <a16:creationId xmlns:a16="http://schemas.microsoft.com/office/drawing/2014/main" id="{04DCBC02-4DC9-48C9-9126-4D06236C8E78}"/>
+              </a:ext>
+            </a:extLst>
+          </p:cNvPr>
+          <p:cNvGrpSpPr/>
+          <p:nvPr/>
+        </p:nvGrpSpPr>
+        <p:grpSpPr>
+          <a:xfrm>
+            <a:off x="9480376" y="2132856"/>
+            <a:ext cx="903033" cy="1523918"/>
+            <a:chOff x="9493795" y="1772816"/>
+            <a:chExt cx="903033" cy="1523918"/>
+          </a:xfrm>
+        </p:grpSpPr>
+        <p:sp>
+          <p:nvSpPr>
+            <p:cNvPr id="4" name="Elipse 3"/>
+            <p:cNvSpPr/>
+            <p:nvPr/>
+          </p:nvSpPr>
+          <p:spPr>
+            <a:xfrm>
+              <a:off x="9493795" y="1772816"/>
+              <a:ext cx="491373" cy="491373"/>
+            </a:xfrm>
+            <a:prstGeom prst="ellipse">
+              <a:avLst/>
+            </a:prstGeom>
+            <a:solidFill>
+              <a:schemeClr val="accent1">
+                <a:lumMod val="50000"/>
+              </a:schemeClr>
+            </a:solidFill>
+          </p:spPr>
+          <p:style>
+            <a:lnRef idx="1">
+              <a:schemeClr val="accent1"/>
+            </a:lnRef>
+            <a:fillRef idx="2">
+              <a:schemeClr val="accent1"/>
+            </a:fillRef>
+            <a:effectRef idx="1">
+              <a:schemeClr val="accent1"/>
+            </a:effectRef>
+            <a:fontRef idx="minor">
+              <a:schemeClr val="dk1"/>
+            </a:fontRef>
+          </p:style>
+          <p:txBody>
+            <a:bodyPr rtlCol="0" anchor="ctr"/>
+            <a:lstStyle/>
+            <a:p>
+              <a:pPr algn="ctr"/>
+              <a:r>
+                <a:rPr lang="pt-BR" sz="1400" dirty="0">
+                  <a:solidFill>
+                    <a:schemeClr val="bg1">
+                      <a:lumMod val="85000"/>
+                    </a:schemeClr>
+                  </a:solidFill>
+                </a:rPr>
+                <a:t>A</a:t>
+              </a:r>
+              <a:endParaRPr lang="pt-BR" sz="800" baseline="-25000" dirty="0">
+                <a:solidFill>
+                  <a:schemeClr val="bg1">
+                    <a:lumMod val="85000"/>
+                  </a:schemeClr>
+                </a:solidFill>
+              </a:endParaRPr>
+            </a:p>
+          </p:txBody>
+        </p:sp>
+        <p:sp>
+          <p:nvSpPr>
+            <p:cNvPr id="5" name="Elipse 4"/>
+            <p:cNvSpPr/>
+            <p:nvPr/>
+          </p:nvSpPr>
+          <p:spPr>
+            <a:xfrm>
+              <a:off x="9501182" y="2805361"/>
+              <a:ext cx="491373" cy="491373"/>
+            </a:xfrm>
+            <a:prstGeom prst="ellipse">
+              <a:avLst/>
+            </a:prstGeom>
+            <a:solidFill>
+              <a:schemeClr val="accent4">
+                <a:lumMod val="50000"/>
+              </a:schemeClr>
+            </a:solidFill>
+            <a:ln>
+              <a:solidFill>
+                <a:schemeClr val="accent2">
+                  <a:lumMod val="60000"/>
+                  <a:lumOff val="40000"/>
+                </a:schemeClr>
+              </a:solidFill>
+            </a:ln>
+          </p:spPr>
+          <p:style>
+            <a:lnRef idx="1">
+              <a:schemeClr val="accent1"/>
+            </a:lnRef>
+            <a:fillRef idx="2">
+              <a:schemeClr val="accent1"/>
+            </a:fillRef>
+            <a:effectRef idx="1">
+              <a:schemeClr val="accent1"/>
+            </a:effectRef>
+            <a:fontRef idx="minor">
+              <a:schemeClr val="dk1"/>
+            </a:fontRef>
+          </p:style>
+          <p:txBody>
+            <a:bodyPr rtlCol="0" anchor="ctr"/>
+            <a:lstStyle/>
+            <a:p>
+              <a:pPr algn="ctr"/>
+              <a:endParaRPr lang="pt-BR" sz="800" baseline="-25000" dirty="0">
+                <a:solidFill>
+                  <a:schemeClr val="bg1">
+                    <a:lumMod val="85000"/>
+                  </a:schemeClr>
+                </a:solidFill>
+              </a:endParaRPr>
+            </a:p>
+          </p:txBody>
+        </p:sp>
+        <p:sp>
+          <p:nvSpPr>
+            <p:cNvPr id="6" name="CaixaDeTexto 5"/>
+            <p:cNvSpPr txBox="1"/>
+            <p:nvPr/>
+          </p:nvSpPr>
+          <p:spPr>
+            <a:xfrm>
+              <a:off x="10069493" y="1864613"/>
+              <a:ext cx="327334" cy="307777"/>
+            </a:xfrm>
+            <a:prstGeom prst="rect">
+              <a:avLst/>
+            </a:prstGeom>
+            <a:noFill/>
+          </p:spPr>
+          <p:txBody>
+            <a:bodyPr wrap="none" rtlCol="0">
+              <a:spAutoFit/>
+            </a:bodyPr>
+            <a:lstStyle/>
+            <a:p>
+              <a:r>
+                <a:rPr lang="pt-BR" sz="1400" dirty="0">
+                  <a:solidFill>
+                    <a:schemeClr val="bg1">
+                      <a:lumMod val="85000"/>
+                    </a:schemeClr>
+                  </a:solidFill>
+                </a:rPr>
+                <a:t>t</a:t>
+              </a:r>
+              <a:r>
+                <a:rPr lang="pt-BR" sz="1400" baseline="-25000" dirty="0">
+                  <a:solidFill>
+                    <a:schemeClr val="bg1">
+                      <a:lumMod val="85000"/>
+                    </a:schemeClr>
+                  </a:solidFill>
+                </a:rPr>
+                <a:t>0</a:t>
+              </a:r>
+              <a:endParaRPr lang="pt-BR" baseline="-25000" dirty="0">
+                <a:solidFill>
+                  <a:schemeClr val="bg1">
+                    <a:lumMod val="85000"/>
+                  </a:schemeClr>
+                </a:solidFill>
+              </a:endParaRPr>
+            </a:p>
+          </p:txBody>
+        </p:sp>
+        <p:sp>
+          <p:nvSpPr>
+            <p:cNvPr id="7" name="CaixaDeTexto 6"/>
+            <p:cNvSpPr txBox="1"/>
+            <p:nvPr/>
+          </p:nvSpPr>
+          <p:spPr>
+            <a:xfrm>
+              <a:off x="10069494" y="2628917"/>
+              <a:ext cx="327334" cy="307777"/>
+            </a:xfrm>
+            <a:prstGeom prst="rect">
+              <a:avLst/>
+            </a:prstGeom>
+            <a:noFill/>
+          </p:spPr>
+          <p:txBody>
+            <a:bodyPr wrap="none" rtlCol="0">
+              <a:spAutoFit/>
+            </a:bodyPr>
+            <a:lstStyle/>
+            <a:p>
+              <a:r>
+                <a:rPr lang="pt-BR" sz="1400" dirty="0">
+                  <a:solidFill>
+                    <a:schemeClr val="bg1">
+                      <a:lumMod val="85000"/>
+                    </a:schemeClr>
+                  </a:solidFill>
+                </a:rPr>
+                <a:t>t</a:t>
+              </a:r>
+              <a:r>
+                <a:rPr lang="pt-BR" sz="1400" baseline="-25000" dirty="0">
+                  <a:solidFill>
+                    <a:schemeClr val="bg1">
+                      <a:lumMod val="85000"/>
+                    </a:schemeClr>
+                  </a:solidFill>
+                </a:rPr>
+                <a:t>1</a:t>
+              </a:r>
+            </a:p>
+          </p:txBody>
+        </p:sp>
+        <p:sp>
+          <p:nvSpPr>
+            <p:cNvPr id="8" name="Elipse 7"/>
+            <p:cNvSpPr/>
+            <p:nvPr/>
+          </p:nvSpPr>
+          <p:spPr>
+            <a:xfrm>
+              <a:off x="9493795" y="2571245"/>
+              <a:ext cx="491373" cy="491373"/>
+            </a:xfrm>
+            <a:prstGeom prst="ellipse">
+              <a:avLst/>
+            </a:prstGeom>
+            <a:noFill/>
+            <a:ln>
+              <a:prstDash val="dash"/>
+            </a:ln>
+          </p:spPr>
+          <p:style>
+            <a:lnRef idx="1">
+              <a:schemeClr val="accent1"/>
+            </a:lnRef>
+            <a:fillRef idx="2">
+              <a:schemeClr val="accent1"/>
+            </a:fillRef>
+            <a:effectRef idx="1">
+              <a:schemeClr val="accent1"/>
+            </a:effectRef>
+            <a:fontRef idx="minor">
+              <a:schemeClr val="dk1"/>
+            </a:fontRef>
+          </p:style>
+          <p:txBody>
+            <a:bodyPr rtlCol="0" anchor="ctr"/>
+            <a:lstStyle/>
+            <a:p>
+              <a:pPr algn="ctr"/>
+              <a:r>
+                <a:rPr lang="pt-BR" sz="1400" dirty="0">
+                  <a:solidFill>
+                    <a:schemeClr val="bg1">
+                      <a:lumMod val="85000"/>
+                    </a:schemeClr>
+                  </a:solidFill>
+                </a:rPr>
+                <a:t>A</a:t>
+              </a:r>
+              <a:endParaRPr lang="pt-BR" sz="800" baseline="-25000" dirty="0">
+                <a:solidFill>
+                  <a:schemeClr val="bg1">
+                    <a:lumMod val="85000"/>
+                  </a:schemeClr>
+                </a:solidFill>
+              </a:endParaRPr>
+            </a:p>
+          </p:txBody>
+        </p:sp>
+        <p:cxnSp>
+          <p:nvCxnSpPr>
+            <p:cNvPr id="9" name="Conector reto 8"/>
+            <p:cNvCxnSpPr>
+              <a:stCxn id="4" idx="4"/>
+              <a:endCxn id="8" idx="0"/>
+            </p:cNvCxnSpPr>
+            <p:nvPr/>
+          </p:nvCxnSpPr>
+          <p:spPr>
+            <a:xfrm>
+              <a:off x="9739481" y="2264188"/>
+              <a:ext cx="0" cy="307056"/>
+            </a:xfrm>
+            <a:prstGeom prst="line">
+              <a:avLst/>
+            </a:prstGeom>
+            <a:ln>
+              <a:solidFill>
+                <a:schemeClr val="bg1">
+                  <a:lumMod val="85000"/>
+                </a:schemeClr>
+              </a:solidFill>
+              <a:tailEnd type="triangle"/>
+            </a:ln>
+          </p:spPr>
+          <p:style>
+            <a:lnRef idx="1">
+              <a:schemeClr val="accent1"/>
+            </a:lnRef>
+            <a:fillRef idx="0">
+              <a:schemeClr val="accent1"/>
+            </a:fillRef>
+            <a:effectRef idx="0">
+              <a:schemeClr val="accent1"/>
+            </a:effectRef>
+            <a:fontRef idx="minor">
+              <a:schemeClr val="tx1"/>
+            </a:fontRef>
+          </p:style>
+        </p:cxnSp>
+      </p:grpSp>
+      <p:grpSp>
+        <p:nvGrpSpPr>
+          <p:cNvPr id="15" name="Agrupar 14">
+            <a:extLst>
+              <a:ext uri="{FF2B5EF4-FFF2-40B4-BE49-F238E27FC236}">
+                <a16:creationId xmlns:a16="http://schemas.microsoft.com/office/drawing/2014/main" id="{DA7E0EAD-53A3-425A-8E30-B20529346B59}"/>
+              </a:ext>
+            </a:extLst>
+          </p:cNvPr>
+          <p:cNvGrpSpPr/>
+          <p:nvPr/>
+        </p:nvGrpSpPr>
+        <p:grpSpPr>
+          <a:xfrm>
+            <a:off x="9137141" y="4032430"/>
+            <a:ext cx="1192615" cy="1422353"/>
+            <a:chOff x="9009931" y="4059726"/>
+            <a:chExt cx="1447036" cy="1422353"/>
+          </a:xfrm>
+        </p:grpSpPr>
+        <p:sp>
+          <p:nvSpPr>
+            <p:cNvPr id="11" name="Raio 10"/>
+            <p:cNvSpPr/>
+            <p:nvPr/>
+          </p:nvSpPr>
+          <p:spPr>
+            <a:xfrm>
+              <a:off x="9009931" y="4059726"/>
+              <a:ext cx="1447035" cy="1422353"/>
+            </a:xfrm>
+            <a:prstGeom prst="lightningBolt">
+              <a:avLst/>
+            </a:prstGeom>
+            <a:solidFill>
+              <a:schemeClr val="accent1">
+                <a:lumMod val="50000"/>
+              </a:schemeClr>
+            </a:solidFill>
+            <a:ln>
+              <a:noFill/>
+            </a:ln>
+          </p:spPr>
+          <p:style>
+            <a:lnRef idx="1">
+              <a:schemeClr val="accent1"/>
+            </a:lnRef>
+            <a:fillRef idx="2">
+              <a:schemeClr val="accent1"/>
+            </a:fillRef>
+            <a:effectRef idx="1">
+              <a:schemeClr val="accent1"/>
+            </a:effectRef>
+            <a:fontRef idx="minor">
+              <a:schemeClr val="dk1"/>
+            </a:fontRef>
+          </p:style>
+          <p:txBody>
+            <a:bodyPr rtlCol="0" anchor="ctr"/>
+            <a:lstStyle/>
+            <a:p>
+              <a:pPr algn="ctr"/>
+              <a:endParaRPr lang="pt-BR"/>
+            </a:p>
+          </p:txBody>
+        </p:sp>
+        <p:sp>
+          <p:nvSpPr>
+            <p:cNvPr id="12" name="Retângulo 11"/>
+            <p:cNvSpPr/>
+            <p:nvPr/>
+          </p:nvSpPr>
+          <p:spPr>
+            <a:xfrm>
+              <a:off x="9009931" y="4059726"/>
+              <a:ext cx="1447036" cy="1422353"/>
+            </a:xfrm>
+            <a:prstGeom prst="rect">
+              <a:avLst/>
+            </a:prstGeom>
+            <a:noFill/>
+            <a:ln>
+              <a:solidFill>
+                <a:schemeClr val="accent1">
+                  <a:lumMod val="60000"/>
+                  <a:lumOff val="40000"/>
+                </a:schemeClr>
+              </a:solidFill>
+            </a:ln>
+          </p:spPr>
+          <p:style>
+            <a:lnRef idx="1">
+              <a:schemeClr val="accent1"/>
+            </a:lnRef>
+            <a:fillRef idx="2">
+              <a:schemeClr val="accent1"/>
+            </a:fillRef>
+            <a:effectRef idx="1">
+              <a:schemeClr val="accent1"/>
+            </a:effectRef>
+            <a:fontRef idx="minor">
+              <a:schemeClr val="dk1"/>
+            </a:fontRef>
+          </p:style>
+          <p:txBody>
+            <a:bodyPr rtlCol="0" anchor="ctr"/>
+            <a:lstStyle/>
+            <a:p>
+              <a:pPr algn="ctr"/>
+              <a:endParaRPr lang="pt-BR"/>
+            </a:p>
+          </p:txBody>
+        </p:sp>
+      </p:grpSp>
+      <p:sp>
+        <p:nvSpPr>
+          <p:cNvPr id="13" name="CaixaDeTexto 12"/>
+          <p:cNvSpPr txBox="1"/>
+          <p:nvPr/>
+        </p:nvSpPr>
+        <p:spPr>
+          <a:xfrm>
+            <a:off x="9009931" y="5577149"/>
+            <a:ext cx="1447034" cy="307777"/>
+          </a:xfrm>
+          <a:prstGeom prst="rect">
+            <a:avLst/>
+          </a:prstGeom>
+          <a:noFill/>
+        </p:spPr>
+        <p:txBody>
+          <a:bodyPr wrap="square" rtlCol="0">
+            <a:spAutoFit/>
+          </a:bodyPr>
+          <a:lstStyle/>
+          <a:p>
+            <a:pPr algn="ctr"/>
+            <a:r>
+              <a:rPr lang="pt-BR" sz="1400" dirty="0" err="1">
+                <a:solidFill>
+                  <a:schemeClr val="bg1">
+                    <a:lumMod val="85000"/>
+                  </a:schemeClr>
+                </a:solidFill>
+              </a:rPr>
+              <a:t>Bounding</a:t>
+            </a:r>
+            <a:r>
+              <a:rPr lang="pt-BR" sz="1400" dirty="0">
+                <a:solidFill>
+                  <a:schemeClr val="bg1">
+                    <a:lumMod val="85000"/>
+                  </a:schemeClr>
+                </a:solidFill>
+              </a:rPr>
+              <a:t> Box</a:t>
+            </a:r>
+          </a:p>
+        </p:txBody>
+      </p:sp>
+    </p:spTree>
+    <p:extLst>
+      <p:ext uri="{BB962C8B-B14F-4D97-AF65-F5344CB8AC3E}">
+        <p14:creationId xmlns:p14="http://schemas.microsoft.com/office/powerpoint/2010/main" val="4012501003"/>
+      </p:ext>
+    </p:extLst>
+  </p:cSld>
+  <p:clrMapOvr>
+    <a:masterClrMapping/>
+  </p:clrMapOvr>
+</p:sld>
+</file>
+
+<file path=ppt/slides/slide12.xml><?xml version="1.0" encoding="utf-8"?>
+<p:sld xmlns:a="http://schemas.openxmlformats.org/drawingml/2006/main" xmlns:r="http://schemas.openxmlformats.org/officeDocument/2006/relationships" xmlns:p="http://schemas.openxmlformats.org/presentationml/2006/main">
+  <p:cSld>
+    <p:spTree>
+      <p:nvGrpSpPr>
+        <p:cNvPr id="1" name=""/>
+        <p:cNvGrpSpPr/>
+        <p:nvPr/>
+      </p:nvGrpSpPr>
+      <p:grpSpPr>
+        <a:xfrm>
+          <a:off x="0" y="0"/>
+          <a:ext cx="0" cy="0"/>
+          <a:chOff x="0" y="0"/>
+          <a:chExt cx="0" cy="0"/>
+        </a:xfrm>
+      </p:grpSpPr>
+      <p:sp>
+        <p:nvSpPr>
+          <p:cNvPr id="2" name="Espaço Reservado para Conteúdo 1"/>
+          <p:cNvSpPr>
+            <a:spLocks noGrp="1"/>
+          </p:cNvSpPr>
+          <p:nvPr>
+            <p:ph idx="1"/>
+          </p:nvPr>
+        </p:nvSpPr>
+        <p:spPr>
+          <a:xfrm>
+            <a:off x="609600" y="1613578"/>
+            <a:ext cx="10972800" cy="4767750"/>
+          </a:xfrm>
+        </p:spPr>
+        <p:txBody>
+          <a:bodyPr>
+            <a:normAutofit/>
+          </a:bodyPr>
+          <a:lstStyle/>
+          <a:p>
+            <a:r>
+              <a:rPr lang="pt-BR" dirty="0"/>
+              <a:t>O</a:t>
+            </a:r>
+            <a:r>
+              <a:rPr lang="pt-BR" dirty="0">
+                <a:solidFill>
+                  <a:schemeClr val="accent1">
+                    <a:lumMod val="75000"/>
+                  </a:schemeClr>
+                </a:solidFill>
+              </a:rPr>
+              <a:t> teste de sobreposição</a:t>
+            </a:r>
+            <a:r>
+              <a:rPr lang="pt-BR" dirty="0"/>
+              <a:t> é o método de colisão </a:t>
+            </a:r>
+            <a:br>
+              <a:rPr lang="pt-BR" dirty="0"/>
+            </a:br>
+            <a:r>
+              <a:rPr lang="pt-BR" dirty="0"/>
+              <a:t>mais fácil de implementar e o mais utilizado em jogos 2D</a:t>
+            </a:r>
+          </a:p>
+          <a:p>
+            <a:pPr lvl="1"/>
+            <a:endParaRPr lang="pt-BR" dirty="0"/>
+          </a:p>
+          <a:p>
+            <a:pPr lvl="1"/>
+            <a:r>
+              <a:rPr lang="pt-BR" dirty="0"/>
+              <a:t>Requer a implementação de </a:t>
+            </a:r>
+            <a:br>
+              <a:rPr lang="pt-BR" dirty="0"/>
+            </a:br>
+            <a:r>
+              <a:rPr lang="pt-BR" dirty="0"/>
+              <a:t>testes de sobreposição entre </a:t>
+            </a:r>
+            <a:br>
+              <a:rPr lang="pt-BR" dirty="0"/>
+            </a:br>
+            <a:r>
+              <a:rPr lang="pt-BR" dirty="0"/>
+              <a:t>as </a:t>
+            </a:r>
+            <a:r>
+              <a:rPr lang="pt-BR" dirty="0">
+                <a:solidFill>
+                  <a:schemeClr val="accent1">
+                    <a:lumMod val="75000"/>
+                  </a:schemeClr>
+                </a:solidFill>
+              </a:rPr>
+              <a:t>geometrias suportadas</a:t>
+            </a:r>
+            <a:r>
+              <a:rPr lang="pt-BR" dirty="0"/>
+              <a:t>:</a:t>
             </a:r>
             <a:br>
               <a:rPr lang="pt-BR" dirty="0"/>
@@ -10105,7 +14443,7 @@
 </p:sld>
 </file>
 
-<file path=ppt/slides/slide11.xml><?xml version="1.0" encoding="utf-8"?>
+<file path=ppt/slides/slide13.xml><?xml version="1.0" encoding="utf-8"?>
 <p:sld xmlns:a="http://schemas.openxmlformats.org/drawingml/2006/main" xmlns:r="http://schemas.openxmlformats.org/officeDocument/2006/relationships" xmlns:p="http://schemas.openxmlformats.org/presentationml/2006/main">
   <p:cSld>
     <p:spTree>
@@ -10184,9 +14522,25 @@
               </a:rPr>
               <a:t>colisão entre um ponto e um círculo </a:t>
             </a:r>
+            <a:br>
+              <a:rPr lang="pt-BR" dirty="0">
+                <a:solidFill>
+                  <a:schemeClr val="accent1">
+                    <a:lumMod val="75000"/>
+                  </a:schemeClr>
+                </a:solidFill>
+              </a:rPr>
+            </a:br>
             <a:r>
               <a:rPr lang="pt-BR" dirty="0"/>
-              <a:t>pode ser feito calculando a distância entre o ponto e o centro do círculo</a:t>
+              <a:t>pode ser feito calculando a distância entre o ponto </a:t>
+            </a:r>
+            <a:br>
+              <a:rPr lang="pt-BR" dirty="0"/>
+            </a:br>
+            <a:r>
+              <a:rPr lang="pt-BR" dirty="0"/>
+              <a:t>e o centro do círculo</a:t>
             </a:r>
             <a:endParaRPr lang="pt-BR" dirty="0">
               <a:solidFill>
@@ -10282,12 +14636,13 @@
           <a:prstGeom prst="straightConnector1">
             <a:avLst/>
           </a:prstGeom>
-          <a:ln>
+          <a:ln w="19050">
             <a:solidFill>
               <a:schemeClr val="bg1">
                 <a:lumMod val="75000"/>
               </a:schemeClr>
             </a:solidFill>
+            <a:prstDash val="dash"/>
             <a:tailEnd type="arrow"/>
           </a:ln>
         </p:spPr>
@@ -11106,7 +15461,7 @@
         </p:nvSpPr>
         <p:spPr>
           <a:xfrm>
-            <a:off x="1556722" y="2813143"/>
+            <a:off x="1415480" y="3176933"/>
             <a:ext cx="2511457" cy="830997"/>
           </a:xfrm>
           <a:prstGeom prst="rect">
@@ -11612,7 +15967,7 @@
 </p:sld>
 </file>
 
-<file path=ppt/slides/slide12.xml><?xml version="1.0" encoding="utf-8"?>
+<file path=ppt/slides/slide14.xml><?xml version="1.0" encoding="utf-8"?>
 <p:sld xmlns:a="http://schemas.openxmlformats.org/drawingml/2006/main" xmlns:r="http://schemas.openxmlformats.org/officeDocument/2006/relationships" xmlns:p="http://schemas.openxmlformats.org/presentationml/2006/main">
   <p:cSld>
     <p:spTree>
@@ -11726,9 +16081,25 @@
               </a:rPr>
               <a:t>colisão entre um ponto e um retângulo </a:t>
             </a:r>
+            <a:br>
+              <a:rPr lang="pt-BR" dirty="0">
+                <a:solidFill>
+                  <a:schemeClr val="accent1">
+                    <a:lumMod val="75000"/>
+                  </a:schemeClr>
+                </a:solidFill>
+              </a:rPr>
+            </a:br>
             <a:r>
               <a:rPr lang="pt-BR" dirty="0"/>
-              <a:t>consiste em verificar se o ponto está dentro do retângulo</a:t>
+              <a:t>consiste em verificar se o ponto está dentro do </a:t>
+            </a:r>
+            <a:br>
+              <a:rPr lang="pt-BR" dirty="0"/>
+            </a:br>
+            <a:r>
+              <a:rPr lang="pt-BR" dirty="0"/>
+              <a:t>retângulo</a:t>
             </a:r>
             <a:endParaRPr lang="pt-BR" dirty="0">
               <a:solidFill>
@@ -11890,14 +16261,14 @@
           <a:prstGeom prst="line">
             <a:avLst/>
           </a:prstGeom>
-          <a:ln>
+          <a:ln w="28575">
             <a:solidFill>
               <a:schemeClr val="accent4">
                 <a:lumMod val="75000"/>
               </a:schemeClr>
             </a:solidFill>
             <a:headEnd type="none"/>
-            <a:tailEnd type="triangle"/>
+            <a:tailEnd type="triangle" w="lg" len="med"/>
           </a:ln>
         </p:spPr>
         <p:style>
@@ -11929,14 +16300,14 @@
           <a:prstGeom prst="line">
             <a:avLst/>
           </a:prstGeom>
-          <a:ln>
+          <a:ln w="28575">
             <a:solidFill>
               <a:schemeClr val="accent4">
                 <a:lumMod val="75000"/>
               </a:schemeClr>
             </a:solidFill>
-            <a:headEnd type="triangle"/>
-            <a:tailEnd type="none"/>
+            <a:headEnd type="triangle" w="lg" len="med"/>
+            <a:tailEnd type="none" w="lg" len="med"/>
           </a:ln>
         </p:spPr>
         <p:style>
@@ -12837,7 +17208,7 @@
 </p:sld>
 </file>
 
-<file path=ppt/slides/slide13.xml><?xml version="1.0" encoding="utf-8"?>
+<file path=ppt/slides/slide15.xml><?xml version="1.0" encoding="utf-8"?>
 <p:sld xmlns:a="http://schemas.openxmlformats.org/drawingml/2006/main" xmlns:r="http://schemas.openxmlformats.org/officeDocument/2006/relationships" xmlns:p="http://schemas.openxmlformats.org/presentationml/2006/main">
   <p:cSld>
     <p:spTree>
@@ -12918,7 +17289,14 @@
             </a:r>
             <a:r>
               <a:rPr lang="pt-BR" dirty="0"/>
-              <a:t>pode ser feito calculando a distância entre os centros dos círculos</a:t>
+              <a:t>pode ser feito </a:t>
+            </a:r>
+            <a:br>
+              <a:rPr lang="pt-BR" dirty="0"/>
+            </a:br>
+            <a:r>
+              <a:rPr lang="pt-BR" dirty="0"/>
+              <a:t>calculando a distância entre os centros dos círculos</a:t>
             </a:r>
             <a:endParaRPr lang="pt-BR" dirty="0">
               <a:solidFill>
@@ -13060,12 +17438,13 @@
           <a:prstGeom prst="straightConnector1">
             <a:avLst/>
           </a:prstGeom>
-          <a:ln>
+          <a:ln w="19050">
             <a:solidFill>
               <a:schemeClr val="accent1">
                 <a:lumMod val="75000"/>
               </a:schemeClr>
             </a:solidFill>
+            <a:prstDash val="dash"/>
             <a:tailEnd type="arrow"/>
           </a:ln>
         </p:spPr>
@@ -13100,12 +17479,13 @@
           <a:prstGeom prst="straightConnector1">
             <a:avLst/>
           </a:prstGeom>
-          <a:ln>
+          <a:ln w="19050">
             <a:solidFill>
               <a:schemeClr val="bg1">
                 <a:lumMod val="85000"/>
               </a:schemeClr>
             </a:solidFill>
+            <a:prstDash val="dash"/>
             <a:tailEnd type="arrow"/>
           </a:ln>
         </p:spPr>
@@ -14531,7 +18911,7 @@
 </p:sld>
 </file>
 
-<file path=ppt/slides/slide14.xml><?xml version="1.0" encoding="utf-8"?>
+<file path=ppt/slides/slide16.xml><?xml version="1.0" encoding="utf-8"?>
 <p:sld xmlns:a="http://schemas.openxmlformats.org/drawingml/2006/main" xmlns:r="http://schemas.openxmlformats.org/officeDocument/2006/relationships" xmlns:p="http://schemas.openxmlformats.org/presentationml/2006/main">
   <p:cSld>
     <p:spTree>
@@ -14579,7 +18959,21 @@
             </a:r>
             <a:r>
               <a:rPr lang="pt-BR" dirty="0"/>
-              <a:t>consiste em verificar se existe sobreposição dos retângulos em ambos os eixos</a:t>
+              <a:t>consiste em </a:t>
+            </a:r>
+            <a:br>
+              <a:rPr lang="pt-BR" dirty="0"/>
+            </a:br>
+            <a:r>
+              <a:rPr lang="pt-BR" dirty="0"/>
+              <a:t>verificar se existe sobreposição dos retângulos </a:t>
+            </a:r>
+            <a:br>
+              <a:rPr lang="pt-BR" dirty="0"/>
+            </a:br>
+            <a:r>
+              <a:rPr lang="pt-BR" dirty="0"/>
+              <a:t>em ambos os eixos</a:t>
             </a:r>
             <a:endParaRPr lang="pt-BR" dirty="0">
               <a:solidFill>
@@ -16276,7 +20670,7 @@
 </p:sld>
 </file>
 
-<file path=ppt/slides/slide15.xml><?xml version="1.0" encoding="utf-8"?>
+<file path=ppt/slides/slide17.xml><?xml version="1.0" encoding="utf-8"?>
 <p:sld xmlns:a="http://schemas.openxmlformats.org/drawingml/2006/main" xmlns:r="http://schemas.openxmlformats.org/officeDocument/2006/relationships" xmlns:p="http://schemas.openxmlformats.org/presentationml/2006/main">
   <p:cSld>
     <p:spTree>
@@ -16402,7 +20796,14 @@
             </a:r>
             <a:r>
               <a:rPr lang="pt-BR" dirty="0"/>
-              <a:t>consiste em verificar se o ponto mais próximo colide com o círculo</a:t>
+              <a:t>consiste </a:t>
+            </a:r>
+            <a:br>
+              <a:rPr lang="pt-BR" dirty="0"/>
+            </a:br>
+            <a:r>
+              <a:rPr lang="pt-BR" dirty="0"/>
+              <a:t>em verificar se o ponto mais próximo colide com o círculo</a:t>
             </a:r>
             <a:endParaRPr lang="pt-BR" dirty="0">
               <a:solidFill>
@@ -18605,7 +23006,7 @@
 </p:sld>
 </file>
 
-<file path=ppt/slides/slide16.xml><?xml version="1.0" encoding="utf-8"?>
+<file path=ppt/slides/slide18.xml><?xml version="1.0" encoding="utf-8"?>
 <p:sld xmlns:a="http://schemas.openxmlformats.org/drawingml/2006/main" xmlns:r="http://schemas.openxmlformats.org/officeDocument/2006/relationships" xmlns:p="http://schemas.openxmlformats.org/presentationml/2006/main">
   <p:cSld>
     <p:spTree>
@@ -18643,6 +23044,11 @@
           <a:bodyPr/>
           <a:lstStyle/>
           <a:p>
+            <a:pPr>
+              <a:spcAft>
+                <a:spcPts val="1200"/>
+              </a:spcAft>
+            </a:pPr>
             <a:r>
               <a:rPr lang="pt-BR" dirty="0"/>
               <a:t>Todo objeto do jogo precisa:</a:t>
@@ -18763,7 +23169,7 @@
           <a:p>
             <a:r>
               <a:rPr lang="pt-BR" dirty="0"/>
-              <a:t>Sistema de Colisão</a:t>
+              <a:t>Implementação</a:t>
             </a:r>
           </a:p>
         </p:txBody>
@@ -18782,8 +23188,8 @@
         </p:nvGrpSpPr>
         <p:grpSpPr>
           <a:xfrm>
-            <a:off x="6509906" y="1532452"/>
-            <a:ext cx="4860821" cy="4632852"/>
+            <a:off x="6847719" y="2060848"/>
+            <a:ext cx="4140637" cy="3946444"/>
             <a:chOff x="6509906" y="1532452"/>
             <a:chExt cx="4860821" cy="4632852"/>
           </a:xfrm>
@@ -18853,7 +23259,7 @@
               <a:lstStyle/>
               <a:p>
                 <a:pPr algn="ctr"/>
-                <a:endParaRPr lang="pt-BR" sz="1200" dirty="0">
+                <a:endParaRPr lang="pt-BR" sz="1000" dirty="0">
                   <a:solidFill>
                     <a:schemeClr val="bg1">
                       <a:lumMod val="85000"/>
@@ -18910,7 +23316,7 @@
               <a:lstStyle/>
               <a:p>
                 <a:r>
-                  <a:rPr lang="pt-BR" sz="1200" dirty="0">
+                  <a:rPr lang="pt-BR" sz="1000" dirty="0">
                     <a:solidFill>
                       <a:schemeClr val="bg1"/>
                     </a:solidFill>
@@ -18922,7 +23328,7 @@
               </a:p>
               <a:p>
                 <a:r>
-                  <a:rPr lang="pt-BR" sz="1200" dirty="0">
+                  <a:rPr lang="pt-BR" sz="1000" dirty="0">
                     <a:solidFill>
                       <a:schemeClr val="bg1"/>
                     </a:solidFill>
@@ -18934,7 +23340,7 @@
               </a:p>
               <a:p>
                 <a:r>
-                  <a:rPr lang="pt-BR" sz="1200" dirty="0">
+                  <a:rPr lang="pt-BR" sz="1000" dirty="0">
                     <a:solidFill>
                       <a:schemeClr val="bg1"/>
                     </a:solidFill>
@@ -18992,7 +23398,7 @@
               <a:p>
                 <a:pPr algn="ctr"/>
                 <a:r>
-                  <a:rPr lang="pt-BR" dirty="0">
+                  <a:rPr lang="pt-BR" sz="1200" dirty="0">
                     <a:solidFill>
                       <a:schemeClr val="bg1">
                         <a:lumMod val="85000"/>
@@ -19070,7 +23476,7 @@
               <a:lstStyle/>
               <a:p>
                 <a:pPr algn="ctr"/>
-                <a:endParaRPr lang="pt-BR" sz="1200" dirty="0">
+                <a:endParaRPr lang="pt-BR" sz="1000" dirty="0">
                   <a:solidFill>
                     <a:schemeClr val="bg1">
                       <a:lumMod val="85000"/>
@@ -19127,7 +23533,7 @@
               <a:lstStyle/>
               <a:p>
                 <a:r>
-                  <a:rPr lang="pt-BR" sz="1200" dirty="0">
+                  <a:rPr lang="pt-BR" sz="1000" dirty="0">
                     <a:solidFill>
                       <a:schemeClr val="bg1"/>
                     </a:solidFill>
@@ -19139,7 +23545,7 @@
               </a:p>
               <a:p>
                 <a:r>
-                  <a:rPr lang="pt-BR" sz="1200" dirty="0">
+                  <a:rPr lang="pt-BR" sz="1000" dirty="0">
                     <a:solidFill>
                       <a:schemeClr val="bg1"/>
                     </a:solidFill>
@@ -19151,7 +23557,7 @@
               </a:p>
               <a:p>
                 <a:r>
-                  <a:rPr lang="pt-BR" sz="1200" dirty="0">
+                  <a:rPr lang="pt-BR" sz="1000" dirty="0">
                     <a:solidFill>
                       <a:schemeClr val="bg1"/>
                     </a:solidFill>
@@ -19162,7 +23568,7 @@
                 </a:r>
               </a:p>
               <a:p>
-                <a:endParaRPr lang="pt-BR" sz="1200" dirty="0">
+                <a:endParaRPr lang="pt-BR" sz="1000" dirty="0">
                   <a:solidFill>
                     <a:schemeClr val="bg1"/>
                   </a:solidFill>
@@ -19218,7 +23624,7 @@
               <a:p>
                 <a:pPr algn="ctr"/>
                 <a:r>
-                  <a:rPr lang="pt-BR" dirty="0" err="1">
+                  <a:rPr lang="pt-BR" sz="1200" dirty="0" err="1">
                     <a:solidFill>
                       <a:schemeClr val="bg1">
                         <a:lumMod val="85000"/>
@@ -19227,7 +23633,7 @@
                   </a:rPr>
                   <a:t>Block</a:t>
                 </a:r>
-                <a:endParaRPr lang="pt-BR" dirty="0">
+                <a:endParaRPr lang="pt-BR" sz="1200" dirty="0">
                   <a:solidFill>
                     <a:schemeClr val="bg1">
                       <a:lumMod val="85000"/>
@@ -19303,7 +23709,7 @@
               <a:lstStyle/>
               <a:p>
                 <a:pPr algn="ctr"/>
-                <a:endParaRPr lang="pt-BR" sz="1200" dirty="0">
+                <a:endParaRPr lang="pt-BR" sz="1000" dirty="0">
                   <a:solidFill>
                     <a:schemeClr val="bg1">
                       <a:lumMod val="85000"/>
@@ -19361,7 +23767,7 @@
               <a:p>
                 <a:pPr algn="ctr"/>
                 <a:r>
-                  <a:rPr lang="pt-BR" dirty="0">
+                  <a:rPr lang="pt-BR" sz="1200" dirty="0">
                     <a:solidFill>
                       <a:schemeClr val="bg1">
                         <a:lumMod val="85000"/>
@@ -19418,7 +23824,7 @@
               <a:lstStyle/>
               <a:p>
                 <a:r>
-                  <a:rPr lang="pt-BR" sz="1200" dirty="0">
+                  <a:rPr lang="pt-BR" sz="1000" dirty="0">
                     <a:solidFill>
                       <a:schemeClr val="bg1"/>
                     </a:solidFill>
@@ -19430,7 +23836,7 @@
               </a:p>
               <a:p>
                 <a:r>
-                  <a:rPr lang="pt-BR" sz="1200" dirty="0">
+                  <a:rPr lang="pt-BR" sz="1000" dirty="0">
                     <a:solidFill>
                       <a:schemeClr val="bg1"/>
                     </a:solidFill>
@@ -19442,7 +23848,7 @@
               </a:p>
               <a:p>
                 <a:r>
-                  <a:rPr lang="pt-BR" sz="1200" dirty="0">
+                  <a:rPr lang="pt-BR" sz="1000" dirty="0">
                     <a:solidFill>
                       <a:schemeClr val="bg1"/>
                     </a:solidFill>
@@ -19521,7 +23927,7 @@
               <a:p>
                 <a:pPr algn="ctr"/>
                 <a:r>
-                  <a:rPr lang="pt-BR" sz="1400" dirty="0" err="1">
+                  <a:rPr lang="pt-BR" sz="1050" dirty="0" err="1">
                     <a:solidFill>
                       <a:schemeClr val="bg1">
                         <a:lumMod val="85000"/>
@@ -19532,7 +23938,7 @@
                   </a:rPr>
                   <a:t>Object</a:t>
                 </a:r>
-                <a:endParaRPr lang="pt-BR" sz="1050" dirty="0">
+                <a:endParaRPr lang="pt-BR" sz="800" dirty="0">
                   <a:solidFill>
                     <a:schemeClr val="bg1">
                       <a:lumMod val="85000"/>
@@ -19589,7 +23995,7 @@
               <a:lstStyle/>
               <a:p>
                 <a:r>
-                  <a:rPr lang="pt-BR" sz="1100" dirty="0">
+                  <a:rPr lang="pt-BR" sz="900" dirty="0">
                     <a:solidFill>
                       <a:schemeClr val="bg1"/>
                     </a:solidFill>
@@ -19599,7 +24005,7 @@
                   <a:t>  </a:t>
                 </a:r>
                 <a:r>
-                  <a:rPr lang="pt-BR" sz="1100" dirty="0" err="1">
+                  <a:rPr lang="pt-BR" sz="900" dirty="0" err="1">
                     <a:solidFill>
                       <a:schemeClr val="bg1"/>
                     </a:solidFill>
@@ -19609,7 +24015,7 @@
                   <a:t>Translate</a:t>
                 </a:r>
                 <a:r>
-                  <a:rPr lang="pt-BR" sz="1100" dirty="0">
+                  <a:rPr lang="pt-BR" sz="900" dirty="0">
                     <a:solidFill>
                       <a:schemeClr val="bg1"/>
                     </a:solidFill>
@@ -19621,7 +24027,7 @@
               </a:p>
               <a:p>
                 <a:r>
-                  <a:rPr lang="pt-BR" sz="1100" dirty="0">
+                  <a:rPr lang="pt-BR" sz="900" dirty="0">
                     <a:solidFill>
                       <a:schemeClr val="bg1"/>
                     </a:solidFill>
@@ -19631,7 +24037,7 @@
                   <a:t>  </a:t>
                 </a:r>
                 <a:r>
-                  <a:rPr lang="pt-BR" sz="1100" dirty="0" err="1">
+                  <a:rPr lang="pt-BR" sz="900" dirty="0" err="1">
                     <a:solidFill>
                       <a:schemeClr val="bg1"/>
                     </a:solidFill>
@@ -19641,7 +24047,7 @@
                   <a:t>MoveTo</a:t>
                 </a:r>
                 <a:r>
-                  <a:rPr lang="pt-BR" sz="1100" dirty="0">
+                  <a:rPr lang="pt-BR" sz="900" dirty="0">
                     <a:solidFill>
                       <a:schemeClr val="bg1"/>
                     </a:solidFill>
@@ -19651,7 +24057,7 @@
                   <a:t>()</a:t>
                 </a:r>
                 <a:br>
-                  <a:rPr lang="pt-BR" sz="1100" dirty="0">
+                  <a:rPr lang="pt-BR" sz="900" dirty="0">
                     <a:solidFill>
                       <a:schemeClr val="bg1"/>
                     </a:solidFill>
@@ -19659,7 +24065,7 @@
                     <a:cs typeface="Consolas" pitchFamily="49" charset="0"/>
                   </a:rPr>
                 </a:br>
-                <a:endParaRPr lang="pt-BR" sz="1100" dirty="0">
+                <a:endParaRPr lang="pt-BR" sz="900" dirty="0">
                   <a:solidFill>
                     <a:schemeClr val="bg1"/>
                   </a:solidFill>
@@ -19669,7 +24075,7 @@
               </a:p>
               <a:p>
                 <a:r>
-                  <a:rPr lang="pt-BR" sz="1100" dirty="0">
+                  <a:rPr lang="pt-BR" sz="900" dirty="0">
                     <a:solidFill>
                       <a:schemeClr val="bg1"/>
                     </a:solidFill>
@@ -19681,7 +24087,7 @@
               </a:p>
               <a:p>
                 <a:r>
-                  <a:rPr lang="pt-BR" sz="1100" dirty="0">
+                  <a:rPr lang="pt-BR" sz="900" dirty="0">
                     <a:solidFill>
                       <a:schemeClr val="bg1"/>
                     </a:solidFill>
@@ -19693,7 +24099,7 @@
               </a:p>
               <a:p>
                 <a:r>
-                  <a:rPr lang="pt-BR" sz="1100" dirty="0">
+                  <a:rPr lang="pt-BR" sz="900" dirty="0">
                     <a:solidFill>
                       <a:schemeClr val="bg1"/>
                     </a:solidFill>
@@ -19719,8 +24125,8 @@
             </p:nvSpPr>
             <p:spPr>
               <a:xfrm>
-                <a:off x="2305478" y="3446169"/>
-                <a:ext cx="1872208" cy="660119"/>
+                <a:off x="2305477" y="3446169"/>
+                <a:ext cx="1872209" cy="671610"/>
               </a:xfrm>
               <a:prstGeom prst="rect">
                 <a:avLst/>
@@ -19741,7 +24147,7 @@
               <a:lstStyle/>
               <a:p>
                 <a:r>
-                  <a:rPr lang="pt-BR" sz="1200" dirty="0">
+                  <a:rPr lang="pt-BR" sz="1000" dirty="0">
                     <a:solidFill>
                       <a:schemeClr val="bg1">
                         <a:lumMod val="85000"/>
@@ -19753,7 +24159,7 @@
                   <a:t>x, y, z</a:t>
                 </a:r>
                 <a:br>
-                  <a:rPr lang="pt-BR" sz="1200" dirty="0">
+                  <a:rPr lang="pt-BR" sz="1000" dirty="0">
                     <a:solidFill>
                       <a:schemeClr val="bg1">
                         <a:lumMod val="85000"/>
@@ -19764,7 +24170,7 @@
                   </a:rPr>
                 </a:br>
                 <a:r>
-                  <a:rPr lang="pt-BR" sz="1200" dirty="0" err="1">
+                  <a:rPr lang="pt-BR" sz="1000" dirty="0" err="1">
                     <a:solidFill>
                       <a:schemeClr val="bg1">
                         <a:lumMod val="85000"/>
@@ -19775,7 +24181,7 @@
                   </a:rPr>
                   <a:t>bbox</a:t>
                 </a:r>
-                <a:endParaRPr lang="pt-BR" sz="1200" dirty="0">
+                <a:endParaRPr lang="pt-BR" sz="1000" dirty="0">
                   <a:solidFill>
                     <a:schemeClr val="bg1">
                       <a:lumMod val="85000"/>
@@ -19931,7 +24337,7 @@
 </p:sld>
 </file>
 
-<file path=ppt/slides/slide17.xml><?xml version="1.0" encoding="utf-8"?>
+<file path=ppt/slides/slide19.xml><?xml version="1.0" encoding="utf-8"?>
 <p:sld xmlns:a="http://schemas.openxmlformats.org/drawingml/2006/main" xmlns:r="http://schemas.openxmlformats.org/officeDocument/2006/relationships" xmlns:p="http://schemas.openxmlformats.org/presentationml/2006/main">
   <p:cSld>
     <p:spTree>
@@ -20044,7 +24450,7 @@
           <a:p>
             <a:r>
               <a:rPr lang="pt-BR" dirty="0"/>
-              <a:t>Sistema de Colisão</a:t>
+              <a:t>Implementação</a:t>
             </a:r>
           </a:p>
         </p:txBody>
@@ -21228,177 +25634,6 @@
 </p:sld>
 </file>
 
-<file path=ppt/slides/slide18.xml><?xml version="1.0" encoding="utf-8"?>
-<p:sld xmlns:a="http://schemas.openxmlformats.org/drawingml/2006/main" xmlns:r="http://schemas.openxmlformats.org/officeDocument/2006/relationships" xmlns:p="http://schemas.openxmlformats.org/presentationml/2006/main">
-  <p:cSld>
-    <p:spTree>
-      <p:nvGrpSpPr>
-        <p:cNvPr id="1" name=""/>
-        <p:cNvGrpSpPr/>
-        <p:nvPr/>
-      </p:nvGrpSpPr>
-      <p:grpSpPr>
-        <a:xfrm>
-          <a:off x="0" y="0"/>
-          <a:ext cx="0" cy="0"/>
-          <a:chOff x="0" y="0"/>
-          <a:chExt cx="0" cy="0"/>
-        </a:xfrm>
-      </p:grpSpPr>
-      <p:sp>
-        <p:nvSpPr>
-          <p:cNvPr id="2" name="Espaço Reservado para Conteúdo 1"/>
-          <p:cNvSpPr>
-            <a:spLocks noGrp="1"/>
-          </p:cNvSpPr>
-          <p:nvPr>
-            <p:ph idx="1"/>
-          </p:nvPr>
-        </p:nvSpPr>
-        <p:spPr>
-          <a:xfrm>
-            <a:off x="609600" y="1481328"/>
-            <a:ext cx="10972800" cy="4972008"/>
-          </a:xfrm>
-        </p:spPr>
-        <p:txBody>
-          <a:bodyPr>
-            <a:normAutofit/>
-          </a:bodyPr>
-          <a:lstStyle/>
-          <a:p>
-            <a:r>
-              <a:rPr lang="pt-BR" dirty="0"/>
-              <a:t>A detecção de colisão fornece o </a:t>
-            </a:r>
-            <a:r>
-              <a:rPr lang="pt-BR" dirty="0">
-                <a:solidFill>
-                  <a:schemeClr val="accent1">
-                    <a:lumMod val="75000"/>
-                  </a:schemeClr>
-                </a:solidFill>
-              </a:rPr>
-              <a:t>conceito de massa</a:t>
-            </a:r>
-            <a:r>
-              <a:rPr lang="pt-BR" dirty="0"/>
-              <a:t> aos objetos de um jogo</a:t>
-            </a:r>
-          </a:p>
-          <a:p>
-            <a:pPr lvl="1"/>
-            <a:r>
-              <a:rPr lang="pt-BR" dirty="0"/>
-              <a:t>Sem ela os objetos atravessam uns aos outros</a:t>
-            </a:r>
-          </a:p>
-          <a:p>
-            <a:r>
-              <a:rPr lang="pt-BR" dirty="0"/>
-              <a:t>O </a:t>
-            </a:r>
-            <a:r>
-              <a:rPr lang="pt-BR" dirty="0">
-                <a:solidFill>
-                  <a:schemeClr val="accent1">
-                    <a:lumMod val="75000"/>
-                  </a:schemeClr>
-                </a:solidFill>
-              </a:rPr>
-              <a:t>tratamento de colisão </a:t>
-            </a:r>
-            <a:r>
-              <a:rPr lang="pt-BR" dirty="0"/>
-              <a:t>consiste em:</a:t>
-            </a:r>
-          </a:p>
-          <a:p>
-            <a:pPr lvl="1"/>
-            <a:r>
-              <a:rPr lang="pt-BR" dirty="0"/>
-              <a:t>Detecção da colisão</a:t>
-            </a:r>
-          </a:p>
-          <a:p>
-            <a:pPr lvl="1"/>
-            <a:r>
-              <a:rPr lang="pt-BR" dirty="0"/>
-              <a:t>Resolução da colisão</a:t>
-            </a:r>
-          </a:p>
-          <a:p>
-            <a:r>
-              <a:rPr lang="pt-BR" dirty="0"/>
-              <a:t>É um procedimento de </a:t>
-            </a:r>
-            <a:r>
-              <a:rPr lang="pt-BR" dirty="0">
-                <a:solidFill>
-                  <a:schemeClr val="accent1">
-                    <a:lumMod val="75000"/>
-                  </a:schemeClr>
-                </a:solidFill>
-              </a:rPr>
-              <a:t>custo elevado </a:t>
-            </a:r>
-          </a:p>
-          <a:p>
-            <a:pPr lvl="1"/>
-            <a:r>
-              <a:rPr lang="pt-BR" dirty="0"/>
-              <a:t>É preciso simplificar geometrias</a:t>
-            </a:r>
-          </a:p>
-          <a:p>
-            <a:pPr lvl="1"/>
-            <a:r>
-              <a:rPr lang="pt-BR" dirty="0"/>
-              <a:t>Utilizar particionamento </a:t>
-            </a:r>
-            <a:r>
-              <a:rPr lang="pt-BR"/>
-              <a:t>do espaço</a:t>
-            </a:r>
-            <a:endParaRPr lang="pt-BR" dirty="0"/>
-          </a:p>
-        </p:txBody>
-      </p:sp>
-      <p:sp>
-        <p:nvSpPr>
-          <p:cNvPr id="3" name="Título 2"/>
-          <p:cNvSpPr>
-            <a:spLocks noGrp="1"/>
-          </p:cNvSpPr>
-          <p:nvPr>
-            <p:ph type="title"/>
-          </p:nvPr>
-        </p:nvSpPr>
-        <p:spPr/>
-        <p:txBody>
-          <a:bodyPr/>
-          <a:lstStyle/>
-          <a:p>
-            <a:r>
-              <a:rPr lang="pt-BR" dirty="0"/>
-              <a:t>Resumo</a:t>
-            </a:r>
-          </a:p>
-        </p:txBody>
-      </p:sp>
-    </p:spTree>
-    <p:extLst>
-      <p:ext uri="{BB962C8B-B14F-4D97-AF65-F5344CB8AC3E}">
-        <p14:creationId xmlns:p14="http://schemas.microsoft.com/office/powerpoint/2010/main" val="904695914"/>
-      </p:ext>
-    </p:extLst>
-  </p:cSld>
-  <p:clrMapOvr>
-    <a:masterClrMapping/>
-  </p:clrMapOvr>
-</p:sld>
-</file>
-
 <file path=ppt/slides/slide2.xml><?xml version="1.0" encoding="utf-8"?>
 <p:sld xmlns:a="http://schemas.openxmlformats.org/drawingml/2006/main" xmlns:r="http://schemas.openxmlformats.org/officeDocument/2006/relationships" xmlns:p="http://schemas.openxmlformats.org/presentationml/2006/main">
   <p:cSld>
@@ -21460,9 +25695,14 @@
           </a:bodyPr>
           <a:lstStyle/>
           <a:p>
+            <a:pPr>
+              <a:spcAft>
+                <a:spcPts val="1200"/>
+              </a:spcAft>
+            </a:pPr>
             <a:r>
               <a:rPr lang="pt-BR" dirty="0"/>
-              <a:t>No mundo real os objetos estão condicionados às:</a:t>
+              <a:t>No mundo real, os objetos estão condicionados às:</a:t>
             </a:r>
           </a:p>
           <a:p>
@@ -21500,15 +25740,15 @@
             </a:r>
           </a:p>
           <a:p>
-            <a:pPr lvl="2"/>
+            <a:pPr lvl="2">
+              <a:spcAft>
+                <a:spcPts val="1200"/>
+              </a:spcAft>
+            </a:pPr>
             <a:r>
               <a:rPr lang="pt-BR" dirty="0"/>
               <a:t>Etc.</a:t>
             </a:r>
-            <a:br>
-              <a:rPr lang="pt-BR" dirty="0"/>
-            </a:br>
-            <a:endParaRPr lang="pt-BR" dirty="0"/>
           </a:p>
           <a:p>
             <a:pPr lvl="1"/>
@@ -21570,7 +25810,7 @@
         </p:nvSpPr>
         <p:spPr>
           <a:xfrm>
-            <a:off x="839416" y="4725144"/>
+            <a:off x="954120" y="4581128"/>
             <a:ext cx="5616624" cy="1015663"/>
           </a:xfrm>
           <a:prstGeom prst="rect">
@@ -22171,6 +26411,187 @@
 </p:sld>
 </file>
 
+<file path=ppt/slides/slide20.xml><?xml version="1.0" encoding="utf-8"?>
+<p:sld xmlns:a="http://schemas.openxmlformats.org/drawingml/2006/main" xmlns:r="http://schemas.openxmlformats.org/officeDocument/2006/relationships" xmlns:p="http://schemas.openxmlformats.org/presentationml/2006/main">
+  <p:cSld>
+    <p:spTree>
+      <p:nvGrpSpPr>
+        <p:cNvPr id="1" name=""/>
+        <p:cNvGrpSpPr/>
+        <p:nvPr/>
+      </p:nvGrpSpPr>
+      <p:grpSpPr>
+        <a:xfrm>
+          <a:off x="0" y="0"/>
+          <a:ext cx="0" cy="0"/>
+          <a:chOff x="0" y="0"/>
+          <a:chExt cx="0" cy="0"/>
+        </a:xfrm>
+      </p:grpSpPr>
+      <p:sp>
+        <p:nvSpPr>
+          <p:cNvPr id="2" name="Espaço Reservado para Conteúdo 1"/>
+          <p:cNvSpPr>
+            <a:spLocks noGrp="1"/>
+          </p:cNvSpPr>
+          <p:nvPr>
+            <p:ph idx="1"/>
+          </p:nvPr>
+        </p:nvSpPr>
+        <p:spPr>
+          <a:xfrm>
+            <a:off x="609600" y="1481328"/>
+            <a:ext cx="10972800" cy="4972008"/>
+          </a:xfrm>
+        </p:spPr>
+        <p:txBody>
+          <a:bodyPr>
+            <a:normAutofit/>
+          </a:bodyPr>
+          <a:lstStyle/>
+          <a:p>
+            <a:r>
+              <a:rPr lang="pt-BR" dirty="0"/>
+              <a:t>A detecção de colisão fornece o </a:t>
+            </a:r>
+            <a:r>
+              <a:rPr lang="pt-BR" dirty="0">
+                <a:solidFill>
+                  <a:schemeClr val="accent1">
+                    <a:lumMod val="75000"/>
+                  </a:schemeClr>
+                </a:solidFill>
+              </a:rPr>
+              <a:t>conceito de massa</a:t>
+            </a:r>
+            <a:r>
+              <a:rPr lang="pt-BR" dirty="0"/>
+              <a:t> </a:t>
+            </a:r>
+            <a:br>
+              <a:rPr lang="pt-BR" dirty="0"/>
+            </a:br>
+            <a:r>
+              <a:rPr lang="pt-BR" dirty="0"/>
+              <a:t>aos objetos de um jogo</a:t>
+            </a:r>
+          </a:p>
+          <a:p>
+            <a:pPr lvl="1">
+              <a:spcAft>
+                <a:spcPts val="1200"/>
+              </a:spcAft>
+            </a:pPr>
+            <a:r>
+              <a:rPr lang="pt-BR" dirty="0"/>
+              <a:t>Sem ela os objetos atravessariam uns aos outros</a:t>
+            </a:r>
+          </a:p>
+          <a:p>
+            <a:r>
+              <a:rPr lang="pt-BR" dirty="0"/>
+              <a:t>O </a:t>
+            </a:r>
+            <a:r>
+              <a:rPr lang="pt-BR" dirty="0">
+                <a:solidFill>
+                  <a:schemeClr val="accent1">
+                    <a:lumMod val="75000"/>
+                  </a:schemeClr>
+                </a:solidFill>
+              </a:rPr>
+              <a:t>tratamento de colisão </a:t>
+            </a:r>
+            <a:r>
+              <a:rPr lang="pt-BR" dirty="0"/>
+              <a:t>consiste em:</a:t>
+            </a:r>
+          </a:p>
+          <a:p>
+            <a:pPr lvl="1"/>
+            <a:r>
+              <a:rPr lang="pt-BR" dirty="0"/>
+              <a:t>Detecção da colisão</a:t>
+            </a:r>
+          </a:p>
+          <a:p>
+            <a:pPr lvl="1">
+              <a:spcAft>
+                <a:spcPts val="1200"/>
+              </a:spcAft>
+            </a:pPr>
+            <a:r>
+              <a:rPr lang="pt-BR" dirty="0"/>
+              <a:t>Resolução da colisão</a:t>
+            </a:r>
+          </a:p>
+          <a:p>
+            <a:r>
+              <a:rPr lang="pt-BR" dirty="0"/>
+              <a:t>É um procedimento de </a:t>
+            </a:r>
+            <a:r>
+              <a:rPr lang="pt-BR" dirty="0">
+                <a:solidFill>
+                  <a:schemeClr val="accent1">
+                    <a:lumMod val="75000"/>
+                  </a:schemeClr>
+                </a:solidFill>
+              </a:rPr>
+              <a:t>custo elevado </a:t>
+            </a:r>
+          </a:p>
+          <a:p>
+            <a:pPr lvl="1"/>
+            <a:r>
+              <a:rPr lang="pt-BR" dirty="0"/>
+              <a:t>É preciso simplificar geometrias</a:t>
+            </a:r>
+          </a:p>
+          <a:p>
+            <a:pPr lvl="1"/>
+            <a:r>
+              <a:rPr lang="pt-BR" dirty="0"/>
+              <a:t>Utilizar particionamento do espaço</a:t>
+            </a:r>
+          </a:p>
+        </p:txBody>
+      </p:sp>
+      <p:sp>
+        <p:nvSpPr>
+          <p:cNvPr id="3" name="Título 2"/>
+          <p:cNvSpPr>
+            <a:spLocks noGrp="1"/>
+          </p:cNvSpPr>
+          <p:nvPr>
+            <p:ph type="title"/>
+          </p:nvPr>
+        </p:nvSpPr>
+        <p:spPr/>
+        <p:txBody>
+          <a:bodyPr/>
+          <a:lstStyle/>
+          <a:p>
+            <a:r>
+              <a:rPr lang="pt-BR" dirty="0"/>
+              <a:t>Resumo</a:t>
+            </a:r>
+          </a:p>
+        </p:txBody>
+      </p:sp>
+    </p:spTree>
+    <p:extLst>
+      <p:ext uri="{BB962C8B-B14F-4D97-AF65-F5344CB8AC3E}">
+        <p14:creationId xmlns:p14="http://schemas.microsoft.com/office/powerpoint/2010/main" val="904695914"/>
+      </p:ext>
+    </p:extLst>
+  </p:cSld>
+  <p:clrMapOvr>
+    <a:masterClrMapping/>
+  </p:clrMapOvr>
+</p:sld>
+</file>
+
 <file path=ppt/slides/slide3.xml><?xml version="1.0" encoding="utf-8"?>
 <p:sld xmlns:a="http://schemas.openxmlformats.org/drawingml/2006/main" xmlns:r="http://schemas.openxmlformats.org/officeDocument/2006/relationships" xmlns:p="http://schemas.openxmlformats.org/presentationml/2006/main">
   <p:cSld>
@@ -22212,7 +26633,7 @@
           <a:p>
             <a:r>
               <a:rPr lang="pt-BR" dirty="0"/>
-              <a:t>No mundo virtual, é preciso criar as regras:</a:t>
+              <a:t>No mundo virtual, nós definimos as regras</a:t>
             </a:r>
           </a:p>
           <a:p>
@@ -23211,7 +27632,7 @@
           <a:p>
             <a:r>
               <a:rPr lang="pt-BR" dirty="0"/>
-              <a:t>Para determinar a colisão existem basicamente </a:t>
+              <a:t>Para determinar a colisão existem </a:t>
             </a:r>
             <a:r>
               <a:rPr lang="pt-BR" dirty="0">
@@ -24492,8 +28913,25 @@
               <a:buNone/>
             </a:pPr>
             <a:r>
-              <a:rPr lang="pt-BR" dirty="0"/>
-              <a:t>Ex.: balas em um jogo de tiro</a:t>
+              <a:rPr lang="pt-BR" dirty="0">
+                <a:solidFill>
+                  <a:schemeClr val="accent2">
+                    <a:lumMod val="60000"/>
+                    <a:lumOff val="40000"/>
+                  </a:schemeClr>
+                </a:solidFill>
+              </a:rPr>
+              <a:t>Ex.: </a:t>
+            </a:r>
+            <a:r>
+              <a:rPr lang="pt-BR" dirty="0">
+                <a:solidFill>
+                  <a:schemeClr val="accent2">
+                    <a:lumMod val="75000"/>
+                  </a:schemeClr>
+                </a:solidFill>
+              </a:rPr>
+              <a:t>balas em um jogo de tiro</a:t>
             </a:r>
           </a:p>
           <a:p>
@@ -24556,21 +28994,23 @@
         </p:nvGrpSpPr>
         <p:grpSpPr>
           <a:xfrm>
-            <a:off x="1343472" y="3573016"/>
-            <a:ext cx="5760640" cy="1923363"/>
-            <a:chOff x="2639616" y="3478306"/>
-            <a:chExt cx="3744416" cy="1250186"/>
+            <a:off x="1343472" y="3720993"/>
+            <a:ext cx="5760640" cy="1775386"/>
+            <a:chOff x="2639616" y="3574491"/>
+            <a:chExt cx="3744416" cy="1154001"/>
           </a:xfrm>
         </p:grpSpPr>
         <p:cxnSp>
           <p:nvCxnSpPr>
             <p:cNvPr id="23" name="Conector reto 22"/>
-            <p:cNvCxnSpPr/>
+            <p:cNvCxnSpPr>
+              <a:cxnSpLocks/>
+            </p:cNvCxnSpPr>
             <p:nvPr/>
           </p:nvCxnSpPr>
           <p:spPr>
             <a:xfrm>
-              <a:off x="4655840" y="4219615"/>
+              <a:off x="4655840" y="4216157"/>
               <a:ext cx="1728192" cy="0"/>
             </a:xfrm>
             <a:prstGeom prst="line">
@@ -24741,12 +29181,14 @@
         <p:cxnSp>
           <p:nvCxnSpPr>
             <p:cNvPr id="28" name="Conector reto 27"/>
-            <p:cNvCxnSpPr/>
+            <p:cNvCxnSpPr>
+              <a:cxnSpLocks/>
+            </p:cNvCxnSpPr>
             <p:nvPr/>
           </p:nvCxnSpPr>
           <p:spPr>
             <a:xfrm>
-              <a:off x="2639616" y="4219615"/>
+              <a:off x="2639616" y="4216157"/>
               <a:ext cx="1728192" cy="0"/>
             </a:xfrm>
             <a:prstGeom prst="line">
@@ -24869,7 +29311,7 @@
           </p:nvSpPr>
           <p:spPr>
             <a:xfrm rot="5400000">
-              <a:off x="5034181" y="4125406"/>
+              <a:off x="5034181" y="4125405"/>
               <a:ext cx="107414" cy="181505"/>
             </a:xfrm>
             <a:prstGeom prst="triangle">
@@ -25134,8 +29576,8 @@
             <p:nvPr/>
           </p:nvSpPr>
           <p:spPr>
-            <a:xfrm>
-              <a:off x="4681709" y="3478306"/>
+            <a:xfrm rot="1695994">
+              <a:off x="4385512" y="3574491"/>
               <a:ext cx="456583" cy="200055"/>
             </a:xfrm>
             <a:prstGeom prst="rect">
@@ -25212,8 +29654,8 @@
         </p:nvSpPr>
         <p:spPr>
           <a:xfrm>
-            <a:off x="7811316" y="3646123"/>
-            <a:ext cx="3168350" cy="1477328"/>
+            <a:off x="7334913" y="2852936"/>
+            <a:ext cx="3253236" cy="1631216"/>
           </a:xfrm>
           <a:prstGeom prst="rect">
             <a:avLst/>
@@ -25228,7 +29670,7 @@
           <a:p>
             <a:pPr algn="ctr"/>
             <a:r>
-              <a:rPr lang="pt-BR" dirty="0">
+              <a:rPr lang="pt-BR" sz="2000" dirty="0">
                 <a:solidFill>
                   <a:schemeClr val="bg1">
                     <a:lumMod val="75000"/>
@@ -25238,7 +29680,7 @@
               <a:t>O </a:t>
             </a:r>
             <a:r>
-              <a:rPr lang="pt-BR" dirty="0">
+              <a:rPr lang="pt-BR" sz="2000" dirty="0">
                 <a:solidFill>
                   <a:schemeClr val="accent1">
                     <a:lumMod val="75000"/>
@@ -25248,14 +29690,14 @@
               <a:t>teste se sobreposição </a:t>
             </a:r>
             <a:r>
-              <a:rPr lang="pt-BR" dirty="0">
+              <a:rPr lang="pt-BR" sz="2000" dirty="0">
                 <a:solidFill>
                   <a:schemeClr val="bg1">
                     <a:lumMod val="75000"/>
                   </a:schemeClr>
                 </a:solidFill>
               </a:rPr>
-              <a:t>só pode ser usado se houver um controle da velocidade dos objetos e da taxa de atualização do jogo.</a:t>
+              <a:t>requer um controle da velocidade dos objetos e da taxa de atualização do jogo.</a:t>
             </a:r>
           </a:p>
         </p:txBody>
@@ -25374,8 +29816,25 @@
               <a:rPr lang="pt-BR" dirty="0"/>
             </a:br>
             <a:r>
-              <a:rPr lang="pt-BR" dirty="0"/>
-              <a:t>Ex.: personagens segurando armas</a:t>
+              <a:rPr lang="pt-BR" dirty="0">
+                <a:solidFill>
+                  <a:schemeClr val="accent2">
+                    <a:lumMod val="60000"/>
+                    <a:lumOff val="40000"/>
+                  </a:schemeClr>
+                </a:solidFill>
+              </a:rPr>
+              <a:t>Ex.: </a:t>
+            </a:r>
+            <a:r>
+              <a:rPr lang="pt-BR" dirty="0">
+                <a:solidFill>
+                  <a:schemeClr val="accent2">
+                    <a:lumMod val="75000"/>
+                  </a:schemeClr>
+                </a:solidFill>
+              </a:rPr>
+              <a:t>personagens segurando armas</a:t>
             </a:r>
           </a:p>
           <a:p>
@@ -25520,7 +29979,7 @@
         </p:nvSpPr>
         <p:spPr>
           <a:xfrm>
-            <a:off x="8204072" y="3702233"/>
+            <a:off x="7453885" y="3922603"/>
             <a:ext cx="2448271" cy="307777"/>
           </a:xfrm>
           <a:prstGeom prst="rect">
@@ -25562,7 +30021,7 @@
         </p:nvGrpSpPr>
         <p:grpSpPr>
           <a:xfrm>
-            <a:off x="8204072" y="4019065"/>
+            <a:off x="7453885" y="4239435"/>
             <a:ext cx="2448272" cy="2016224"/>
             <a:chOff x="5837044" y="4221088"/>
             <a:chExt cx="2448272" cy="2016224"/>
@@ -26342,7 +30801,14 @@
           <a:p>
             <a:r>
               <a:rPr lang="pt-BR" dirty="0"/>
-              <a:t>Uma solução para lidar com geometrias complexas é simplificar a geometria usando uma </a:t>
+              <a:t>Uma solução para lidar com geometrias complexas</a:t>
+            </a:r>
+            <a:br>
+              <a:rPr lang="pt-BR" dirty="0"/>
+            </a:br>
+            <a:r>
+              <a:rPr lang="pt-BR" dirty="0"/>
+              <a:t>é simplificar a geometria usando uma </a:t>
             </a:r>
             <a:r>
               <a:rPr lang="pt-BR" dirty="0">
@@ -26379,309 +30845,384 @@
           </a:p>
         </p:txBody>
       </p:sp>
-      <p:sp>
-        <p:nvSpPr>
-          <p:cNvPr id="4" name="Estrela de 7 Pontos 3"/>
-          <p:cNvSpPr/>
+      <p:grpSp>
+        <p:nvGrpSpPr>
+          <p:cNvPr id="16" name="Agrupar 15">
+            <a:extLst>
+              <a:ext uri="{FF2B5EF4-FFF2-40B4-BE49-F238E27FC236}">
+                <a16:creationId xmlns:a16="http://schemas.microsoft.com/office/drawing/2014/main" id="{935F7ACB-64B8-4487-922F-8888B641B582}"/>
+              </a:ext>
+            </a:extLst>
+          </p:cNvPr>
+          <p:cNvGrpSpPr/>
           <p:nvPr/>
-        </p:nvSpPr>
-        <p:spPr>
-          <a:xfrm>
-            <a:off x="3194745" y="3170895"/>
-            <a:ext cx="1944216" cy="1872208"/>
-          </a:xfrm>
-          <a:prstGeom prst="star7">
-            <a:avLst/>
-          </a:prstGeom>
-          <a:solidFill>
-            <a:schemeClr val="accent1">
-              <a:lumMod val="50000"/>
-            </a:schemeClr>
-          </a:solidFill>
-          <a:ln>
-            <a:noFill/>
-          </a:ln>
-        </p:spPr>
-        <p:style>
-          <a:lnRef idx="1">
-            <a:schemeClr val="accent1"/>
-          </a:lnRef>
-          <a:fillRef idx="2">
-            <a:schemeClr val="accent1"/>
-          </a:fillRef>
-          <a:effectRef idx="1">
-            <a:schemeClr val="accent1"/>
-          </a:effectRef>
-          <a:fontRef idx="minor">
-            <a:schemeClr val="dk1"/>
-          </a:fontRef>
-        </p:style>
-        <p:txBody>
-          <a:bodyPr rtlCol="0" anchor="ctr"/>
-          <a:lstStyle/>
-          <a:p>
-            <a:pPr algn="ctr"/>
-            <a:endParaRPr lang="pt-BR"/>
-          </a:p>
-        </p:txBody>
-      </p:sp>
-      <p:sp>
-        <p:nvSpPr>
-          <p:cNvPr id="5" name="Elipse 4"/>
-          <p:cNvSpPr/>
-          <p:nvPr/>
-        </p:nvSpPr>
-        <p:spPr>
+        </p:nvGrpSpPr>
+        <p:grpSpPr>
           <a:xfrm>
             <a:off x="3143672" y="3140968"/>
-            <a:ext cx="2046362" cy="2046362"/>
+            <a:ext cx="2046362" cy="2713387"/>
+            <a:chOff x="3143672" y="3140968"/>
+            <a:chExt cx="2046362" cy="2713387"/>
           </a:xfrm>
-          <a:prstGeom prst="ellipse">
-            <a:avLst/>
-          </a:prstGeom>
-          <a:noFill/>
-          <a:ln w="12700">
+        </p:grpSpPr>
+        <p:sp>
+          <p:nvSpPr>
+            <p:cNvPr id="4" name="Estrela de 7 Pontos 3"/>
+            <p:cNvSpPr/>
+            <p:nvPr/>
+          </p:nvSpPr>
+          <p:spPr>
+            <a:xfrm>
+              <a:off x="3194745" y="3170895"/>
+              <a:ext cx="1944216" cy="1872208"/>
+            </a:xfrm>
+            <a:prstGeom prst="star7">
+              <a:avLst/>
+            </a:prstGeom>
             <a:solidFill>
               <a:schemeClr val="accent1">
-                <a:lumMod val="60000"/>
-                <a:lumOff val="40000"/>
+                <a:lumMod val="50000"/>
               </a:schemeClr>
             </a:solidFill>
-          </a:ln>
-        </p:spPr>
-        <p:style>
-          <a:lnRef idx="1">
-            <a:schemeClr val="accent1"/>
-          </a:lnRef>
-          <a:fillRef idx="2">
-            <a:schemeClr val="accent1"/>
-          </a:fillRef>
-          <a:effectRef idx="1">
-            <a:schemeClr val="accent1"/>
-          </a:effectRef>
-          <a:fontRef idx="minor">
-            <a:schemeClr val="dk1"/>
-          </a:fontRef>
-        </p:style>
-        <p:txBody>
-          <a:bodyPr rtlCol="0" anchor="ctr"/>
-          <a:lstStyle/>
-          <a:p>
-            <a:pPr algn="ctr"/>
-            <a:endParaRPr lang="pt-BR"/>
-          </a:p>
-        </p:txBody>
-      </p:sp>
-      <p:sp>
-        <p:nvSpPr>
-          <p:cNvPr id="7" name="Raio 6"/>
-          <p:cNvSpPr/>
+            <a:ln>
+              <a:noFill/>
+            </a:ln>
+          </p:spPr>
+          <p:style>
+            <a:lnRef idx="1">
+              <a:schemeClr val="accent1"/>
+            </a:lnRef>
+            <a:fillRef idx="2">
+              <a:schemeClr val="accent1"/>
+            </a:fillRef>
+            <a:effectRef idx="1">
+              <a:schemeClr val="accent1"/>
+            </a:effectRef>
+            <a:fontRef idx="minor">
+              <a:schemeClr val="dk1"/>
+            </a:fontRef>
+          </p:style>
+          <p:txBody>
+            <a:bodyPr rtlCol="0" anchor="ctr"/>
+            <a:lstStyle/>
+            <a:p>
+              <a:pPr algn="ctr"/>
+              <a:endParaRPr lang="pt-BR"/>
+            </a:p>
+          </p:txBody>
+        </p:sp>
+        <p:sp>
+          <p:nvSpPr>
+            <p:cNvPr id="5" name="Elipse 4"/>
+            <p:cNvSpPr/>
+            <p:nvPr/>
+          </p:nvSpPr>
+          <p:spPr>
+            <a:xfrm>
+              <a:off x="3143672" y="3140968"/>
+              <a:ext cx="2046362" cy="2046362"/>
+            </a:xfrm>
+            <a:prstGeom prst="ellipse">
+              <a:avLst/>
+            </a:prstGeom>
+            <a:noFill/>
+            <a:ln w="12700">
+              <a:solidFill>
+                <a:schemeClr val="accent1">
+                  <a:lumMod val="60000"/>
+                  <a:lumOff val="40000"/>
+                </a:schemeClr>
+              </a:solidFill>
+            </a:ln>
+          </p:spPr>
+          <p:style>
+            <a:lnRef idx="1">
+              <a:schemeClr val="accent1"/>
+            </a:lnRef>
+            <a:fillRef idx="2">
+              <a:schemeClr val="accent1"/>
+            </a:fillRef>
+            <a:effectRef idx="1">
+              <a:schemeClr val="accent1"/>
+            </a:effectRef>
+            <a:fontRef idx="minor">
+              <a:schemeClr val="dk1"/>
+            </a:fontRef>
+          </p:style>
+          <p:txBody>
+            <a:bodyPr rtlCol="0" anchor="ctr"/>
+            <a:lstStyle/>
+            <a:p>
+              <a:pPr algn="ctr"/>
+              <a:endParaRPr lang="pt-BR"/>
+            </a:p>
+          </p:txBody>
+        </p:sp>
+        <p:sp>
+          <p:nvSpPr>
+            <p:cNvPr id="9" name="CaixaDeTexto 8"/>
+            <p:cNvSpPr txBox="1"/>
+            <p:nvPr/>
+          </p:nvSpPr>
+          <p:spPr>
+            <a:xfrm>
+              <a:off x="3443737" y="5331135"/>
+              <a:ext cx="1446230" cy="523220"/>
+            </a:xfrm>
+            <a:prstGeom prst="rect">
+              <a:avLst/>
+            </a:prstGeom>
+            <a:noFill/>
+          </p:spPr>
+          <p:txBody>
+            <a:bodyPr wrap="none" rtlCol="0">
+              <a:spAutoFit/>
+            </a:bodyPr>
+            <a:lstStyle/>
+            <a:p>
+              <a:pPr algn="ctr"/>
+              <a:r>
+                <a:rPr lang="pt-BR" sz="1400" dirty="0">
+                  <a:solidFill>
+                    <a:schemeClr val="bg1">
+                      <a:lumMod val="85000"/>
+                    </a:schemeClr>
+                  </a:solidFill>
+                </a:rPr>
+                <a:t>Bounding Box </a:t>
+              </a:r>
+              <a:br>
+                <a:rPr lang="pt-BR" sz="1400" dirty="0">
+                  <a:solidFill>
+                    <a:schemeClr val="bg1">
+                      <a:lumMod val="85000"/>
+                    </a:schemeClr>
+                  </a:solidFill>
+                </a:rPr>
+              </a:br>
+              <a:r>
+                <a:rPr lang="pt-BR" sz="1400" dirty="0">
+                  <a:solidFill>
+                    <a:schemeClr val="bg1">
+                      <a:lumMod val="85000"/>
+                    </a:schemeClr>
+                  </a:solidFill>
+                </a:rPr>
+                <a:t>Circular</a:t>
+              </a:r>
+            </a:p>
+          </p:txBody>
+        </p:sp>
+      </p:grpSp>
+      <p:grpSp>
+        <p:nvGrpSpPr>
+          <p:cNvPr id="17" name="Agrupar 16">
+            <a:extLst>
+              <a:ext uri="{FF2B5EF4-FFF2-40B4-BE49-F238E27FC236}">
+                <a16:creationId xmlns:a16="http://schemas.microsoft.com/office/drawing/2014/main" id="{525B3B3A-B5C9-449E-9265-3359B8FA743D}"/>
+              </a:ext>
+            </a:extLst>
+          </p:cNvPr>
+          <p:cNvGrpSpPr/>
           <p:nvPr/>
-        </p:nvSpPr>
-        <p:spPr>
+        </p:nvGrpSpPr>
+        <p:grpSpPr>
           <a:xfrm>
-            <a:off x="6744072" y="3278802"/>
-            <a:ext cx="1584176" cy="1656395"/>
+            <a:off x="6816080" y="3284984"/>
+            <a:ext cx="1453295" cy="2569371"/>
+            <a:chOff x="6816080" y="3284984"/>
+            <a:chExt cx="1453295" cy="2569371"/>
           </a:xfrm>
-          <a:prstGeom prst="lightningBolt">
-            <a:avLst/>
-          </a:prstGeom>
-          <a:solidFill>
-            <a:schemeClr val="accent1">
-              <a:lumMod val="50000"/>
-            </a:schemeClr>
-          </a:solidFill>
-          <a:ln>
+        </p:grpSpPr>
+        <p:sp>
+          <p:nvSpPr>
+            <p:cNvPr id="10" name="CaixaDeTexto 9"/>
+            <p:cNvSpPr txBox="1"/>
+            <p:nvPr/>
+          </p:nvSpPr>
+          <p:spPr>
+            <a:xfrm>
+              <a:off x="6816080" y="5331135"/>
+              <a:ext cx="1446230" cy="523220"/>
+            </a:xfrm>
+            <a:prstGeom prst="rect">
+              <a:avLst/>
+            </a:prstGeom>
             <a:noFill/>
-          </a:ln>
-        </p:spPr>
-        <p:style>
-          <a:lnRef idx="1">
-            <a:schemeClr val="accent1"/>
-          </a:lnRef>
-          <a:fillRef idx="2">
-            <a:schemeClr val="accent1"/>
-          </a:fillRef>
-          <a:effectRef idx="1">
-            <a:schemeClr val="accent1"/>
-          </a:effectRef>
-          <a:fontRef idx="minor">
-            <a:schemeClr val="dk1"/>
-          </a:fontRef>
-        </p:style>
-        <p:txBody>
-          <a:bodyPr rtlCol="0" anchor="ctr"/>
-          <a:lstStyle/>
-          <a:p>
-            <a:pPr algn="ctr"/>
-            <a:endParaRPr lang="pt-BR"/>
-          </a:p>
-        </p:txBody>
-      </p:sp>
-      <p:sp>
-        <p:nvSpPr>
-          <p:cNvPr id="8" name="Retângulo 7"/>
-          <p:cNvSpPr/>
-          <p:nvPr/>
-        </p:nvSpPr>
-        <p:spPr>
-          <a:xfrm>
-            <a:off x="6744072" y="3278802"/>
-            <a:ext cx="1584176" cy="1656395"/>
-          </a:xfrm>
-          <a:prstGeom prst="rect">
-            <a:avLst/>
-          </a:prstGeom>
-          <a:noFill/>
-          <a:ln w="12700">
-            <a:solidFill>
-              <a:schemeClr val="accent1">
-                <a:lumMod val="60000"/>
-                <a:lumOff val="40000"/>
-              </a:schemeClr>
-            </a:solidFill>
-          </a:ln>
-        </p:spPr>
-        <p:style>
-          <a:lnRef idx="1">
-            <a:schemeClr val="accent1"/>
-          </a:lnRef>
-          <a:fillRef idx="2">
-            <a:schemeClr val="accent1"/>
-          </a:fillRef>
-          <a:effectRef idx="1">
-            <a:schemeClr val="accent1"/>
-          </a:effectRef>
-          <a:fontRef idx="minor">
-            <a:schemeClr val="dk1"/>
-          </a:fontRef>
-        </p:style>
-        <p:txBody>
-          <a:bodyPr rtlCol="0" anchor="ctr"/>
-          <a:lstStyle/>
-          <a:p>
-            <a:pPr algn="ctr"/>
-            <a:endParaRPr lang="pt-BR"/>
-          </a:p>
-        </p:txBody>
-      </p:sp>
-      <p:sp>
-        <p:nvSpPr>
-          <p:cNvPr id="9" name="CaixaDeTexto 8"/>
-          <p:cNvSpPr txBox="1"/>
-          <p:nvPr/>
-        </p:nvSpPr>
-        <p:spPr>
-          <a:xfrm>
-            <a:off x="3443737" y="5331135"/>
-            <a:ext cx="1446230" cy="523220"/>
-          </a:xfrm>
-          <a:prstGeom prst="rect">
-            <a:avLst/>
-          </a:prstGeom>
-          <a:noFill/>
-        </p:spPr>
-        <p:txBody>
-          <a:bodyPr wrap="none" rtlCol="0">
-            <a:spAutoFit/>
-          </a:bodyPr>
-          <a:lstStyle/>
-          <a:p>
-            <a:pPr algn="ctr"/>
-            <a:r>
-              <a:rPr lang="pt-BR" sz="1400" dirty="0">
+          </p:spPr>
+          <p:txBody>
+            <a:bodyPr wrap="none" rtlCol="0">
+              <a:spAutoFit/>
+            </a:bodyPr>
+            <a:lstStyle/>
+            <a:p>
+              <a:pPr algn="ctr"/>
+              <a:r>
+                <a:rPr lang="pt-BR" sz="1400" dirty="0">
+                  <a:solidFill>
+                    <a:schemeClr val="bg1">
+                      <a:lumMod val="85000"/>
+                    </a:schemeClr>
+                  </a:solidFill>
+                </a:rPr>
+                <a:t>Bounding Box </a:t>
+              </a:r>
+              <a:br>
+                <a:rPr lang="pt-BR" sz="1400" dirty="0">
+                  <a:solidFill>
+                    <a:schemeClr val="bg1">
+                      <a:lumMod val="85000"/>
+                    </a:schemeClr>
+                  </a:solidFill>
+                </a:rPr>
+              </a:br>
+              <a:r>
+                <a:rPr lang="pt-BR" sz="1400" dirty="0" err="1">
+                  <a:solidFill>
+                    <a:schemeClr val="bg1">
+                      <a:lumMod val="85000"/>
+                    </a:schemeClr>
+                  </a:solidFill>
+                </a:rPr>
+                <a:t>Retângular</a:t>
+              </a:r>
+              <a:endParaRPr lang="pt-BR" sz="1400" dirty="0">
                 <a:solidFill>
                   <a:schemeClr val="bg1">
                     <a:lumMod val="85000"/>
                   </a:schemeClr>
                 </a:solidFill>
-              </a:rPr>
-              <a:t>Bounding Box </a:t>
-            </a:r>
-            <a:br>
-              <a:rPr lang="pt-BR" sz="1400" dirty="0">
-                <a:solidFill>
-                  <a:schemeClr val="bg1">
-                    <a:lumMod val="85000"/>
-                  </a:schemeClr>
-                </a:solidFill>
-              </a:rPr>
-            </a:br>
-            <a:r>
-              <a:rPr lang="pt-BR" sz="1400" dirty="0">
-                <a:solidFill>
-                  <a:schemeClr val="bg1">
-                    <a:lumMod val="85000"/>
-                  </a:schemeClr>
-                </a:solidFill>
-              </a:rPr>
-              <a:t>Circular</a:t>
-            </a:r>
-          </a:p>
-        </p:txBody>
-      </p:sp>
-      <p:sp>
-        <p:nvSpPr>
-          <p:cNvPr id="10" name="CaixaDeTexto 9"/>
-          <p:cNvSpPr txBox="1"/>
-          <p:nvPr/>
-        </p:nvSpPr>
-        <p:spPr>
-          <a:xfrm>
-            <a:off x="6813045" y="5331135"/>
-            <a:ext cx="1446230" cy="523220"/>
-          </a:xfrm>
-          <a:prstGeom prst="rect">
-            <a:avLst/>
-          </a:prstGeom>
-          <a:noFill/>
-        </p:spPr>
-        <p:txBody>
-          <a:bodyPr wrap="none" rtlCol="0">
-            <a:spAutoFit/>
-          </a:bodyPr>
-          <a:lstStyle/>
-          <a:p>
-            <a:pPr algn="ctr"/>
-            <a:r>
-              <a:rPr lang="pt-BR" sz="1400" dirty="0">
-                <a:solidFill>
-                  <a:schemeClr val="bg1">
-                    <a:lumMod val="85000"/>
-                  </a:schemeClr>
-                </a:solidFill>
-              </a:rPr>
-              <a:t>Bounding Box </a:t>
-            </a:r>
-            <a:br>
-              <a:rPr lang="pt-BR" sz="1400" dirty="0">
-                <a:solidFill>
-                  <a:schemeClr val="bg1">
-                    <a:lumMod val="85000"/>
-                  </a:schemeClr>
-                </a:solidFill>
-              </a:rPr>
-            </a:br>
-            <a:r>
-              <a:rPr lang="pt-BR" sz="1400" dirty="0" err="1">
-                <a:solidFill>
-                  <a:schemeClr val="bg1">
-                    <a:lumMod val="85000"/>
-                  </a:schemeClr>
-                </a:solidFill>
-              </a:rPr>
-              <a:t>Retângular</a:t>
-            </a:r>
-            <a:endParaRPr lang="pt-BR" sz="1400" dirty="0">
+              </a:endParaRPr>
+            </a:p>
+          </p:txBody>
+        </p:sp>
+        <p:grpSp>
+          <p:nvGrpSpPr>
+            <p:cNvPr id="12" name="Agrupar 11">
+              <a:extLst>
+                <a:ext uri="{FF2B5EF4-FFF2-40B4-BE49-F238E27FC236}">
+                  <a16:creationId xmlns:a16="http://schemas.microsoft.com/office/drawing/2014/main" id="{CE1836F4-9B62-4C82-92DE-9ACD96B7D42F}"/>
+                </a:ext>
+              </a:extLst>
+            </p:cNvPr>
+            <p:cNvGrpSpPr/>
+            <p:nvPr/>
+          </p:nvGrpSpPr>
+          <p:grpSpPr>
+            <a:xfrm>
+              <a:off x="6822339" y="3284984"/>
+              <a:ext cx="1447036" cy="1800200"/>
+              <a:chOff x="9113460" y="4047814"/>
+              <a:chExt cx="1447036" cy="1422353"/>
+            </a:xfrm>
+          </p:grpSpPr>
+          <p:sp>
+            <p:nvSpPr>
+              <p:cNvPr id="13" name="Raio 12">
+                <a:extLst>
+                  <a:ext uri="{FF2B5EF4-FFF2-40B4-BE49-F238E27FC236}">
+                    <a16:creationId xmlns:a16="http://schemas.microsoft.com/office/drawing/2014/main" id="{FEB393BB-4A28-4EA9-85DE-72C16A9D2042}"/>
+                  </a:ext>
+                </a:extLst>
+              </p:cNvPr>
+              <p:cNvSpPr/>
+              <p:nvPr/>
+            </p:nvSpPr>
+            <p:spPr>
+              <a:xfrm>
+                <a:off x="9113460" y="4047814"/>
+                <a:ext cx="1447035" cy="1422353"/>
+              </a:xfrm>
+              <a:prstGeom prst="lightningBolt">
+                <a:avLst/>
+              </a:prstGeom>
               <a:solidFill>
-                <a:schemeClr val="bg1">
-                  <a:lumMod val="85000"/>
+                <a:schemeClr val="accent1">
+                  <a:lumMod val="50000"/>
                 </a:schemeClr>
               </a:solidFill>
-            </a:endParaRPr>
-          </a:p>
-        </p:txBody>
-      </p:sp>
+              <a:ln>
+                <a:noFill/>
+              </a:ln>
+            </p:spPr>
+            <p:style>
+              <a:lnRef idx="1">
+                <a:schemeClr val="accent1"/>
+              </a:lnRef>
+              <a:fillRef idx="2">
+                <a:schemeClr val="accent1"/>
+              </a:fillRef>
+              <a:effectRef idx="1">
+                <a:schemeClr val="accent1"/>
+              </a:effectRef>
+              <a:fontRef idx="minor">
+                <a:schemeClr val="dk1"/>
+              </a:fontRef>
+            </p:style>
+            <p:txBody>
+              <a:bodyPr rtlCol="0" anchor="ctr"/>
+              <a:lstStyle/>
+              <a:p>
+                <a:pPr algn="ctr"/>
+                <a:endParaRPr lang="pt-BR"/>
+              </a:p>
+            </p:txBody>
+          </p:sp>
+          <p:sp>
+            <p:nvSpPr>
+              <p:cNvPr id="14" name="Retângulo 13">
+                <a:extLst>
+                  <a:ext uri="{FF2B5EF4-FFF2-40B4-BE49-F238E27FC236}">
+                    <a16:creationId xmlns:a16="http://schemas.microsoft.com/office/drawing/2014/main" id="{C3CB3B53-954B-4A24-A086-E04A86D8314C}"/>
+                  </a:ext>
+                </a:extLst>
+              </p:cNvPr>
+              <p:cNvSpPr/>
+              <p:nvPr/>
+            </p:nvSpPr>
+            <p:spPr>
+              <a:xfrm>
+                <a:off x="9113460" y="4047814"/>
+                <a:ext cx="1447036" cy="1422353"/>
+              </a:xfrm>
+              <a:prstGeom prst="rect">
+                <a:avLst/>
+              </a:prstGeom>
+              <a:noFill/>
+              <a:ln>
+                <a:solidFill>
+                  <a:schemeClr val="accent1">
+                    <a:lumMod val="60000"/>
+                    <a:lumOff val="40000"/>
+                  </a:schemeClr>
+                </a:solidFill>
+              </a:ln>
+            </p:spPr>
+            <p:style>
+              <a:lnRef idx="1">
+                <a:schemeClr val="accent1"/>
+              </a:lnRef>
+              <a:fillRef idx="2">
+                <a:schemeClr val="accent1"/>
+              </a:fillRef>
+              <a:effectRef idx="1">
+                <a:schemeClr val="accent1"/>
+              </a:effectRef>
+              <a:fontRef idx="minor">
+                <a:schemeClr val="dk1"/>
+              </a:fontRef>
+            </p:style>
+            <p:txBody>
+              <a:bodyPr rtlCol="0" anchor="ctr"/>
+              <a:lstStyle/>
+              <a:p>
+                <a:pPr algn="ctr"/>
+                <a:endParaRPr lang="pt-BR"/>
+              </a:p>
+            </p:txBody>
+          </p:sp>
+        </p:grpSp>
+      </p:grpSp>
     </p:spTree>
     <p:extLst>
       <p:ext uri="{BB962C8B-B14F-4D97-AF65-F5344CB8AC3E}">
@@ -26734,6 +31275,11 @@
           </a:bodyPr>
           <a:lstStyle/>
           <a:p>
+            <a:pPr>
+              <a:spcAft>
+                <a:spcPts val="1200"/>
+              </a:spcAft>
+            </a:pPr>
             <a:r>
               <a:rPr lang="pt-BR" dirty="0"/>
               <a:t>Uma solução para a complexidade O(n</a:t>
@@ -26746,6 +31292,9 @@
               <a:rPr lang="pt-BR" dirty="0"/>
               <a:t>) é </a:t>
             </a:r>
+            <a:br>
+              <a:rPr lang="pt-BR" dirty="0"/>
+            </a:br>
             <a:r>
               <a:rPr lang="pt-BR" dirty="0">
                 <a:solidFill>
@@ -26813,10 +31362,10 @@
         </p:nvGrpSpPr>
         <p:grpSpPr>
           <a:xfrm>
-            <a:off x="2914278" y="3501008"/>
-            <a:ext cx="6363445" cy="2906405"/>
-            <a:chOff x="2279576" y="3501008"/>
-            <a:chExt cx="6363445" cy="2906405"/>
+            <a:off x="2783632" y="3690947"/>
+            <a:ext cx="6494091" cy="2618373"/>
+            <a:chOff x="2148930" y="3501008"/>
+            <a:chExt cx="6494091" cy="2906405"/>
           </a:xfrm>
         </p:grpSpPr>
         <p:grpSp>
@@ -26833,10 +31382,10 @@
           </p:nvGrpSpPr>
           <p:grpSpPr>
             <a:xfrm>
-              <a:off x="2279576" y="3501008"/>
-              <a:ext cx="6343905" cy="2512438"/>
-              <a:chOff x="2351584" y="2996952"/>
-              <a:chExt cx="7272808" cy="2880320"/>
+              <a:off x="2148930" y="3501008"/>
+              <a:ext cx="6474551" cy="2512438"/>
+              <a:chOff x="2201808" y="2996952"/>
+              <a:chExt cx="7422584" cy="2880320"/>
             </a:xfrm>
           </p:grpSpPr>
           <p:sp>
@@ -26847,8 +31396,8 @@
             </p:nvSpPr>
             <p:spPr>
               <a:xfrm>
-                <a:off x="2351584" y="2996952"/>
-                <a:ext cx="7272808" cy="2880320"/>
+                <a:off x="2201808" y="2996952"/>
+                <a:ext cx="7422584" cy="2880320"/>
               </a:xfrm>
               <a:prstGeom prst="rect">
                 <a:avLst/>
@@ -26894,6 +31443,7 @@
             <p:nvCxnSpPr>
               <p:cNvPr id="6" name="Conector reto 5"/>
               <p:cNvCxnSpPr>
+                <a:cxnSpLocks/>
                 <a:stCxn id="4" idx="0"/>
                 <a:endCxn id="4" idx="2"/>
               </p:cNvCxnSpPr>
@@ -26901,7 +31451,7 @@
             </p:nvCxnSpPr>
             <p:spPr>
               <a:xfrm>
-                <a:off x="5987988" y="2996952"/>
+                <a:off x="5913101" y="2996952"/>
                 <a:ext cx="0" cy="2880320"/>
               </a:xfrm>
               <a:prstGeom prst="line">
@@ -26934,6 +31484,7 @@
             <p:nvCxnSpPr>
               <p:cNvPr id="8" name="Conector reto 7"/>
               <p:cNvCxnSpPr>
+                <a:cxnSpLocks/>
                 <a:stCxn id="4" idx="1"/>
                 <a:endCxn id="4" idx="3"/>
               </p:cNvCxnSpPr>
@@ -26941,8 +31492,8 @@
             </p:nvCxnSpPr>
             <p:spPr>
               <a:xfrm>
-                <a:off x="2351584" y="4437112"/>
-                <a:ext cx="7272808" cy="0"/>
+                <a:off x="2201808" y="4437113"/>
+                <a:ext cx="7422584" cy="0"/>
               </a:xfrm>
               <a:prstGeom prst="line">
                 <a:avLst/>
@@ -27195,13 +31746,15 @@
           <p:cxnSp>
             <p:nvCxnSpPr>
               <p:cNvPr id="17" name="Conector reto 16"/>
-              <p:cNvCxnSpPr/>
+              <p:cNvCxnSpPr>
+                <a:cxnSpLocks/>
+              </p:cNvCxnSpPr>
               <p:nvPr/>
             </p:nvCxnSpPr>
             <p:spPr>
               <a:xfrm>
-                <a:off x="2351584" y="3717032"/>
-                <a:ext cx="7272808" cy="0"/>
+                <a:off x="2201808" y="3717032"/>
+                <a:ext cx="7422584" cy="0"/>
               </a:xfrm>
               <a:prstGeom prst="line">
                 <a:avLst/>
@@ -27232,13 +31785,15 @@
           <p:cxnSp>
             <p:nvCxnSpPr>
               <p:cNvPr id="18" name="Conector reto 17"/>
-              <p:cNvCxnSpPr/>
+              <p:cNvCxnSpPr>
+                <a:cxnSpLocks/>
+              </p:cNvCxnSpPr>
               <p:nvPr/>
             </p:nvCxnSpPr>
             <p:spPr>
               <a:xfrm>
-                <a:off x="2351584" y="5157192"/>
-                <a:ext cx="7272808" cy="0"/>
+                <a:off x="2201808" y="5157192"/>
+                <a:ext cx="7422584" cy="0"/>
               </a:xfrm>
               <a:prstGeom prst="line">
                 <a:avLst/>
@@ -27370,7 +31925,7 @@
             </p:nvSpPr>
             <p:spPr>
               <a:xfrm>
-                <a:off x="5390802" y="4626334"/>
+                <a:off x="5338774" y="4587903"/>
                 <a:ext cx="432048" cy="432048"/>
               </a:xfrm>
               <a:prstGeom prst="star5">
@@ -27472,8 +32027,8 @@
             </p:nvSpPr>
             <p:spPr>
               <a:xfrm rot="18734749">
-                <a:off x="7995149" y="5269945"/>
-                <a:ext cx="284079" cy="393078"/>
+                <a:off x="8102177" y="5330771"/>
+                <a:ext cx="284080" cy="393078"/>
               </a:xfrm>
               <a:prstGeom prst="wave">
                 <a:avLst/>
@@ -27702,146 +32257,107 @@
         </p:nvSpPr>
         <p:spPr/>
         <p:txBody>
-          <a:bodyPr>
-            <a:normAutofit/>
-          </a:bodyPr>
+          <a:bodyPr/>
           <a:lstStyle/>
           <a:p>
             <a:r>
               <a:rPr lang="pt-BR" dirty="0"/>
-              <a:t>Na disciplina utilizaremos um sistema de colisão:</a:t>
-            </a:r>
-          </a:p>
-          <a:p>
-            <a:pPr lvl="1"/>
-            <a:r>
-              <a:rPr lang="pt-BR" dirty="0"/>
-              <a:t>Baseado no </a:t>
-            </a:r>
-            <a:r>
-              <a:rPr lang="pt-BR" dirty="0">
-                <a:solidFill>
-                  <a:schemeClr val="accent1">
-                    <a:lumMod val="75000"/>
-                  </a:schemeClr>
-                </a:solidFill>
-              </a:rPr>
-              <a:t>teste de sobreposição</a:t>
-            </a:r>
-          </a:p>
-          <a:p>
-            <a:pPr lvl="1"/>
-            <a:r>
-              <a:rPr lang="pt-BR" dirty="0"/>
-              <a:t>Usando uma </a:t>
-            </a:r>
-            <a:r>
-              <a:rPr lang="pt-BR" dirty="0" err="1">
-                <a:solidFill>
-                  <a:schemeClr val="accent1">
-                    <a:lumMod val="75000"/>
-                  </a:schemeClr>
-                </a:solidFill>
-              </a:rPr>
-              <a:t>bounding</a:t>
-            </a:r>
-            <a:r>
-              <a:rPr lang="pt-BR" dirty="0">
-                <a:solidFill>
-                  <a:schemeClr val="accent1">
-                    <a:lumMod val="75000"/>
-                  </a:schemeClr>
-                </a:solidFill>
-              </a:rPr>
-              <a:t> box</a:t>
-            </a:r>
-            <a:r>
-              <a:rPr lang="pt-BR" dirty="0"/>
-              <a:t> para cada objeto</a:t>
-            </a:r>
-          </a:p>
-          <a:p>
-            <a:pPr lvl="1"/>
-            <a:r>
-              <a:rPr lang="pt-BR" dirty="0"/>
-              <a:t>Particionando o espaço em dois grupos:</a:t>
-            </a:r>
-          </a:p>
-          <a:p>
-            <a:pPr lvl="2"/>
-            <a:r>
-              <a:rPr lang="pt-BR" dirty="0">
-                <a:solidFill>
-                  <a:schemeClr val="accent1">
-                    <a:lumMod val="75000"/>
-                  </a:schemeClr>
-                </a:solidFill>
-              </a:rPr>
-              <a:t>Objetos em movimento</a:t>
-            </a:r>
-            <a:r>
-              <a:rPr lang="pt-BR" dirty="0"/>
-              <a:t>: podem colidir com </a:t>
+              <a:t>Uma vez que a colisão foi detectada, alguma ação </a:t>
             </a:r>
             <a:br>
               <a:rPr lang="pt-BR" dirty="0"/>
             </a:br>
             <a:r>
               <a:rPr lang="pt-BR" dirty="0"/>
-              <a:t>objetos estáticos ou outros objetos em </a:t>
+              <a:t>deve ser tomada para </a:t>
+            </a:r>
+            <a:r>
+              <a:rPr lang="pt-BR" dirty="0">
+                <a:solidFill>
+                  <a:schemeClr val="accent1">
+                    <a:lumMod val="75000"/>
+                  </a:schemeClr>
+                </a:solidFill>
+              </a:rPr>
+              <a:t>resolver a colisão</a:t>
+            </a:r>
+            <a:br>
+              <a:rPr lang="pt-BR" dirty="0">
+                <a:solidFill>
+                  <a:schemeClr val="accent1">
+                    <a:lumMod val="75000"/>
+                  </a:schemeClr>
+                </a:solidFill>
+              </a:rPr>
+            </a:br>
+            <a:endParaRPr lang="pt-BR" dirty="0">
+              <a:solidFill>
+                <a:schemeClr val="accent1">
+                  <a:lumMod val="75000"/>
+                </a:schemeClr>
+              </a:solidFill>
+            </a:endParaRPr>
+          </a:p>
+          <a:p>
+            <a:pPr lvl="1">
+              <a:spcAft>
+                <a:spcPts val="600"/>
+              </a:spcAft>
+            </a:pPr>
+            <a:r>
+              <a:rPr lang="pt-BR" dirty="0"/>
+              <a:t>Posicionar os objetos </a:t>
             </a:r>
             <a:br>
               <a:rPr lang="pt-BR" dirty="0"/>
             </a:br>
             <a:r>
               <a:rPr lang="pt-BR" dirty="0"/>
-              <a:t>movimento</a:t>
-            </a:r>
-          </a:p>
-          <a:p>
-            <a:pPr lvl="2"/>
-            <a:r>
-              <a:rPr lang="pt-BR" dirty="0">
-                <a:solidFill>
-                  <a:schemeClr val="accent1">
-                    <a:lumMod val="75000"/>
-                  </a:schemeClr>
-                </a:solidFill>
-              </a:rPr>
-              <a:t>Objetos estáticos</a:t>
-            </a:r>
+              <a:t>na posição de contato</a:t>
+            </a:r>
+          </a:p>
+          <a:p>
+            <a:pPr lvl="1">
+              <a:spcAft>
+                <a:spcPts val="600"/>
+              </a:spcAft>
+            </a:pPr>
             <a:r>
               <a:rPr lang="pt-BR" dirty="0"/>
-              <a:t>: objetos que não colidem </a:t>
-            </a:r>
-            <a:br>
+              <a:t>Calcular novas velocidades</a:t>
+            </a:r>
+          </a:p>
+          <a:p>
+            <a:pPr lvl="1">
+              <a:spcAft>
+                <a:spcPts val="600"/>
+              </a:spcAft>
+            </a:pPr>
+            <a:r>
               <a:rPr lang="pt-BR" dirty="0"/>
-            </a:br>
+              <a:t>Gerar som do impacto</a:t>
+            </a:r>
+          </a:p>
+          <a:p>
+            <a:pPr lvl="1">
+              <a:spcAft>
+                <a:spcPts val="600"/>
+              </a:spcAft>
+            </a:pPr>
             <a:r>
               <a:rPr lang="pt-BR" dirty="0"/>
-              <a:t>entre si, podendo colidir apenas com objetos</a:t>
-            </a:r>
-            <a:br>
+              <a:t>Iniciar animação</a:t>
+            </a:r>
+          </a:p>
+          <a:p>
+            <a:pPr lvl="1">
+              <a:spcAft>
+                <a:spcPts val="600"/>
+              </a:spcAft>
+            </a:pPr>
+            <a:r>
               <a:rPr lang="pt-BR" dirty="0"/>
-            </a:br>
-            <a:r>
-              <a:rPr lang="pt-BR" dirty="0"/>
-              <a:t>em movimento</a:t>
-            </a:r>
-          </a:p>
-          <a:p>
-            <a:pPr lvl="1"/>
-            <a:r>
-              <a:rPr lang="pt-BR" dirty="0"/>
-              <a:t>Complexidade O(m</a:t>
-            </a:r>
-            <a:r>
-              <a:rPr lang="pt-BR" baseline="30000" dirty="0"/>
-              <a:t>2</a:t>
-            </a:r>
-            <a:r>
-              <a:rPr lang="pt-BR" dirty="0"/>
-              <a:t>)</a:t>
+              <a:t>Destruir objetos</a:t>
             </a:r>
           </a:p>
         </p:txBody>
@@ -27863,17 +32379,17 @@
           <a:p>
             <a:r>
               <a:rPr lang="pt-BR" dirty="0"/>
-              <a:t>Sistema de Colisão</a:t>
+              <a:t>Resolução da Colisão</a:t>
             </a:r>
           </a:p>
         </p:txBody>
       </p:sp>
       <p:grpSp>
         <p:nvGrpSpPr>
-          <p:cNvPr id="10" name="Agrupar 9">
+          <p:cNvPr id="13" name="Agrupar 12">
             <a:extLst>
               <a:ext uri="{FF2B5EF4-FFF2-40B4-BE49-F238E27FC236}">
-                <a16:creationId xmlns:a16="http://schemas.microsoft.com/office/drawing/2014/main" id="{04DCBC02-4DC9-48C9-9126-4D06236C8E78}"/>
+                <a16:creationId xmlns:a16="http://schemas.microsoft.com/office/drawing/2014/main" id="{7514A947-4666-47BA-8C95-6FCA69393A7B}"/>
               </a:ext>
             </a:extLst>
           </p:cNvPr>
@@ -27882,95 +32398,172 @@
         </p:nvGrpSpPr>
         <p:grpSpPr>
           <a:xfrm>
-            <a:off x="9480376" y="2132856"/>
-            <a:ext cx="903033" cy="1523918"/>
-            <a:chOff x="9493795" y="1772816"/>
-            <a:chExt cx="903033" cy="1523918"/>
+            <a:off x="6023992" y="2852936"/>
+            <a:ext cx="3888432" cy="2736304"/>
+            <a:chOff x="6023992" y="3347378"/>
+            <a:chExt cx="3888432" cy="2736304"/>
           </a:xfrm>
         </p:grpSpPr>
+        <p:cxnSp>
+          <p:nvCxnSpPr>
+            <p:cNvPr id="42" name="Conector reto 41"/>
+            <p:cNvCxnSpPr>
+              <a:cxnSpLocks/>
+            </p:cNvCxnSpPr>
+            <p:nvPr/>
+          </p:nvCxnSpPr>
+          <p:spPr>
+            <a:xfrm flipV="1">
+              <a:off x="6023992" y="4368834"/>
+              <a:ext cx="3888432" cy="9614"/>
+            </a:xfrm>
+            <a:prstGeom prst="line">
+              <a:avLst/>
+            </a:prstGeom>
+            <a:ln>
+              <a:solidFill>
+                <a:schemeClr val="bg1">
+                  <a:lumMod val="85000"/>
+                </a:schemeClr>
+              </a:solidFill>
+              <a:prstDash val="dash"/>
+            </a:ln>
+          </p:spPr>
+          <p:style>
+            <a:lnRef idx="1">
+              <a:schemeClr val="accent1"/>
+            </a:lnRef>
+            <a:fillRef idx="0">
+              <a:schemeClr val="accent1"/>
+            </a:fillRef>
+            <a:effectRef idx="0">
+              <a:schemeClr val="accent1"/>
+            </a:effectRef>
+            <a:fontRef idx="minor">
+              <a:schemeClr val="tx1"/>
+            </a:fontRef>
+          </p:style>
+        </p:cxnSp>
+        <p:cxnSp>
+          <p:nvCxnSpPr>
+            <p:cNvPr id="21" name="Conector de seta reta 6">
+              <a:extLst>
+                <a:ext uri="{FF2B5EF4-FFF2-40B4-BE49-F238E27FC236}">
+                  <a16:creationId xmlns:a16="http://schemas.microsoft.com/office/drawing/2014/main" id="{C9EEFD2B-439B-4F84-8490-C7B7B855BD51}"/>
+                </a:ext>
+              </a:extLst>
+            </p:cNvPr>
+            <p:cNvCxnSpPr>
+              <a:stCxn id="23" idx="7"/>
+              <a:endCxn id="26" idx="3"/>
+            </p:cNvCxnSpPr>
+            <p:nvPr/>
+          </p:nvCxnSpPr>
+          <p:spPr>
+            <a:xfrm flipV="1">
+              <a:off x="6896825" y="4521587"/>
+              <a:ext cx="567765" cy="532275"/>
+            </a:xfrm>
+            <a:prstGeom prst="straightConnector1">
+              <a:avLst/>
+            </a:prstGeom>
+            <a:ln w="19050">
+              <a:solidFill>
+                <a:schemeClr val="bg1">
+                  <a:lumMod val="75000"/>
+                </a:schemeClr>
+              </a:solidFill>
+              <a:tailEnd type="arrow"/>
+            </a:ln>
+          </p:spPr>
+          <p:style>
+            <a:lnRef idx="1">
+              <a:schemeClr val="accent1"/>
+            </a:lnRef>
+            <a:fillRef idx="0">
+              <a:schemeClr val="accent1"/>
+            </a:fillRef>
+            <a:effectRef idx="0">
+              <a:schemeClr val="accent1"/>
+            </a:effectRef>
+            <a:fontRef idx="minor">
+              <a:schemeClr val="tx1"/>
+            </a:fontRef>
+          </p:style>
+        </p:cxnSp>
+        <p:cxnSp>
+          <p:nvCxnSpPr>
+            <p:cNvPr id="22" name="Conector de seta reta 8">
+              <a:extLst>
+                <a:ext uri="{FF2B5EF4-FFF2-40B4-BE49-F238E27FC236}">
+                  <a16:creationId xmlns:a16="http://schemas.microsoft.com/office/drawing/2014/main" id="{63B7409D-270D-4CAA-81C5-7C16554FBD7D}"/>
+                </a:ext>
+              </a:extLst>
+            </p:cNvPr>
+            <p:cNvCxnSpPr>
+              <a:stCxn id="25" idx="1"/>
+              <a:endCxn id="27" idx="5"/>
+            </p:cNvCxnSpPr>
+            <p:nvPr/>
+          </p:nvCxnSpPr>
+          <p:spPr>
+            <a:xfrm flipH="1" flipV="1">
+              <a:off x="8202141" y="4521586"/>
+              <a:ext cx="933888" cy="1193320"/>
+            </a:xfrm>
+            <a:prstGeom prst="straightConnector1">
+              <a:avLst/>
+            </a:prstGeom>
+            <a:ln w="19050">
+              <a:solidFill>
+                <a:schemeClr val="bg1">
+                  <a:lumMod val="75000"/>
+                </a:schemeClr>
+              </a:solidFill>
+              <a:tailEnd type="arrow"/>
+            </a:ln>
+          </p:spPr>
+          <p:style>
+            <a:lnRef idx="1">
+              <a:schemeClr val="accent1"/>
+            </a:lnRef>
+            <a:fillRef idx="0">
+              <a:schemeClr val="accent1"/>
+            </a:fillRef>
+            <a:effectRef idx="0">
+              <a:schemeClr val="accent1"/>
+            </a:effectRef>
+            <a:fontRef idx="minor">
+              <a:schemeClr val="tx1"/>
+            </a:fontRef>
+          </p:style>
+        </p:cxnSp>
         <p:sp>
           <p:nvSpPr>
-            <p:cNvPr id="4" name="Elipse 3"/>
+            <p:cNvPr id="23" name="Elipse 22">
+              <a:extLst>
+                <a:ext uri="{FF2B5EF4-FFF2-40B4-BE49-F238E27FC236}">
+                  <a16:creationId xmlns:a16="http://schemas.microsoft.com/office/drawing/2014/main" id="{CA7A4ED4-036F-441B-A9E5-D2B0A42F1ADB}"/>
+                </a:ext>
+              </a:extLst>
+            </p:cNvPr>
             <p:cNvSpPr/>
             <p:nvPr/>
           </p:nvSpPr>
           <p:spPr>
             <a:xfrm>
-              <a:off x="9493795" y="1772816"/>
-              <a:ext cx="491373" cy="491373"/>
+              <a:off x="6528048" y="4990589"/>
+              <a:ext cx="432048" cy="432048"/>
             </a:xfrm>
             <a:prstGeom prst="ellipse">
               <a:avLst/>
             </a:prstGeom>
-            <a:solidFill>
-              <a:schemeClr val="accent1">
-                <a:lumMod val="50000"/>
-              </a:schemeClr>
-            </a:solidFill>
-          </p:spPr>
-          <p:style>
-            <a:lnRef idx="1">
-              <a:schemeClr val="accent1"/>
-            </a:lnRef>
-            <a:fillRef idx="2">
-              <a:schemeClr val="accent1"/>
-            </a:fillRef>
-            <a:effectRef idx="1">
-              <a:schemeClr val="accent1"/>
-            </a:effectRef>
-            <a:fontRef idx="minor">
-              <a:schemeClr val="dk1"/>
-            </a:fontRef>
-          </p:style>
-          <p:txBody>
-            <a:bodyPr rtlCol="0" anchor="ctr"/>
-            <a:lstStyle/>
-            <a:p>
-              <a:pPr algn="ctr"/>
-              <a:r>
-                <a:rPr lang="pt-BR" sz="1400" dirty="0">
-                  <a:solidFill>
-                    <a:schemeClr val="bg1">
-                      <a:lumMod val="85000"/>
-                    </a:schemeClr>
-                  </a:solidFill>
-                </a:rPr>
-                <a:t>A</a:t>
-              </a:r>
-              <a:endParaRPr lang="pt-BR" sz="800" baseline="-25000" dirty="0">
-                <a:solidFill>
-                  <a:schemeClr val="bg1">
-                    <a:lumMod val="85000"/>
-                  </a:schemeClr>
-                </a:solidFill>
-              </a:endParaRPr>
-            </a:p>
-          </p:txBody>
-        </p:sp>
-        <p:sp>
-          <p:nvSpPr>
-            <p:cNvPr id="5" name="Elipse 4"/>
-            <p:cNvSpPr/>
-            <p:nvPr/>
-          </p:nvSpPr>
-          <p:spPr>
-            <a:xfrm>
-              <a:off x="9501182" y="2805361"/>
-              <a:ext cx="491373" cy="491373"/>
-            </a:xfrm>
-            <a:prstGeom prst="ellipse">
-              <a:avLst/>
-            </a:prstGeom>
-            <a:solidFill>
-              <a:schemeClr val="accent4">
-                <a:lumMod val="50000"/>
-              </a:schemeClr>
-            </a:solidFill>
+            <a:noFill/>
             <a:ln>
               <a:solidFill>
-                <a:schemeClr val="accent2">
-                  <a:lumMod val="60000"/>
-                  <a:lumOff val="40000"/>
+                <a:schemeClr val="bg2">
+                  <a:lumMod val="40000"/>
+                  <a:lumOff val="60000"/>
                 </a:schemeClr>
               </a:solidFill>
             </a:ln>
@@ -27990,42 +32583,10 @@
             </a:fontRef>
           </p:style>
           <p:txBody>
-            <a:bodyPr rtlCol="0" anchor="ctr"/>
+            <a:bodyPr lIns="0" tIns="0" rIns="0" bIns="0" rtlCol="0" anchor="ctr" anchorCtr="1"/>
             <a:lstStyle/>
             <a:p>
               <a:pPr algn="ctr"/>
-              <a:endParaRPr lang="pt-BR" sz="800" baseline="-25000" dirty="0">
-                <a:solidFill>
-                  <a:schemeClr val="bg1">
-                    <a:lumMod val="85000"/>
-                  </a:schemeClr>
-                </a:solidFill>
-              </a:endParaRPr>
-            </a:p>
-          </p:txBody>
-        </p:sp>
-        <p:sp>
-          <p:nvSpPr>
-            <p:cNvPr id="6" name="CaixaDeTexto 5"/>
-            <p:cNvSpPr txBox="1"/>
-            <p:nvPr/>
-          </p:nvSpPr>
-          <p:spPr>
-            <a:xfrm>
-              <a:off x="10069493" y="1864613"/>
-              <a:ext cx="327334" cy="307777"/>
-            </a:xfrm>
-            <a:prstGeom prst="rect">
-              <a:avLst/>
-            </a:prstGeom>
-            <a:noFill/>
-          </p:spPr>
-          <p:txBody>
-            <a:bodyPr wrap="none" rtlCol="0">
-              <a:spAutoFit/>
-            </a:bodyPr>
-            <a:lstStyle/>
-            <a:p>
               <a:r>
                 <a:rPr lang="pt-BR" sz="1400" dirty="0">
                   <a:solidFill>
@@ -28034,19 +32595,9 @@
                     </a:schemeClr>
                   </a:solidFill>
                 </a:rPr>
-                <a:t>t</a:t>
+                <a:t>A</a:t>
               </a:r>
-              <a:r>
-                <a:rPr lang="pt-BR" sz="1400" baseline="-25000" dirty="0">
-                  <a:solidFill>
-                    <a:schemeClr val="bg1">
-                      <a:lumMod val="85000"/>
-                    </a:schemeClr>
-                  </a:solidFill>
-                </a:rPr>
-                <a:t>0</a:t>
-              </a:r>
-              <a:endParaRPr lang="pt-BR" baseline="-25000" dirty="0">
+              <a:endParaRPr lang="pt-BR" dirty="0">
                 <a:solidFill>
                   <a:schemeClr val="bg1">
                     <a:lumMod val="85000"/>
@@ -28058,66 +32609,29 @@
         </p:sp>
         <p:sp>
           <p:nvSpPr>
-            <p:cNvPr id="7" name="CaixaDeTexto 6"/>
-            <p:cNvSpPr txBox="1"/>
-            <p:nvPr/>
-          </p:nvSpPr>
-          <p:spPr>
-            <a:xfrm>
-              <a:off x="10069494" y="2628917"/>
-              <a:ext cx="327334" cy="307777"/>
-            </a:xfrm>
-            <a:prstGeom prst="rect">
-              <a:avLst/>
-            </a:prstGeom>
-            <a:noFill/>
-          </p:spPr>
-          <p:txBody>
-            <a:bodyPr wrap="none" rtlCol="0">
-              <a:spAutoFit/>
-            </a:bodyPr>
-            <a:lstStyle/>
-            <a:p>
-              <a:r>
-                <a:rPr lang="pt-BR" sz="1400" dirty="0">
-                  <a:solidFill>
-                    <a:schemeClr val="bg1">
-                      <a:lumMod val="85000"/>
-                    </a:schemeClr>
-                  </a:solidFill>
-                </a:rPr>
-                <a:t>t</a:t>
-              </a:r>
-              <a:r>
-                <a:rPr lang="pt-BR" sz="1400" baseline="-25000" dirty="0">
-                  <a:solidFill>
-                    <a:schemeClr val="bg1">
-                      <a:lumMod val="85000"/>
-                    </a:schemeClr>
-                  </a:solidFill>
-                </a:rPr>
-                <a:t>1</a:t>
-              </a:r>
-            </a:p>
-          </p:txBody>
-        </p:sp>
-        <p:sp>
-          <p:nvSpPr>
-            <p:cNvPr id="8" name="Elipse 7"/>
+            <p:cNvPr id="25" name="Elipse 24">
+              <a:extLst>
+                <a:ext uri="{FF2B5EF4-FFF2-40B4-BE49-F238E27FC236}">
+                  <a16:creationId xmlns:a16="http://schemas.microsoft.com/office/drawing/2014/main" id="{5476591D-DABA-46F8-818D-F908ED132300}"/>
+                </a:ext>
+              </a:extLst>
+            </p:cNvPr>
             <p:cNvSpPr/>
             <p:nvPr/>
           </p:nvSpPr>
           <p:spPr>
             <a:xfrm>
-              <a:off x="9493795" y="2571245"/>
-              <a:ext cx="491373" cy="491373"/>
+              <a:off x="9072757" y="5651634"/>
+              <a:ext cx="432048" cy="432048"/>
             </a:xfrm>
             <a:prstGeom prst="ellipse">
               <a:avLst/>
             </a:prstGeom>
             <a:noFill/>
             <a:ln>
-              <a:prstDash val="dash"/>
+              <a:solidFill>
+                <a:schemeClr val="accent1"/>
+              </a:solidFill>
             </a:ln>
           </p:spPr>
           <p:style>
@@ -28135,158 +32649,56 @@
             </a:fontRef>
           </p:style>
           <p:txBody>
-            <a:bodyPr rtlCol="0" anchor="ctr"/>
+            <a:bodyPr lIns="0" tIns="0" rIns="0" bIns="0" rtlCol="0" anchor="ctr" anchorCtr="1"/>
             <a:lstStyle/>
             <a:p>
               <a:pPr algn="ctr"/>
               <a:r>
                 <a:rPr lang="pt-BR" sz="1400" dirty="0">
                   <a:solidFill>
-                    <a:schemeClr val="bg1">
-                      <a:lumMod val="85000"/>
-                    </a:schemeClr>
+                    <a:schemeClr val="bg1"/>
                   </a:solidFill>
                 </a:rPr>
-                <a:t>A</a:t>
+                <a:t>B</a:t>
               </a:r>
-              <a:endParaRPr lang="pt-BR" sz="800" baseline="-25000" dirty="0">
-                <a:solidFill>
-                  <a:schemeClr val="bg1">
-                    <a:lumMod val="85000"/>
-                  </a:schemeClr>
+              <a:endParaRPr lang="pt-BR" dirty="0">
+                <a:solidFill>
+                  <a:schemeClr val="bg1"/>
                 </a:solidFill>
               </a:endParaRPr>
             </a:p>
           </p:txBody>
         </p:sp>
-        <p:cxnSp>
-          <p:nvCxnSpPr>
-            <p:cNvPr id="9" name="Conector reto 8"/>
-            <p:cNvCxnSpPr>
-              <a:stCxn id="4" idx="4"/>
-              <a:endCxn id="8" idx="0"/>
-            </p:cNvCxnSpPr>
-            <p:nvPr/>
-          </p:nvCxnSpPr>
-          <p:spPr>
-            <a:xfrm>
-              <a:off x="9739481" y="2264188"/>
-              <a:ext cx="0" cy="307056"/>
-            </a:xfrm>
-            <a:prstGeom prst="line">
-              <a:avLst/>
-            </a:prstGeom>
-            <a:ln>
-              <a:solidFill>
-                <a:schemeClr val="bg1">
-                  <a:lumMod val="85000"/>
-                </a:schemeClr>
-              </a:solidFill>
-              <a:tailEnd type="triangle"/>
-            </a:ln>
-          </p:spPr>
-          <p:style>
-            <a:lnRef idx="1">
-              <a:schemeClr val="accent1"/>
-            </a:lnRef>
-            <a:fillRef idx="0">
-              <a:schemeClr val="accent1"/>
-            </a:fillRef>
-            <a:effectRef idx="0">
-              <a:schemeClr val="accent1"/>
-            </a:effectRef>
-            <a:fontRef idx="minor">
-              <a:schemeClr val="tx1"/>
-            </a:fontRef>
-          </p:style>
-        </p:cxnSp>
-      </p:grpSp>
-      <p:grpSp>
-        <p:nvGrpSpPr>
-          <p:cNvPr id="14" name="Agrupar 13">
-            <a:extLst>
-              <a:ext uri="{FF2B5EF4-FFF2-40B4-BE49-F238E27FC236}">
-                <a16:creationId xmlns:a16="http://schemas.microsoft.com/office/drawing/2014/main" id="{8A2673FD-D7CE-4946-9265-84D4AA2A6F7F}"/>
-              </a:ext>
-            </a:extLst>
-          </p:cNvPr>
-          <p:cNvGrpSpPr/>
-          <p:nvPr/>
-        </p:nvGrpSpPr>
-        <p:grpSpPr>
-          <a:xfrm>
-            <a:off x="9009931" y="4059726"/>
-            <a:ext cx="1447036" cy="1849181"/>
-            <a:chOff x="9113460" y="4047814"/>
-            <a:chExt cx="1447036" cy="1849181"/>
-          </a:xfrm>
-        </p:grpSpPr>
         <p:sp>
           <p:nvSpPr>
-            <p:cNvPr id="11" name="Raio 10"/>
+            <p:cNvPr id="26" name="Elipse 25">
+              <a:extLst>
+                <a:ext uri="{FF2B5EF4-FFF2-40B4-BE49-F238E27FC236}">
+                  <a16:creationId xmlns:a16="http://schemas.microsoft.com/office/drawing/2014/main" id="{DBB897EA-597C-458F-8CCB-058A9BDED18C}"/>
+                </a:ext>
+              </a:extLst>
+            </p:cNvPr>
             <p:cNvSpPr/>
             <p:nvPr/>
           </p:nvSpPr>
           <p:spPr>
             <a:xfrm>
-              <a:off x="9113460" y="4047814"/>
-              <a:ext cx="1447035" cy="1422353"/>
+              <a:off x="7401317" y="4152810"/>
+              <a:ext cx="432048" cy="432048"/>
             </a:xfrm>
-            <a:prstGeom prst="lightningBolt">
+            <a:prstGeom prst="ellipse">
               <a:avLst/>
             </a:prstGeom>
             <a:solidFill>
               <a:schemeClr val="accent1">
-                <a:lumMod val="50000"/>
+                <a:lumMod val="40000"/>
+                <a:lumOff val="60000"/>
               </a:schemeClr>
             </a:solidFill>
             <a:ln>
-              <a:noFill/>
-            </a:ln>
-          </p:spPr>
-          <p:style>
-            <a:lnRef idx="1">
-              <a:schemeClr val="accent1"/>
-            </a:lnRef>
-            <a:fillRef idx="2">
-              <a:schemeClr val="accent1"/>
-            </a:fillRef>
-            <a:effectRef idx="1">
-              <a:schemeClr val="accent1"/>
-            </a:effectRef>
-            <a:fontRef idx="minor">
-              <a:schemeClr val="dk1"/>
-            </a:fontRef>
-          </p:style>
-          <p:txBody>
-            <a:bodyPr rtlCol="0" anchor="ctr"/>
-            <a:lstStyle/>
-            <a:p>
-              <a:pPr algn="ctr"/>
-              <a:endParaRPr lang="pt-BR"/>
-            </a:p>
-          </p:txBody>
-        </p:sp>
-        <p:sp>
-          <p:nvSpPr>
-            <p:cNvPr id="12" name="Retângulo 11"/>
-            <p:cNvSpPr/>
-            <p:nvPr/>
-          </p:nvSpPr>
-          <p:spPr>
-            <a:xfrm>
-              <a:off x="9113460" y="4047814"/>
-              <a:ext cx="1447036" cy="1422353"/>
-            </a:xfrm>
-            <a:prstGeom prst="rect">
-              <a:avLst/>
-            </a:prstGeom>
-            <a:noFill/>
-            <a:ln>
               <a:solidFill>
-                <a:schemeClr val="accent1">
-                  <a:lumMod val="60000"/>
-                  <a:lumOff val="40000"/>
+                <a:schemeClr val="tx2">
+                  <a:lumMod val="50000"/>
                 </a:schemeClr>
               </a:solidFill>
             </a:ln>
@@ -28306,24 +32718,194 @@
             </a:fontRef>
           </p:style>
           <p:txBody>
-            <a:bodyPr rtlCol="0" anchor="ctr"/>
+            <a:bodyPr lIns="0" tIns="0" rIns="0" bIns="0" rtlCol="0" anchor="ctr" anchorCtr="1"/>
             <a:lstStyle/>
             <a:p>
               <a:pPr algn="ctr"/>
-              <a:endParaRPr lang="pt-BR"/>
+              <a:r>
+                <a:rPr lang="pt-BR" sz="1400" b="1" dirty="0">
+                  <a:solidFill>
+                    <a:schemeClr val="tx1"/>
+                  </a:solidFill>
+                </a:rPr>
+                <a:t>A</a:t>
+              </a:r>
+              <a:endParaRPr lang="pt-BR" b="1" dirty="0">
+                <a:solidFill>
+                  <a:schemeClr val="tx1"/>
+                </a:solidFill>
+              </a:endParaRPr>
             </a:p>
           </p:txBody>
         </p:sp>
         <p:sp>
           <p:nvSpPr>
-            <p:cNvPr id="13" name="CaixaDeTexto 12"/>
+            <p:cNvPr id="27" name="Elipse 26">
+              <a:extLst>
+                <a:ext uri="{FF2B5EF4-FFF2-40B4-BE49-F238E27FC236}">
+                  <a16:creationId xmlns:a16="http://schemas.microsoft.com/office/drawing/2014/main" id="{10FE7330-450F-40B9-BF12-E3813129E74A}"/>
+                </a:ext>
+              </a:extLst>
+            </p:cNvPr>
+            <p:cNvSpPr/>
+            <p:nvPr/>
+          </p:nvSpPr>
+          <p:spPr>
+            <a:xfrm>
+              <a:off x="7833365" y="4152810"/>
+              <a:ext cx="432048" cy="432048"/>
+            </a:xfrm>
+            <a:prstGeom prst="ellipse">
+              <a:avLst/>
+            </a:prstGeom>
+            <a:solidFill>
+              <a:schemeClr val="accent1"/>
+            </a:solidFill>
+            <a:ln>
+              <a:solidFill>
+                <a:schemeClr val="tx2">
+                  <a:lumMod val="50000"/>
+                </a:schemeClr>
+              </a:solidFill>
+            </a:ln>
+          </p:spPr>
+          <p:style>
+            <a:lnRef idx="1">
+              <a:schemeClr val="accent1"/>
+            </a:lnRef>
+            <a:fillRef idx="2">
+              <a:schemeClr val="accent1"/>
+            </a:fillRef>
+            <a:effectRef idx="1">
+              <a:schemeClr val="accent1"/>
+            </a:effectRef>
+            <a:fontRef idx="minor">
+              <a:schemeClr val="dk1"/>
+            </a:fontRef>
+          </p:style>
+          <p:txBody>
+            <a:bodyPr lIns="0" tIns="0" rIns="0" bIns="0" rtlCol="0" anchor="ctr" anchorCtr="1"/>
+            <a:lstStyle/>
+            <a:p>
+              <a:pPr algn="ctr"/>
+              <a:r>
+                <a:rPr lang="pt-BR" sz="1400" b="1" dirty="0"/>
+                <a:t>B</a:t>
+              </a:r>
+              <a:endParaRPr lang="pt-BR" b="1" dirty="0"/>
+            </a:p>
+          </p:txBody>
+        </p:sp>
+        <p:cxnSp>
+          <p:nvCxnSpPr>
+            <p:cNvPr id="29" name="Conector de seta reta 23">
+              <a:extLst>
+                <a:ext uri="{FF2B5EF4-FFF2-40B4-BE49-F238E27FC236}">
+                  <a16:creationId xmlns:a16="http://schemas.microsoft.com/office/drawing/2014/main" id="{FBEE37B6-7B12-474A-A503-4A2844B3210F}"/>
+                </a:ext>
+              </a:extLst>
+            </p:cNvPr>
+            <p:cNvCxnSpPr>
+              <a:stCxn id="26" idx="1"/>
+            </p:cNvCxnSpPr>
+            <p:nvPr/>
+          </p:nvCxnSpPr>
+          <p:spPr>
+            <a:xfrm flipH="1" flipV="1">
+              <a:off x="6591321" y="3347378"/>
+              <a:ext cx="873269" cy="868704"/>
+            </a:xfrm>
+            <a:prstGeom prst="straightConnector1">
+              <a:avLst/>
+            </a:prstGeom>
+            <a:ln w="19050">
+              <a:solidFill>
+                <a:schemeClr val="bg1">
+                  <a:lumMod val="75000"/>
+                </a:schemeClr>
+              </a:solidFill>
+              <a:prstDash val="lgDash"/>
+              <a:tailEnd type="arrow"/>
+            </a:ln>
+          </p:spPr>
+          <p:style>
+            <a:lnRef idx="1">
+              <a:schemeClr val="accent1"/>
+            </a:lnRef>
+            <a:fillRef idx="0">
+              <a:schemeClr val="accent1"/>
+            </a:fillRef>
+            <a:effectRef idx="0">
+              <a:schemeClr val="accent1"/>
+            </a:effectRef>
+            <a:fontRef idx="minor">
+              <a:schemeClr val="tx1"/>
+            </a:fontRef>
+          </p:style>
+        </p:cxnSp>
+        <p:cxnSp>
+          <p:nvCxnSpPr>
+            <p:cNvPr id="30" name="Conector de seta reta 27">
+              <a:extLst>
+                <a:ext uri="{FF2B5EF4-FFF2-40B4-BE49-F238E27FC236}">
+                  <a16:creationId xmlns:a16="http://schemas.microsoft.com/office/drawing/2014/main" id="{5319889E-7776-4EB7-A908-5AAE367BF6A1}"/>
+                </a:ext>
+              </a:extLst>
+            </p:cNvPr>
+            <p:cNvCxnSpPr>
+              <a:stCxn id="27" idx="0"/>
+            </p:cNvCxnSpPr>
+            <p:nvPr/>
+          </p:nvCxnSpPr>
+          <p:spPr>
+            <a:xfrm flipV="1">
+              <a:off x="8049389" y="3347378"/>
+              <a:ext cx="0" cy="805432"/>
+            </a:xfrm>
+            <a:prstGeom prst="straightConnector1">
+              <a:avLst/>
+            </a:prstGeom>
+            <a:ln w="19050">
+              <a:solidFill>
+                <a:schemeClr val="bg1">
+                  <a:lumMod val="75000"/>
+                </a:schemeClr>
+              </a:solidFill>
+              <a:prstDash val="lgDash"/>
+              <a:tailEnd type="arrow"/>
+            </a:ln>
+          </p:spPr>
+          <p:style>
+            <a:lnRef idx="1">
+              <a:schemeClr val="accent1"/>
+            </a:lnRef>
+            <a:fillRef idx="0">
+              <a:schemeClr val="accent1"/>
+            </a:fillRef>
+            <a:effectRef idx="0">
+              <a:schemeClr val="accent1"/>
+            </a:effectRef>
+            <a:fontRef idx="minor">
+              <a:schemeClr val="tx1"/>
+            </a:fontRef>
+          </p:style>
+        </p:cxnSp>
+        <p:sp>
+          <p:nvSpPr>
+            <p:cNvPr id="31" name="CaixaDeTexto 30">
+              <a:extLst>
+                <a:ext uri="{FF2B5EF4-FFF2-40B4-BE49-F238E27FC236}">
+                  <a16:creationId xmlns:a16="http://schemas.microsoft.com/office/drawing/2014/main" id="{9A08DF98-726B-4043-A2E1-B449C4F0892F}"/>
+                </a:ext>
+              </a:extLst>
+            </p:cNvPr>
             <p:cNvSpPr txBox="1"/>
             <p:nvPr/>
           </p:nvSpPr>
           <p:spPr>
             <a:xfrm>
-              <a:off x="9113461" y="5589218"/>
-              <a:ext cx="1447034" cy="307777"/>
+              <a:off x="8794094" y="4052593"/>
+              <a:ext cx="989373" cy="338554"/>
             </a:xfrm>
             <a:prstGeom prst="rect">
               <a:avLst/>
@@ -28331,32 +32913,28 @@
             <a:noFill/>
           </p:spPr>
           <p:txBody>
-            <a:bodyPr wrap="square" rtlCol="0">
+            <a:bodyPr wrap="none" rtlCol="0">
               <a:spAutoFit/>
             </a:bodyPr>
             <a:lstStyle/>
             <a:p>
-              <a:pPr algn="ctr"/>
               <a:r>
-                <a:rPr lang="pt-BR" sz="1400" dirty="0" err="1">
+                <a:rPr lang="pt-BR" sz="1600" dirty="0">
                   <a:solidFill>
                     <a:schemeClr val="bg1">
                       <a:lumMod val="85000"/>
                     </a:schemeClr>
                   </a:solidFill>
                 </a:rPr>
-                <a:t>Bounding</a:t>
+                <a:t>Impacto</a:t>
               </a:r>
-              <a:r>
-                <a:rPr lang="pt-BR" sz="1400" dirty="0">
-                  <a:solidFill>
-                    <a:schemeClr val="bg1">
-                      <a:lumMod val="85000"/>
-                    </a:schemeClr>
-                  </a:solidFill>
-                </a:rPr>
-                <a:t> Box</a:t>
-              </a:r>
+              <a:endParaRPr lang="pt-BR" dirty="0">
+                <a:solidFill>
+                  <a:schemeClr val="bg1">
+                    <a:lumMod val="85000"/>
+                  </a:schemeClr>
+                </a:solidFill>
+              </a:endParaRPr>
             </a:p>
           </p:txBody>
         </p:sp>
@@ -28364,7 +32942,7 @@
     </p:spTree>
     <p:extLst>
       <p:ext uri="{BB962C8B-B14F-4D97-AF65-F5344CB8AC3E}">
-        <p14:creationId xmlns:p14="http://schemas.microsoft.com/office/powerpoint/2010/main" val="4012501003"/>
+        <p14:creationId xmlns:p14="http://schemas.microsoft.com/office/powerpoint/2010/main" val="1619046900"/>
       </p:ext>
     </p:extLst>
   </p:cSld>

--- a/Slides/10. Detecção de Colisão.pptx
+++ b/Slides/10. Detecção de Colisão.pptx
@@ -154,7 +154,7 @@
 <file path=ppt/revisionInfo.xml><?xml version="1.0" encoding="utf-8"?>
 <p1510:revInfo xmlns:a="http://schemas.openxmlformats.org/drawingml/2006/main" xmlns:r="http://schemas.openxmlformats.org/officeDocument/2006/relationships" xmlns:p1510="http://schemas.microsoft.com/office/powerpoint/2015/10/main">
   <p1510:revLst>
-    <p1510:client id="{F02A8769-13FB-4EC9-A32C-E030E68C60F2}" v="41" dt="2021-08-21T01:14:10.579"/>
+    <p1510:client id="{F02A8769-13FB-4EC9-A32C-E030E68C60F2}" v="71" dt="2021-08-21T16:12:44.339"/>
   </p1510:revLst>
 </p1510:revInfo>
 </file>
@@ -164,12 +164,12 @@
   <pc:docChgLst>
     <pc:chgData name="Judson Santiago" userId="ebb108da2f256286" providerId="LiveId" clId="{F02A8769-13FB-4EC9-A32C-E030E68C60F2}"/>
     <pc:docChg chg="undo custSel addSld modSld modMainMaster">
-      <pc:chgData name="Judson Santiago" userId="ebb108da2f256286" providerId="LiveId" clId="{F02A8769-13FB-4EC9-A32C-E030E68C60F2}" dt="2021-08-21T03:28:28.786" v="845" actId="21"/>
+      <pc:chgData name="Judson Santiago" userId="ebb108da2f256286" providerId="LiveId" clId="{F02A8769-13FB-4EC9-A32C-E030E68C60F2}" dt="2021-08-21T16:12:44.339" v="1280"/>
       <pc:docMkLst>
         <pc:docMk/>
       </pc:docMkLst>
-      <pc:sldChg chg="modSp mod">
-        <pc:chgData name="Judson Santiago" userId="ebb108da2f256286" providerId="LiveId" clId="{F02A8769-13FB-4EC9-A32C-E030E68C60F2}" dt="2021-08-20T23:46:56.649" v="26" actId="20577"/>
+      <pc:sldChg chg="modSp mod modNotesTx">
+        <pc:chgData name="Judson Santiago" userId="ebb108da2f256286" providerId="LiveId" clId="{F02A8769-13FB-4EC9-A32C-E030E68C60F2}" dt="2021-08-21T03:43:46.422" v="1252" actId="20577"/>
         <pc:sldMkLst>
           <pc:docMk/>
           <pc:sldMk cId="0" sldId="256"/>
@@ -191,8 +191,8 @@
           </ac:spMkLst>
         </pc:spChg>
       </pc:sldChg>
-      <pc:sldChg chg="modSp mod modNotesTx">
-        <pc:chgData name="Judson Santiago" userId="ebb108da2f256286" providerId="LiveId" clId="{F02A8769-13FB-4EC9-A32C-E030E68C60F2}" dt="2021-08-20T23:51:58.065" v="51" actId="1035"/>
+      <pc:sldChg chg="modSp mod modTransition modNotesTx">
+        <pc:chgData name="Judson Santiago" userId="ebb108da2f256286" providerId="LiveId" clId="{F02A8769-13FB-4EC9-A32C-E030E68C60F2}" dt="2021-08-21T16:08:45.160" v="1254"/>
         <pc:sldMkLst>
           <pc:docMk/>
           <pc:sldMk cId="460992010" sldId="266"/>
@@ -214,8 +214,8 @@
           </ac:spMkLst>
         </pc:spChg>
       </pc:sldChg>
-      <pc:sldChg chg="modSp mod">
-        <pc:chgData name="Judson Santiago" userId="ebb108da2f256286" providerId="LiveId" clId="{F02A8769-13FB-4EC9-A32C-E030E68C60F2}" dt="2021-08-21T03:27:49.594" v="844" actId="948"/>
+      <pc:sldChg chg="modSp mod modTransition">
+        <pc:chgData name="Judson Santiago" userId="ebb108da2f256286" providerId="LiveId" clId="{F02A8769-13FB-4EC9-A32C-E030E68C60F2}" dt="2021-08-21T16:08:45.160" v="1254"/>
         <pc:sldMkLst>
           <pc:docMk/>
           <pc:sldMk cId="904695914" sldId="325"/>
@@ -229,8 +229,8 @@
           </ac:spMkLst>
         </pc:spChg>
       </pc:sldChg>
-      <pc:sldChg chg="modSp mod">
-        <pc:chgData name="Judson Santiago" userId="ebb108da2f256286" providerId="LiveId" clId="{F02A8769-13FB-4EC9-A32C-E030E68C60F2}" dt="2021-08-21T00:16:10.883" v="97" actId="207"/>
+      <pc:sldChg chg="modSp mod modTransition">
+        <pc:chgData name="Judson Santiago" userId="ebb108da2f256286" providerId="LiveId" clId="{F02A8769-13FB-4EC9-A32C-E030E68C60F2}" dt="2021-08-21T16:08:45.160" v="1254"/>
         <pc:sldMkLst>
           <pc:docMk/>
           <pc:sldMk cId="1109265082" sldId="326"/>
@@ -308,8 +308,8 @@
           </ac:cxnSpMkLst>
         </pc:cxnChg>
       </pc:sldChg>
-      <pc:sldChg chg="modSp mod">
-        <pc:chgData name="Judson Santiago" userId="ebb108da2f256286" providerId="LiveId" clId="{F02A8769-13FB-4EC9-A32C-E030E68C60F2}" dt="2021-08-21T02:03:57.941" v="787" actId="207"/>
+      <pc:sldChg chg="modSp mod modTransition">
+        <pc:chgData name="Judson Santiago" userId="ebb108da2f256286" providerId="LiveId" clId="{F02A8769-13FB-4EC9-A32C-E030E68C60F2}" dt="2021-08-21T16:12:44.339" v="1280"/>
         <pc:sldMkLst>
           <pc:docMk/>
           <pc:sldMk cId="1248988640" sldId="327"/>
@@ -330,9 +330,17 @@
             <ac:spMk id="46" creationId="{AFE5C298-514F-4757-B537-78A15E7BAD6B}"/>
           </ac:spMkLst>
         </pc:spChg>
+        <pc:picChg chg="mod">
+          <ac:chgData name="Judson Santiago" userId="ebb108da2f256286" providerId="LiveId" clId="{F02A8769-13FB-4EC9-A32C-E030E68C60F2}" dt="2021-08-21T16:12:44.339" v="1280"/>
+          <ac:picMkLst>
+            <pc:docMk/>
+            <pc:sldMk cId="1248988640" sldId="327"/>
+            <ac:picMk id="21" creationId="{6ED17065-7280-401B-B81C-58CB60953290}"/>
+          </ac:picMkLst>
+        </pc:picChg>
       </pc:sldChg>
-      <pc:sldChg chg="modSp mod">
-        <pc:chgData name="Judson Santiago" userId="ebb108da2f256286" providerId="LiveId" clId="{F02A8769-13FB-4EC9-A32C-E030E68C60F2}" dt="2021-08-21T00:07:43.340" v="63" actId="6549"/>
+      <pc:sldChg chg="modSp mod modTransition">
+        <pc:chgData name="Judson Santiago" userId="ebb108da2f256286" providerId="LiveId" clId="{F02A8769-13FB-4EC9-A32C-E030E68C60F2}" dt="2021-08-21T16:08:45.160" v="1254"/>
         <pc:sldMkLst>
           <pc:docMk/>
           <pc:sldMk cId="2420297589" sldId="328"/>
@@ -346,8 +354,8 @@
           </ac:spMkLst>
         </pc:spChg>
       </pc:sldChg>
-      <pc:sldChg chg="modSp mod">
-        <pc:chgData name="Judson Santiago" userId="ebb108da2f256286" providerId="LiveId" clId="{F02A8769-13FB-4EC9-A32C-E030E68C60F2}" dt="2021-08-21T03:15:52.407" v="801" actId="1582"/>
+      <pc:sldChg chg="modSp mod modTransition">
+        <pc:chgData name="Judson Santiago" userId="ebb108da2f256286" providerId="LiveId" clId="{F02A8769-13FB-4EC9-A32C-E030E68C60F2}" dt="2021-08-21T16:08:45.160" v="1254"/>
         <pc:sldMkLst>
           <pc:docMk/>
           <pc:sldMk cId="688013266" sldId="331"/>
@@ -377,8 +385,8 @@
           </ac:cxnSpMkLst>
         </pc:cxnChg>
       </pc:sldChg>
-      <pc:sldChg chg="modSp mod">
-        <pc:chgData name="Judson Santiago" userId="ebb108da2f256286" providerId="LiveId" clId="{F02A8769-13FB-4EC9-A32C-E030E68C60F2}" dt="2021-08-21T03:17:21.507" v="805" actId="20577"/>
+      <pc:sldChg chg="modSp mod modTransition">
+        <pc:chgData name="Judson Santiago" userId="ebb108da2f256286" providerId="LiveId" clId="{F02A8769-13FB-4EC9-A32C-E030E68C60F2}" dt="2021-08-21T16:08:45.160" v="1254"/>
         <pc:sldMkLst>
           <pc:docMk/>
           <pc:sldMk cId="4139913307" sldId="332"/>
@@ -392,8 +400,8 @@
           </ac:spMkLst>
         </pc:spChg>
       </pc:sldChg>
-      <pc:sldChg chg="addSp delSp modSp mod">
-        <pc:chgData name="Judson Santiago" userId="ebb108da2f256286" providerId="LiveId" clId="{F02A8769-13FB-4EC9-A32C-E030E68C60F2}" dt="2021-08-21T01:13:45.712" v="773" actId="164"/>
+      <pc:sldChg chg="addSp delSp modSp mod modTransition">
+        <pc:chgData name="Judson Santiago" userId="ebb108da2f256286" providerId="LiveId" clId="{F02A8769-13FB-4EC9-A32C-E030E68C60F2}" dt="2021-08-21T16:08:45.160" v="1254"/>
         <pc:sldMkLst>
           <pc:docMk/>
           <pc:sldMk cId="1525901002" sldId="333"/>
@@ -519,8 +527,8 @@
           </ac:cxnSpMkLst>
         </pc:cxnChg>
       </pc:sldChg>
-      <pc:sldChg chg="modSp mod">
-        <pc:chgData name="Judson Santiago" userId="ebb108da2f256286" providerId="LiveId" clId="{F02A8769-13FB-4EC9-A32C-E030E68C60F2}" dt="2021-08-21T00:24:10.129" v="164" actId="14100"/>
+      <pc:sldChg chg="modSp mod modTransition">
+        <pc:chgData name="Judson Santiago" userId="ebb108da2f256286" providerId="LiveId" clId="{F02A8769-13FB-4EC9-A32C-E030E68C60F2}" dt="2021-08-21T16:08:45.160" v="1254"/>
         <pc:sldMkLst>
           <pc:docMk/>
           <pc:sldMk cId="3055251702" sldId="334"/>
@@ -598,8 +606,8 @@
           </ac:cxnSpMkLst>
         </pc:cxnChg>
       </pc:sldChg>
-      <pc:sldChg chg="addSp delSp modSp add mod">
-        <pc:chgData name="Judson Santiago" userId="ebb108da2f256286" providerId="LiveId" clId="{F02A8769-13FB-4EC9-A32C-E030E68C60F2}" dt="2021-08-21T00:33:34.418" v="219" actId="948"/>
+      <pc:sldChg chg="addSp delSp modSp add mod modTransition">
+        <pc:chgData name="Judson Santiago" userId="ebb108da2f256286" providerId="LiveId" clId="{F02A8769-13FB-4EC9-A32C-E030E68C60F2}" dt="2021-08-21T16:08:45.160" v="1254"/>
         <pc:sldMkLst>
           <pc:docMk/>
           <pc:sldMk cId="1619046900" sldId="335"/>
@@ -813,8 +821,8 @@
           </ac:cxnSpMkLst>
         </pc:cxnChg>
       </pc:sldChg>
-      <pc:sldChg chg="addSp delSp modSp mod">
-        <pc:chgData name="Judson Santiago" userId="ebb108da2f256286" providerId="LiveId" clId="{F02A8769-13FB-4EC9-A32C-E030E68C60F2}" dt="2021-08-21T01:14:18.204" v="778" actId="1076"/>
+      <pc:sldChg chg="addSp delSp modSp mod modTransition">
+        <pc:chgData name="Judson Santiago" userId="ebb108da2f256286" providerId="LiveId" clId="{F02A8769-13FB-4EC9-A32C-E030E68C60F2}" dt="2021-08-21T16:08:45.160" v="1254"/>
         <pc:sldMkLst>
           <pc:docMk/>
           <pc:sldMk cId="4012501003" sldId="336"/>
@@ -868,8 +876,8 @@
           </ac:grpSpMkLst>
         </pc:grpChg>
       </pc:sldChg>
-      <pc:sldChg chg="modSp mod">
-        <pc:chgData name="Judson Santiago" userId="ebb108da2f256286" providerId="LiveId" clId="{F02A8769-13FB-4EC9-A32C-E030E68C60F2}" dt="2021-08-21T03:16:23.137" v="803" actId="20577"/>
+      <pc:sldChg chg="modSp mod modTransition">
+        <pc:chgData name="Judson Santiago" userId="ebb108da2f256286" providerId="LiveId" clId="{F02A8769-13FB-4EC9-A32C-E030E68C60F2}" dt="2021-08-21T16:08:45.160" v="1254"/>
         <pc:sldMkLst>
           <pc:docMk/>
           <pc:sldMk cId="4251694275" sldId="337"/>
@@ -899,8 +907,8 @@
           </ac:cxnSpMkLst>
         </pc:cxnChg>
       </pc:sldChg>
-      <pc:sldChg chg="modSp mod">
-        <pc:chgData name="Judson Santiago" userId="ebb108da2f256286" providerId="LiveId" clId="{F02A8769-13FB-4EC9-A32C-E030E68C60F2}" dt="2021-08-21T03:13:15.256" v="797" actId="692"/>
+      <pc:sldChg chg="modSp mod modTransition">
+        <pc:chgData name="Judson Santiago" userId="ebb108da2f256286" providerId="LiveId" clId="{F02A8769-13FB-4EC9-A32C-E030E68C60F2}" dt="2021-08-21T16:08:45.160" v="1254"/>
         <pc:sldMkLst>
           <pc:docMk/>
           <pc:sldMk cId="4220507151" sldId="338"/>
@@ -930,8 +938,8 @@
           </ac:cxnSpMkLst>
         </pc:cxnChg>
       </pc:sldChg>
-      <pc:sldChg chg="modSp mod">
-        <pc:chgData name="Judson Santiago" userId="ebb108da2f256286" providerId="LiveId" clId="{F02A8769-13FB-4EC9-A32C-E030E68C60F2}" dt="2021-08-21T03:19:24.717" v="808" actId="20577"/>
+      <pc:sldChg chg="modSp mod modTransition">
+        <pc:chgData name="Judson Santiago" userId="ebb108da2f256286" providerId="LiveId" clId="{F02A8769-13FB-4EC9-A32C-E030E68C60F2}" dt="2021-08-21T16:08:45.160" v="1254"/>
         <pc:sldMkLst>
           <pc:docMk/>
           <pc:sldMk cId="958028173" sldId="339"/>
@@ -945,8 +953,8 @@
           </ac:spMkLst>
         </pc:spChg>
       </pc:sldChg>
-      <pc:sldChg chg="modSp mod">
-        <pc:chgData name="Judson Santiago" userId="ebb108da2f256286" providerId="LiveId" clId="{F02A8769-13FB-4EC9-A32C-E030E68C60F2}" dt="2021-08-20T23:50:07.031" v="42" actId="20577"/>
+      <pc:sldChg chg="modSp mod modTransition">
+        <pc:chgData name="Judson Santiago" userId="ebb108da2f256286" providerId="LiveId" clId="{F02A8769-13FB-4EC9-A32C-E030E68C60F2}" dt="2021-08-21T16:08:45.160" v="1254"/>
         <pc:sldMkLst>
           <pc:docMk/>
           <pc:sldMk cId="1373478287" sldId="340"/>
@@ -960,8 +968,8 @@
           </ac:spMkLst>
         </pc:spChg>
       </pc:sldChg>
-      <pc:sldChg chg="modSp mod">
-        <pc:chgData name="Judson Santiago" userId="ebb108da2f256286" providerId="LiveId" clId="{F02A8769-13FB-4EC9-A32C-E030E68C60F2}" dt="2021-08-21T00:16:49.390" v="99" actId="1076"/>
+      <pc:sldChg chg="modSp mod modTransition">
+        <pc:chgData name="Judson Santiago" userId="ebb108da2f256286" providerId="LiveId" clId="{F02A8769-13FB-4EC9-A32C-E030E68C60F2}" dt="2021-08-21T16:08:45.160" v="1254"/>
         <pc:sldMkLst>
           <pc:docMk/>
           <pc:sldMk cId="3438548152" sldId="341"/>
@@ -991,8 +999,8 @@
           </ac:grpSpMkLst>
         </pc:grpChg>
       </pc:sldChg>
-      <pc:sldChg chg="modSp mod">
-        <pc:chgData name="Judson Santiago" userId="ebb108da2f256286" providerId="LiveId" clId="{F02A8769-13FB-4EC9-A32C-E030E68C60F2}" dt="2021-08-21T03:23:43.568" v="837" actId="20577"/>
+      <pc:sldChg chg="modSp mod modTransition">
+        <pc:chgData name="Judson Santiago" userId="ebb108da2f256286" providerId="LiveId" clId="{F02A8769-13FB-4EC9-A32C-E030E68C60F2}" dt="2021-08-21T16:08:45.160" v="1254"/>
         <pc:sldMkLst>
           <pc:docMk/>
           <pc:sldMk cId="218401361" sldId="342"/>
@@ -1118,8 +1126,8 @@
           </ac:grpSpMkLst>
         </pc:grpChg>
       </pc:sldChg>
-      <pc:sldChg chg="modSp mod">
-        <pc:chgData name="Judson Santiago" userId="ebb108da2f256286" providerId="LiveId" clId="{F02A8769-13FB-4EC9-A32C-E030E68C60F2}" dt="2021-08-21T03:23:46.959" v="838" actId="20577"/>
+      <pc:sldChg chg="modSp mod modTransition">
+        <pc:chgData name="Judson Santiago" userId="ebb108da2f256286" providerId="LiveId" clId="{F02A8769-13FB-4EC9-A32C-E030E68C60F2}" dt="2021-08-21T16:08:45.160" v="1254"/>
         <pc:sldMkLst>
           <pc:docMk/>
           <pc:sldMk cId="2120411485" sldId="343"/>
@@ -1133,8 +1141,8 @@
           </ac:spMkLst>
         </pc:spChg>
       </pc:sldChg>
-      <pc:sldChg chg="addSp delSp modSp add mod">
-        <pc:chgData name="Judson Santiago" userId="ebb108da2f256286" providerId="LiveId" clId="{F02A8769-13FB-4EC9-A32C-E030E68C60F2}" dt="2021-08-21T01:11:26.581" v="760" actId="207"/>
+      <pc:sldChg chg="addSp delSp modSp add mod modTransition">
+        <pc:chgData name="Judson Santiago" userId="ebb108da2f256286" providerId="LiveId" clId="{F02A8769-13FB-4EC9-A32C-E030E68C60F2}" dt="2021-08-21T16:08:45.160" v="1254"/>
         <pc:sldMkLst>
           <pc:docMk/>
           <pc:sldMk cId="3153582145" sldId="344"/>
@@ -4861,7 +4869,7 @@
           <a:p>
             <a:fld id="{4EE124E1-33A7-455C-8CC3-2478ADA7C92A}" type="datetimeFigureOut">
               <a:rPr lang="pt-BR" smtClean="0"/>
-              <a:t>20/08/2021</a:t>
+              <a:t>21/08/2021</a:t>
             </a:fld>
             <a:endParaRPr lang="pt-BR"/>
           </a:p>
@@ -5027,7 +5035,7 @@
             <a:fld id="{4C457FC9-8E1D-4A40-BFF1-0E630693B1AB}" type="datetimeFigureOut">
               <a:rPr lang="pt-BR" smtClean="0"/>
               <a:pPr/>
-              <a:t>20/08/2021</a:t>
+              <a:t>21/08/2021</a:t>
             </a:fld>
             <a:endParaRPr lang="pt-BR"/>
           </a:p>
@@ -5324,6 +5332,205 @@
             <p:ph type="sldImg"/>
           </p:nvPr>
         </p:nvSpPr>
+        <p:spPr/>
+      </p:sp>
+      <p:sp>
+        <p:nvSpPr>
+          <p:cNvPr id="3" name="Espaço Reservado para Anotações 2"/>
+          <p:cNvSpPr>
+            <a:spLocks noGrp="1"/>
+          </p:cNvSpPr>
+          <p:nvPr>
+            <p:ph type="body" idx="1"/>
+          </p:nvPr>
+        </p:nvSpPr>
+        <p:spPr/>
+        <p:txBody>
+          <a:bodyPr/>
+          <a:lstStyle/>
+          <a:p>
+            <a:pPr marL="171450" indent="-171450">
+              <a:buFontTx/>
+              <a:buChar char="-"/>
+            </a:pPr>
+            <a:r>
+              <a:rPr lang="pt-BR" b="0" i="0" dirty="0">
+                <a:solidFill>
+                  <a:srgbClr val="000000"/>
+                </a:solidFill>
+                <a:effectLst/>
+                <a:latin typeface="Verdana" panose="020B0604030504040204" pitchFamily="34" charset="0"/>
+              </a:rPr>
+              <a:t>Conhecer as técnicas para detecção de colisão</a:t>
+            </a:r>
+          </a:p>
+          <a:p>
+            <a:pPr marL="171450" indent="-171450">
+              <a:buFontTx/>
+              <a:buChar char="-"/>
+            </a:pPr>
+            <a:r>
+              <a:rPr lang="pt-BR" b="0" i="0" dirty="0">
+                <a:solidFill>
+                  <a:srgbClr val="000000"/>
+                </a:solidFill>
+                <a:effectLst/>
+                <a:latin typeface="Verdana" panose="020B0604030504040204" pitchFamily="34" charset="0"/>
+              </a:rPr>
+              <a:t>Desafios inerentes ao processo de detecção e resolução da colisão</a:t>
+            </a:r>
+          </a:p>
+          <a:p>
+            <a:pPr marL="171450" indent="-171450">
+              <a:buFontTx/>
+              <a:buChar char="-"/>
+            </a:pPr>
+            <a:r>
+              <a:rPr lang="pt-BR" b="0" i="0" dirty="0" err="1">
+                <a:solidFill>
+                  <a:srgbClr val="000000"/>
+                </a:solidFill>
+                <a:effectLst/>
+                <a:latin typeface="Verdana" panose="020B0604030504040204" pitchFamily="34" charset="0"/>
+              </a:rPr>
+              <a:t>Bounding</a:t>
+            </a:r>
+            <a:r>
+              <a:rPr lang="pt-BR" b="0" i="0" dirty="0">
+                <a:solidFill>
+                  <a:srgbClr val="000000"/>
+                </a:solidFill>
+                <a:effectLst/>
+                <a:latin typeface="Verdana" panose="020B0604030504040204" pitchFamily="34" charset="0"/>
+              </a:rPr>
+              <a:t> Box e Particionamento do Espaço para reduzir a complexidade</a:t>
+            </a:r>
+          </a:p>
+          <a:p>
+            <a:pPr marL="171450" indent="-171450">
+              <a:buFontTx/>
+              <a:buChar char="-"/>
+            </a:pPr>
+            <a:r>
+              <a:rPr lang="pt-BR" b="0" i="0" dirty="0">
+                <a:solidFill>
+                  <a:srgbClr val="000000"/>
+                </a:solidFill>
+                <a:effectLst/>
+                <a:latin typeface="Verdana" panose="020B0604030504040204" pitchFamily="34" charset="0"/>
+              </a:rPr>
+              <a:t>Ver como criar um sistema de colisão baseado em teste de sobreposição</a:t>
+            </a:r>
+          </a:p>
+          <a:p>
+            <a:pPr marL="171450" indent="-171450">
+              <a:buFontTx/>
+              <a:buChar char="-"/>
+            </a:pPr>
+            <a:r>
+              <a:rPr lang="pt-BR" b="0" i="0" dirty="0">
+                <a:solidFill>
+                  <a:srgbClr val="000000"/>
+                </a:solidFill>
+                <a:effectLst/>
+                <a:latin typeface="Verdana" panose="020B0604030504040204" pitchFamily="34" charset="0"/>
+              </a:rPr>
+              <a:t>Colisão ponto-círculo, ponto-retângulo, círculo-círculo, retângulo-retângulo e círculo-retângulo. </a:t>
+            </a:r>
+          </a:p>
+          <a:p>
+            <a:pPr marL="171450" indent="-171450">
+              <a:buFontTx/>
+              <a:buChar char="-"/>
+            </a:pPr>
+            <a:r>
+              <a:rPr lang="pt-BR" b="0" i="0" dirty="0">
+                <a:solidFill>
+                  <a:srgbClr val="000000"/>
+                </a:solidFill>
+                <a:effectLst/>
+                <a:latin typeface="Verdana" panose="020B0604030504040204" pitchFamily="34" charset="0"/>
+              </a:rPr>
+              <a:t>Conhecer a implementação através do exemplo </a:t>
+            </a:r>
+            <a:r>
+              <a:rPr lang="pt-BR" b="1" i="0" dirty="0" err="1">
+                <a:solidFill>
+                  <a:srgbClr val="000000"/>
+                </a:solidFill>
+                <a:effectLst/>
+                <a:latin typeface="Verdana" panose="020B0604030504040204" pitchFamily="34" charset="0"/>
+              </a:rPr>
+              <a:t>Breakout</a:t>
+            </a:r>
+            <a:endParaRPr lang="pt-BR" b="1" dirty="0"/>
+          </a:p>
+        </p:txBody>
+      </p:sp>
+      <p:sp>
+        <p:nvSpPr>
+          <p:cNvPr id="4" name="Espaço Reservado para Número de Slide 3"/>
+          <p:cNvSpPr>
+            <a:spLocks noGrp="1"/>
+          </p:cNvSpPr>
+          <p:nvPr>
+            <p:ph type="sldNum" sz="quarter" idx="5"/>
+          </p:nvPr>
+        </p:nvSpPr>
+        <p:spPr/>
+        <p:txBody>
+          <a:bodyPr/>
+          <a:lstStyle/>
+          <a:p>
+            <a:fld id="{EF334A8D-C5BE-432D-90D0-92D67DD437AB}" type="slidenum">
+              <a:rPr lang="pt-BR" smtClean="0"/>
+              <a:pPr/>
+              <a:t>1</a:t>
+            </a:fld>
+            <a:endParaRPr lang="pt-BR"/>
+          </a:p>
+        </p:txBody>
+      </p:sp>
+    </p:spTree>
+    <p:extLst>
+      <p:ext uri="{BB962C8B-B14F-4D97-AF65-F5344CB8AC3E}">
+        <p14:creationId xmlns:p14="http://schemas.microsoft.com/office/powerpoint/2010/main" val="4049703925"/>
+      </p:ext>
+    </p:extLst>
+  </p:cSld>
+  <p:clrMapOvr>
+    <a:masterClrMapping/>
+  </p:clrMapOvr>
+</p:notes>
+</file>
+
+<file path=ppt/notesSlides/notesSlide10.xml><?xml version="1.0" encoding="utf-8"?>
+<p:notes xmlns:a="http://schemas.openxmlformats.org/drawingml/2006/main" xmlns:r="http://schemas.openxmlformats.org/officeDocument/2006/relationships" xmlns:p="http://schemas.openxmlformats.org/presentationml/2006/main">
+  <p:cSld>
+    <p:spTree>
+      <p:nvGrpSpPr>
+        <p:cNvPr id="1" name=""/>
+        <p:cNvGrpSpPr/>
+        <p:nvPr/>
+      </p:nvGrpSpPr>
+      <p:grpSpPr>
+        <a:xfrm>
+          <a:off x="0" y="0"/>
+          <a:ext cx="0" cy="0"/>
+          <a:chOff x="0" y="0"/>
+          <a:chExt cx="0" cy="0"/>
+        </a:xfrm>
+      </p:grpSpPr>
+      <p:sp>
+        <p:nvSpPr>
+          <p:cNvPr id="2" name="Espaço Reservado para Imagem de Slide 1"/>
+          <p:cNvSpPr>
+            <a:spLocks noGrp="1" noRot="1" noChangeAspect="1"/>
+          </p:cNvSpPr>
+          <p:nvPr>
+            <p:ph type="sldImg"/>
+          </p:nvPr>
+        </p:nvSpPr>
         <p:spPr>
           <a:xfrm>
             <a:off x="381000" y="685800"/>
@@ -5346,7 +5553,18 @@
           <a:bodyPr/>
           <a:lstStyle/>
           <a:p>
-            <a:endParaRPr lang="pt-BR" dirty="0"/>
+            <a:r>
+              <a:rPr lang="pt-BR" noProof="0" dirty="0"/>
+              <a:t>O tratamento acima não detecta todos</a:t>
+            </a:r>
+            <a:r>
+              <a:rPr lang="pt-BR" baseline="0" noProof="0" dirty="0"/>
+              <a:t> os casos, é preciso expandir a quantidade de testes para um tratamento completo</a:t>
+            </a:r>
+            <a:r>
+              <a:rPr lang="pt-BR" noProof="0" dirty="0"/>
+              <a:t>.</a:t>
+            </a:r>
           </a:p>
         </p:txBody>
       </p:sp>
@@ -5368,7 +5586,7 @@
             <a:fld id="{EF334A8D-C5BE-432D-90D0-92D67DD437AB}" type="slidenum">
               <a:rPr lang="pt-BR" smtClean="0"/>
               <a:pPr/>
-              <a:t>2</a:t>
+              <a:t>17</a:t>
             </a:fld>
             <a:endParaRPr lang="pt-BR"/>
           </a:p>
@@ -5377,7 +5595,7 @@
     </p:spTree>
     <p:extLst>
       <p:ext uri="{BB962C8B-B14F-4D97-AF65-F5344CB8AC3E}">
-        <p14:creationId xmlns:p14="http://schemas.microsoft.com/office/powerpoint/2010/main" val="3628242588"/>
+        <p14:creationId xmlns:p14="http://schemas.microsoft.com/office/powerpoint/2010/main" val="3791607696"/>
       </p:ext>
     </p:extLst>
   </p:cSld>
@@ -5387,7 +5605,7 @@
 </p:notes>
 </file>
 
-<file path=ppt/notesSlides/notesSlide10.xml><?xml version="1.0" encoding="utf-8"?>
+<file path=ppt/notesSlides/notesSlide11.xml><?xml version="1.0" encoding="utf-8"?>
 <p:notes xmlns:a="http://schemas.openxmlformats.org/drawingml/2006/main" xmlns:r="http://schemas.openxmlformats.org/officeDocument/2006/relationships" xmlns:p="http://schemas.openxmlformats.org/presentationml/2006/main">
   <p:cSld>
     <p:spTree>
@@ -5525,7 +5743,7 @@
 </p:notes>
 </file>
 
-<file path=ppt/notesSlides/notesSlide11.xml><?xml version="1.0" encoding="utf-8"?>
+<file path=ppt/notesSlides/notesSlide12.xml><?xml version="1.0" encoding="utf-8"?>
 <p:notes xmlns:a="http://schemas.openxmlformats.org/drawingml/2006/main" xmlns:r="http://schemas.openxmlformats.org/officeDocument/2006/relationships" xmlns:p="http://schemas.openxmlformats.org/presentationml/2006/main">
   <p:cSld>
     <p:spTree>
@@ -5659,14 +5877,6 @@
           <a:bodyPr/>
           <a:lstStyle/>
           <a:p>
-            <a:r>
-              <a:rPr lang="pt-BR" dirty="0"/>
-              <a:t>A detecção</a:t>
-            </a:r>
-            <a:r>
-              <a:rPr lang="pt-BR" baseline="0" dirty="0"/>
-              <a:t> de colisão e a resolução de colisão juntas fornecem o conceito de solidez aos objetos de um jogo.</a:t>
-            </a:r>
             <a:endParaRPr lang="pt-BR" dirty="0"/>
           </a:p>
         </p:txBody>
@@ -5689,7 +5899,7 @@
             <a:fld id="{EF334A8D-C5BE-432D-90D0-92D67DD437AB}" type="slidenum">
               <a:rPr lang="pt-BR" smtClean="0"/>
               <a:pPr/>
-              <a:t>3</a:t>
+              <a:t>2</a:t>
             </a:fld>
             <a:endParaRPr lang="pt-BR"/>
           </a:p>
@@ -5698,7 +5908,7 @@
     </p:spTree>
     <p:extLst>
       <p:ext uri="{BB962C8B-B14F-4D97-AF65-F5344CB8AC3E}">
-        <p14:creationId xmlns:p14="http://schemas.microsoft.com/office/powerpoint/2010/main" val="2126421798"/>
+        <p14:creationId xmlns:p14="http://schemas.microsoft.com/office/powerpoint/2010/main" val="3628242588"/>
       </p:ext>
     </p:extLst>
   </p:cSld>
@@ -5735,7 +5945,12 @@
             <p:ph type="sldImg"/>
           </p:nvPr>
         </p:nvSpPr>
-        <p:spPr/>
+        <p:spPr>
+          <a:xfrm>
+            <a:off x="381000" y="685800"/>
+            <a:ext cx="6096000" cy="3429000"/>
+          </a:xfrm>
+        </p:spPr>
       </p:sp>
       <p:sp>
         <p:nvSpPr>
@@ -5752,6 +5967,14 @@
           <a:bodyPr/>
           <a:lstStyle/>
           <a:p>
+            <a:r>
+              <a:rPr lang="pt-BR" dirty="0"/>
+              <a:t>A detecção</a:t>
+            </a:r>
+            <a:r>
+              <a:rPr lang="pt-BR" baseline="0" dirty="0"/>
+              <a:t> de colisão e a resolução de colisão juntas fornecem o conceito de solidez aos objetos de um jogo.</a:t>
+            </a:r>
             <a:endParaRPr lang="pt-BR" dirty="0"/>
           </a:p>
         </p:txBody>
@@ -5763,7 +5986,7 @@
             <a:spLocks noGrp="1"/>
           </p:cNvSpPr>
           <p:nvPr>
-            <p:ph type="sldNum" sz="quarter" idx="5"/>
+            <p:ph type="sldNum" sz="quarter" idx="10"/>
           </p:nvPr>
         </p:nvSpPr>
         <p:spPr/>
@@ -5774,7 +5997,7 @@
             <a:fld id="{EF334A8D-C5BE-432D-90D0-92D67DD437AB}" type="slidenum">
               <a:rPr lang="pt-BR" smtClean="0"/>
               <a:pPr/>
-              <a:t>8</a:t>
+              <a:t>3</a:t>
             </a:fld>
             <a:endParaRPr lang="pt-BR"/>
           </a:p>
@@ -5783,7 +6006,7 @@
     </p:spTree>
     <p:extLst>
       <p:ext uri="{BB962C8B-B14F-4D97-AF65-F5344CB8AC3E}">
-        <p14:creationId xmlns:p14="http://schemas.microsoft.com/office/powerpoint/2010/main" val="27506906"/>
+        <p14:creationId xmlns:p14="http://schemas.microsoft.com/office/powerpoint/2010/main" val="2126421798"/>
       </p:ext>
     </p:extLst>
   </p:cSld>
@@ -5859,6 +6082,91 @@
             <a:fld id="{EF334A8D-C5BE-432D-90D0-92D67DD437AB}" type="slidenum">
               <a:rPr lang="pt-BR" smtClean="0"/>
               <a:pPr/>
+              <a:t>8</a:t>
+            </a:fld>
+            <a:endParaRPr lang="pt-BR"/>
+          </a:p>
+        </p:txBody>
+      </p:sp>
+    </p:spTree>
+    <p:extLst>
+      <p:ext uri="{BB962C8B-B14F-4D97-AF65-F5344CB8AC3E}">
+        <p14:creationId xmlns:p14="http://schemas.microsoft.com/office/powerpoint/2010/main" val="27506906"/>
+      </p:ext>
+    </p:extLst>
+  </p:cSld>
+  <p:clrMapOvr>
+    <a:masterClrMapping/>
+  </p:clrMapOvr>
+</p:notes>
+</file>
+
+<file path=ppt/notesSlides/notesSlide5.xml><?xml version="1.0" encoding="utf-8"?>
+<p:notes xmlns:a="http://schemas.openxmlformats.org/drawingml/2006/main" xmlns:r="http://schemas.openxmlformats.org/officeDocument/2006/relationships" xmlns:p="http://schemas.openxmlformats.org/presentationml/2006/main">
+  <p:cSld>
+    <p:spTree>
+      <p:nvGrpSpPr>
+        <p:cNvPr id="1" name=""/>
+        <p:cNvGrpSpPr/>
+        <p:nvPr/>
+      </p:nvGrpSpPr>
+      <p:grpSpPr>
+        <a:xfrm>
+          <a:off x="0" y="0"/>
+          <a:ext cx="0" cy="0"/>
+          <a:chOff x="0" y="0"/>
+          <a:chExt cx="0" cy="0"/>
+        </a:xfrm>
+      </p:grpSpPr>
+      <p:sp>
+        <p:nvSpPr>
+          <p:cNvPr id="2" name="Espaço Reservado para Imagem de Slide 1"/>
+          <p:cNvSpPr>
+            <a:spLocks noGrp="1" noRot="1" noChangeAspect="1"/>
+          </p:cNvSpPr>
+          <p:nvPr>
+            <p:ph type="sldImg"/>
+          </p:nvPr>
+        </p:nvSpPr>
+        <p:spPr/>
+      </p:sp>
+      <p:sp>
+        <p:nvSpPr>
+          <p:cNvPr id="3" name="Espaço Reservado para Anotações 2"/>
+          <p:cNvSpPr>
+            <a:spLocks noGrp="1"/>
+          </p:cNvSpPr>
+          <p:nvPr>
+            <p:ph type="body" idx="1"/>
+          </p:nvPr>
+        </p:nvSpPr>
+        <p:spPr/>
+        <p:txBody>
+          <a:bodyPr/>
+          <a:lstStyle/>
+          <a:p>
+            <a:endParaRPr lang="pt-BR" dirty="0"/>
+          </a:p>
+        </p:txBody>
+      </p:sp>
+      <p:sp>
+        <p:nvSpPr>
+          <p:cNvPr id="4" name="Espaço Reservado para Número de Slide 3"/>
+          <p:cNvSpPr>
+            <a:spLocks noGrp="1"/>
+          </p:cNvSpPr>
+          <p:nvPr>
+            <p:ph type="sldNum" sz="quarter" idx="5"/>
+          </p:nvPr>
+        </p:nvSpPr>
+        <p:spPr/>
+        <p:txBody>
+          <a:bodyPr/>
+          <a:lstStyle/>
+          <a:p>
+            <a:fld id="{EF334A8D-C5BE-432D-90D0-92D67DD437AB}" type="slidenum">
+              <a:rPr lang="pt-BR" smtClean="0"/>
+              <a:pPr/>
               <a:t>10</a:t>
             </a:fld>
             <a:endParaRPr lang="pt-BR"/>
@@ -5878,7 +6186,7 @@
 </p:notes>
 </file>
 
-<file path=ppt/notesSlides/notesSlide5.xml><?xml version="1.0" encoding="utf-8"?>
+<file path=ppt/notesSlides/notesSlide6.xml><?xml version="1.0" encoding="utf-8"?>
 <p:notes xmlns:a="http://schemas.openxmlformats.org/drawingml/2006/main" xmlns:r="http://schemas.openxmlformats.org/officeDocument/2006/relationships" xmlns:p="http://schemas.openxmlformats.org/presentationml/2006/main">
   <p:cSld>
     <p:spTree>
@@ -6035,7 +6343,7 @@
 </p:notes>
 </file>
 
-<file path=ppt/notesSlides/notesSlide6.xml><?xml version="1.0" encoding="utf-8"?>
+<file path=ppt/notesSlides/notesSlide7.xml><?xml version="1.0" encoding="utf-8"?>
 <p:notes xmlns:a="http://schemas.openxmlformats.org/drawingml/2006/main" xmlns:r="http://schemas.openxmlformats.org/officeDocument/2006/relationships" xmlns:p="http://schemas.openxmlformats.org/presentationml/2006/main">
   <p:cSld>
     <p:spTree>
@@ -6114,96 +6422,6 @@
     <p:extLst>
       <p:ext uri="{BB962C8B-B14F-4D97-AF65-F5344CB8AC3E}">
         <p14:creationId xmlns:p14="http://schemas.microsoft.com/office/powerpoint/2010/main" val="71164213"/>
-      </p:ext>
-    </p:extLst>
-  </p:cSld>
-  <p:clrMapOvr>
-    <a:masterClrMapping/>
-  </p:clrMapOvr>
-</p:notes>
-</file>
-
-<file path=ppt/notesSlides/notesSlide7.xml><?xml version="1.0" encoding="utf-8"?>
-<p:notes xmlns:a="http://schemas.openxmlformats.org/drawingml/2006/main" xmlns:r="http://schemas.openxmlformats.org/officeDocument/2006/relationships" xmlns:p="http://schemas.openxmlformats.org/presentationml/2006/main">
-  <p:cSld>
-    <p:spTree>
-      <p:nvGrpSpPr>
-        <p:cNvPr id="1" name=""/>
-        <p:cNvGrpSpPr/>
-        <p:nvPr/>
-      </p:nvGrpSpPr>
-      <p:grpSpPr>
-        <a:xfrm>
-          <a:off x="0" y="0"/>
-          <a:ext cx="0" cy="0"/>
-          <a:chOff x="0" y="0"/>
-          <a:chExt cx="0" cy="0"/>
-        </a:xfrm>
-      </p:grpSpPr>
-      <p:sp>
-        <p:nvSpPr>
-          <p:cNvPr id="2" name="Espaço Reservado para Imagem de Slide 1"/>
-          <p:cNvSpPr>
-            <a:spLocks noGrp="1" noRot="1" noChangeAspect="1"/>
-          </p:cNvSpPr>
-          <p:nvPr>
-            <p:ph type="sldImg"/>
-          </p:nvPr>
-        </p:nvSpPr>
-        <p:spPr>
-          <a:xfrm>
-            <a:off x="381000" y="685800"/>
-            <a:ext cx="6096000" cy="3429000"/>
-          </a:xfrm>
-        </p:spPr>
-      </p:sp>
-      <p:sp>
-        <p:nvSpPr>
-          <p:cNvPr id="3" name="Espaço Reservado para Anotações 2"/>
-          <p:cNvSpPr>
-            <a:spLocks noGrp="1"/>
-          </p:cNvSpPr>
-          <p:nvPr>
-            <p:ph type="body" idx="1"/>
-          </p:nvPr>
-        </p:nvSpPr>
-        <p:spPr/>
-        <p:txBody>
-          <a:bodyPr/>
-          <a:lstStyle/>
-          <a:p>
-            <a:endParaRPr lang="pt-BR" noProof="0" dirty="0"/>
-          </a:p>
-        </p:txBody>
-      </p:sp>
-      <p:sp>
-        <p:nvSpPr>
-          <p:cNvPr id="4" name="Espaço Reservado para Número de Slide 3"/>
-          <p:cNvSpPr>
-            <a:spLocks noGrp="1"/>
-          </p:cNvSpPr>
-          <p:nvPr>
-            <p:ph type="sldNum" sz="quarter" idx="10"/>
-          </p:nvPr>
-        </p:nvSpPr>
-        <p:spPr/>
-        <p:txBody>
-          <a:bodyPr/>
-          <a:lstStyle/>
-          <a:p>
-            <a:fld id="{EF334A8D-C5BE-432D-90D0-92D67DD437AB}" type="slidenum">
-              <a:rPr lang="pt-BR" smtClean="0"/>
-              <a:pPr/>
-              <a:t>14</a:t>
-            </a:fld>
-            <a:endParaRPr lang="pt-BR"/>
-          </a:p>
-        </p:txBody>
-      </p:sp>
-    </p:spTree>
-    <p:extLst>
-      <p:ext uri="{BB962C8B-B14F-4D97-AF65-F5344CB8AC3E}">
-        <p14:creationId xmlns:p14="http://schemas.microsoft.com/office/powerpoint/2010/main" val="3791607696"/>
       </p:ext>
     </p:extLst>
   </p:cSld>
@@ -6262,26 +6480,6 @@
           <a:bodyPr/>
           <a:lstStyle/>
           <a:p>
-            <a:r>
-              <a:rPr lang="pt-BR" noProof="0" dirty="0"/>
-              <a:t>Colisão</a:t>
-            </a:r>
-            <a:r>
-              <a:rPr lang="pt-BR" baseline="0" noProof="0" dirty="0"/>
-              <a:t> = </a:t>
-            </a:r>
-            <a:r>
-              <a:rPr lang="pt-BR" noProof="0" dirty="0" err="1"/>
-              <a:t>OverlapX</a:t>
-            </a:r>
-            <a:r>
-              <a:rPr lang="pt-BR" baseline="0" noProof="0" dirty="0"/>
-              <a:t> &amp;&amp; </a:t>
-            </a:r>
-            <a:r>
-              <a:rPr lang="pt-BR" baseline="0" noProof="0" dirty="0" err="1"/>
-              <a:t>OverlapY</a:t>
-            </a:r>
             <a:endParaRPr lang="pt-BR" noProof="0" dirty="0"/>
           </a:p>
         </p:txBody>
@@ -6304,7 +6502,7 @@
             <a:fld id="{EF334A8D-C5BE-432D-90D0-92D67DD437AB}" type="slidenum">
               <a:rPr lang="pt-BR" smtClean="0"/>
               <a:pPr/>
-              <a:t>16</a:t>
+              <a:t>14</a:t>
             </a:fld>
             <a:endParaRPr lang="pt-BR"/>
           </a:p>
@@ -6374,16 +6572,25 @@
           <a:p>
             <a:r>
               <a:rPr lang="pt-BR" noProof="0" dirty="0"/>
-              <a:t>O tratamento acima não detecta todos</a:t>
+              <a:t>Colisão</a:t>
             </a:r>
             <a:r>
               <a:rPr lang="pt-BR" baseline="0" noProof="0" dirty="0"/>
-              <a:t> os casos, é preciso expandir a quantidade de testes para um tratamento completo</a:t>
-            </a:r>
-            <a:r>
-              <a:rPr lang="pt-BR" noProof="0" dirty="0"/>
-              <a:t>.</a:t>
-            </a:r>
+              <a:t> = </a:t>
+            </a:r>
+            <a:r>
+              <a:rPr lang="pt-BR" noProof="0" dirty="0" err="1"/>
+              <a:t>OverlapX</a:t>
+            </a:r>
+            <a:r>
+              <a:rPr lang="pt-BR" baseline="0" noProof="0" dirty="0"/>
+              <a:t> &amp;&amp; </a:t>
+            </a:r>
+            <a:r>
+              <a:rPr lang="pt-BR" baseline="0" noProof="0" dirty="0" err="1"/>
+              <a:t>OverlapY</a:t>
+            </a:r>
+            <a:endParaRPr lang="pt-BR" noProof="0" dirty="0"/>
           </a:p>
         </p:txBody>
       </p:sp>
@@ -6405,7 +6612,7 @@
             <a:fld id="{EF334A8D-C5BE-432D-90D0-92D67DD437AB}" type="slidenum">
               <a:rPr lang="pt-BR" smtClean="0"/>
               <a:pPr/>
-              <a:t>17</a:t>
+              <a:t>16</a:t>
             </a:fld>
             <a:endParaRPr lang="pt-BR"/>
           </a:p>
@@ -7456,7 +7663,7 @@
             <a:fld id="{B41ABA4E-CD72-497B-97AA-7213B3980F60}" type="datetimeFigureOut">
               <a:rPr lang="en-US" smtClean="0"/>
               <a:pPr/>
-              <a:t>8/20/2021</a:t>
+              <a:t>8/21/2021</a:t>
             </a:fld>
             <a:endParaRPr lang="en-US" dirty="0"/>
           </a:p>
@@ -7633,7 +7840,7 @@
             <a:fld id="{B41ABA4E-CD72-497B-97AA-7213B3980F60}" type="datetimeFigureOut">
               <a:rPr lang="en-US" smtClean="0"/>
               <a:pPr/>
-              <a:t>8/20/2021</a:t>
+              <a:t>8/21/2021</a:t>
             </a:fld>
             <a:endParaRPr lang="en-US" dirty="0"/>
           </a:p>
@@ -7829,7 +8036,7 @@
             <a:fld id="{B41ABA4E-CD72-497B-97AA-7213B3980F60}" type="datetimeFigureOut">
               <a:rPr lang="en-US" smtClean="0"/>
               <a:pPr/>
-              <a:t>8/20/2021</a:t>
+              <a:t>8/21/2021</a:t>
             </a:fld>
             <a:endParaRPr lang="en-US" dirty="0"/>
           </a:p>
@@ -8090,7 +8297,7 @@
             <a:fld id="{B41ABA4E-CD72-497B-97AA-7213B3980F60}" type="datetimeFigureOut">
               <a:rPr lang="en-US" smtClean="0"/>
               <a:pPr/>
-              <a:t>8/20/2021</a:t>
+              <a:t>8/21/2021</a:t>
             </a:fld>
             <a:endParaRPr lang="en-US" dirty="0"/>
           </a:p>
@@ -8491,7 +8698,7 @@
             <a:fld id="{B41ABA4E-CD72-497B-97AA-7213B3980F60}" type="datetimeFigureOut">
               <a:rPr lang="en-US" smtClean="0"/>
               <a:pPr/>
-              <a:t>8/20/2021</a:t>
+              <a:t>8/21/2021</a:t>
             </a:fld>
             <a:endParaRPr lang="en-US" dirty="0"/>
           </a:p>
@@ -8931,7 +9138,7 @@
             <a:fld id="{B41ABA4E-CD72-497B-97AA-7213B3980F60}" type="datetimeFigureOut">
               <a:rPr lang="en-US" smtClean="0"/>
               <a:pPr/>
-              <a:t>8/20/2021</a:t>
+              <a:t>8/21/2021</a:t>
             </a:fld>
             <a:endParaRPr lang="en-US" dirty="0"/>
           </a:p>
@@ -9028,7 +9235,7 @@
             <a:fld id="{B41ABA4E-CD72-497B-97AA-7213B3980F60}" type="datetimeFigureOut">
               <a:rPr lang="en-US" smtClean="0"/>
               <a:pPr/>
-              <a:t>8/20/2021</a:t>
+              <a:t>8/21/2021</a:t>
             </a:fld>
             <a:endParaRPr lang="en-US" dirty="0"/>
           </a:p>
@@ -9143,7 +9350,7 @@
             <a:fld id="{B41ABA4E-CD72-497B-97AA-7213B3980F60}" type="datetimeFigureOut">
               <a:rPr lang="en-US" smtClean="0"/>
               <a:pPr/>
-              <a:t>8/20/2021</a:t>
+              <a:t>8/21/2021</a:t>
             </a:fld>
             <a:endParaRPr lang="en-US" dirty="0"/>
           </a:p>
@@ -9413,7 +9620,7 @@
             <a:fld id="{B41ABA4E-CD72-497B-97AA-7213B3980F60}" type="datetimeFigureOut">
               <a:rPr lang="en-US" smtClean="0"/>
               <a:pPr/>
-              <a:t>8/20/2021</a:t>
+              <a:t>8/21/2021</a:t>
             </a:fld>
             <a:endParaRPr lang="en-US" dirty="0"/>
           </a:p>
@@ -9616,7 +9823,7 @@
             <a:fld id="{B41ABA4E-CD72-497B-97AA-7213B3980F60}" type="datetimeFigureOut">
               <a:rPr lang="en-US" smtClean="0"/>
               <a:pPr/>
-              <a:t>8/20/2021</a:t>
+              <a:t>8/21/2021</a:t>
             </a:fld>
             <a:endParaRPr lang="en-US" dirty="0"/>
           </a:p>
@@ -10811,7 +11018,7 @@
             <a:fld id="{B41ABA4E-CD72-497B-97AA-7213B3980F60}" type="datetimeFigureOut">
               <a:rPr lang="en-US" smtClean="0"/>
               <a:pPr/>
-              <a:t>8/20/2021</a:t>
+              <a:t>8/21/2021</a:t>
             </a:fld>
             <a:endParaRPr lang="en-US" dirty="0"/>
           </a:p>
@@ -12783,6 +12990,9 @@
   <p:clrMapOvr>
     <a:masterClrMapping/>
   </p:clrMapOvr>
+  <p:transition spd="slow">
+    <p:wipe/>
+  </p:transition>
 </p:sld>
 </file>
 
@@ -13489,6 +13699,9 @@
   <p:clrMapOvr>
     <a:masterClrMapping/>
   </p:clrMapOvr>
+  <p:transition spd="slow">
+    <p:wipe/>
+  </p:transition>
 </p:sld>
 </file>
 
@@ -14357,6 +14570,15 @@
           <p:blipFill>
             <a:blip r:embed="rId6">
               <a:extLst>
+                <a:ext uri="{BEBA8EAE-BF5A-486C-A8C5-ECC9F3942E4B}">
+                  <a14:imgProps xmlns:a14="http://schemas.microsoft.com/office/drawing/2010/main">
+                    <a14:imgLayer r:embed="rId7">
+                      <a14:imgEffect>
+                        <a14:sharpenSoften amount="100000"/>
+                      </a14:imgEffect>
+                    </a14:imgLayer>
+                  </a14:imgProps>
+                </a:ext>
                 <a:ext uri="{28A0092B-C50C-407E-A947-70E740481C1C}">
                   <a14:useLocalDpi xmlns:a14="http://schemas.microsoft.com/office/drawing/2010/main" val="0"/>
                 </a:ext>
@@ -14440,6 +14662,9 @@
   <p:clrMapOvr>
     <a:masterClrMapping/>
   </p:clrMapOvr>
+  <p:transition spd="slow">
+    <p:wipe/>
+  </p:transition>
 </p:sld>
 </file>
 
@@ -15964,6 +16189,9 @@
   <p:clrMapOvr>
     <a:masterClrMapping/>
   </p:clrMapOvr>
+  <p:transition spd="slow">
+    <p:wipe/>
+  </p:transition>
 </p:sld>
 </file>
 
@@ -17205,6 +17433,9 @@
   <p:clrMapOvr>
     <a:masterClrMapping/>
   </p:clrMapOvr>
+  <p:transition spd="slow">
+    <p:wipe/>
+  </p:transition>
 </p:sld>
 </file>
 
@@ -18908,6 +19139,9 @@
   <p:clrMapOvr>
     <a:masterClrMapping/>
   </p:clrMapOvr>
+  <p:transition spd="slow">
+    <p:wipe/>
+  </p:transition>
 </p:sld>
 </file>
 
@@ -20667,6 +20901,9 @@
   <p:clrMapOvr>
     <a:masterClrMapping/>
   </p:clrMapOvr>
+  <p:transition spd="slow">
+    <p:wipe/>
+  </p:transition>
 </p:sld>
 </file>
 
@@ -23003,6 +23240,9 @@
   <p:clrMapOvr>
     <a:masterClrMapping/>
   </p:clrMapOvr>
+  <p:transition spd="slow">
+    <p:wipe/>
+  </p:transition>
 </p:sld>
 </file>
 
@@ -24334,6 +24574,9 @@
   <p:clrMapOvr>
     <a:masterClrMapping/>
   </p:clrMapOvr>
+  <p:transition spd="slow">
+    <p:wipe/>
+  </p:transition>
 </p:sld>
 </file>
 
@@ -25631,6 +25874,9 @@
   <p:clrMapOvr>
     <a:masterClrMapping/>
   </p:clrMapOvr>
+  <p:transition spd="slow">
+    <p:wipe/>
+  </p:transition>
 </p:sld>
 </file>
 
@@ -26408,6 +26654,9 @@
   <p:clrMapOvr>
     <a:masterClrMapping/>
   </p:clrMapOvr>
+  <p:transition spd="slow">
+    <p:wipe/>
+  </p:transition>
 </p:sld>
 </file>
 
@@ -26589,6 +26838,9 @@
   <p:clrMapOvr>
     <a:masterClrMapping/>
   </p:clrMapOvr>
+  <p:transition spd="slow">
+    <p:wipe/>
+  </p:transition>
 </p:sld>
 </file>
 
@@ -27595,6 +27847,9 @@
   <p:clrMapOvr>
     <a:masterClrMapping/>
   </p:clrMapOvr>
+  <p:transition spd="slow">
+    <p:wipe/>
+  </p:transition>
 </p:sld>
 </file>
 
@@ -28840,6 +29095,9 @@
   <p:clrMapOvr>
     <a:masterClrMapping/>
   </p:clrMapOvr>
+  <p:transition spd="slow">
+    <p:wipe/>
+  </p:transition>
 </p:sld>
 </file>
 
@@ -29712,6 +29970,9 @@
   <p:clrMapOvr>
     <a:masterClrMapping/>
   </p:clrMapOvr>
+  <p:transition spd="slow">
+    <p:wipe/>
+  </p:transition>
 </p:sld>
 </file>
 
@@ -30764,6 +31025,9 @@
   <p:clrMapOvr>
     <a:masterClrMapping/>
   </p:clrMapOvr>
+  <p:transition spd="slow">
+    <p:wipe/>
+  </p:transition>
 </p:sld>
 </file>
 
@@ -31233,6 +31497,9 @@
   <p:clrMapOvr>
     <a:masterClrMapping/>
   </p:clrMapOvr>
+  <p:transition spd="slow">
+    <p:wipe/>
+  </p:transition>
 </p:sld>
 </file>
 
@@ -32225,6 +32492,9 @@
   <p:clrMapOvr>
     <a:masterClrMapping/>
   </p:clrMapOvr>
+  <p:transition spd="slow">
+    <p:wipe/>
+  </p:transition>
 </p:sld>
 </file>
 
@@ -32949,6 +33219,9 @@
   <p:clrMapOvr>
     <a:masterClrMapping/>
   </p:clrMapOvr>
+  <p:transition spd="slow">
+    <p:wipe/>
+  </p:transition>
 </p:sld>
 </file>
 
